--- a/slides/05_object_orientation.pptx
+++ b/slides/05_object_orientation.pptx
@@ -359,104 +359,239 @@
             <a:noAutofit/>
           </a:bodyPr>
           <a:lstStyle>
-            <a:lvl1pPr indent="-298450" lvl="0" marL="457200">
-              <a:spcBef>
-                <a:spcPts val="0"/>
-              </a:spcBef>
-              <a:spcAft>
-                <a:spcPts val="0"/>
-              </a:spcAft>
+            <a:lvl1pPr indent="-298450" lvl="0" marL="457200" marR="0" rtl="0" algn="l">
+              <a:lnSpc>
+                <a:spcPct val="100000"/>
+              </a:lnSpc>
+              <a:spcBef>
+                <a:spcPts val="0"/>
+              </a:spcBef>
+              <a:spcAft>
+                <a:spcPts val="0"/>
+              </a:spcAft>
+              <a:buClr>
+                <a:srgbClr val="000000"/>
+              </a:buClr>
               <a:buSzPts val="1100"/>
+              <a:buFont typeface="Arial"/>
               <a:buChar char="●"/>
-              <a:defRPr sz="1100"/>
+              <a:defRPr b="0" i="0" sz="1100" u="none" cap="none" strike="noStrike">
+                <a:solidFill>
+                  <a:srgbClr val="000000"/>
+                </a:solidFill>
+                <a:latin typeface="Arial"/>
+                <a:ea typeface="Arial"/>
+                <a:cs typeface="Arial"/>
+                <a:sym typeface="Arial"/>
+              </a:defRPr>
             </a:lvl1pPr>
-            <a:lvl2pPr indent="-298450" lvl="1" marL="914400">
-              <a:spcBef>
-                <a:spcPts val="0"/>
-              </a:spcBef>
-              <a:spcAft>
-                <a:spcPts val="0"/>
-              </a:spcAft>
+            <a:lvl2pPr indent="-298450" lvl="1" marL="914400" marR="0" rtl="0" algn="l">
+              <a:lnSpc>
+                <a:spcPct val="100000"/>
+              </a:lnSpc>
+              <a:spcBef>
+                <a:spcPts val="0"/>
+              </a:spcBef>
+              <a:spcAft>
+                <a:spcPts val="0"/>
+              </a:spcAft>
+              <a:buClr>
+                <a:srgbClr val="000000"/>
+              </a:buClr>
               <a:buSzPts val="1100"/>
+              <a:buFont typeface="Arial"/>
               <a:buChar char="○"/>
-              <a:defRPr sz="1100"/>
+              <a:defRPr b="0" i="0" sz="1100" u="none" cap="none" strike="noStrike">
+                <a:solidFill>
+                  <a:srgbClr val="000000"/>
+                </a:solidFill>
+                <a:latin typeface="Arial"/>
+                <a:ea typeface="Arial"/>
+                <a:cs typeface="Arial"/>
+                <a:sym typeface="Arial"/>
+              </a:defRPr>
             </a:lvl2pPr>
-            <a:lvl3pPr indent="-298450" lvl="2" marL="1371600">
-              <a:spcBef>
-                <a:spcPts val="0"/>
-              </a:spcBef>
-              <a:spcAft>
-                <a:spcPts val="0"/>
-              </a:spcAft>
+            <a:lvl3pPr indent="-298450" lvl="2" marL="1371600" marR="0" rtl="0" algn="l">
+              <a:lnSpc>
+                <a:spcPct val="100000"/>
+              </a:lnSpc>
+              <a:spcBef>
+                <a:spcPts val="0"/>
+              </a:spcBef>
+              <a:spcAft>
+                <a:spcPts val="0"/>
+              </a:spcAft>
+              <a:buClr>
+                <a:srgbClr val="000000"/>
+              </a:buClr>
               <a:buSzPts val="1100"/>
+              <a:buFont typeface="Arial"/>
               <a:buChar char="■"/>
-              <a:defRPr sz="1100"/>
+              <a:defRPr b="0" i="0" sz="1100" u="none" cap="none" strike="noStrike">
+                <a:solidFill>
+                  <a:srgbClr val="000000"/>
+                </a:solidFill>
+                <a:latin typeface="Arial"/>
+                <a:ea typeface="Arial"/>
+                <a:cs typeface="Arial"/>
+                <a:sym typeface="Arial"/>
+              </a:defRPr>
             </a:lvl3pPr>
-            <a:lvl4pPr indent="-298450" lvl="3" marL="1828800">
-              <a:spcBef>
-                <a:spcPts val="0"/>
-              </a:spcBef>
-              <a:spcAft>
-                <a:spcPts val="0"/>
-              </a:spcAft>
+            <a:lvl4pPr indent="-298450" lvl="3" marL="1828800" marR="0" rtl="0" algn="l">
+              <a:lnSpc>
+                <a:spcPct val="100000"/>
+              </a:lnSpc>
+              <a:spcBef>
+                <a:spcPts val="0"/>
+              </a:spcBef>
+              <a:spcAft>
+                <a:spcPts val="0"/>
+              </a:spcAft>
+              <a:buClr>
+                <a:srgbClr val="000000"/>
+              </a:buClr>
               <a:buSzPts val="1100"/>
+              <a:buFont typeface="Arial"/>
               <a:buChar char="●"/>
-              <a:defRPr sz="1100"/>
+              <a:defRPr b="0" i="0" sz="1100" u="none" cap="none" strike="noStrike">
+                <a:solidFill>
+                  <a:srgbClr val="000000"/>
+                </a:solidFill>
+                <a:latin typeface="Arial"/>
+                <a:ea typeface="Arial"/>
+                <a:cs typeface="Arial"/>
+                <a:sym typeface="Arial"/>
+              </a:defRPr>
             </a:lvl4pPr>
-            <a:lvl5pPr indent="-298450" lvl="4" marL="2286000">
-              <a:spcBef>
-                <a:spcPts val="0"/>
-              </a:spcBef>
-              <a:spcAft>
-                <a:spcPts val="0"/>
-              </a:spcAft>
+            <a:lvl5pPr indent="-298450" lvl="4" marL="2286000" marR="0" rtl="0" algn="l">
+              <a:lnSpc>
+                <a:spcPct val="100000"/>
+              </a:lnSpc>
+              <a:spcBef>
+                <a:spcPts val="0"/>
+              </a:spcBef>
+              <a:spcAft>
+                <a:spcPts val="0"/>
+              </a:spcAft>
+              <a:buClr>
+                <a:srgbClr val="000000"/>
+              </a:buClr>
               <a:buSzPts val="1100"/>
+              <a:buFont typeface="Arial"/>
               <a:buChar char="○"/>
-              <a:defRPr sz="1100"/>
+              <a:defRPr b="0" i="0" sz="1100" u="none" cap="none" strike="noStrike">
+                <a:solidFill>
+                  <a:srgbClr val="000000"/>
+                </a:solidFill>
+                <a:latin typeface="Arial"/>
+                <a:ea typeface="Arial"/>
+                <a:cs typeface="Arial"/>
+                <a:sym typeface="Arial"/>
+              </a:defRPr>
             </a:lvl5pPr>
-            <a:lvl6pPr indent="-298450" lvl="5" marL="2743200">
-              <a:spcBef>
-                <a:spcPts val="0"/>
-              </a:spcBef>
-              <a:spcAft>
-                <a:spcPts val="0"/>
-              </a:spcAft>
+            <a:lvl6pPr indent="-298450" lvl="5" marL="2743200" marR="0" rtl="0" algn="l">
+              <a:lnSpc>
+                <a:spcPct val="100000"/>
+              </a:lnSpc>
+              <a:spcBef>
+                <a:spcPts val="0"/>
+              </a:spcBef>
+              <a:spcAft>
+                <a:spcPts val="0"/>
+              </a:spcAft>
+              <a:buClr>
+                <a:srgbClr val="000000"/>
+              </a:buClr>
               <a:buSzPts val="1100"/>
+              <a:buFont typeface="Arial"/>
               <a:buChar char="■"/>
-              <a:defRPr sz="1100"/>
+              <a:defRPr b="0" i="0" sz="1100" u="none" cap="none" strike="noStrike">
+                <a:solidFill>
+                  <a:srgbClr val="000000"/>
+                </a:solidFill>
+                <a:latin typeface="Arial"/>
+                <a:ea typeface="Arial"/>
+                <a:cs typeface="Arial"/>
+                <a:sym typeface="Arial"/>
+              </a:defRPr>
             </a:lvl6pPr>
-            <a:lvl7pPr indent="-298450" lvl="6" marL="3200400">
-              <a:spcBef>
-                <a:spcPts val="0"/>
-              </a:spcBef>
-              <a:spcAft>
-                <a:spcPts val="0"/>
-              </a:spcAft>
+            <a:lvl7pPr indent="-298450" lvl="6" marL="3200400" marR="0" rtl="0" algn="l">
+              <a:lnSpc>
+                <a:spcPct val="100000"/>
+              </a:lnSpc>
+              <a:spcBef>
+                <a:spcPts val="0"/>
+              </a:spcBef>
+              <a:spcAft>
+                <a:spcPts val="0"/>
+              </a:spcAft>
+              <a:buClr>
+                <a:srgbClr val="000000"/>
+              </a:buClr>
               <a:buSzPts val="1100"/>
+              <a:buFont typeface="Arial"/>
               <a:buChar char="●"/>
-              <a:defRPr sz="1100"/>
+              <a:defRPr b="0" i="0" sz="1100" u="none" cap="none" strike="noStrike">
+                <a:solidFill>
+                  <a:srgbClr val="000000"/>
+                </a:solidFill>
+                <a:latin typeface="Arial"/>
+                <a:ea typeface="Arial"/>
+                <a:cs typeface="Arial"/>
+                <a:sym typeface="Arial"/>
+              </a:defRPr>
             </a:lvl7pPr>
-            <a:lvl8pPr indent="-298450" lvl="7" marL="3657600">
-              <a:spcBef>
-                <a:spcPts val="0"/>
-              </a:spcBef>
-              <a:spcAft>
-                <a:spcPts val="0"/>
-              </a:spcAft>
+            <a:lvl8pPr indent="-298450" lvl="7" marL="3657600" marR="0" rtl="0" algn="l">
+              <a:lnSpc>
+                <a:spcPct val="100000"/>
+              </a:lnSpc>
+              <a:spcBef>
+                <a:spcPts val="0"/>
+              </a:spcBef>
+              <a:spcAft>
+                <a:spcPts val="0"/>
+              </a:spcAft>
+              <a:buClr>
+                <a:srgbClr val="000000"/>
+              </a:buClr>
               <a:buSzPts val="1100"/>
+              <a:buFont typeface="Arial"/>
               <a:buChar char="○"/>
-              <a:defRPr sz="1100"/>
+              <a:defRPr b="0" i="0" sz="1100" u="none" cap="none" strike="noStrike">
+                <a:solidFill>
+                  <a:srgbClr val="000000"/>
+                </a:solidFill>
+                <a:latin typeface="Arial"/>
+                <a:ea typeface="Arial"/>
+                <a:cs typeface="Arial"/>
+                <a:sym typeface="Arial"/>
+              </a:defRPr>
             </a:lvl8pPr>
-            <a:lvl9pPr indent="-298450" lvl="8" marL="4114800">
-              <a:spcBef>
-                <a:spcPts val="0"/>
-              </a:spcBef>
-              <a:spcAft>
-                <a:spcPts val="0"/>
-              </a:spcAft>
+            <a:lvl9pPr indent="-298450" lvl="8" marL="4114800" marR="0" rtl="0" algn="l">
+              <a:lnSpc>
+                <a:spcPct val="100000"/>
+              </a:lnSpc>
+              <a:spcBef>
+                <a:spcPts val="0"/>
+              </a:spcBef>
+              <a:spcAft>
+                <a:spcPts val="0"/>
+              </a:spcAft>
+              <a:buClr>
+                <a:srgbClr val="000000"/>
+              </a:buClr>
               <a:buSzPts val="1100"/>
+              <a:buFont typeface="Arial"/>
               <a:buChar char="■"/>
-              <a:defRPr sz="1100"/>
+              <a:defRPr b="0" i="0" sz="1100" u="none" cap="none" strike="noStrike">
+                <a:solidFill>
+                  <a:srgbClr val="000000"/>
+                </a:solidFill>
+                <a:latin typeface="Arial"/>
+                <a:ea typeface="Arial"/>
+                <a:cs typeface="Arial"/>
+                <a:sym typeface="Arial"/>
+              </a:defRPr>
             </a:lvl9pPr>
           </a:lstStyle>
           <a:p/>
@@ -716,7 +851,7 @@
       </p:grpSpPr>
       <p:sp>
         <p:nvSpPr>
-          <p:cNvPr id="81" name="Google Shape;81;p:notes"/>
+          <p:cNvPr id="81" name="Google Shape;81;p1:notes"/>
           <p:cNvSpPr/>
           <p:nvPr>
             <p:ph idx="2" type="sldImg"/>
@@ -747,11 +882,21 @@
               </a:path>
             </a:pathLst>
           </a:custGeom>
+          <a:noFill/>
+          <a:ln cap="flat" cmpd="sng" w="9525">
+            <a:solidFill>
+              <a:srgbClr val="000000"/>
+            </a:solidFill>
+            <a:prstDash val="solid"/>
+            <a:round/>
+            <a:headEnd len="sm" w="sm" type="none"/>
+            <a:tailEnd len="sm" w="sm" type="none"/>
+          </a:ln>
         </p:spPr>
       </p:sp>
       <p:sp>
         <p:nvSpPr>
-          <p:cNvPr id="82" name="Google Shape;82;p:notes"/>
+          <p:cNvPr id="82" name="Google Shape;82;p1:notes"/>
           <p:cNvSpPr txBox="1"/>
           <p:nvPr>
             <p:ph idx="1" type="body"/>
@@ -765,6 +910,10 @@
           <a:prstGeom prst="rect">
             <a:avLst/>
           </a:prstGeom>
+          <a:noFill/>
+          <a:ln>
+            <a:noFill/>
+          </a:ln>
         </p:spPr>
         <p:txBody>
           <a:bodyPr anchorCtr="0" anchor="t" bIns="91425" lIns="91425" spcFirstLastPara="1" rIns="91425" wrap="square" tIns="91425">
@@ -773,12 +922,16 @@
           <a:lstStyle/>
           <a:p>
             <a:pPr indent="0" lvl="0" marL="0" rtl="0" algn="l">
-              <a:spcBef>
-                <a:spcPts val="0"/>
-              </a:spcBef>
-              <a:spcAft>
-                <a:spcPts val="0"/>
-              </a:spcAft>
+              <a:lnSpc>
+                <a:spcPct val="100000"/>
+              </a:lnSpc>
+              <a:spcBef>
+                <a:spcPts val="0"/>
+              </a:spcBef>
+              <a:spcAft>
+                <a:spcPts val="0"/>
+              </a:spcAft>
+              <a:buSzPts val="1100"/>
               <a:buNone/>
             </a:pPr>
             <a:r>
@@ -815,7 +968,7 @@
       </p:grpSpPr>
       <p:sp>
         <p:nvSpPr>
-          <p:cNvPr id="144" name="Google Shape;144;gfab086dd2a_0_119:notes"/>
+          <p:cNvPr id="144" name="Google Shape;144;p10:notes"/>
           <p:cNvSpPr/>
           <p:nvPr>
             <p:ph idx="2" type="sldImg"/>
@@ -846,11 +999,21 @@
               </a:path>
             </a:pathLst>
           </a:custGeom>
+          <a:noFill/>
+          <a:ln cap="flat" cmpd="sng" w="9525">
+            <a:solidFill>
+              <a:srgbClr val="000000"/>
+            </a:solidFill>
+            <a:prstDash val="solid"/>
+            <a:round/>
+            <a:headEnd len="sm" w="sm" type="none"/>
+            <a:tailEnd len="sm" w="sm" type="none"/>
+          </a:ln>
         </p:spPr>
       </p:sp>
       <p:sp>
         <p:nvSpPr>
-          <p:cNvPr id="145" name="Google Shape;145;gfab086dd2a_0_119:notes"/>
+          <p:cNvPr id="145" name="Google Shape;145;p10:notes"/>
           <p:cNvSpPr txBox="1"/>
           <p:nvPr>
             <p:ph idx="1" type="body"/>
@@ -864,6 +1027,10 @@
           <a:prstGeom prst="rect">
             <a:avLst/>
           </a:prstGeom>
+          <a:noFill/>
+          <a:ln>
+            <a:noFill/>
+          </a:ln>
         </p:spPr>
         <p:txBody>
           <a:bodyPr anchorCtr="0" anchor="t" bIns="91425" lIns="91425" spcFirstLastPara="1" rIns="91425" wrap="square" tIns="91425">
@@ -872,12 +1039,16 @@
           <a:lstStyle/>
           <a:p>
             <a:pPr indent="0" lvl="0" marL="0" rtl="0" algn="l">
-              <a:spcBef>
-                <a:spcPts val="0"/>
-              </a:spcBef>
-              <a:spcAft>
-                <a:spcPts val="0"/>
-              </a:spcAft>
+              <a:lnSpc>
+                <a:spcPct val="100000"/>
+              </a:lnSpc>
+              <a:spcBef>
+                <a:spcPts val="0"/>
+              </a:spcBef>
+              <a:spcAft>
+                <a:spcPts val="0"/>
+              </a:spcAft>
+              <a:buSzPts val="1100"/>
               <a:buNone/>
             </a:pPr>
             <a:r>
@@ -914,7 +1085,7 @@
       </p:grpSpPr>
       <p:sp>
         <p:nvSpPr>
-          <p:cNvPr id="151" name="Google Shape;151;gfab086dd2a_0_126:notes"/>
+          <p:cNvPr id="151" name="Google Shape;151;p11:notes"/>
           <p:cNvSpPr/>
           <p:nvPr>
             <p:ph idx="2" type="sldImg"/>
@@ -945,11 +1116,21 @@
               </a:path>
             </a:pathLst>
           </a:custGeom>
+          <a:noFill/>
+          <a:ln cap="flat" cmpd="sng" w="9525">
+            <a:solidFill>
+              <a:srgbClr val="000000"/>
+            </a:solidFill>
+            <a:prstDash val="solid"/>
+            <a:round/>
+            <a:headEnd len="sm" w="sm" type="none"/>
+            <a:tailEnd len="sm" w="sm" type="none"/>
+          </a:ln>
         </p:spPr>
       </p:sp>
       <p:sp>
         <p:nvSpPr>
-          <p:cNvPr id="152" name="Google Shape;152;gfab086dd2a_0_126:notes"/>
+          <p:cNvPr id="152" name="Google Shape;152;p11:notes"/>
           <p:cNvSpPr txBox="1"/>
           <p:nvPr>
             <p:ph idx="1" type="body"/>
@@ -963,6 +1144,10 @@
           <a:prstGeom prst="rect">
             <a:avLst/>
           </a:prstGeom>
+          <a:noFill/>
+          <a:ln>
+            <a:noFill/>
+          </a:ln>
         </p:spPr>
         <p:txBody>
           <a:bodyPr anchorCtr="0" anchor="t" bIns="91425" lIns="91425" spcFirstLastPara="1" rIns="91425" wrap="square" tIns="91425">
@@ -971,12 +1156,16 @@
           <a:lstStyle/>
           <a:p>
             <a:pPr indent="0" lvl="0" marL="0" rtl="0" algn="l">
-              <a:spcBef>
-                <a:spcPts val="0"/>
-              </a:spcBef>
-              <a:spcAft>
-                <a:spcPts val="0"/>
-              </a:spcAft>
+              <a:lnSpc>
+                <a:spcPct val="100000"/>
+              </a:lnSpc>
+              <a:spcBef>
+                <a:spcPts val="0"/>
+              </a:spcBef>
+              <a:spcAft>
+                <a:spcPts val="0"/>
+              </a:spcAft>
+              <a:buSzPts val="1100"/>
               <a:buNone/>
             </a:pPr>
             <a:r>
@@ -1013,7 +1202,7 @@
       </p:grpSpPr>
       <p:sp>
         <p:nvSpPr>
-          <p:cNvPr id="157" name="Google Shape;157;gfab086dd2a_0_131:notes"/>
+          <p:cNvPr id="157" name="Google Shape;157;p12:notes"/>
           <p:cNvSpPr/>
           <p:nvPr>
             <p:ph idx="2" type="sldImg"/>
@@ -1044,11 +1233,21 @@
               </a:path>
             </a:pathLst>
           </a:custGeom>
+          <a:noFill/>
+          <a:ln cap="flat" cmpd="sng" w="9525">
+            <a:solidFill>
+              <a:srgbClr val="000000"/>
+            </a:solidFill>
+            <a:prstDash val="solid"/>
+            <a:round/>
+            <a:headEnd len="sm" w="sm" type="none"/>
+            <a:tailEnd len="sm" w="sm" type="none"/>
+          </a:ln>
         </p:spPr>
       </p:sp>
       <p:sp>
         <p:nvSpPr>
-          <p:cNvPr id="158" name="Google Shape;158;gfab086dd2a_0_131:notes"/>
+          <p:cNvPr id="158" name="Google Shape;158;p12:notes"/>
           <p:cNvSpPr txBox="1"/>
           <p:nvPr>
             <p:ph idx="1" type="body"/>
@@ -1062,6 +1261,10 @@
           <a:prstGeom prst="rect">
             <a:avLst/>
           </a:prstGeom>
+          <a:noFill/>
+          <a:ln>
+            <a:noFill/>
+          </a:ln>
         </p:spPr>
         <p:txBody>
           <a:bodyPr anchorCtr="0" anchor="t" bIns="91425" lIns="91425" spcFirstLastPara="1" rIns="91425" wrap="square" tIns="91425">
@@ -1070,12 +1273,16 @@
           <a:lstStyle/>
           <a:p>
             <a:pPr indent="0" lvl="0" marL="0" rtl="0" algn="l">
-              <a:spcBef>
-                <a:spcPts val="0"/>
-              </a:spcBef>
-              <a:spcAft>
-                <a:spcPts val="0"/>
-              </a:spcAft>
+              <a:lnSpc>
+                <a:spcPct val="100000"/>
+              </a:lnSpc>
+              <a:spcBef>
+                <a:spcPts val="0"/>
+              </a:spcBef>
+              <a:spcAft>
+                <a:spcPts val="0"/>
+              </a:spcAft>
+              <a:buSzPts val="1100"/>
               <a:buNone/>
             </a:pPr>
             <a:r>
@@ -1112,7 +1319,7 @@
       </p:grpSpPr>
       <p:sp>
         <p:nvSpPr>
-          <p:cNvPr id="87" name="Google Shape;87;gfab086dd2a_0_75:notes"/>
+          <p:cNvPr id="87" name="Google Shape;87;p2:notes"/>
           <p:cNvSpPr/>
           <p:nvPr>
             <p:ph idx="2" type="sldImg"/>
@@ -1143,11 +1350,21 @@
               </a:path>
             </a:pathLst>
           </a:custGeom>
+          <a:noFill/>
+          <a:ln cap="flat" cmpd="sng" w="9525">
+            <a:solidFill>
+              <a:srgbClr val="000000"/>
+            </a:solidFill>
+            <a:prstDash val="solid"/>
+            <a:round/>
+            <a:headEnd len="sm" w="sm" type="none"/>
+            <a:tailEnd len="sm" w="sm" type="none"/>
+          </a:ln>
         </p:spPr>
       </p:sp>
       <p:sp>
         <p:nvSpPr>
-          <p:cNvPr id="88" name="Google Shape;88;gfab086dd2a_0_75:notes"/>
+          <p:cNvPr id="88" name="Google Shape;88;p2:notes"/>
           <p:cNvSpPr txBox="1"/>
           <p:nvPr>
             <p:ph idx="1" type="body"/>
@@ -1161,6 +1378,10 @@
           <a:prstGeom prst="rect">
             <a:avLst/>
           </a:prstGeom>
+          <a:noFill/>
+          <a:ln>
+            <a:noFill/>
+          </a:ln>
         </p:spPr>
         <p:txBody>
           <a:bodyPr anchorCtr="0" anchor="t" bIns="91425" lIns="91425" spcFirstLastPara="1" rIns="91425" wrap="square" tIns="91425">
@@ -1169,12 +1390,16 @@
           <a:lstStyle/>
           <a:p>
             <a:pPr indent="0" lvl="0" marL="0" rtl="0" algn="l">
-              <a:spcBef>
-                <a:spcPts val="0"/>
-              </a:spcBef>
-              <a:spcAft>
-                <a:spcPts val="0"/>
-              </a:spcAft>
+              <a:lnSpc>
+                <a:spcPct val="100000"/>
+              </a:lnSpc>
+              <a:spcBef>
+                <a:spcPts val="0"/>
+              </a:spcBef>
+              <a:spcAft>
+                <a:spcPts val="0"/>
+              </a:spcAft>
+              <a:buSzPts val="1100"/>
               <a:buNone/>
             </a:pPr>
             <a:r>
@@ -1211,7 +1436,7 @@
       </p:grpSpPr>
       <p:sp>
         <p:nvSpPr>
-          <p:cNvPr id="93" name="Google Shape;93;gfab086dd2a_0_81:notes"/>
+          <p:cNvPr id="93" name="Google Shape;93;p3:notes"/>
           <p:cNvSpPr/>
           <p:nvPr>
             <p:ph idx="2" type="sldImg"/>
@@ -1242,11 +1467,21 @@
               </a:path>
             </a:pathLst>
           </a:custGeom>
+          <a:noFill/>
+          <a:ln cap="flat" cmpd="sng" w="9525">
+            <a:solidFill>
+              <a:srgbClr val="000000"/>
+            </a:solidFill>
+            <a:prstDash val="solid"/>
+            <a:round/>
+            <a:headEnd len="sm" w="sm" type="none"/>
+            <a:tailEnd len="sm" w="sm" type="none"/>
+          </a:ln>
         </p:spPr>
       </p:sp>
       <p:sp>
         <p:nvSpPr>
-          <p:cNvPr id="94" name="Google Shape;94;gfab086dd2a_0_81:notes"/>
+          <p:cNvPr id="94" name="Google Shape;94;p3:notes"/>
           <p:cNvSpPr txBox="1"/>
           <p:nvPr>
             <p:ph idx="1" type="body"/>
@@ -1260,6 +1495,10 @@
           <a:prstGeom prst="rect">
             <a:avLst/>
           </a:prstGeom>
+          <a:noFill/>
+          <a:ln>
+            <a:noFill/>
+          </a:ln>
         </p:spPr>
         <p:txBody>
           <a:bodyPr anchorCtr="0" anchor="t" bIns="91425" lIns="91425" spcFirstLastPara="1" rIns="91425" wrap="square" tIns="91425">
@@ -1268,12 +1507,16 @@
           <a:lstStyle/>
           <a:p>
             <a:pPr indent="0" lvl="0" marL="0" rtl="0" algn="l">
-              <a:spcBef>
-                <a:spcPts val="0"/>
-              </a:spcBef>
-              <a:spcAft>
-                <a:spcPts val="0"/>
-              </a:spcAft>
+              <a:lnSpc>
+                <a:spcPct val="100000"/>
+              </a:lnSpc>
+              <a:spcBef>
+                <a:spcPts val="0"/>
+              </a:spcBef>
+              <a:spcAft>
+                <a:spcPts val="0"/>
+              </a:spcAft>
+              <a:buSzPts val="1100"/>
               <a:buNone/>
             </a:pPr>
             <a:r>
@@ -1310,7 +1553,7 @@
       </p:grpSpPr>
       <p:sp>
         <p:nvSpPr>
-          <p:cNvPr id="99" name="Google Shape;99;gfab086dd2a_0_98:notes"/>
+          <p:cNvPr id="99" name="Google Shape;99;p4:notes"/>
           <p:cNvSpPr/>
           <p:nvPr>
             <p:ph idx="2" type="sldImg"/>
@@ -1341,11 +1584,21 @@
               </a:path>
             </a:pathLst>
           </a:custGeom>
+          <a:noFill/>
+          <a:ln cap="flat" cmpd="sng" w="9525">
+            <a:solidFill>
+              <a:srgbClr val="000000"/>
+            </a:solidFill>
+            <a:prstDash val="solid"/>
+            <a:round/>
+            <a:headEnd len="sm" w="sm" type="none"/>
+            <a:tailEnd len="sm" w="sm" type="none"/>
+          </a:ln>
         </p:spPr>
       </p:sp>
       <p:sp>
         <p:nvSpPr>
-          <p:cNvPr id="100" name="Google Shape;100;gfab086dd2a_0_98:notes"/>
+          <p:cNvPr id="100" name="Google Shape;100;p4:notes"/>
           <p:cNvSpPr txBox="1"/>
           <p:nvPr>
             <p:ph idx="1" type="body"/>
@@ -1359,6 +1612,10 @@
           <a:prstGeom prst="rect">
             <a:avLst/>
           </a:prstGeom>
+          <a:noFill/>
+          <a:ln>
+            <a:noFill/>
+          </a:ln>
         </p:spPr>
         <p:txBody>
           <a:bodyPr anchorCtr="0" anchor="t" bIns="91425" lIns="91425" spcFirstLastPara="1" rIns="91425" wrap="square" tIns="91425">
@@ -1367,12 +1624,16 @@
           <a:lstStyle/>
           <a:p>
             <a:pPr indent="0" lvl="0" marL="0" rtl="0" algn="l">
-              <a:spcBef>
-                <a:spcPts val="0"/>
-              </a:spcBef>
-              <a:spcAft>
-                <a:spcPts val="0"/>
-              </a:spcAft>
+              <a:lnSpc>
+                <a:spcPct val="100000"/>
+              </a:lnSpc>
+              <a:spcBef>
+                <a:spcPts val="0"/>
+              </a:spcBef>
+              <a:spcAft>
+                <a:spcPts val="0"/>
+              </a:spcAft>
+              <a:buSzPts val="1100"/>
               <a:buNone/>
             </a:pPr>
             <a:r>
@@ -1409,7 +1670,7 @@
       </p:grpSpPr>
       <p:sp>
         <p:nvSpPr>
-          <p:cNvPr id="105" name="Google Shape;105;gfab086dd2a_0_136:notes"/>
+          <p:cNvPr id="105" name="Google Shape;105;p5:notes"/>
           <p:cNvSpPr/>
           <p:nvPr>
             <p:ph idx="2" type="sldImg"/>
@@ -1440,11 +1701,21 @@
               </a:path>
             </a:pathLst>
           </a:custGeom>
+          <a:noFill/>
+          <a:ln cap="flat" cmpd="sng" w="9525">
+            <a:solidFill>
+              <a:srgbClr val="000000"/>
+            </a:solidFill>
+            <a:prstDash val="solid"/>
+            <a:round/>
+            <a:headEnd len="sm" w="sm" type="none"/>
+            <a:tailEnd len="sm" w="sm" type="none"/>
+          </a:ln>
         </p:spPr>
       </p:sp>
       <p:sp>
         <p:nvSpPr>
-          <p:cNvPr id="106" name="Google Shape;106;gfab086dd2a_0_136:notes"/>
+          <p:cNvPr id="106" name="Google Shape;106;p5:notes"/>
           <p:cNvSpPr txBox="1"/>
           <p:nvPr>
             <p:ph idx="1" type="body"/>
@@ -1458,6 +1729,10 @@
           <a:prstGeom prst="rect">
             <a:avLst/>
           </a:prstGeom>
+          <a:noFill/>
+          <a:ln>
+            <a:noFill/>
+          </a:ln>
         </p:spPr>
         <p:txBody>
           <a:bodyPr anchorCtr="0" anchor="t" bIns="91425" lIns="91425" spcFirstLastPara="1" rIns="91425" wrap="square" tIns="91425">
@@ -1466,12 +1741,16 @@
           <a:lstStyle/>
           <a:p>
             <a:pPr indent="0" lvl="0" marL="0" rtl="0" algn="l">
-              <a:spcBef>
-                <a:spcPts val="0"/>
-              </a:spcBef>
-              <a:spcAft>
-                <a:spcPts val="0"/>
-              </a:spcAft>
+              <a:lnSpc>
+                <a:spcPct val="100000"/>
+              </a:lnSpc>
+              <a:spcBef>
+                <a:spcPts val="0"/>
+              </a:spcBef>
+              <a:spcAft>
+                <a:spcPts val="0"/>
+              </a:spcAft>
+              <a:buSzPts val="1100"/>
               <a:buNone/>
             </a:pPr>
             <a:r>
@@ -1508,7 +1787,7 @@
       </p:grpSpPr>
       <p:sp>
         <p:nvSpPr>
-          <p:cNvPr id="112" name="Google Shape;112;gfab086dd2a_0_86:notes"/>
+          <p:cNvPr id="112" name="Google Shape;112;p6:notes"/>
           <p:cNvSpPr/>
           <p:nvPr>
             <p:ph idx="2" type="sldImg"/>
@@ -1539,11 +1818,21 @@
               </a:path>
             </a:pathLst>
           </a:custGeom>
+          <a:noFill/>
+          <a:ln cap="flat" cmpd="sng" w="9525">
+            <a:solidFill>
+              <a:srgbClr val="000000"/>
+            </a:solidFill>
+            <a:prstDash val="solid"/>
+            <a:round/>
+            <a:headEnd len="sm" w="sm" type="none"/>
+            <a:tailEnd len="sm" w="sm" type="none"/>
+          </a:ln>
         </p:spPr>
       </p:sp>
       <p:sp>
         <p:nvSpPr>
-          <p:cNvPr id="113" name="Google Shape;113;gfab086dd2a_0_86:notes"/>
+          <p:cNvPr id="113" name="Google Shape;113;p6:notes"/>
           <p:cNvSpPr txBox="1"/>
           <p:nvPr>
             <p:ph idx="1" type="body"/>
@@ -1557,6 +1846,10 @@
           <a:prstGeom prst="rect">
             <a:avLst/>
           </a:prstGeom>
+          <a:noFill/>
+          <a:ln>
+            <a:noFill/>
+          </a:ln>
         </p:spPr>
         <p:txBody>
           <a:bodyPr anchorCtr="0" anchor="t" bIns="91425" lIns="91425" spcFirstLastPara="1" rIns="91425" wrap="square" tIns="91425">
@@ -1565,12 +1858,16 @@
           <a:lstStyle/>
           <a:p>
             <a:pPr indent="0" lvl="0" marL="0" rtl="0" algn="l">
-              <a:spcBef>
-                <a:spcPts val="0"/>
-              </a:spcBef>
-              <a:spcAft>
-                <a:spcPts val="0"/>
-              </a:spcAft>
+              <a:lnSpc>
+                <a:spcPct val="100000"/>
+              </a:lnSpc>
+              <a:spcBef>
+                <a:spcPts val="0"/>
+              </a:spcBef>
+              <a:spcAft>
+                <a:spcPts val="0"/>
+              </a:spcAft>
+              <a:buSzPts val="1100"/>
               <a:buNone/>
             </a:pPr>
             <a:r>
@@ -1607,7 +1904,7 @@
       </p:grpSpPr>
       <p:sp>
         <p:nvSpPr>
-          <p:cNvPr id="120" name="Google Shape;120;gfab086dd2a_0_93:notes"/>
+          <p:cNvPr id="120" name="Google Shape;120;p7:notes"/>
           <p:cNvSpPr/>
           <p:nvPr>
             <p:ph idx="2" type="sldImg"/>
@@ -1638,11 +1935,21 @@
               </a:path>
             </a:pathLst>
           </a:custGeom>
+          <a:noFill/>
+          <a:ln cap="flat" cmpd="sng" w="9525">
+            <a:solidFill>
+              <a:srgbClr val="000000"/>
+            </a:solidFill>
+            <a:prstDash val="solid"/>
+            <a:round/>
+            <a:headEnd len="sm" w="sm" type="none"/>
+            <a:tailEnd len="sm" w="sm" type="none"/>
+          </a:ln>
         </p:spPr>
       </p:sp>
       <p:sp>
         <p:nvSpPr>
-          <p:cNvPr id="121" name="Google Shape;121;gfab086dd2a_0_93:notes"/>
+          <p:cNvPr id="121" name="Google Shape;121;p7:notes"/>
           <p:cNvSpPr txBox="1"/>
           <p:nvPr>
             <p:ph idx="1" type="body"/>
@@ -1656,6 +1963,10 @@
           <a:prstGeom prst="rect">
             <a:avLst/>
           </a:prstGeom>
+          <a:noFill/>
+          <a:ln>
+            <a:noFill/>
+          </a:ln>
         </p:spPr>
         <p:txBody>
           <a:bodyPr anchorCtr="0" anchor="t" bIns="91425" lIns="91425" spcFirstLastPara="1" rIns="91425" wrap="square" tIns="91425">
@@ -1664,12 +1975,16 @@
           <a:lstStyle/>
           <a:p>
             <a:pPr indent="0" lvl="0" marL="0" rtl="0" algn="l">
-              <a:spcBef>
-                <a:spcPts val="0"/>
-              </a:spcBef>
-              <a:spcAft>
-                <a:spcPts val="0"/>
-              </a:spcAft>
+              <a:lnSpc>
+                <a:spcPct val="100000"/>
+              </a:lnSpc>
+              <a:spcBef>
+                <a:spcPts val="0"/>
+              </a:spcBef>
+              <a:spcAft>
+                <a:spcPts val="0"/>
+              </a:spcAft>
+              <a:buSzPts val="1100"/>
               <a:buNone/>
             </a:pPr>
             <a:r>
@@ -1706,7 +2021,7 @@
       </p:grpSpPr>
       <p:sp>
         <p:nvSpPr>
-          <p:cNvPr id="128" name="Google Shape;128;gfab086dd2a_0_105:notes"/>
+          <p:cNvPr id="128" name="Google Shape;128;p8:notes"/>
           <p:cNvSpPr/>
           <p:nvPr>
             <p:ph idx="2" type="sldImg"/>
@@ -1737,11 +2052,21 @@
               </a:path>
             </a:pathLst>
           </a:custGeom>
+          <a:noFill/>
+          <a:ln cap="flat" cmpd="sng" w="9525">
+            <a:solidFill>
+              <a:srgbClr val="000000"/>
+            </a:solidFill>
+            <a:prstDash val="solid"/>
+            <a:round/>
+            <a:headEnd len="sm" w="sm" type="none"/>
+            <a:tailEnd len="sm" w="sm" type="none"/>
+          </a:ln>
         </p:spPr>
       </p:sp>
       <p:sp>
         <p:nvSpPr>
-          <p:cNvPr id="129" name="Google Shape;129;gfab086dd2a_0_105:notes"/>
+          <p:cNvPr id="129" name="Google Shape;129;p8:notes"/>
           <p:cNvSpPr txBox="1"/>
           <p:nvPr>
             <p:ph idx="1" type="body"/>
@@ -1755,6 +2080,10 @@
           <a:prstGeom prst="rect">
             <a:avLst/>
           </a:prstGeom>
+          <a:noFill/>
+          <a:ln>
+            <a:noFill/>
+          </a:ln>
         </p:spPr>
         <p:txBody>
           <a:bodyPr anchorCtr="0" anchor="t" bIns="91425" lIns="91425" spcFirstLastPara="1" rIns="91425" wrap="square" tIns="91425">
@@ -1763,12 +2092,16 @@
           <a:lstStyle/>
           <a:p>
             <a:pPr indent="0" lvl="0" marL="0" rtl="0" algn="l">
-              <a:spcBef>
-                <a:spcPts val="0"/>
-              </a:spcBef>
-              <a:spcAft>
-                <a:spcPts val="0"/>
-              </a:spcAft>
+              <a:lnSpc>
+                <a:spcPct val="100000"/>
+              </a:lnSpc>
+              <a:spcBef>
+                <a:spcPts val="0"/>
+              </a:spcBef>
+              <a:spcAft>
+                <a:spcPts val="0"/>
+              </a:spcAft>
+              <a:buSzPts val="1100"/>
               <a:buNone/>
             </a:pPr>
             <a:r>
@@ -1805,7 +2138,7 @@
       </p:grpSpPr>
       <p:sp>
         <p:nvSpPr>
-          <p:cNvPr id="136" name="Google Shape;136;gfab086dd2a_0_112:notes"/>
+          <p:cNvPr id="136" name="Google Shape;136;p9:notes"/>
           <p:cNvSpPr/>
           <p:nvPr>
             <p:ph idx="2" type="sldImg"/>
@@ -1836,11 +2169,21 @@
               </a:path>
             </a:pathLst>
           </a:custGeom>
+          <a:noFill/>
+          <a:ln cap="flat" cmpd="sng" w="9525">
+            <a:solidFill>
+              <a:srgbClr val="000000"/>
+            </a:solidFill>
+            <a:prstDash val="solid"/>
+            <a:round/>
+            <a:headEnd len="sm" w="sm" type="none"/>
+            <a:tailEnd len="sm" w="sm" type="none"/>
+          </a:ln>
         </p:spPr>
       </p:sp>
       <p:sp>
         <p:nvSpPr>
-          <p:cNvPr id="137" name="Google Shape;137;gfab086dd2a_0_112:notes"/>
+          <p:cNvPr id="137" name="Google Shape;137;p9:notes"/>
           <p:cNvSpPr txBox="1"/>
           <p:nvPr>
             <p:ph idx="1" type="body"/>
@@ -1854,6 +2197,10 @@
           <a:prstGeom prst="rect">
             <a:avLst/>
           </a:prstGeom>
+          <a:noFill/>
+          <a:ln>
+            <a:noFill/>
+          </a:ln>
         </p:spPr>
         <p:txBody>
           <a:bodyPr anchorCtr="0" anchor="t" bIns="91425" lIns="91425" spcFirstLastPara="1" rIns="91425" wrap="square" tIns="91425">
@@ -1862,12 +2209,16 @@
           <a:lstStyle/>
           <a:p>
             <a:pPr indent="0" lvl="0" marL="0" rtl="0" algn="l">
-              <a:spcBef>
-                <a:spcPts val="0"/>
-              </a:spcBef>
-              <a:spcAft>
-                <a:spcPts val="0"/>
-              </a:spcAft>
+              <a:lnSpc>
+                <a:spcPct val="100000"/>
+              </a:lnSpc>
+              <a:spcBef>
+                <a:spcPts val="0"/>
+              </a:spcBef>
+              <a:spcAft>
+                <a:spcPts val="0"/>
+              </a:spcAft>
+              <a:buSzPts val="1100"/>
               <a:buNone/>
             </a:pPr>
             <a:r>
@@ -4831,8 +5182,8 @@
 </file>
 
 <file path=ppt/slideLayouts/slideLayout2.xml><?xml version="1.0" encoding="utf-8"?>
-<p:sldLayout xmlns:a="http://schemas.openxmlformats.org/drawingml/2006/main" xmlns:r="http://schemas.openxmlformats.org/officeDocument/2006/relationships" xmlns:mc="http://schemas.openxmlformats.org/markup-compatibility/2006" xmlns:mv="urn:schemas-microsoft-com:mac:vml" xmlns:p="http://schemas.openxmlformats.org/presentationml/2006/main" xmlns:c="http://schemas.openxmlformats.org/drawingml/2006/chart" xmlns:dgm="http://schemas.openxmlformats.org/drawingml/2006/diagram" xmlns:o="urn:schemas-microsoft-com:office:office" xmlns:v="urn:schemas-microsoft-com:vml" xmlns:pvml="urn:schemas-microsoft-com:office:powerpoint" xmlns:com="http://schemas.openxmlformats.org/drawingml/2006/compatibility" xmlns:p14="http://schemas.microsoft.com/office/powerpoint/2010/main" xmlns:p15="http://schemas.microsoft.com/office/powerpoint/2012/main" xmlns:ahyp="http://schemas.microsoft.com/office/drawing/2018/hyperlinkcolor" matchingName="1_Titel und Inhalt">
-  <p:cSld name="1_Titel und Inhalt">
+<p:sldLayout xmlns:a="http://schemas.openxmlformats.org/drawingml/2006/main" xmlns:r="http://schemas.openxmlformats.org/officeDocument/2006/relationships" xmlns:mc="http://schemas.openxmlformats.org/markup-compatibility/2006" xmlns:mv="urn:schemas-microsoft-com:mac:vml" xmlns:p="http://schemas.openxmlformats.org/presentationml/2006/main" xmlns:c="http://schemas.openxmlformats.org/drawingml/2006/chart" xmlns:dgm="http://schemas.openxmlformats.org/drawingml/2006/diagram" xmlns:o="urn:schemas-microsoft-com:office:office" xmlns:v="urn:schemas-microsoft-com:vml" xmlns:pvml="urn:schemas-microsoft-com:office:powerpoint" xmlns:com="http://schemas.openxmlformats.org/drawingml/2006/compatibility" xmlns:p14="http://schemas.microsoft.com/office/powerpoint/2010/main" xmlns:p15="http://schemas.microsoft.com/office/powerpoint/2012/main" xmlns:ahyp="http://schemas.microsoft.com/office/drawing/2018/hyperlinkcolor" matchingName="1_Titel und Diagramm">
+  <p:cSld name="1_Titel und Diagramm">
     <p:spTree>
       <p:nvGrpSpPr>
         <p:cNvPr id="20" name="Shape 20"/>
@@ -5065,6 +5416,510 @@
       <p:sp>
         <p:nvSpPr>
           <p:cNvPr id="23" name="Google Shape;23;p3"/>
+          <p:cNvSpPr/>
+          <p:nvPr>
+            <p:ph idx="2" type="chart"/>
+          </p:nvPr>
+        </p:nvSpPr>
+        <p:spPr>
+          <a:xfrm>
+            <a:off x="431800" y="782241"/>
+            <a:ext cx="8375700" cy="3579000"/>
+          </a:xfrm>
+          <a:prstGeom prst="rect">
+            <a:avLst/>
+          </a:prstGeom>
+          <a:noFill/>
+          <a:ln>
+            <a:noFill/>
+          </a:ln>
+        </p:spPr>
+        <p:txBody>
+          <a:bodyPr anchorCtr="0" anchor="t" bIns="0" lIns="0" spcFirstLastPara="1" rIns="0" wrap="square" tIns="0">
+            <a:noAutofit/>
+          </a:bodyPr>
+          <a:lstStyle>
+            <a:lvl1pPr lvl="0" marR="0" rtl="0" algn="l">
+              <a:lnSpc>
+                <a:spcPct val="100000"/>
+              </a:lnSpc>
+              <a:spcBef>
+                <a:spcPts val="320"/>
+              </a:spcBef>
+              <a:spcAft>
+                <a:spcPts val="0"/>
+              </a:spcAft>
+              <a:buClr>
+                <a:srgbClr val="000000"/>
+              </a:buClr>
+              <a:buSzPts val="1400"/>
+              <a:buFont typeface="Arial"/>
+              <a:buNone/>
+              <a:defRPr b="0" i="0" sz="1600" u="none" cap="none" strike="noStrike">
+                <a:solidFill>
+                  <a:schemeClr val="dk1"/>
+                </a:solidFill>
+                <a:latin typeface="Arial"/>
+                <a:ea typeface="Arial"/>
+                <a:cs typeface="Arial"/>
+                <a:sym typeface="Arial"/>
+              </a:defRPr>
+            </a:lvl1pPr>
+            <a:lvl2pPr lvl="1" marR="0" rtl="0" algn="l">
+              <a:lnSpc>
+                <a:spcPct val="100000"/>
+              </a:lnSpc>
+              <a:spcBef>
+                <a:spcPts val="320"/>
+              </a:spcBef>
+              <a:spcAft>
+                <a:spcPts val="0"/>
+              </a:spcAft>
+              <a:buClr>
+                <a:schemeClr val="dk1"/>
+              </a:buClr>
+              <a:buSzPts val="1600"/>
+              <a:buFont typeface="Noto Sans Symbols"/>
+              <a:buChar char="▪"/>
+              <a:defRPr b="0" i="0" sz="1600" u="none" cap="none" strike="noStrike">
+                <a:solidFill>
+                  <a:schemeClr val="dk1"/>
+                </a:solidFill>
+                <a:latin typeface="Arial"/>
+                <a:ea typeface="Arial"/>
+                <a:cs typeface="Arial"/>
+                <a:sym typeface="Arial"/>
+              </a:defRPr>
+            </a:lvl2pPr>
+            <a:lvl3pPr lvl="2" marR="0" rtl="0" algn="l">
+              <a:lnSpc>
+                <a:spcPct val="100000"/>
+              </a:lnSpc>
+              <a:spcBef>
+                <a:spcPts val="320"/>
+              </a:spcBef>
+              <a:spcAft>
+                <a:spcPts val="0"/>
+              </a:spcAft>
+              <a:buClr>
+                <a:schemeClr val="dk1"/>
+              </a:buClr>
+              <a:buSzPts val="1600"/>
+              <a:buFont typeface="Noto Sans Symbols"/>
+              <a:buChar char="▪"/>
+              <a:defRPr b="0" i="0" sz="1600" u="none" cap="none" strike="noStrike">
+                <a:solidFill>
+                  <a:schemeClr val="dk1"/>
+                </a:solidFill>
+                <a:latin typeface="Arial"/>
+                <a:ea typeface="Arial"/>
+                <a:cs typeface="Arial"/>
+                <a:sym typeface="Arial"/>
+              </a:defRPr>
+            </a:lvl3pPr>
+            <a:lvl4pPr lvl="3" marR="0" rtl="0" algn="l">
+              <a:lnSpc>
+                <a:spcPct val="100000"/>
+              </a:lnSpc>
+              <a:spcBef>
+                <a:spcPts val="320"/>
+              </a:spcBef>
+              <a:spcAft>
+                <a:spcPts val="0"/>
+              </a:spcAft>
+              <a:buClr>
+                <a:schemeClr val="dk1"/>
+              </a:buClr>
+              <a:buSzPts val="1600"/>
+              <a:buFont typeface="Noto Sans Symbols"/>
+              <a:buChar char="▪"/>
+              <a:defRPr b="0" i="0" sz="1600" u="none" cap="none" strike="noStrike">
+                <a:solidFill>
+                  <a:schemeClr val="dk1"/>
+                </a:solidFill>
+                <a:latin typeface="Arial"/>
+                <a:ea typeface="Arial"/>
+                <a:cs typeface="Arial"/>
+                <a:sym typeface="Arial"/>
+              </a:defRPr>
+            </a:lvl4pPr>
+            <a:lvl5pPr lvl="4" marR="0" rtl="0" algn="l">
+              <a:lnSpc>
+                <a:spcPct val="100000"/>
+              </a:lnSpc>
+              <a:spcBef>
+                <a:spcPts val="320"/>
+              </a:spcBef>
+              <a:spcAft>
+                <a:spcPts val="0"/>
+              </a:spcAft>
+              <a:buClr>
+                <a:schemeClr val="dk1"/>
+              </a:buClr>
+              <a:buSzPts val="1600"/>
+              <a:buFont typeface="Noto Sans Symbols"/>
+              <a:buChar char="▪"/>
+              <a:defRPr b="0" i="0" sz="1600" u="none" cap="none" strike="noStrike">
+                <a:solidFill>
+                  <a:schemeClr val="dk1"/>
+                </a:solidFill>
+                <a:latin typeface="Arial"/>
+                <a:ea typeface="Arial"/>
+                <a:cs typeface="Arial"/>
+                <a:sym typeface="Arial"/>
+              </a:defRPr>
+            </a:lvl5pPr>
+            <a:lvl6pPr lvl="5" marR="0" rtl="0" algn="l">
+              <a:lnSpc>
+                <a:spcPct val="100000"/>
+              </a:lnSpc>
+              <a:spcBef>
+                <a:spcPts val="320"/>
+              </a:spcBef>
+              <a:spcAft>
+                <a:spcPts val="0"/>
+              </a:spcAft>
+              <a:buClr>
+                <a:schemeClr val="dk1"/>
+              </a:buClr>
+              <a:buSzPts val="1600"/>
+              <a:buFont typeface="Noto Sans Symbols"/>
+              <a:buChar char="▪"/>
+              <a:defRPr b="0" i="0" sz="1600" u="none" cap="none" strike="noStrike">
+                <a:solidFill>
+                  <a:schemeClr val="dk1"/>
+                </a:solidFill>
+                <a:latin typeface="Arial"/>
+                <a:ea typeface="Arial"/>
+                <a:cs typeface="Arial"/>
+                <a:sym typeface="Arial"/>
+              </a:defRPr>
+            </a:lvl6pPr>
+            <a:lvl7pPr lvl="6" marR="0" rtl="0" algn="l">
+              <a:lnSpc>
+                <a:spcPct val="100000"/>
+              </a:lnSpc>
+              <a:spcBef>
+                <a:spcPts val="320"/>
+              </a:spcBef>
+              <a:spcAft>
+                <a:spcPts val="0"/>
+              </a:spcAft>
+              <a:buClr>
+                <a:schemeClr val="dk1"/>
+              </a:buClr>
+              <a:buSzPts val="1600"/>
+              <a:buFont typeface="Noto Sans Symbols"/>
+              <a:buChar char="▪"/>
+              <a:defRPr b="0" i="0" sz="1600" u="none" cap="none" strike="noStrike">
+                <a:solidFill>
+                  <a:schemeClr val="dk1"/>
+                </a:solidFill>
+                <a:latin typeface="Arial"/>
+                <a:ea typeface="Arial"/>
+                <a:cs typeface="Arial"/>
+                <a:sym typeface="Arial"/>
+              </a:defRPr>
+            </a:lvl7pPr>
+            <a:lvl8pPr lvl="7" marR="0" rtl="0" algn="l">
+              <a:lnSpc>
+                <a:spcPct val="100000"/>
+              </a:lnSpc>
+              <a:spcBef>
+                <a:spcPts val="320"/>
+              </a:spcBef>
+              <a:spcAft>
+                <a:spcPts val="0"/>
+              </a:spcAft>
+              <a:buClr>
+                <a:schemeClr val="dk1"/>
+              </a:buClr>
+              <a:buSzPts val="1600"/>
+              <a:buFont typeface="Noto Sans Symbols"/>
+              <a:buChar char="▪"/>
+              <a:defRPr b="0" i="0" sz="1600" u="none" cap="none" strike="noStrike">
+                <a:solidFill>
+                  <a:schemeClr val="dk1"/>
+                </a:solidFill>
+                <a:latin typeface="Arial"/>
+                <a:ea typeface="Arial"/>
+                <a:cs typeface="Arial"/>
+                <a:sym typeface="Arial"/>
+              </a:defRPr>
+            </a:lvl8pPr>
+            <a:lvl9pPr lvl="8" marR="0" rtl="0" algn="l">
+              <a:lnSpc>
+                <a:spcPct val="100000"/>
+              </a:lnSpc>
+              <a:spcBef>
+                <a:spcPts val="320"/>
+              </a:spcBef>
+              <a:spcAft>
+                <a:spcPts val="0"/>
+              </a:spcAft>
+              <a:buClr>
+                <a:schemeClr val="dk1"/>
+              </a:buClr>
+              <a:buSzPts val="1600"/>
+              <a:buFont typeface="Noto Sans Symbols"/>
+              <a:buChar char="▪"/>
+              <a:defRPr b="0" i="0" sz="1600" u="none" cap="none" strike="noStrike">
+                <a:solidFill>
+                  <a:schemeClr val="dk1"/>
+                </a:solidFill>
+                <a:latin typeface="Arial"/>
+                <a:ea typeface="Arial"/>
+                <a:cs typeface="Arial"/>
+                <a:sym typeface="Arial"/>
+              </a:defRPr>
+            </a:lvl9pPr>
+          </a:lstStyle>
+          <a:p/>
+        </p:txBody>
+      </p:sp>
+    </p:spTree>
+  </p:cSld>
+  <p:clrMapOvr>
+    <a:masterClrMapping/>
+  </p:clrMapOvr>
+</p:sldLayout>
+</file>
+
+<file path=ppt/slideLayouts/slideLayout3.xml><?xml version="1.0" encoding="utf-8"?>
+<p:sldLayout xmlns:a="http://schemas.openxmlformats.org/drawingml/2006/main" xmlns:r="http://schemas.openxmlformats.org/officeDocument/2006/relationships" xmlns:mc="http://schemas.openxmlformats.org/markup-compatibility/2006" xmlns:mv="urn:schemas-microsoft-com:mac:vml" xmlns:p="http://schemas.openxmlformats.org/presentationml/2006/main" xmlns:c="http://schemas.openxmlformats.org/drawingml/2006/chart" xmlns:dgm="http://schemas.openxmlformats.org/drawingml/2006/diagram" xmlns:o="urn:schemas-microsoft-com:office:office" xmlns:v="urn:schemas-microsoft-com:vml" xmlns:pvml="urn:schemas-microsoft-com:office:powerpoint" xmlns:com="http://schemas.openxmlformats.org/drawingml/2006/compatibility" xmlns:p14="http://schemas.microsoft.com/office/powerpoint/2010/main" xmlns:p15="http://schemas.microsoft.com/office/powerpoint/2012/main" xmlns:ahyp="http://schemas.microsoft.com/office/drawing/2018/hyperlinkcolor" matchingName="1_Titel und Inhalt">
+  <p:cSld name="1_Titel und Inhalt">
+    <p:spTree>
+      <p:nvGrpSpPr>
+        <p:cNvPr id="24" name="Shape 24"/>
+        <p:cNvGrpSpPr/>
+        <p:nvPr/>
+      </p:nvGrpSpPr>
+      <p:grpSpPr>
+        <a:xfrm>
+          <a:off x="0" y="0"/>
+          <a:ext cx="0" cy="0"/>
+          <a:chOff x="0" y="0"/>
+          <a:chExt cx="0" cy="0"/>
+        </a:xfrm>
+      </p:grpSpPr>
+      <p:sp>
+        <p:nvSpPr>
+          <p:cNvPr id="25" name="Google Shape;25;p4"/>
+          <p:cNvSpPr/>
+          <p:nvPr/>
+        </p:nvSpPr>
+        <p:spPr>
+          <a:xfrm>
+            <a:off x="0" y="0"/>
+            <a:ext cx="9144000" cy="647700"/>
+          </a:xfrm>
+          <a:prstGeom prst="rect">
+            <a:avLst/>
+          </a:prstGeom>
+          <a:solidFill>
+            <a:srgbClr val="DDDDDD"/>
+          </a:solidFill>
+          <a:ln>
+            <a:noFill/>
+          </a:ln>
+        </p:spPr>
+        <p:txBody>
+          <a:bodyPr anchorCtr="0" anchor="ctr" bIns="45700" lIns="91425" spcFirstLastPara="1" rIns="91425" wrap="square" tIns="45700">
+            <a:noAutofit/>
+          </a:bodyPr>
+          <a:lstStyle/>
+          <a:p>
+            <a:pPr indent="0" lvl="0" marL="0" marR="0" rtl="0" algn="ctr">
+              <a:lnSpc>
+                <a:spcPct val="100000"/>
+              </a:lnSpc>
+              <a:spcBef>
+                <a:spcPts val="0"/>
+              </a:spcBef>
+              <a:spcAft>
+                <a:spcPts val="0"/>
+              </a:spcAft>
+              <a:buClr>
+                <a:srgbClr val="000000"/>
+              </a:buClr>
+              <a:buSzPts val="1800"/>
+              <a:buFont typeface="Arial"/>
+              <a:buNone/>
+            </a:pPr>
+            <a:r>
+              <a:t/>
+            </a:r>
+            <a:endParaRPr b="0" i="0" sz="1800" u="none" cap="none" strike="noStrike">
+              <a:solidFill>
+                <a:schemeClr val="accent2"/>
+              </a:solidFill>
+              <a:latin typeface="Arial"/>
+              <a:ea typeface="Arial"/>
+              <a:cs typeface="Arial"/>
+              <a:sym typeface="Arial"/>
+            </a:endParaRPr>
+          </a:p>
+        </p:txBody>
+      </p:sp>
+      <p:sp>
+        <p:nvSpPr>
+          <p:cNvPr id="26" name="Google Shape;26;p4"/>
+          <p:cNvSpPr txBox="1"/>
+          <p:nvPr>
+            <p:ph type="title"/>
+          </p:nvPr>
+        </p:nvSpPr>
+        <p:spPr>
+          <a:xfrm>
+            <a:off x="431800" y="83344"/>
+            <a:ext cx="8375700" cy="531000"/>
+          </a:xfrm>
+          <a:prstGeom prst="rect">
+            <a:avLst/>
+          </a:prstGeom>
+          <a:noFill/>
+          <a:ln>
+            <a:noFill/>
+          </a:ln>
+        </p:spPr>
+        <p:txBody>
+          <a:bodyPr anchorCtr="0" anchor="b" bIns="0" lIns="0" spcFirstLastPara="1" rIns="0" wrap="square" tIns="0">
+            <a:noAutofit/>
+          </a:bodyPr>
+          <a:lstStyle>
+            <a:lvl1pPr lvl="0" algn="l">
+              <a:lnSpc>
+                <a:spcPct val="100000"/>
+              </a:lnSpc>
+              <a:spcBef>
+                <a:spcPts val="0"/>
+              </a:spcBef>
+              <a:spcAft>
+                <a:spcPts val="0"/>
+              </a:spcAft>
+              <a:buSzPts val="1400"/>
+              <a:buNone/>
+              <a:defRPr/>
+            </a:lvl1pPr>
+            <a:lvl2pPr lvl="1" algn="l">
+              <a:lnSpc>
+                <a:spcPct val="100000"/>
+              </a:lnSpc>
+              <a:spcBef>
+                <a:spcPts val="0"/>
+              </a:spcBef>
+              <a:spcAft>
+                <a:spcPts val="0"/>
+              </a:spcAft>
+              <a:buSzPts val="1400"/>
+              <a:buNone/>
+              <a:defRPr/>
+            </a:lvl2pPr>
+            <a:lvl3pPr lvl="2" algn="l">
+              <a:lnSpc>
+                <a:spcPct val="100000"/>
+              </a:lnSpc>
+              <a:spcBef>
+                <a:spcPts val="0"/>
+              </a:spcBef>
+              <a:spcAft>
+                <a:spcPts val="0"/>
+              </a:spcAft>
+              <a:buSzPts val="1400"/>
+              <a:buNone/>
+              <a:defRPr/>
+            </a:lvl3pPr>
+            <a:lvl4pPr lvl="3" algn="l">
+              <a:lnSpc>
+                <a:spcPct val="100000"/>
+              </a:lnSpc>
+              <a:spcBef>
+                <a:spcPts val="0"/>
+              </a:spcBef>
+              <a:spcAft>
+                <a:spcPts val="0"/>
+              </a:spcAft>
+              <a:buSzPts val="1400"/>
+              <a:buNone/>
+              <a:defRPr/>
+            </a:lvl4pPr>
+            <a:lvl5pPr lvl="4" algn="l">
+              <a:lnSpc>
+                <a:spcPct val="100000"/>
+              </a:lnSpc>
+              <a:spcBef>
+                <a:spcPts val="0"/>
+              </a:spcBef>
+              <a:spcAft>
+                <a:spcPts val="0"/>
+              </a:spcAft>
+              <a:buSzPts val="1400"/>
+              <a:buNone/>
+              <a:defRPr/>
+            </a:lvl5pPr>
+            <a:lvl6pPr lvl="5" algn="l">
+              <a:lnSpc>
+                <a:spcPct val="100000"/>
+              </a:lnSpc>
+              <a:spcBef>
+                <a:spcPts val="0"/>
+              </a:spcBef>
+              <a:spcAft>
+                <a:spcPts val="0"/>
+              </a:spcAft>
+              <a:buSzPts val="1400"/>
+              <a:buNone/>
+              <a:defRPr/>
+            </a:lvl6pPr>
+            <a:lvl7pPr lvl="6" algn="l">
+              <a:lnSpc>
+                <a:spcPct val="100000"/>
+              </a:lnSpc>
+              <a:spcBef>
+                <a:spcPts val="0"/>
+              </a:spcBef>
+              <a:spcAft>
+                <a:spcPts val="0"/>
+              </a:spcAft>
+              <a:buSzPts val="1400"/>
+              <a:buNone/>
+              <a:defRPr/>
+            </a:lvl7pPr>
+            <a:lvl8pPr lvl="7" algn="l">
+              <a:lnSpc>
+                <a:spcPct val="100000"/>
+              </a:lnSpc>
+              <a:spcBef>
+                <a:spcPts val="0"/>
+              </a:spcBef>
+              <a:spcAft>
+                <a:spcPts val="0"/>
+              </a:spcAft>
+              <a:buSzPts val="1400"/>
+              <a:buNone/>
+              <a:defRPr/>
+            </a:lvl8pPr>
+            <a:lvl9pPr lvl="8" algn="l">
+              <a:lnSpc>
+                <a:spcPct val="100000"/>
+              </a:lnSpc>
+              <a:spcBef>
+                <a:spcPts val="0"/>
+              </a:spcBef>
+              <a:spcAft>
+                <a:spcPts val="0"/>
+              </a:spcAft>
+              <a:buSzPts val="1400"/>
+              <a:buNone/>
+              <a:defRPr/>
+            </a:lvl9pPr>
+          </a:lstStyle>
+          <a:p/>
+        </p:txBody>
+      </p:sp>
+      <p:sp>
+        <p:nvSpPr>
+          <p:cNvPr id="27" name="Google Shape;27;p4"/>
           <p:cNvSpPr txBox="1"/>
           <p:nvPr>
             <p:ph idx="1" type="body"/>
@@ -5238,12 +6093,12 @@
 </p:sldLayout>
 </file>
 
-<file path=ppt/slideLayouts/slideLayout3.xml><?xml version="1.0" encoding="utf-8"?>
+<file path=ppt/slideLayouts/slideLayout4.xml><?xml version="1.0" encoding="utf-8"?>
 <p:sldLayout xmlns:a="http://schemas.openxmlformats.org/drawingml/2006/main" xmlns:r="http://schemas.openxmlformats.org/officeDocument/2006/relationships" xmlns:mc="http://schemas.openxmlformats.org/markup-compatibility/2006" xmlns:mv="urn:schemas-microsoft-com:mac:vml" xmlns:p="http://schemas.openxmlformats.org/presentationml/2006/main" xmlns:c="http://schemas.openxmlformats.org/drawingml/2006/chart" xmlns:dgm="http://schemas.openxmlformats.org/drawingml/2006/diagram" xmlns:o="urn:schemas-microsoft-com:office:office" xmlns:v="urn:schemas-microsoft-com:vml" xmlns:pvml="urn:schemas-microsoft-com:office:powerpoint" xmlns:com="http://schemas.openxmlformats.org/drawingml/2006/compatibility" xmlns:p14="http://schemas.microsoft.com/office/powerpoint/2010/main" xmlns:p15="http://schemas.microsoft.com/office/powerpoint/2012/main" xmlns:ahyp="http://schemas.microsoft.com/office/drawing/2018/hyperlinkcolor" matchingName="Titel und Inhalt">
   <p:cSld name="Titel und Inhalt">
     <p:spTree>
       <p:nvGrpSpPr>
-        <p:cNvPr id="24" name="Shape 24"/>
+        <p:cNvPr id="28" name="Shape 28"/>
         <p:cNvGrpSpPr/>
         <p:nvPr/>
       </p:nvGrpSpPr>
@@ -5257,7 +6112,7 @@
       </p:grpSpPr>
       <p:sp>
         <p:nvSpPr>
-          <p:cNvPr id="25" name="Google Shape;25;p4"/>
+          <p:cNvPr id="29" name="Google Shape;29;p5"/>
           <p:cNvSpPr txBox="1"/>
           <p:nvPr>
             <p:ph type="title"/>
@@ -5413,7 +6268,7 @@
       </p:sp>
       <p:sp>
         <p:nvSpPr>
-          <p:cNvPr id="26" name="Google Shape;26;p4"/>
+          <p:cNvPr id="30" name="Google Shape;30;p5"/>
           <p:cNvSpPr txBox="1"/>
           <p:nvPr>
             <p:ph idx="1" type="body"/>
@@ -5587,526 +6442,9 @@
 </p:sldLayout>
 </file>
 
-<file path=ppt/slideLayouts/slideLayout4.xml><?xml version="1.0" encoding="utf-8"?>
+<file path=ppt/slideLayouts/slideLayout5.xml><?xml version="1.0" encoding="utf-8"?>
 <p:sldLayout xmlns:a="http://schemas.openxmlformats.org/drawingml/2006/main" xmlns:r="http://schemas.openxmlformats.org/officeDocument/2006/relationships" xmlns:mc="http://schemas.openxmlformats.org/markup-compatibility/2006" xmlns:mv="urn:schemas-microsoft-com:mac:vml" xmlns:p="http://schemas.openxmlformats.org/presentationml/2006/main" xmlns:c="http://schemas.openxmlformats.org/drawingml/2006/chart" xmlns:dgm="http://schemas.openxmlformats.org/drawingml/2006/diagram" xmlns:o="urn:schemas-microsoft-com:office:office" xmlns:v="urn:schemas-microsoft-com:vml" xmlns:pvml="urn:schemas-microsoft-com:office:powerpoint" xmlns:com="http://schemas.openxmlformats.org/drawingml/2006/compatibility" xmlns:p14="http://schemas.microsoft.com/office/powerpoint/2010/main" xmlns:p15="http://schemas.microsoft.com/office/powerpoint/2012/main" xmlns:ahyp="http://schemas.microsoft.com/office/drawing/2018/hyperlinkcolor" matchingName="2_Titel und Inhalt">
   <p:cSld name="2_Titel und Inhalt">
-    <p:spTree>
-      <p:nvGrpSpPr>
-        <p:cNvPr id="27" name="Shape 27"/>
-        <p:cNvGrpSpPr/>
-        <p:nvPr/>
-      </p:nvGrpSpPr>
-      <p:grpSpPr>
-        <a:xfrm>
-          <a:off x="0" y="0"/>
-          <a:ext cx="0" cy="0"/>
-          <a:chOff x="0" y="0"/>
-          <a:chExt cx="0" cy="0"/>
-        </a:xfrm>
-      </p:grpSpPr>
-      <p:sp>
-        <p:nvSpPr>
-          <p:cNvPr id="28" name="Google Shape;28;p5"/>
-          <p:cNvSpPr txBox="1"/>
-          <p:nvPr>
-            <p:ph type="title"/>
-          </p:nvPr>
-        </p:nvSpPr>
-        <p:spPr>
-          <a:xfrm>
-            <a:off x="431800" y="83344"/>
-            <a:ext cx="8375700" cy="531000"/>
-          </a:xfrm>
-          <a:prstGeom prst="rect">
-            <a:avLst/>
-          </a:prstGeom>
-          <a:noFill/>
-          <a:ln>
-            <a:noFill/>
-          </a:ln>
-        </p:spPr>
-        <p:txBody>
-          <a:bodyPr anchorCtr="0" anchor="b" bIns="0" lIns="0" spcFirstLastPara="1" rIns="0" wrap="square" tIns="0">
-            <a:noAutofit/>
-          </a:bodyPr>
-          <a:lstStyle>
-            <a:lvl1pPr lvl="0" algn="l">
-              <a:lnSpc>
-                <a:spcPct val="100000"/>
-              </a:lnSpc>
-              <a:spcBef>
-                <a:spcPts val="0"/>
-              </a:spcBef>
-              <a:spcAft>
-                <a:spcPts val="0"/>
-              </a:spcAft>
-              <a:buSzPts val="1400"/>
-              <a:buNone/>
-              <a:defRPr/>
-            </a:lvl1pPr>
-            <a:lvl2pPr lvl="1" algn="l">
-              <a:lnSpc>
-                <a:spcPct val="100000"/>
-              </a:lnSpc>
-              <a:spcBef>
-                <a:spcPts val="0"/>
-              </a:spcBef>
-              <a:spcAft>
-                <a:spcPts val="0"/>
-              </a:spcAft>
-              <a:buSzPts val="1400"/>
-              <a:buNone/>
-              <a:defRPr/>
-            </a:lvl2pPr>
-            <a:lvl3pPr lvl="2" algn="l">
-              <a:lnSpc>
-                <a:spcPct val="100000"/>
-              </a:lnSpc>
-              <a:spcBef>
-                <a:spcPts val="0"/>
-              </a:spcBef>
-              <a:spcAft>
-                <a:spcPts val="0"/>
-              </a:spcAft>
-              <a:buSzPts val="1400"/>
-              <a:buNone/>
-              <a:defRPr/>
-            </a:lvl3pPr>
-            <a:lvl4pPr lvl="3" algn="l">
-              <a:lnSpc>
-                <a:spcPct val="100000"/>
-              </a:lnSpc>
-              <a:spcBef>
-                <a:spcPts val="0"/>
-              </a:spcBef>
-              <a:spcAft>
-                <a:spcPts val="0"/>
-              </a:spcAft>
-              <a:buSzPts val="1400"/>
-              <a:buNone/>
-              <a:defRPr/>
-            </a:lvl4pPr>
-            <a:lvl5pPr lvl="4" algn="l">
-              <a:lnSpc>
-                <a:spcPct val="100000"/>
-              </a:lnSpc>
-              <a:spcBef>
-                <a:spcPts val="0"/>
-              </a:spcBef>
-              <a:spcAft>
-                <a:spcPts val="0"/>
-              </a:spcAft>
-              <a:buSzPts val="1400"/>
-              <a:buNone/>
-              <a:defRPr/>
-            </a:lvl5pPr>
-            <a:lvl6pPr lvl="5" algn="l">
-              <a:lnSpc>
-                <a:spcPct val="100000"/>
-              </a:lnSpc>
-              <a:spcBef>
-                <a:spcPts val="0"/>
-              </a:spcBef>
-              <a:spcAft>
-                <a:spcPts val="0"/>
-              </a:spcAft>
-              <a:buSzPts val="1400"/>
-              <a:buNone/>
-              <a:defRPr/>
-            </a:lvl6pPr>
-            <a:lvl7pPr lvl="6" algn="l">
-              <a:lnSpc>
-                <a:spcPct val="100000"/>
-              </a:lnSpc>
-              <a:spcBef>
-                <a:spcPts val="0"/>
-              </a:spcBef>
-              <a:spcAft>
-                <a:spcPts val="0"/>
-              </a:spcAft>
-              <a:buSzPts val="1400"/>
-              <a:buNone/>
-              <a:defRPr/>
-            </a:lvl7pPr>
-            <a:lvl8pPr lvl="7" algn="l">
-              <a:lnSpc>
-                <a:spcPct val="100000"/>
-              </a:lnSpc>
-              <a:spcBef>
-                <a:spcPts val="0"/>
-              </a:spcBef>
-              <a:spcAft>
-                <a:spcPts val="0"/>
-              </a:spcAft>
-              <a:buSzPts val="1400"/>
-              <a:buNone/>
-              <a:defRPr/>
-            </a:lvl8pPr>
-            <a:lvl9pPr lvl="8" algn="l">
-              <a:lnSpc>
-                <a:spcPct val="100000"/>
-              </a:lnSpc>
-              <a:spcBef>
-                <a:spcPts val="0"/>
-              </a:spcBef>
-              <a:spcAft>
-                <a:spcPts val="0"/>
-              </a:spcAft>
-              <a:buSzPts val="1400"/>
-              <a:buNone/>
-              <a:defRPr/>
-            </a:lvl9pPr>
-          </a:lstStyle>
-          <a:p/>
-        </p:txBody>
-      </p:sp>
-      <p:sp>
-        <p:nvSpPr>
-          <p:cNvPr id="29" name="Google Shape;29;p5"/>
-          <p:cNvSpPr txBox="1"/>
-          <p:nvPr>
-            <p:ph idx="1" type="body"/>
-          </p:nvPr>
-        </p:nvSpPr>
-        <p:spPr>
-          <a:xfrm>
-            <a:off x="431800" y="945000"/>
-            <a:ext cx="3600000" cy="3375000"/>
-          </a:xfrm>
-          <a:prstGeom prst="rect">
-            <a:avLst/>
-          </a:prstGeom>
-          <a:noFill/>
-          <a:ln>
-            <a:noFill/>
-          </a:ln>
-        </p:spPr>
-        <p:txBody>
-          <a:bodyPr anchorCtr="0" anchor="t" bIns="0" lIns="0" spcFirstLastPara="1" rIns="0" wrap="square" tIns="0">
-            <a:noAutofit/>
-          </a:bodyPr>
-          <a:lstStyle>
-            <a:lvl1pPr indent="-228600" lvl="0" marL="457200" algn="l">
-              <a:lnSpc>
-                <a:spcPct val="100000"/>
-              </a:lnSpc>
-              <a:spcBef>
-                <a:spcPts val="360"/>
-              </a:spcBef>
-              <a:spcAft>
-                <a:spcPts val="0"/>
-              </a:spcAft>
-              <a:buSzPts val="1400"/>
-              <a:buNone/>
-              <a:defRPr/>
-            </a:lvl1pPr>
-            <a:lvl2pPr indent="-342900" lvl="1" marL="914400" algn="l">
-              <a:lnSpc>
-                <a:spcPct val="100000"/>
-              </a:lnSpc>
-              <a:spcBef>
-                <a:spcPts val="360"/>
-              </a:spcBef>
-              <a:spcAft>
-                <a:spcPts val="0"/>
-              </a:spcAft>
-              <a:buSzPts val="1800"/>
-              <a:buChar char="▪"/>
-              <a:defRPr/>
-            </a:lvl2pPr>
-            <a:lvl3pPr indent="-342900" lvl="2" marL="1371600" algn="l">
-              <a:lnSpc>
-                <a:spcPct val="100000"/>
-              </a:lnSpc>
-              <a:spcBef>
-                <a:spcPts val="360"/>
-              </a:spcBef>
-              <a:spcAft>
-                <a:spcPts val="0"/>
-              </a:spcAft>
-              <a:buSzPts val="1800"/>
-              <a:buChar char="▪"/>
-              <a:defRPr/>
-            </a:lvl3pPr>
-            <a:lvl4pPr indent="-342900" lvl="3" marL="1828800" algn="l">
-              <a:lnSpc>
-                <a:spcPct val="100000"/>
-              </a:lnSpc>
-              <a:spcBef>
-                <a:spcPts val="360"/>
-              </a:spcBef>
-              <a:spcAft>
-                <a:spcPts val="0"/>
-              </a:spcAft>
-              <a:buSzPts val="1800"/>
-              <a:buChar char="▪"/>
-              <a:defRPr/>
-            </a:lvl4pPr>
-            <a:lvl5pPr indent="-342900" lvl="4" marL="2286000" algn="l">
-              <a:lnSpc>
-                <a:spcPct val="100000"/>
-              </a:lnSpc>
-              <a:spcBef>
-                <a:spcPts val="360"/>
-              </a:spcBef>
-              <a:spcAft>
-                <a:spcPts val="0"/>
-              </a:spcAft>
-              <a:buSzPts val="1800"/>
-              <a:buChar char="▪"/>
-              <a:defRPr/>
-            </a:lvl5pPr>
-            <a:lvl6pPr indent="-342900" lvl="5" marL="2743200" algn="l">
-              <a:lnSpc>
-                <a:spcPct val="100000"/>
-              </a:lnSpc>
-              <a:spcBef>
-                <a:spcPts val="360"/>
-              </a:spcBef>
-              <a:spcAft>
-                <a:spcPts val="0"/>
-              </a:spcAft>
-              <a:buClr>
-                <a:schemeClr val="dk1"/>
-              </a:buClr>
-              <a:buSzPts val="1800"/>
-              <a:buChar char="▪"/>
-              <a:defRPr/>
-            </a:lvl6pPr>
-            <a:lvl7pPr indent="-342900" lvl="6" marL="3200400" algn="l">
-              <a:lnSpc>
-                <a:spcPct val="100000"/>
-              </a:lnSpc>
-              <a:spcBef>
-                <a:spcPts val="360"/>
-              </a:spcBef>
-              <a:spcAft>
-                <a:spcPts val="0"/>
-              </a:spcAft>
-              <a:buClr>
-                <a:schemeClr val="dk1"/>
-              </a:buClr>
-              <a:buSzPts val="1800"/>
-              <a:buChar char="▪"/>
-              <a:defRPr/>
-            </a:lvl7pPr>
-            <a:lvl8pPr indent="-342900" lvl="7" marL="3657600" algn="l">
-              <a:lnSpc>
-                <a:spcPct val="100000"/>
-              </a:lnSpc>
-              <a:spcBef>
-                <a:spcPts val="360"/>
-              </a:spcBef>
-              <a:spcAft>
-                <a:spcPts val="0"/>
-              </a:spcAft>
-              <a:buClr>
-                <a:schemeClr val="dk1"/>
-              </a:buClr>
-              <a:buSzPts val="1800"/>
-              <a:buChar char="▪"/>
-              <a:defRPr/>
-            </a:lvl8pPr>
-            <a:lvl9pPr indent="-342900" lvl="8" marL="4114800" algn="l">
-              <a:lnSpc>
-                <a:spcPct val="100000"/>
-              </a:lnSpc>
-              <a:spcBef>
-                <a:spcPts val="360"/>
-              </a:spcBef>
-              <a:spcAft>
-                <a:spcPts val="0"/>
-              </a:spcAft>
-              <a:buClr>
-                <a:schemeClr val="dk1"/>
-              </a:buClr>
-              <a:buSzPts val="1800"/>
-              <a:buChar char="▪"/>
-              <a:defRPr/>
-            </a:lvl9pPr>
-          </a:lstStyle>
-          <a:p/>
-        </p:txBody>
-      </p:sp>
-      <p:sp>
-        <p:nvSpPr>
-          <p:cNvPr id="30" name="Google Shape;30;p5"/>
-          <p:cNvSpPr txBox="1"/>
-          <p:nvPr>
-            <p:ph idx="2" type="body"/>
-          </p:nvPr>
-        </p:nvSpPr>
-        <p:spPr>
-          <a:xfrm>
-            <a:off x="4860000" y="945000"/>
-            <a:ext cx="3600000" cy="3375000"/>
-          </a:xfrm>
-          <a:prstGeom prst="rect">
-            <a:avLst/>
-          </a:prstGeom>
-          <a:noFill/>
-          <a:ln>
-            <a:noFill/>
-          </a:ln>
-        </p:spPr>
-        <p:txBody>
-          <a:bodyPr anchorCtr="0" anchor="t" bIns="0" lIns="0" spcFirstLastPara="1" rIns="0" wrap="square" tIns="0">
-            <a:noAutofit/>
-          </a:bodyPr>
-          <a:lstStyle>
-            <a:lvl1pPr indent="-228600" lvl="0" marL="457200" algn="l">
-              <a:lnSpc>
-                <a:spcPct val="100000"/>
-              </a:lnSpc>
-              <a:spcBef>
-                <a:spcPts val="360"/>
-              </a:spcBef>
-              <a:spcAft>
-                <a:spcPts val="0"/>
-              </a:spcAft>
-              <a:buSzPts val="1400"/>
-              <a:buNone/>
-              <a:defRPr/>
-            </a:lvl1pPr>
-            <a:lvl2pPr indent="-342900" lvl="1" marL="914400" algn="l">
-              <a:lnSpc>
-                <a:spcPct val="100000"/>
-              </a:lnSpc>
-              <a:spcBef>
-                <a:spcPts val="360"/>
-              </a:spcBef>
-              <a:spcAft>
-                <a:spcPts val="0"/>
-              </a:spcAft>
-              <a:buSzPts val="1800"/>
-              <a:buChar char="▪"/>
-              <a:defRPr/>
-            </a:lvl2pPr>
-            <a:lvl3pPr indent="-342900" lvl="2" marL="1371600" algn="l">
-              <a:lnSpc>
-                <a:spcPct val="100000"/>
-              </a:lnSpc>
-              <a:spcBef>
-                <a:spcPts val="360"/>
-              </a:spcBef>
-              <a:spcAft>
-                <a:spcPts val="0"/>
-              </a:spcAft>
-              <a:buSzPts val="1800"/>
-              <a:buChar char="▪"/>
-              <a:defRPr/>
-            </a:lvl3pPr>
-            <a:lvl4pPr indent="-342900" lvl="3" marL="1828800" algn="l">
-              <a:lnSpc>
-                <a:spcPct val="100000"/>
-              </a:lnSpc>
-              <a:spcBef>
-                <a:spcPts val="360"/>
-              </a:spcBef>
-              <a:spcAft>
-                <a:spcPts val="0"/>
-              </a:spcAft>
-              <a:buSzPts val="1800"/>
-              <a:buChar char="▪"/>
-              <a:defRPr/>
-            </a:lvl4pPr>
-            <a:lvl5pPr indent="-342900" lvl="4" marL="2286000" algn="l">
-              <a:lnSpc>
-                <a:spcPct val="100000"/>
-              </a:lnSpc>
-              <a:spcBef>
-                <a:spcPts val="360"/>
-              </a:spcBef>
-              <a:spcAft>
-                <a:spcPts val="0"/>
-              </a:spcAft>
-              <a:buSzPts val="1800"/>
-              <a:buChar char="▪"/>
-              <a:defRPr/>
-            </a:lvl5pPr>
-            <a:lvl6pPr indent="-342900" lvl="5" marL="2743200" algn="l">
-              <a:lnSpc>
-                <a:spcPct val="100000"/>
-              </a:lnSpc>
-              <a:spcBef>
-                <a:spcPts val="360"/>
-              </a:spcBef>
-              <a:spcAft>
-                <a:spcPts val="0"/>
-              </a:spcAft>
-              <a:buClr>
-                <a:schemeClr val="dk1"/>
-              </a:buClr>
-              <a:buSzPts val="1800"/>
-              <a:buChar char="▪"/>
-              <a:defRPr/>
-            </a:lvl6pPr>
-            <a:lvl7pPr indent="-342900" lvl="6" marL="3200400" algn="l">
-              <a:lnSpc>
-                <a:spcPct val="100000"/>
-              </a:lnSpc>
-              <a:spcBef>
-                <a:spcPts val="360"/>
-              </a:spcBef>
-              <a:spcAft>
-                <a:spcPts val="0"/>
-              </a:spcAft>
-              <a:buClr>
-                <a:schemeClr val="dk1"/>
-              </a:buClr>
-              <a:buSzPts val="1800"/>
-              <a:buChar char="▪"/>
-              <a:defRPr/>
-            </a:lvl7pPr>
-            <a:lvl8pPr indent="-342900" lvl="7" marL="3657600" algn="l">
-              <a:lnSpc>
-                <a:spcPct val="100000"/>
-              </a:lnSpc>
-              <a:spcBef>
-                <a:spcPts val="360"/>
-              </a:spcBef>
-              <a:spcAft>
-                <a:spcPts val="0"/>
-              </a:spcAft>
-              <a:buClr>
-                <a:schemeClr val="dk1"/>
-              </a:buClr>
-              <a:buSzPts val="1800"/>
-              <a:buChar char="▪"/>
-              <a:defRPr/>
-            </a:lvl8pPr>
-            <a:lvl9pPr indent="-342900" lvl="8" marL="4114800" algn="l">
-              <a:lnSpc>
-                <a:spcPct val="100000"/>
-              </a:lnSpc>
-              <a:spcBef>
-                <a:spcPts val="360"/>
-              </a:spcBef>
-              <a:spcAft>
-                <a:spcPts val="0"/>
-              </a:spcAft>
-              <a:buClr>
-                <a:schemeClr val="dk1"/>
-              </a:buClr>
-              <a:buSzPts val="1800"/>
-              <a:buChar char="▪"/>
-              <a:defRPr/>
-            </a:lvl9pPr>
-          </a:lstStyle>
-          <a:p/>
-        </p:txBody>
-      </p:sp>
-    </p:spTree>
-  </p:cSld>
-  <p:clrMapOvr>
-    <a:masterClrMapping/>
-  </p:clrMapOvr>
-</p:sldLayout>
-</file>
-
-<file path=ppt/slideLayouts/slideLayout5.xml><?xml version="1.0" encoding="utf-8"?>
-<p:sldLayout xmlns:a="http://schemas.openxmlformats.org/drawingml/2006/main" xmlns:r="http://schemas.openxmlformats.org/officeDocument/2006/relationships" xmlns:mc="http://schemas.openxmlformats.org/markup-compatibility/2006" xmlns:mv="urn:schemas-microsoft-com:mac:vml" xmlns:p="http://schemas.openxmlformats.org/presentationml/2006/main" xmlns:c="http://schemas.openxmlformats.org/drawingml/2006/chart" xmlns:dgm="http://schemas.openxmlformats.org/drawingml/2006/diagram" xmlns:o="urn:schemas-microsoft-com:office:office" xmlns:v="urn:schemas-microsoft-com:vml" xmlns:pvml="urn:schemas-microsoft-com:office:powerpoint" xmlns:com="http://schemas.openxmlformats.org/drawingml/2006/compatibility" xmlns:p14="http://schemas.microsoft.com/office/powerpoint/2010/main" xmlns:p15="http://schemas.microsoft.com/office/powerpoint/2012/main" xmlns:ahyp="http://schemas.microsoft.com/office/drawing/2018/hyperlinkcolor" matchingName="Titel und Diagramm" type="chart">
-  <p:cSld name="CHART">
     <p:spTree>
       <p:nvGrpSpPr>
         <p:cNvPr id="31" name="Shape 31"/>
@@ -6280,6 +6618,523 @@
       <p:sp>
         <p:nvSpPr>
           <p:cNvPr id="33" name="Google Shape;33;p6"/>
+          <p:cNvSpPr txBox="1"/>
+          <p:nvPr>
+            <p:ph idx="1" type="body"/>
+          </p:nvPr>
+        </p:nvSpPr>
+        <p:spPr>
+          <a:xfrm>
+            <a:off x="431800" y="945000"/>
+            <a:ext cx="3600000" cy="3375000"/>
+          </a:xfrm>
+          <a:prstGeom prst="rect">
+            <a:avLst/>
+          </a:prstGeom>
+          <a:noFill/>
+          <a:ln>
+            <a:noFill/>
+          </a:ln>
+        </p:spPr>
+        <p:txBody>
+          <a:bodyPr anchorCtr="0" anchor="t" bIns="0" lIns="0" spcFirstLastPara="1" rIns="0" wrap="square" tIns="0">
+            <a:noAutofit/>
+          </a:bodyPr>
+          <a:lstStyle>
+            <a:lvl1pPr indent="-228600" lvl="0" marL="457200" algn="l">
+              <a:lnSpc>
+                <a:spcPct val="100000"/>
+              </a:lnSpc>
+              <a:spcBef>
+                <a:spcPts val="360"/>
+              </a:spcBef>
+              <a:spcAft>
+                <a:spcPts val="0"/>
+              </a:spcAft>
+              <a:buSzPts val="1400"/>
+              <a:buNone/>
+              <a:defRPr/>
+            </a:lvl1pPr>
+            <a:lvl2pPr indent="-342900" lvl="1" marL="914400" algn="l">
+              <a:lnSpc>
+                <a:spcPct val="100000"/>
+              </a:lnSpc>
+              <a:spcBef>
+                <a:spcPts val="360"/>
+              </a:spcBef>
+              <a:spcAft>
+                <a:spcPts val="0"/>
+              </a:spcAft>
+              <a:buSzPts val="1800"/>
+              <a:buChar char="▪"/>
+              <a:defRPr/>
+            </a:lvl2pPr>
+            <a:lvl3pPr indent="-342900" lvl="2" marL="1371600" algn="l">
+              <a:lnSpc>
+                <a:spcPct val="100000"/>
+              </a:lnSpc>
+              <a:spcBef>
+                <a:spcPts val="360"/>
+              </a:spcBef>
+              <a:spcAft>
+                <a:spcPts val="0"/>
+              </a:spcAft>
+              <a:buSzPts val="1800"/>
+              <a:buChar char="▪"/>
+              <a:defRPr/>
+            </a:lvl3pPr>
+            <a:lvl4pPr indent="-342900" lvl="3" marL="1828800" algn="l">
+              <a:lnSpc>
+                <a:spcPct val="100000"/>
+              </a:lnSpc>
+              <a:spcBef>
+                <a:spcPts val="360"/>
+              </a:spcBef>
+              <a:spcAft>
+                <a:spcPts val="0"/>
+              </a:spcAft>
+              <a:buSzPts val="1800"/>
+              <a:buChar char="▪"/>
+              <a:defRPr/>
+            </a:lvl4pPr>
+            <a:lvl5pPr indent="-342900" lvl="4" marL="2286000" algn="l">
+              <a:lnSpc>
+                <a:spcPct val="100000"/>
+              </a:lnSpc>
+              <a:spcBef>
+                <a:spcPts val="360"/>
+              </a:spcBef>
+              <a:spcAft>
+                <a:spcPts val="0"/>
+              </a:spcAft>
+              <a:buSzPts val="1800"/>
+              <a:buChar char="▪"/>
+              <a:defRPr/>
+            </a:lvl5pPr>
+            <a:lvl6pPr indent="-342900" lvl="5" marL="2743200" algn="l">
+              <a:lnSpc>
+                <a:spcPct val="100000"/>
+              </a:lnSpc>
+              <a:spcBef>
+                <a:spcPts val="360"/>
+              </a:spcBef>
+              <a:spcAft>
+                <a:spcPts val="0"/>
+              </a:spcAft>
+              <a:buClr>
+                <a:schemeClr val="dk1"/>
+              </a:buClr>
+              <a:buSzPts val="1800"/>
+              <a:buChar char="▪"/>
+              <a:defRPr/>
+            </a:lvl6pPr>
+            <a:lvl7pPr indent="-342900" lvl="6" marL="3200400" algn="l">
+              <a:lnSpc>
+                <a:spcPct val="100000"/>
+              </a:lnSpc>
+              <a:spcBef>
+                <a:spcPts val="360"/>
+              </a:spcBef>
+              <a:spcAft>
+                <a:spcPts val="0"/>
+              </a:spcAft>
+              <a:buClr>
+                <a:schemeClr val="dk1"/>
+              </a:buClr>
+              <a:buSzPts val="1800"/>
+              <a:buChar char="▪"/>
+              <a:defRPr/>
+            </a:lvl7pPr>
+            <a:lvl8pPr indent="-342900" lvl="7" marL="3657600" algn="l">
+              <a:lnSpc>
+                <a:spcPct val="100000"/>
+              </a:lnSpc>
+              <a:spcBef>
+                <a:spcPts val="360"/>
+              </a:spcBef>
+              <a:spcAft>
+                <a:spcPts val="0"/>
+              </a:spcAft>
+              <a:buClr>
+                <a:schemeClr val="dk1"/>
+              </a:buClr>
+              <a:buSzPts val="1800"/>
+              <a:buChar char="▪"/>
+              <a:defRPr/>
+            </a:lvl8pPr>
+            <a:lvl9pPr indent="-342900" lvl="8" marL="4114800" algn="l">
+              <a:lnSpc>
+                <a:spcPct val="100000"/>
+              </a:lnSpc>
+              <a:spcBef>
+                <a:spcPts val="360"/>
+              </a:spcBef>
+              <a:spcAft>
+                <a:spcPts val="0"/>
+              </a:spcAft>
+              <a:buClr>
+                <a:schemeClr val="dk1"/>
+              </a:buClr>
+              <a:buSzPts val="1800"/>
+              <a:buChar char="▪"/>
+              <a:defRPr/>
+            </a:lvl9pPr>
+          </a:lstStyle>
+          <a:p/>
+        </p:txBody>
+      </p:sp>
+      <p:sp>
+        <p:nvSpPr>
+          <p:cNvPr id="34" name="Google Shape;34;p6"/>
+          <p:cNvSpPr txBox="1"/>
+          <p:nvPr>
+            <p:ph idx="2" type="body"/>
+          </p:nvPr>
+        </p:nvSpPr>
+        <p:spPr>
+          <a:xfrm>
+            <a:off x="4860000" y="945000"/>
+            <a:ext cx="3600000" cy="3375000"/>
+          </a:xfrm>
+          <a:prstGeom prst="rect">
+            <a:avLst/>
+          </a:prstGeom>
+          <a:noFill/>
+          <a:ln>
+            <a:noFill/>
+          </a:ln>
+        </p:spPr>
+        <p:txBody>
+          <a:bodyPr anchorCtr="0" anchor="t" bIns="0" lIns="0" spcFirstLastPara="1" rIns="0" wrap="square" tIns="0">
+            <a:noAutofit/>
+          </a:bodyPr>
+          <a:lstStyle>
+            <a:lvl1pPr indent="-228600" lvl="0" marL="457200" algn="l">
+              <a:lnSpc>
+                <a:spcPct val="100000"/>
+              </a:lnSpc>
+              <a:spcBef>
+                <a:spcPts val="360"/>
+              </a:spcBef>
+              <a:spcAft>
+                <a:spcPts val="0"/>
+              </a:spcAft>
+              <a:buSzPts val="1400"/>
+              <a:buNone/>
+              <a:defRPr/>
+            </a:lvl1pPr>
+            <a:lvl2pPr indent="-342900" lvl="1" marL="914400" algn="l">
+              <a:lnSpc>
+                <a:spcPct val="100000"/>
+              </a:lnSpc>
+              <a:spcBef>
+                <a:spcPts val="360"/>
+              </a:spcBef>
+              <a:spcAft>
+                <a:spcPts val="0"/>
+              </a:spcAft>
+              <a:buSzPts val="1800"/>
+              <a:buChar char="▪"/>
+              <a:defRPr/>
+            </a:lvl2pPr>
+            <a:lvl3pPr indent="-342900" lvl="2" marL="1371600" algn="l">
+              <a:lnSpc>
+                <a:spcPct val="100000"/>
+              </a:lnSpc>
+              <a:spcBef>
+                <a:spcPts val="360"/>
+              </a:spcBef>
+              <a:spcAft>
+                <a:spcPts val="0"/>
+              </a:spcAft>
+              <a:buSzPts val="1800"/>
+              <a:buChar char="▪"/>
+              <a:defRPr/>
+            </a:lvl3pPr>
+            <a:lvl4pPr indent="-342900" lvl="3" marL="1828800" algn="l">
+              <a:lnSpc>
+                <a:spcPct val="100000"/>
+              </a:lnSpc>
+              <a:spcBef>
+                <a:spcPts val="360"/>
+              </a:spcBef>
+              <a:spcAft>
+                <a:spcPts val="0"/>
+              </a:spcAft>
+              <a:buSzPts val="1800"/>
+              <a:buChar char="▪"/>
+              <a:defRPr/>
+            </a:lvl4pPr>
+            <a:lvl5pPr indent="-342900" lvl="4" marL="2286000" algn="l">
+              <a:lnSpc>
+                <a:spcPct val="100000"/>
+              </a:lnSpc>
+              <a:spcBef>
+                <a:spcPts val="360"/>
+              </a:spcBef>
+              <a:spcAft>
+                <a:spcPts val="0"/>
+              </a:spcAft>
+              <a:buSzPts val="1800"/>
+              <a:buChar char="▪"/>
+              <a:defRPr/>
+            </a:lvl5pPr>
+            <a:lvl6pPr indent="-342900" lvl="5" marL="2743200" algn="l">
+              <a:lnSpc>
+                <a:spcPct val="100000"/>
+              </a:lnSpc>
+              <a:spcBef>
+                <a:spcPts val="360"/>
+              </a:spcBef>
+              <a:spcAft>
+                <a:spcPts val="0"/>
+              </a:spcAft>
+              <a:buClr>
+                <a:schemeClr val="dk1"/>
+              </a:buClr>
+              <a:buSzPts val="1800"/>
+              <a:buChar char="▪"/>
+              <a:defRPr/>
+            </a:lvl6pPr>
+            <a:lvl7pPr indent="-342900" lvl="6" marL="3200400" algn="l">
+              <a:lnSpc>
+                <a:spcPct val="100000"/>
+              </a:lnSpc>
+              <a:spcBef>
+                <a:spcPts val="360"/>
+              </a:spcBef>
+              <a:spcAft>
+                <a:spcPts val="0"/>
+              </a:spcAft>
+              <a:buClr>
+                <a:schemeClr val="dk1"/>
+              </a:buClr>
+              <a:buSzPts val="1800"/>
+              <a:buChar char="▪"/>
+              <a:defRPr/>
+            </a:lvl7pPr>
+            <a:lvl8pPr indent="-342900" lvl="7" marL="3657600" algn="l">
+              <a:lnSpc>
+                <a:spcPct val="100000"/>
+              </a:lnSpc>
+              <a:spcBef>
+                <a:spcPts val="360"/>
+              </a:spcBef>
+              <a:spcAft>
+                <a:spcPts val="0"/>
+              </a:spcAft>
+              <a:buClr>
+                <a:schemeClr val="dk1"/>
+              </a:buClr>
+              <a:buSzPts val="1800"/>
+              <a:buChar char="▪"/>
+              <a:defRPr/>
+            </a:lvl8pPr>
+            <a:lvl9pPr indent="-342900" lvl="8" marL="4114800" algn="l">
+              <a:lnSpc>
+                <a:spcPct val="100000"/>
+              </a:lnSpc>
+              <a:spcBef>
+                <a:spcPts val="360"/>
+              </a:spcBef>
+              <a:spcAft>
+                <a:spcPts val="0"/>
+              </a:spcAft>
+              <a:buClr>
+                <a:schemeClr val="dk1"/>
+              </a:buClr>
+              <a:buSzPts val="1800"/>
+              <a:buChar char="▪"/>
+              <a:defRPr/>
+            </a:lvl9pPr>
+          </a:lstStyle>
+          <a:p/>
+        </p:txBody>
+      </p:sp>
+    </p:spTree>
+  </p:cSld>
+  <p:clrMapOvr>
+    <a:masterClrMapping/>
+  </p:clrMapOvr>
+</p:sldLayout>
+</file>
+
+<file path=ppt/slideLayouts/slideLayout6.xml><?xml version="1.0" encoding="utf-8"?>
+<p:sldLayout xmlns:a="http://schemas.openxmlformats.org/drawingml/2006/main" xmlns:r="http://schemas.openxmlformats.org/officeDocument/2006/relationships" xmlns:mc="http://schemas.openxmlformats.org/markup-compatibility/2006" xmlns:mv="urn:schemas-microsoft-com:mac:vml" xmlns:p="http://schemas.openxmlformats.org/presentationml/2006/main" xmlns:c="http://schemas.openxmlformats.org/drawingml/2006/chart" xmlns:dgm="http://schemas.openxmlformats.org/drawingml/2006/diagram" xmlns:o="urn:schemas-microsoft-com:office:office" xmlns:v="urn:schemas-microsoft-com:vml" xmlns:pvml="urn:schemas-microsoft-com:office:powerpoint" xmlns:com="http://schemas.openxmlformats.org/drawingml/2006/compatibility" xmlns:p14="http://schemas.microsoft.com/office/powerpoint/2010/main" xmlns:p15="http://schemas.microsoft.com/office/powerpoint/2012/main" xmlns:ahyp="http://schemas.microsoft.com/office/drawing/2018/hyperlinkcolor" matchingName="Titel und Diagramm" type="chart">
+  <p:cSld name="CHART">
+    <p:spTree>
+      <p:nvGrpSpPr>
+        <p:cNvPr id="35" name="Shape 35"/>
+        <p:cNvGrpSpPr/>
+        <p:nvPr/>
+      </p:nvGrpSpPr>
+      <p:grpSpPr>
+        <a:xfrm>
+          <a:off x="0" y="0"/>
+          <a:ext cx="0" cy="0"/>
+          <a:chOff x="0" y="0"/>
+          <a:chExt cx="0" cy="0"/>
+        </a:xfrm>
+      </p:grpSpPr>
+      <p:sp>
+        <p:nvSpPr>
+          <p:cNvPr id="36" name="Google Shape;36;p7"/>
+          <p:cNvSpPr txBox="1"/>
+          <p:nvPr>
+            <p:ph type="title"/>
+          </p:nvPr>
+        </p:nvSpPr>
+        <p:spPr>
+          <a:xfrm>
+            <a:off x="431800" y="83344"/>
+            <a:ext cx="8375700" cy="531000"/>
+          </a:xfrm>
+          <a:prstGeom prst="rect">
+            <a:avLst/>
+          </a:prstGeom>
+          <a:noFill/>
+          <a:ln>
+            <a:noFill/>
+          </a:ln>
+        </p:spPr>
+        <p:txBody>
+          <a:bodyPr anchorCtr="0" anchor="b" bIns="0" lIns="0" spcFirstLastPara="1" rIns="0" wrap="square" tIns="0">
+            <a:noAutofit/>
+          </a:bodyPr>
+          <a:lstStyle>
+            <a:lvl1pPr lvl="0" algn="l">
+              <a:lnSpc>
+                <a:spcPct val="100000"/>
+              </a:lnSpc>
+              <a:spcBef>
+                <a:spcPts val="0"/>
+              </a:spcBef>
+              <a:spcAft>
+                <a:spcPts val="0"/>
+              </a:spcAft>
+              <a:buSzPts val="1400"/>
+              <a:buNone/>
+              <a:defRPr/>
+            </a:lvl1pPr>
+            <a:lvl2pPr lvl="1" algn="l">
+              <a:lnSpc>
+                <a:spcPct val="100000"/>
+              </a:lnSpc>
+              <a:spcBef>
+                <a:spcPts val="0"/>
+              </a:spcBef>
+              <a:spcAft>
+                <a:spcPts val="0"/>
+              </a:spcAft>
+              <a:buSzPts val="1400"/>
+              <a:buNone/>
+              <a:defRPr/>
+            </a:lvl2pPr>
+            <a:lvl3pPr lvl="2" algn="l">
+              <a:lnSpc>
+                <a:spcPct val="100000"/>
+              </a:lnSpc>
+              <a:spcBef>
+                <a:spcPts val="0"/>
+              </a:spcBef>
+              <a:spcAft>
+                <a:spcPts val="0"/>
+              </a:spcAft>
+              <a:buSzPts val="1400"/>
+              <a:buNone/>
+              <a:defRPr/>
+            </a:lvl3pPr>
+            <a:lvl4pPr lvl="3" algn="l">
+              <a:lnSpc>
+                <a:spcPct val="100000"/>
+              </a:lnSpc>
+              <a:spcBef>
+                <a:spcPts val="0"/>
+              </a:spcBef>
+              <a:spcAft>
+                <a:spcPts val="0"/>
+              </a:spcAft>
+              <a:buSzPts val="1400"/>
+              <a:buNone/>
+              <a:defRPr/>
+            </a:lvl4pPr>
+            <a:lvl5pPr lvl="4" algn="l">
+              <a:lnSpc>
+                <a:spcPct val="100000"/>
+              </a:lnSpc>
+              <a:spcBef>
+                <a:spcPts val="0"/>
+              </a:spcBef>
+              <a:spcAft>
+                <a:spcPts val="0"/>
+              </a:spcAft>
+              <a:buSzPts val="1400"/>
+              <a:buNone/>
+              <a:defRPr/>
+            </a:lvl5pPr>
+            <a:lvl6pPr lvl="5" algn="l">
+              <a:lnSpc>
+                <a:spcPct val="100000"/>
+              </a:lnSpc>
+              <a:spcBef>
+                <a:spcPts val="0"/>
+              </a:spcBef>
+              <a:spcAft>
+                <a:spcPts val="0"/>
+              </a:spcAft>
+              <a:buSzPts val="1400"/>
+              <a:buNone/>
+              <a:defRPr/>
+            </a:lvl6pPr>
+            <a:lvl7pPr lvl="6" algn="l">
+              <a:lnSpc>
+                <a:spcPct val="100000"/>
+              </a:lnSpc>
+              <a:spcBef>
+                <a:spcPts val="0"/>
+              </a:spcBef>
+              <a:spcAft>
+                <a:spcPts val="0"/>
+              </a:spcAft>
+              <a:buSzPts val="1400"/>
+              <a:buNone/>
+              <a:defRPr/>
+            </a:lvl7pPr>
+            <a:lvl8pPr lvl="7" algn="l">
+              <a:lnSpc>
+                <a:spcPct val="100000"/>
+              </a:lnSpc>
+              <a:spcBef>
+                <a:spcPts val="0"/>
+              </a:spcBef>
+              <a:spcAft>
+                <a:spcPts val="0"/>
+              </a:spcAft>
+              <a:buSzPts val="1400"/>
+              <a:buNone/>
+              <a:defRPr/>
+            </a:lvl8pPr>
+            <a:lvl9pPr lvl="8" algn="l">
+              <a:lnSpc>
+                <a:spcPct val="100000"/>
+              </a:lnSpc>
+              <a:spcBef>
+                <a:spcPts val="0"/>
+              </a:spcBef>
+              <a:spcAft>
+                <a:spcPts val="0"/>
+              </a:spcAft>
+              <a:buSzPts val="1400"/>
+              <a:buNone/>
+              <a:defRPr/>
+            </a:lvl9pPr>
+          </a:lstStyle>
+          <a:p/>
+        </p:txBody>
+      </p:sp>
+      <p:sp>
+        <p:nvSpPr>
+          <p:cNvPr id="37" name="Google Shape;37;p7"/>
           <p:cNvSpPr/>
           <p:nvPr>
             <p:ph idx="2" type="chart"/>
@@ -6549,12 +7404,12 @@
 </p:sldLayout>
 </file>
 
-<file path=ppt/slideLayouts/slideLayout6.xml><?xml version="1.0" encoding="utf-8"?>
+<file path=ppt/slideLayouts/slideLayout7.xml><?xml version="1.0" encoding="utf-8"?>
 <p:sldLayout xmlns:a="http://schemas.openxmlformats.org/drawingml/2006/main" xmlns:r="http://schemas.openxmlformats.org/officeDocument/2006/relationships" xmlns:mc="http://schemas.openxmlformats.org/markup-compatibility/2006" xmlns:mv="urn:schemas-microsoft-com:mac:vml" xmlns:p="http://schemas.openxmlformats.org/presentationml/2006/main" xmlns:c="http://schemas.openxmlformats.org/drawingml/2006/chart" xmlns:dgm="http://schemas.openxmlformats.org/drawingml/2006/diagram" xmlns:o="urn:schemas-microsoft-com:office:office" xmlns:v="urn:schemas-microsoft-com:vml" xmlns:pvml="urn:schemas-microsoft-com:office:powerpoint" xmlns:com="http://schemas.openxmlformats.org/drawingml/2006/compatibility" xmlns:p14="http://schemas.microsoft.com/office/powerpoint/2010/main" xmlns:p15="http://schemas.microsoft.com/office/powerpoint/2012/main" xmlns:ahyp="http://schemas.microsoft.com/office/drawing/2018/hyperlinkcolor" matchingName="Nur Titel" type="titleOnly">
   <p:cSld name="TITLE_ONLY">
     <p:spTree>
       <p:nvGrpSpPr>
-        <p:cNvPr id="34" name="Shape 34"/>
+        <p:cNvPr id="38" name="Shape 38"/>
         <p:cNvGrpSpPr/>
         <p:nvPr/>
       </p:nvGrpSpPr>
@@ -6568,7 +7423,7 @@
       </p:grpSpPr>
       <p:sp>
         <p:nvSpPr>
-          <p:cNvPr id="35" name="Google Shape;35;p7"/>
+          <p:cNvPr id="39" name="Google Shape;39;p8"/>
           <p:cNvSpPr txBox="1"/>
           <p:nvPr>
             <p:ph type="title"/>
@@ -6730,12 +7585,12 @@
 </p:sldLayout>
 </file>
 
-<file path=ppt/slideLayouts/slideLayout7.xml><?xml version="1.0" encoding="utf-8"?>
+<file path=ppt/slideLayouts/slideLayout8.xml><?xml version="1.0" encoding="utf-8"?>
 <p:sldLayout xmlns:a="http://schemas.openxmlformats.org/drawingml/2006/main" xmlns:r="http://schemas.openxmlformats.org/officeDocument/2006/relationships" xmlns:mc="http://schemas.openxmlformats.org/markup-compatibility/2006" xmlns:mv="urn:schemas-microsoft-com:mac:vml" xmlns:p="http://schemas.openxmlformats.org/presentationml/2006/main" xmlns:c="http://schemas.openxmlformats.org/drawingml/2006/chart" xmlns:dgm="http://schemas.openxmlformats.org/drawingml/2006/diagram" xmlns:o="urn:schemas-microsoft-com:office:office" xmlns:v="urn:schemas-microsoft-com:vml" xmlns:pvml="urn:schemas-microsoft-com:office:powerpoint" xmlns:com="http://schemas.openxmlformats.org/drawingml/2006/compatibility" xmlns:p14="http://schemas.microsoft.com/office/powerpoint/2010/main" xmlns:p15="http://schemas.microsoft.com/office/powerpoint/2012/main" xmlns:ahyp="http://schemas.microsoft.com/office/drawing/2018/hyperlinkcolor" matchingName="3_Titel und Inhalt">
   <p:cSld name="3_Titel und Inhalt">
     <p:spTree>
       <p:nvGrpSpPr>
-        <p:cNvPr id="36" name="Shape 36"/>
+        <p:cNvPr id="40" name="Shape 40"/>
         <p:cNvGrpSpPr/>
         <p:nvPr/>
       </p:nvGrpSpPr>
@@ -6749,7 +7604,7 @@
       </p:grpSpPr>
       <p:sp>
         <p:nvSpPr>
-          <p:cNvPr id="37" name="Google Shape;37;p8"/>
+          <p:cNvPr id="41" name="Google Shape;41;p9"/>
           <p:cNvSpPr/>
           <p:nvPr/>
         </p:nvSpPr>
@@ -6808,7 +7663,7 @@
       </p:sp>
       <p:sp>
         <p:nvSpPr>
-          <p:cNvPr id="38" name="Google Shape;38;p8"/>
+          <p:cNvPr id="42" name="Google Shape;42;p9"/>
           <p:cNvSpPr txBox="1"/>
           <p:nvPr>
             <p:ph type="title"/>
@@ -6964,7 +7819,7 @@
       </p:sp>
       <p:sp>
         <p:nvSpPr>
-          <p:cNvPr id="39" name="Google Shape;39;p8"/>
+          <p:cNvPr id="43" name="Google Shape;43;p9"/>
           <p:cNvSpPr txBox="1"/>
           <p:nvPr>
             <p:ph idx="1" type="body"/>
@@ -7132,7 +7987,7 @@
       </p:sp>
       <p:sp>
         <p:nvSpPr>
-          <p:cNvPr id="40" name="Google Shape;40;p8"/>
+          <p:cNvPr id="44" name="Google Shape;44;p9"/>
           <p:cNvSpPr txBox="1"/>
           <p:nvPr>
             <p:ph idx="2" type="body"/>
@@ -7293,510 +8148,6 @@
               <a:buSzPts val="1800"/>
               <a:buChar char="▪"/>
               <a:defRPr/>
-            </a:lvl9pPr>
-          </a:lstStyle>
-          <a:p/>
-        </p:txBody>
-      </p:sp>
-    </p:spTree>
-  </p:cSld>
-  <p:clrMapOvr>
-    <a:masterClrMapping/>
-  </p:clrMapOvr>
-</p:sldLayout>
-</file>
-
-<file path=ppt/slideLayouts/slideLayout8.xml><?xml version="1.0" encoding="utf-8"?>
-<p:sldLayout xmlns:a="http://schemas.openxmlformats.org/drawingml/2006/main" xmlns:r="http://schemas.openxmlformats.org/officeDocument/2006/relationships" xmlns:mc="http://schemas.openxmlformats.org/markup-compatibility/2006" xmlns:mv="urn:schemas-microsoft-com:mac:vml" xmlns:p="http://schemas.openxmlformats.org/presentationml/2006/main" xmlns:c="http://schemas.openxmlformats.org/drawingml/2006/chart" xmlns:dgm="http://schemas.openxmlformats.org/drawingml/2006/diagram" xmlns:o="urn:schemas-microsoft-com:office:office" xmlns:v="urn:schemas-microsoft-com:vml" xmlns:pvml="urn:schemas-microsoft-com:office:powerpoint" xmlns:com="http://schemas.openxmlformats.org/drawingml/2006/compatibility" xmlns:p14="http://schemas.microsoft.com/office/powerpoint/2010/main" xmlns:p15="http://schemas.microsoft.com/office/powerpoint/2012/main" xmlns:ahyp="http://schemas.microsoft.com/office/drawing/2018/hyperlinkcolor" matchingName="1_Titel und Diagramm">
-  <p:cSld name="1_Titel und Diagramm">
-    <p:spTree>
-      <p:nvGrpSpPr>
-        <p:cNvPr id="41" name="Shape 41"/>
-        <p:cNvGrpSpPr/>
-        <p:nvPr/>
-      </p:nvGrpSpPr>
-      <p:grpSpPr>
-        <a:xfrm>
-          <a:off x="0" y="0"/>
-          <a:ext cx="0" cy="0"/>
-          <a:chOff x="0" y="0"/>
-          <a:chExt cx="0" cy="0"/>
-        </a:xfrm>
-      </p:grpSpPr>
-      <p:sp>
-        <p:nvSpPr>
-          <p:cNvPr id="42" name="Google Shape;42;p9"/>
-          <p:cNvSpPr/>
-          <p:nvPr/>
-        </p:nvSpPr>
-        <p:spPr>
-          <a:xfrm>
-            <a:off x="0" y="0"/>
-            <a:ext cx="9144000" cy="647700"/>
-          </a:xfrm>
-          <a:prstGeom prst="rect">
-            <a:avLst/>
-          </a:prstGeom>
-          <a:solidFill>
-            <a:srgbClr val="DDDDDD"/>
-          </a:solidFill>
-          <a:ln>
-            <a:noFill/>
-          </a:ln>
-        </p:spPr>
-        <p:txBody>
-          <a:bodyPr anchorCtr="0" anchor="ctr" bIns="45700" lIns="91425" spcFirstLastPara="1" rIns="91425" wrap="square" tIns="45700">
-            <a:noAutofit/>
-          </a:bodyPr>
-          <a:lstStyle/>
-          <a:p>
-            <a:pPr indent="0" lvl="0" marL="0" marR="0" rtl="0" algn="ctr">
-              <a:lnSpc>
-                <a:spcPct val="100000"/>
-              </a:lnSpc>
-              <a:spcBef>
-                <a:spcPts val="0"/>
-              </a:spcBef>
-              <a:spcAft>
-                <a:spcPts val="0"/>
-              </a:spcAft>
-              <a:buClr>
-                <a:srgbClr val="000000"/>
-              </a:buClr>
-              <a:buSzPts val="1800"/>
-              <a:buFont typeface="Arial"/>
-              <a:buNone/>
-            </a:pPr>
-            <a:r>
-              <a:t/>
-            </a:r>
-            <a:endParaRPr b="0" i="0" sz="1800" u="none" cap="none" strike="noStrike">
-              <a:solidFill>
-                <a:schemeClr val="accent2"/>
-              </a:solidFill>
-              <a:latin typeface="Arial"/>
-              <a:ea typeface="Arial"/>
-              <a:cs typeface="Arial"/>
-              <a:sym typeface="Arial"/>
-            </a:endParaRPr>
-          </a:p>
-        </p:txBody>
-      </p:sp>
-      <p:sp>
-        <p:nvSpPr>
-          <p:cNvPr id="43" name="Google Shape;43;p9"/>
-          <p:cNvSpPr txBox="1"/>
-          <p:nvPr>
-            <p:ph type="title"/>
-          </p:nvPr>
-        </p:nvSpPr>
-        <p:spPr>
-          <a:xfrm>
-            <a:off x="431800" y="83344"/>
-            <a:ext cx="8375700" cy="531000"/>
-          </a:xfrm>
-          <a:prstGeom prst="rect">
-            <a:avLst/>
-          </a:prstGeom>
-          <a:noFill/>
-          <a:ln>
-            <a:noFill/>
-          </a:ln>
-        </p:spPr>
-        <p:txBody>
-          <a:bodyPr anchorCtr="0" anchor="b" bIns="0" lIns="0" spcFirstLastPara="1" rIns="0" wrap="square" tIns="0">
-            <a:noAutofit/>
-          </a:bodyPr>
-          <a:lstStyle>
-            <a:lvl1pPr lvl="0" algn="l">
-              <a:lnSpc>
-                <a:spcPct val="100000"/>
-              </a:lnSpc>
-              <a:spcBef>
-                <a:spcPts val="0"/>
-              </a:spcBef>
-              <a:spcAft>
-                <a:spcPts val="0"/>
-              </a:spcAft>
-              <a:buSzPts val="1400"/>
-              <a:buNone/>
-              <a:defRPr/>
-            </a:lvl1pPr>
-            <a:lvl2pPr lvl="1" algn="l">
-              <a:lnSpc>
-                <a:spcPct val="100000"/>
-              </a:lnSpc>
-              <a:spcBef>
-                <a:spcPts val="0"/>
-              </a:spcBef>
-              <a:spcAft>
-                <a:spcPts val="0"/>
-              </a:spcAft>
-              <a:buSzPts val="1400"/>
-              <a:buNone/>
-              <a:defRPr/>
-            </a:lvl2pPr>
-            <a:lvl3pPr lvl="2" algn="l">
-              <a:lnSpc>
-                <a:spcPct val="100000"/>
-              </a:lnSpc>
-              <a:spcBef>
-                <a:spcPts val="0"/>
-              </a:spcBef>
-              <a:spcAft>
-                <a:spcPts val="0"/>
-              </a:spcAft>
-              <a:buSzPts val="1400"/>
-              <a:buNone/>
-              <a:defRPr/>
-            </a:lvl3pPr>
-            <a:lvl4pPr lvl="3" algn="l">
-              <a:lnSpc>
-                <a:spcPct val="100000"/>
-              </a:lnSpc>
-              <a:spcBef>
-                <a:spcPts val="0"/>
-              </a:spcBef>
-              <a:spcAft>
-                <a:spcPts val="0"/>
-              </a:spcAft>
-              <a:buSzPts val="1400"/>
-              <a:buNone/>
-              <a:defRPr/>
-            </a:lvl4pPr>
-            <a:lvl5pPr lvl="4" algn="l">
-              <a:lnSpc>
-                <a:spcPct val="100000"/>
-              </a:lnSpc>
-              <a:spcBef>
-                <a:spcPts val="0"/>
-              </a:spcBef>
-              <a:spcAft>
-                <a:spcPts val="0"/>
-              </a:spcAft>
-              <a:buSzPts val="1400"/>
-              <a:buNone/>
-              <a:defRPr/>
-            </a:lvl5pPr>
-            <a:lvl6pPr lvl="5" algn="l">
-              <a:lnSpc>
-                <a:spcPct val="100000"/>
-              </a:lnSpc>
-              <a:spcBef>
-                <a:spcPts val="0"/>
-              </a:spcBef>
-              <a:spcAft>
-                <a:spcPts val="0"/>
-              </a:spcAft>
-              <a:buSzPts val="1400"/>
-              <a:buNone/>
-              <a:defRPr/>
-            </a:lvl6pPr>
-            <a:lvl7pPr lvl="6" algn="l">
-              <a:lnSpc>
-                <a:spcPct val="100000"/>
-              </a:lnSpc>
-              <a:spcBef>
-                <a:spcPts val="0"/>
-              </a:spcBef>
-              <a:spcAft>
-                <a:spcPts val="0"/>
-              </a:spcAft>
-              <a:buSzPts val="1400"/>
-              <a:buNone/>
-              <a:defRPr/>
-            </a:lvl7pPr>
-            <a:lvl8pPr lvl="7" algn="l">
-              <a:lnSpc>
-                <a:spcPct val="100000"/>
-              </a:lnSpc>
-              <a:spcBef>
-                <a:spcPts val="0"/>
-              </a:spcBef>
-              <a:spcAft>
-                <a:spcPts val="0"/>
-              </a:spcAft>
-              <a:buSzPts val="1400"/>
-              <a:buNone/>
-              <a:defRPr/>
-            </a:lvl8pPr>
-            <a:lvl9pPr lvl="8" algn="l">
-              <a:lnSpc>
-                <a:spcPct val="100000"/>
-              </a:lnSpc>
-              <a:spcBef>
-                <a:spcPts val="0"/>
-              </a:spcBef>
-              <a:spcAft>
-                <a:spcPts val="0"/>
-              </a:spcAft>
-              <a:buSzPts val="1400"/>
-              <a:buNone/>
-              <a:defRPr/>
-            </a:lvl9pPr>
-          </a:lstStyle>
-          <a:p/>
-        </p:txBody>
-      </p:sp>
-      <p:sp>
-        <p:nvSpPr>
-          <p:cNvPr id="44" name="Google Shape;44;p9"/>
-          <p:cNvSpPr/>
-          <p:nvPr>
-            <p:ph idx="2" type="chart"/>
-          </p:nvPr>
-        </p:nvSpPr>
-        <p:spPr>
-          <a:xfrm>
-            <a:off x="431800" y="782241"/>
-            <a:ext cx="8375700" cy="3579000"/>
-          </a:xfrm>
-          <a:prstGeom prst="rect">
-            <a:avLst/>
-          </a:prstGeom>
-          <a:noFill/>
-          <a:ln>
-            <a:noFill/>
-          </a:ln>
-        </p:spPr>
-        <p:txBody>
-          <a:bodyPr anchorCtr="0" anchor="t" bIns="0" lIns="0" spcFirstLastPara="1" rIns="0" wrap="square" tIns="0">
-            <a:noAutofit/>
-          </a:bodyPr>
-          <a:lstStyle>
-            <a:lvl1pPr lvl="0" marR="0" rtl="0" algn="l">
-              <a:lnSpc>
-                <a:spcPct val="100000"/>
-              </a:lnSpc>
-              <a:spcBef>
-                <a:spcPts val="320"/>
-              </a:spcBef>
-              <a:spcAft>
-                <a:spcPts val="0"/>
-              </a:spcAft>
-              <a:buClr>
-                <a:srgbClr val="000000"/>
-              </a:buClr>
-              <a:buSzPts val="1400"/>
-              <a:buFont typeface="Arial"/>
-              <a:buNone/>
-              <a:defRPr b="0" i="0" sz="1600" u="none" cap="none" strike="noStrike">
-                <a:solidFill>
-                  <a:schemeClr val="dk1"/>
-                </a:solidFill>
-                <a:latin typeface="Arial"/>
-                <a:ea typeface="Arial"/>
-                <a:cs typeface="Arial"/>
-                <a:sym typeface="Arial"/>
-              </a:defRPr>
-            </a:lvl1pPr>
-            <a:lvl2pPr lvl="1" marR="0" rtl="0" algn="l">
-              <a:lnSpc>
-                <a:spcPct val="100000"/>
-              </a:lnSpc>
-              <a:spcBef>
-                <a:spcPts val="320"/>
-              </a:spcBef>
-              <a:spcAft>
-                <a:spcPts val="0"/>
-              </a:spcAft>
-              <a:buClr>
-                <a:schemeClr val="dk1"/>
-              </a:buClr>
-              <a:buSzPts val="1600"/>
-              <a:buFont typeface="Noto Sans Symbols"/>
-              <a:buChar char="▪"/>
-              <a:defRPr b="0" i="0" sz="1600" u="none" cap="none" strike="noStrike">
-                <a:solidFill>
-                  <a:schemeClr val="dk1"/>
-                </a:solidFill>
-                <a:latin typeface="Arial"/>
-                <a:ea typeface="Arial"/>
-                <a:cs typeface="Arial"/>
-                <a:sym typeface="Arial"/>
-              </a:defRPr>
-            </a:lvl2pPr>
-            <a:lvl3pPr lvl="2" marR="0" rtl="0" algn="l">
-              <a:lnSpc>
-                <a:spcPct val="100000"/>
-              </a:lnSpc>
-              <a:spcBef>
-                <a:spcPts val="320"/>
-              </a:spcBef>
-              <a:spcAft>
-                <a:spcPts val="0"/>
-              </a:spcAft>
-              <a:buClr>
-                <a:schemeClr val="dk1"/>
-              </a:buClr>
-              <a:buSzPts val="1600"/>
-              <a:buFont typeface="Noto Sans Symbols"/>
-              <a:buChar char="▪"/>
-              <a:defRPr b="0" i="0" sz="1600" u="none" cap="none" strike="noStrike">
-                <a:solidFill>
-                  <a:schemeClr val="dk1"/>
-                </a:solidFill>
-                <a:latin typeface="Arial"/>
-                <a:ea typeface="Arial"/>
-                <a:cs typeface="Arial"/>
-                <a:sym typeface="Arial"/>
-              </a:defRPr>
-            </a:lvl3pPr>
-            <a:lvl4pPr lvl="3" marR="0" rtl="0" algn="l">
-              <a:lnSpc>
-                <a:spcPct val="100000"/>
-              </a:lnSpc>
-              <a:spcBef>
-                <a:spcPts val="320"/>
-              </a:spcBef>
-              <a:spcAft>
-                <a:spcPts val="0"/>
-              </a:spcAft>
-              <a:buClr>
-                <a:schemeClr val="dk1"/>
-              </a:buClr>
-              <a:buSzPts val="1600"/>
-              <a:buFont typeface="Noto Sans Symbols"/>
-              <a:buChar char="▪"/>
-              <a:defRPr b="0" i="0" sz="1600" u="none" cap="none" strike="noStrike">
-                <a:solidFill>
-                  <a:schemeClr val="dk1"/>
-                </a:solidFill>
-                <a:latin typeface="Arial"/>
-                <a:ea typeface="Arial"/>
-                <a:cs typeface="Arial"/>
-                <a:sym typeface="Arial"/>
-              </a:defRPr>
-            </a:lvl4pPr>
-            <a:lvl5pPr lvl="4" marR="0" rtl="0" algn="l">
-              <a:lnSpc>
-                <a:spcPct val="100000"/>
-              </a:lnSpc>
-              <a:spcBef>
-                <a:spcPts val="320"/>
-              </a:spcBef>
-              <a:spcAft>
-                <a:spcPts val="0"/>
-              </a:spcAft>
-              <a:buClr>
-                <a:schemeClr val="dk1"/>
-              </a:buClr>
-              <a:buSzPts val="1600"/>
-              <a:buFont typeface="Noto Sans Symbols"/>
-              <a:buChar char="▪"/>
-              <a:defRPr b="0" i="0" sz="1600" u="none" cap="none" strike="noStrike">
-                <a:solidFill>
-                  <a:schemeClr val="dk1"/>
-                </a:solidFill>
-                <a:latin typeface="Arial"/>
-                <a:ea typeface="Arial"/>
-                <a:cs typeface="Arial"/>
-                <a:sym typeface="Arial"/>
-              </a:defRPr>
-            </a:lvl5pPr>
-            <a:lvl6pPr lvl="5" marR="0" rtl="0" algn="l">
-              <a:lnSpc>
-                <a:spcPct val="100000"/>
-              </a:lnSpc>
-              <a:spcBef>
-                <a:spcPts val="320"/>
-              </a:spcBef>
-              <a:spcAft>
-                <a:spcPts val="0"/>
-              </a:spcAft>
-              <a:buClr>
-                <a:schemeClr val="dk1"/>
-              </a:buClr>
-              <a:buSzPts val="1600"/>
-              <a:buFont typeface="Noto Sans Symbols"/>
-              <a:buChar char="▪"/>
-              <a:defRPr b="0" i="0" sz="1600" u="none" cap="none" strike="noStrike">
-                <a:solidFill>
-                  <a:schemeClr val="dk1"/>
-                </a:solidFill>
-                <a:latin typeface="Arial"/>
-                <a:ea typeface="Arial"/>
-                <a:cs typeface="Arial"/>
-                <a:sym typeface="Arial"/>
-              </a:defRPr>
-            </a:lvl6pPr>
-            <a:lvl7pPr lvl="6" marR="0" rtl="0" algn="l">
-              <a:lnSpc>
-                <a:spcPct val="100000"/>
-              </a:lnSpc>
-              <a:spcBef>
-                <a:spcPts val="320"/>
-              </a:spcBef>
-              <a:spcAft>
-                <a:spcPts val="0"/>
-              </a:spcAft>
-              <a:buClr>
-                <a:schemeClr val="dk1"/>
-              </a:buClr>
-              <a:buSzPts val="1600"/>
-              <a:buFont typeface="Noto Sans Symbols"/>
-              <a:buChar char="▪"/>
-              <a:defRPr b="0" i="0" sz="1600" u="none" cap="none" strike="noStrike">
-                <a:solidFill>
-                  <a:schemeClr val="dk1"/>
-                </a:solidFill>
-                <a:latin typeface="Arial"/>
-                <a:ea typeface="Arial"/>
-                <a:cs typeface="Arial"/>
-                <a:sym typeface="Arial"/>
-              </a:defRPr>
-            </a:lvl7pPr>
-            <a:lvl8pPr lvl="7" marR="0" rtl="0" algn="l">
-              <a:lnSpc>
-                <a:spcPct val="100000"/>
-              </a:lnSpc>
-              <a:spcBef>
-                <a:spcPts val="320"/>
-              </a:spcBef>
-              <a:spcAft>
-                <a:spcPts val="0"/>
-              </a:spcAft>
-              <a:buClr>
-                <a:schemeClr val="dk1"/>
-              </a:buClr>
-              <a:buSzPts val="1600"/>
-              <a:buFont typeface="Noto Sans Symbols"/>
-              <a:buChar char="▪"/>
-              <a:defRPr b="0" i="0" sz="1600" u="none" cap="none" strike="noStrike">
-                <a:solidFill>
-                  <a:schemeClr val="dk1"/>
-                </a:solidFill>
-                <a:latin typeface="Arial"/>
-                <a:ea typeface="Arial"/>
-                <a:cs typeface="Arial"/>
-                <a:sym typeface="Arial"/>
-              </a:defRPr>
-            </a:lvl8pPr>
-            <a:lvl9pPr lvl="8" marR="0" rtl="0" algn="l">
-              <a:lnSpc>
-                <a:spcPct val="100000"/>
-              </a:lnSpc>
-              <a:spcBef>
-                <a:spcPts val="320"/>
-              </a:spcBef>
-              <a:spcAft>
-                <a:spcPts val="0"/>
-              </a:spcAft>
-              <a:buClr>
-                <a:schemeClr val="dk1"/>
-              </a:buClr>
-              <a:buSzPts val="1600"/>
-              <a:buFont typeface="Noto Sans Symbols"/>
-              <a:buChar char="▪"/>
-              <a:defRPr b="0" i="0" sz="1600" u="none" cap="none" strike="noStrike">
-                <a:solidFill>
-                  <a:schemeClr val="dk1"/>
-                </a:solidFill>
-                <a:latin typeface="Arial"/>
-                <a:ea typeface="Arial"/>
-                <a:cs typeface="Arial"/>
-                <a:sym typeface="Arial"/>
-              </a:defRPr>
             </a:lvl9pPr>
           </a:lstStyle>
           <a:p/>
@@ -9708,6 +10059,10 @@
           <a:prstGeom prst="rect">
             <a:avLst/>
           </a:prstGeom>
+          <a:noFill/>
+          <a:ln>
+            <a:noFill/>
+          </a:ln>
         </p:spPr>
         <p:txBody>
           <a:bodyPr anchorCtr="0" anchor="b" bIns="0" lIns="0" spcFirstLastPara="1" rIns="0" wrap="square" tIns="0">
@@ -9716,12 +10071,16 @@
           <a:lstStyle/>
           <a:p>
             <a:pPr indent="0" lvl="0" marL="0" rtl="0" algn="l">
-              <a:spcBef>
-                <a:spcPts val="0"/>
-              </a:spcBef>
-              <a:spcAft>
-                <a:spcPts val="0"/>
-              </a:spcAft>
+              <a:lnSpc>
+                <a:spcPct val="100000"/>
+              </a:lnSpc>
+              <a:spcBef>
+                <a:spcPts val="0"/>
+              </a:spcBef>
+              <a:spcAft>
+                <a:spcPts val="0"/>
+              </a:spcAft>
+              <a:buSzPts val="1400"/>
               <a:buNone/>
             </a:pPr>
             <a:r>
@@ -9748,6 +10107,10 @@
           <a:prstGeom prst="rect">
             <a:avLst/>
           </a:prstGeom>
+          <a:noFill/>
+          <a:ln>
+            <a:noFill/>
+          </a:ln>
         </p:spPr>
         <p:txBody>
           <a:bodyPr anchorCtr="0" anchor="t" bIns="0" lIns="0" spcFirstLastPara="1" rIns="0" wrap="square" tIns="0">
@@ -9756,12 +10119,16 @@
           <a:lstStyle/>
           <a:p>
             <a:pPr indent="0" lvl="0" marL="0" rtl="0" algn="l">
+              <a:lnSpc>
+                <a:spcPct val="100000"/>
+              </a:lnSpc>
               <a:spcBef>
                 <a:spcPts val="320"/>
               </a:spcBef>
               <a:spcAft>
                 <a:spcPts val="0"/>
               </a:spcAft>
+              <a:buSzPts val="1600"/>
               <a:buNone/>
             </a:pPr>
             <a:r>
@@ -9813,6 +10180,10 @@
           <a:prstGeom prst="rect">
             <a:avLst/>
           </a:prstGeom>
+          <a:noFill/>
+          <a:ln>
+            <a:noFill/>
+          </a:ln>
         </p:spPr>
         <p:txBody>
           <a:bodyPr anchorCtr="0" anchor="b" bIns="0" lIns="0" spcFirstLastPara="1" rIns="0" wrap="square" tIns="0">
@@ -9821,12 +10192,16 @@
           <a:lstStyle/>
           <a:p>
             <a:pPr indent="0" lvl="0" marL="0" rtl="0" algn="l">
-              <a:spcBef>
-                <a:spcPts val="0"/>
-              </a:spcBef>
-              <a:spcAft>
-                <a:spcPts val="0"/>
-              </a:spcAft>
+              <a:lnSpc>
+                <a:spcPct val="100000"/>
+              </a:lnSpc>
+              <a:spcBef>
+                <a:spcPts val="0"/>
+              </a:spcBef>
+              <a:spcAft>
+                <a:spcPts val="0"/>
+              </a:spcAft>
+              <a:buSzPts val="1400"/>
               <a:buNone/>
             </a:pPr>
             <a:r>
@@ -9853,6 +10228,10 @@
           <a:prstGeom prst="rect">
             <a:avLst/>
           </a:prstGeom>
+          <a:noFill/>
+          <a:ln>
+            <a:noFill/>
+          </a:ln>
         </p:spPr>
         <p:txBody>
           <a:bodyPr anchorCtr="0" anchor="t" bIns="0" lIns="0" spcFirstLastPara="1" rIns="0" wrap="square" tIns="0">
@@ -9860,72 +10239,164 @@
           </a:bodyPr>
           <a:lstStyle/>
           <a:p>
-            <a:pPr indent="-317500" lvl="0" marL="457200" rtl="0" algn="l">
+            <a:pPr indent="-317500" lvl="0" marL="457200" marR="0" rtl="0" algn="l">
+              <a:lnSpc>
+                <a:spcPct val="100000"/>
+              </a:lnSpc>
               <a:spcBef>
                 <a:spcPts val="320"/>
               </a:spcBef>
               <a:spcAft>
                 <a:spcPts val="0"/>
               </a:spcAft>
-              <a:buSzPts val="1400"/>
+              <a:buClr>
+                <a:srgbClr val="000000"/>
+              </a:buClr>
+              <a:buSzPts val="1400"/>
+              <a:buFont typeface="Arial"/>
               <a:buChar char="●"/>
             </a:pPr>
             <a:r>
-              <a:rPr lang="de"/>
+              <a:rPr b="0" i="0" lang="de" sz="1600" u="none" cap="none" strike="noStrike">
+                <a:solidFill>
+                  <a:schemeClr val="dk1"/>
+                </a:solidFill>
+                <a:latin typeface="Arial"/>
+                <a:ea typeface="Arial"/>
+                <a:cs typeface="Arial"/>
+                <a:sym typeface="Arial"/>
+              </a:rPr>
               <a:t>Um eine Klasse zu instanziieren wird das Schlüsselwort “new” verwendet</a:t>
             </a:r>
-            <a:endParaRPr/>
+            <a:endParaRPr b="0" i="0" sz="1600" u="none" cap="none" strike="noStrike">
+              <a:solidFill>
+                <a:schemeClr val="dk1"/>
+              </a:solidFill>
+              <a:latin typeface="Arial"/>
+              <a:ea typeface="Arial"/>
+              <a:cs typeface="Arial"/>
+              <a:sym typeface="Arial"/>
+            </a:endParaRPr>
           </a:p>
           <a:p>
-            <a:pPr indent="-317500" lvl="0" marL="457200" rtl="0" algn="l">
-              <a:spcBef>
-                <a:spcPts val="0"/>
-              </a:spcBef>
-              <a:spcAft>
-                <a:spcPts val="0"/>
-              </a:spcAft>
-              <a:buSzPts val="1400"/>
+            <a:pPr indent="-317500" lvl="0" marL="457200" marR="0" rtl="0" algn="l">
+              <a:lnSpc>
+                <a:spcPct val="100000"/>
+              </a:lnSpc>
+              <a:spcBef>
+                <a:spcPts val="0"/>
+              </a:spcBef>
+              <a:spcAft>
+                <a:spcPts val="0"/>
+              </a:spcAft>
+              <a:buClr>
+                <a:srgbClr val="000000"/>
+              </a:buClr>
+              <a:buSzPts val="1400"/>
+              <a:buFont typeface="Arial"/>
               <a:buChar char="●"/>
             </a:pPr>
             <a:r>
-              <a:rPr lang="de"/>
+              <a:rPr b="0" i="0" lang="de" sz="1600" u="none" cap="none" strike="noStrike">
+                <a:solidFill>
+                  <a:schemeClr val="dk1"/>
+                </a:solidFill>
+                <a:latin typeface="Arial"/>
+                <a:ea typeface="Arial"/>
+                <a:cs typeface="Arial"/>
+                <a:sym typeface="Arial"/>
+              </a:rPr>
               <a:t>Der Rückgabewert eines Konstruktors ist immer die Klasse selber, man kann es also in einer Variable vom Typ der Klasse speichern</a:t>
             </a:r>
-            <a:endParaRPr/>
+            <a:endParaRPr b="0" i="0" sz="1600" u="none" cap="none" strike="noStrike">
+              <a:solidFill>
+                <a:schemeClr val="dk1"/>
+              </a:solidFill>
+              <a:latin typeface="Arial"/>
+              <a:ea typeface="Arial"/>
+              <a:cs typeface="Arial"/>
+              <a:sym typeface="Arial"/>
+            </a:endParaRPr>
           </a:p>
           <a:p>
-            <a:pPr indent="-317500" lvl="0" marL="457200" rtl="0" algn="l">
-              <a:spcBef>
-                <a:spcPts val="0"/>
-              </a:spcBef>
-              <a:spcAft>
-                <a:spcPts val="0"/>
-              </a:spcAft>
-              <a:buSzPts val="1400"/>
+            <a:pPr indent="-317500" lvl="0" marL="457200" marR="0" rtl="0" algn="l">
+              <a:lnSpc>
+                <a:spcPct val="100000"/>
+              </a:lnSpc>
+              <a:spcBef>
+                <a:spcPts val="0"/>
+              </a:spcBef>
+              <a:spcAft>
+                <a:spcPts val="0"/>
+              </a:spcAft>
+              <a:buClr>
+                <a:srgbClr val="000000"/>
+              </a:buClr>
+              <a:buSzPts val="1400"/>
+              <a:buFont typeface="Arial"/>
               <a:buChar char="●"/>
             </a:pPr>
             <a:r>
-              <a:rPr lang="de"/>
+              <a:rPr b="0" i="0" lang="de" sz="1600" u="none" cap="none" strike="noStrike">
+                <a:solidFill>
+                  <a:schemeClr val="dk1"/>
+                </a:solidFill>
+                <a:latin typeface="Arial"/>
+                <a:ea typeface="Arial"/>
+                <a:cs typeface="Arial"/>
+                <a:sym typeface="Arial"/>
+              </a:rPr>
               <a:t>Auf Methoden kann man über die Instanz der Klasse zugreifen</a:t>
             </a:r>
-            <a:endParaRPr/>
+            <a:endParaRPr b="0" i="0" sz="1600" u="none" cap="none" strike="noStrike">
+              <a:solidFill>
+                <a:schemeClr val="dk1"/>
+              </a:solidFill>
+              <a:latin typeface="Arial"/>
+              <a:ea typeface="Arial"/>
+              <a:cs typeface="Arial"/>
+              <a:sym typeface="Arial"/>
+            </a:endParaRPr>
           </a:p>
           <a:p>
-            <a:pPr indent="-317500" lvl="0" marL="457200" rtl="0" algn="l">
-              <a:spcBef>
-                <a:spcPts val="0"/>
-              </a:spcBef>
-              <a:spcAft>
-                <a:spcPts val="0"/>
-              </a:spcAft>
-              <a:buSzPts val="1400"/>
+            <a:pPr indent="-317500" lvl="0" marL="457200" marR="0" rtl="0" algn="l">
+              <a:lnSpc>
+                <a:spcPct val="100000"/>
+              </a:lnSpc>
+              <a:spcBef>
+                <a:spcPts val="0"/>
+              </a:spcBef>
+              <a:spcAft>
+                <a:spcPts val="0"/>
+              </a:spcAft>
+              <a:buClr>
+                <a:srgbClr val="000000"/>
+              </a:buClr>
+              <a:buSzPts val="1400"/>
+              <a:buFont typeface="Arial"/>
               <a:buChar char="●"/>
             </a:pPr>
             <a:r>
-              <a:rPr lang="de"/>
+              <a:rPr b="0" i="0" lang="de" sz="1600" u="none" cap="none" strike="noStrike">
+                <a:solidFill>
+                  <a:schemeClr val="dk1"/>
+                </a:solidFill>
+                <a:latin typeface="Arial"/>
+                <a:ea typeface="Arial"/>
+                <a:cs typeface="Arial"/>
+                <a:sym typeface="Arial"/>
+              </a:rPr>
               <a:t>Auf Funktionen kann man über die Klasse selber zugreifen</a:t>
             </a:r>
-            <a:endParaRPr/>
+            <a:endParaRPr b="0" i="0" sz="1600" u="none" cap="none" strike="noStrike">
+              <a:solidFill>
+                <a:schemeClr val="dk1"/>
+              </a:solidFill>
+              <a:latin typeface="Arial"/>
+              <a:ea typeface="Arial"/>
+              <a:cs typeface="Arial"/>
+              <a:sym typeface="Arial"/>
+            </a:endParaRPr>
           </a:p>
         </p:txBody>
       </p:sp>
@@ -9935,13 +10406,12 @@
           <p:cNvPicPr preferRelativeResize="0"/>
           <p:nvPr/>
         </p:nvPicPr>
-        <p:blipFill>
+        <p:blipFill rotWithShape="1">
           <a:blip r:embed="rId3">
             <a:alphaModFix/>
           </a:blip>
-          <a:stretch>
-            <a:fillRect/>
-          </a:stretch>
+          <a:srcRect b="0" l="0" r="0" t="0"/>
+          <a:stretch/>
         </p:blipFill>
         <p:spPr>
           <a:xfrm>
@@ -9998,6 +10468,10 @@
           <a:prstGeom prst="rect">
             <a:avLst/>
           </a:prstGeom>
+          <a:noFill/>
+          <a:ln>
+            <a:noFill/>
+          </a:ln>
         </p:spPr>
         <p:txBody>
           <a:bodyPr anchorCtr="0" anchor="b" bIns="0" lIns="0" spcFirstLastPara="1" rIns="0" wrap="square" tIns="0">
@@ -10006,12 +10480,16 @@
           <a:lstStyle/>
           <a:p>
             <a:pPr indent="0" lvl="0" marL="0" rtl="0" algn="l">
-              <a:spcBef>
-                <a:spcPts val="0"/>
-              </a:spcBef>
-              <a:spcAft>
-                <a:spcPts val="0"/>
-              </a:spcAft>
+              <a:lnSpc>
+                <a:spcPct val="100000"/>
+              </a:lnSpc>
+              <a:spcBef>
+                <a:spcPts val="0"/>
+              </a:spcBef>
+              <a:spcAft>
+                <a:spcPts val="0"/>
+              </a:spcAft>
+              <a:buSzPts val="1400"/>
               <a:buNone/>
             </a:pPr>
             <a:r>
@@ -10038,6 +10516,10 @@
           <a:prstGeom prst="rect">
             <a:avLst/>
           </a:prstGeom>
+          <a:noFill/>
+          <a:ln>
+            <a:noFill/>
+          </a:ln>
         </p:spPr>
         <p:txBody>
           <a:bodyPr anchorCtr="0" anchor="t" bIns="0" lIns="0" spcFirstLastPara="1" rIns="0" wrap="square" tIns="0">
@@ -10045,7 +10527,10 @@
           </a:bodyPr>
           <a:lstStyle/>
           <a:p>
-            <a:pPr indent="0" lvl="0" marL="0" rtl="0" algn="ctr">
+            <a:pPr indent="0" lvl="0" marL="0" marR="0" rtl="0" algn="ctr">
+              <a:lnSpc>
+                <a:spcPct val="100000"/>
+              </a:lnSpc>
               <a:spcBef>
                 <a:spcPts val="320"/>
               </a:spcBef>
@@ -10062,10 +10547,21 @@
             <a:r>
               <a:t/>
             </a:r>
-            <a:endParaRPr/>
+            <a:endParaRPr b="0" i="0" sz="1600" u="none" cap="none" strike="noStrike">
+              <a:solidFill>
+                <a:schemeClr val="dk1"/>
+              </a:solidFill>
+              <a:latin typeface="Arial"/>
+              <a:ea typeface="Arial"/>
+              <a:cs typeface="Arial"/>
+              <a:sym typeface="Arial"/>
+            </a:endParaRPr>
           </a:p>
           <a:p>
-            <a:pPr indent="0" lvl="0" marL="0" rtl="0" algn="ctr">
+            <a:pPr indent="0" lvl="0" marL="0" marR="0" rtl="0" algn="ctr">
+              <a:lnSpc>
+                <a:spcPct val="100000"/>
+              </a:lnSpc>
               <a:spcBef>
                 <a:spcPts val="320"/>
               </a:spcBef>
@@ -10082,10 +10578,21 @@
             <a:r>
               <a:t/>
             </a:r>
-            <a:endParaRPr/>
+            <a:endParaRPr b="0" i="0" sz="1600" u="none" cap="none" strike="noStrike">
+              <a:solidFill>
+                <a:schemeClr val="dk1"/>
+              </a:solidFill>
+              <a:latin typeface="Arial"/>
+              <a:ea typeface="Arial"/>
+              <a:cs typeface="Arial"/>
+              <a:sym typeface="Arial"/>
+            </a:endParaRPr>
           </a:p>
           <a:p>
-            <a:pPr indent="0" lvl="0" marL="0" rtl="0" algn="ctr">
+            <a:pPr indent="0" lvl="0" marL="0" marR="0" rtl="0" algn="ctr">
+              <a:lnSpc>
+                <a:spcPct val="100000"/>
+              </a:lnSpc>
               <a:spcBef>
                 <a:spcPts val="320"/>
               </a:spcBef>
@@ -10102,10 +10609,21 @@
             <a:r>
               <a:t/>
             </a:r>
-            <a:endParaRPr/>
+            <a:endParaRPr b="0" i="0" sz="1600" u="none" cap="none" strike="noStrike">
+              <a:solidFill>
+                <a:schemeClr val="dk1"/>
+              </a:solidFill>
+              <a:latin typeface="Arial"/>
+              <a:ea typeface="Arial"/>
+              <a:cs typeface="Arial"/>
+              <a:sym typeface="Arial"/>
+            </a:endParaRPr>
           </a:p>
           <a:p>
-            <a:pPr indent="0" lvl="0" marL="0" rtl="0" algn="ctr">
+            <a:pPr indent="0" lvl="0" marL="0" marR="0" rtl="0" algn="ctr">
+              <a:lnSpc>
+                <a:spcPct val="100000"/>
+              </a:lnSpc>
               <a:spcBef>
                 <a:spcPts val="320"/>
               </a:spcBef>
@@ -10122,10 +10640,21 @@
             <a:r>
               <a:t/>
             </a:r>
-            <a:endParaRPr/>
+            <a:endParaRPr b="0" i="0" sz="1600" u="none" cap="none" strike="noStrike">
+              <a:solidFill>
+                <a:schemeClr val="dk1"/>
+              </a:solidFill>
+              <a:latin typeface="Arial"/>
+              <a:ea typeface="Arial"/>
+              <a:cs typeface="Arial"/>
+              <a:sym typeface="Arial"/>
+            </a:endParaRPr>
           </a:p>
           <a:p>
-            <a:pPr indent="0" lvl="0" marL="0" rtl="0" algn="ctr">
+            <a:pPr indent="0" lvl="0" marL="0" marR="0" rtl="0" algn="ctr">
+              <a:lnSpc>
+                <a:spcPct val="100000"/>
+              </a:lnSpc>
               <a:spcBef>
                 <a:spcPts val="320"/>
               </a:spcBef>
@@ -10142,10 +10671,21 @@
             <a:r>
               <a:t/>
             </a:r>
-            <a:endParaRPr/>
+            <a:endParaRPr b="0" i="0" sz="1600" u="none" cap="none" strike="noStrike">
+              <a:solidFill>
+                <a:schemeClr val="dk1"/>
+              </a:solidFill>
+              <a:latin typeface="Arial"/>
+              <a:ea typeface="Arial"/>
+              <a:cs typeface="Arial"/>
+              <a:sym typeface="Arial"/>
+            </a:endParaRPr>
           </a:p>
           <a:p>
-            <a:pPr indent="0" lvl="0" marL="0" rtl="0" algn="ctr">
+            <a:pPr indent="0" lvl="0" marL="0" marR="0" rtl="0" algn="ctr">
+              <a:lnSpc>
+                <a:spcPct val="100000"/>
+              </a:lnSpc>
               <a:spcBef>
                 <a:spcPts val="320"/>
               </a:spcBef>
@@ -10162,10 +10702,21 @@
             <a:r>
               <a:t/>
             </a:r>
-            <a:endParaRPr/>
+            <a:endParaRPr b="0" i="0" sz="1600" u="none" cap="none" strike="noStrike">
+              <a:solidFill>
+                <a:schemeClr val="dk1"/>
+              </a:solidFill>
+              <a:latin typeface="Arial"/>
+              <a:ea typeface="Arial"/>
+              <a:cs typeface="Arial"/>
+              <a:sym typeface="Arial"/>
+            </a:endParaRPr>
           </a:p>
           <a:p>
-            <a:pPr indent="0" lvl="0" marL="0" rtl="0" algn="ctr">
+            <a:pPr indent="0" lvl="0" marL="0" marR="0" rtl="0" algn="ctr">
+              <a:lnSpc>
+                <a:spcPct val="100000"/>
+              </a:lnSpc>
               <a:spcBef>
                 <a:spcPts val="320"/>
               </a:spcBef>
@@ -10180,10 +10731,26 @@
               <a:buNone/>
             </a:pPr>
             <a:r>
-              <a:rPr lang="de" sz="3600"/>
+              <a:rPr b="0" i="0" lang="de" sz="3600" u="none" cap="none" strike="noStrike">
+                <a:solidFill>
+                  <a:schemeClr val="dk1"/>
+                </a:solidFill>
+                <a:latin typeface="Arial"/>
+                <a:ea typeface="Arial"/>
+                <a:cs typeface="Arial"/>
+                <a:sym typeface="Arial"/>
+              </a:rPr>
               <a:t>Fragen</a:t>
             </a:r>
-            <a:endParaRPr/>
+            <a:endParaRPr b="0" i="0" sz="1600" u="none" cap="none" strike="noStrike">
+              <a:solidFill>
+                <a:schemeClr val="dk1"/>
+              </a:solidFill>
+              <a:latin typeface="Arial"/>
+              <a:ea typeface="Arial"/>
+              <a:cs typeface="Arial"/>
+              <a:sym typeface="Arial"/>
+            </a:endParaRPr>
           </a:p>
         </p:txBody>
       </p:sp>
@@ -10228,6 +10795,10 @@
           <a:prstGeom prst="rect">
             <a:avLst/>
           </a:prstGeom>
+          <a:noFill/>
+          <a:ln>
+            <a:noFill/>
+          </a:ln>
         </p:spPr>
         <p:txBody>
           <a:bodyPr anchorCtr="0" anchor="b" bIns="0" lIns="0" spcFirstLastPara="1" rIns="0" wrap="square" tIns="0">
@@ -10236,12 +10807,16 @@
           <a:lstStyle/>
           <a:p>
             <a:pPr indent="0" lvl="0" marL="0" rtl="0" algn="l">
-              <a:spcBef>
-                <a:spcPts val="0"/>
-              </a:spcBef>
-              <a:spcAft>
-                <a:spcPts val="0"/>
-              </a:spcAft>
+              <a:lnSpc>
+                <a:spcPct val="100000"/>
+              </a:lnSpc>
+              <a:spcBef>
+                <a:spcPts val="0"/>
+              </a:spcBef>
+              <a:spcAft>
+                <a:spcPts val="0"/>
+              </a:spcAft>
+              <a:buSzPts val="1400"/>
               <a:buNone/>
             </a:pPr>
             <a:r>
@@ -10268,6 +10843,10 @@
           <a:prstGeom prst="rect">
             <a:avLst/>
           </a:prstGeom>
+          <a:noFill/>
+          <a:ln>
+            <a:noFill/>
+          </a:ln>
         </p:spPr>
         <p:txBody>
           <a:bodyPr anchorCtr="0" anchor="t" bIns="0" lIns="0" spcFirstLastPara="1" rIns="0" wrap="square" tIns="0">
@@ -10275,241 +10854,616 @@
           </a:bodyPr>
           <a:lstStyle/>
           <a:p>
-            <a:pPr indent="0" lvl="0" marL="0" rtl="0" algn="l">
+            <a:pPr indent="0" lvl="0" marL="0" marR="0" rtl="0" algn="l">
+              <a:lnSpc>
+                <a:spcPct val="100000"/>
+              </a:lnSpc>
               <a:spcBef>
                 <a:spcPts val="320"/>
               </a:spcBef>
               <a:spcAft>
                 <a:spcPts val="0"/>
               </a:spcAft>
+              <a:buClr>
+                <a:srgbClr val="000000"/>
+              </a:buClr>
+              <a:buSzPts val="1400"/>
+              <a:buFont typeface="Arial"/>
               <a:buNone/>
             </a:pPr>
             <a:r>
-              <a:rPr lang="de"/>
+              <a:rPr b="0" i="0" lang="de" sz="1600" u="none" cap="none" strike="noStrike">
+                <a:solidFill>
+                  <a:schemeClr val="dk1"/>
+                </a:solidFill>
+                <a:latin typeface="Arial"/>
+                <a:ea typeface="Arial"/>
+                <a:cs typeface="Arial"/>
+                <a:sym typeface="Arial"/>
+              </a:rPr>
               <a:t>Du kannst die Objektorientierung jetzt am Beispiel eines Kreises üben. Du brauchst dafür folgende 2 Klassen mit den aufgeführten Eigenschaften:</a:t>
             </a:r>
-            <a:endParaRPr/>
+            <a:endParaRPr b="0" i="0" sz="1600" u="none" cap="none" strike="noStrike">
+              <a:solidFill>
+                <a:schemeClr val="dk1"/>
+              </a:solidFill>
+              <a:latin typeface="Arial"/>
+              <a:ea typeface="Arial"/>
+              <a:cs typeface="Arial"/>
+              <a:sym typeface="Arial"/>
+            </a:endParaRPr>
           </a:p>
           <a:p>
-            <a:pPr indent="-317500" lvl="0" marL="457200" rtl="0" algn="l">
+            <a:pPr indent="-317500" lvl="0" marL="457200" marR="0" rtl="0" algn="l">
+              <a:lnSpc>
+                <a:spcPct val="100000"/>
+              </a:lnSpc>
               <a:spcBef>
                 <a:spcPts val="320"/>
               </a:spcBef>
               <a:spcAft>
                 <a:spcPts val="0"/>
               </a:spcAft>
-              <a:buSzPts val="1400"/>
+              <a:buClr>
+                <a:srgbClr val="000000"/>
+              </a:buClr>
+              <a:buSzPts val="1400"/>
+              <a:buFont typeface="Arial"/>
               <a:buChar char="●"/>
             </a:pPr>
             <a:r>
-              <a:rPr lang="de"/>
+              <a:rPr b="0" i="0" lang="de" sz="1600" u="none" cap="none" strike="noStrike">
+                <a:solidFill>
+                  <a:schemeClr val="dk1"/>
+                </a:solidFill>
+                <a:latin typeface="Arial"/>
+                <a:ea typeface="Arial"/>
+                <a:cs typeface="Arial"/>
+                <a:sym typeface="Arial"/>
+              </a:rPr>
               <a:t>Circle</a:t>
             </a:r>
-            <a:endParaRPr/>
+            <a:endParaRPr b="0" i="0" sz="1600" u="none" cap="none" strike="noStrike">
+              <a:solidFill>
+                <a:schemeClr val="dk1"/>
+              </a:solidFill>
+              <a:latin typeface="Arial"/>
+              <a:ea typeface="Arial"/>
+              <a:cs typeface="Arial"/>
+              <a:sym typeface="Arial"/>
+            </a:endParaRPr>
           </a:p>
           <a:p>
-            <a:pPr indent="-330200" lvl="1" marL="914400" rtl="0" algn="l">
-              <a:spcBef>
-                <a:spcPts val="0"/>
-              </a:spcBef>
-              <a:spcAft>
-                <a:spcPts val="0"/>
-              </a:spcAft>
+            <a:pPr indent="-330200" lvl="1" marL="914400" marR="0" rtl="0" algn="l">
+              <a:lnSpc>
+                <a:spcPct val="100000"/>
+              </a:lnSpc>
+              <a:spcBef>
+                <a:spcPts val="0"/>
+              </a:spcBef>
+              <a:spcAft>
+                <a:spcPts val="0"/>
+              </a:spcAft>
+              <a:buClr>
+                <a:schemeClr val="dk1"/>
+              </a:buClr>
               <a:buSzPts val="1600"/>
+              <a:buFont typeface="Noto Sans Symbols"/>
               <a:buChar char="-"/>
             </a:pPr>
             <a:r>
-              <a:rPr b="1" lang="de"/>
+              <a:rPr b="1" i="0" lang="de" sz="1600" u="none" cap="none" strike="noStrike">
+                <a:solidFill>
+                  <a:schemeClr val="dk1"/>
+                </a:solidFill>
+                <a:latin typeface="Arial"/>
+                <a:ea typeface="Arial"/>
+                <a:cs typeface="Arial"/>
+                <a:sym typeface="Arial"/>
+              </a:rPr>
               <a:t>Radius (double)</a:t>
             </a:r>
             <a:r>
-              <a:rPr lang="de"/>
+              <a:rPr b="0" i="0" lang="de" sz="1600" u="none" cap="none" strike="noStrike">
+                <a:solidFill>
+                  <a:schemeClr val="dk1"/>
+                </a:solidFill>
+                <a:latin typeface="Arial"/>
+                <a:ea typeface="Arial"/>
+                <a:cs typeface="Arial"/>
+                <a:sym typeface="Arial"/>
+              </a:rPr>
               <a:t> als Attribut und </a:t>
             </a:r>
             <a:r>
-              <a:rPr b="1" lang="de"/>
+              <a:rPr b="1" i="0" lang="de" sz="1600" u="none" cap="none" strike="noStrike">
+                <a:solidFill>
+                  <a:schemeClr val="dk1"/>
+                </a:solidFill>
+                <a:latin typeface="Arial"/>
+                <a:ea typeface="Arial"/>
+                <a:cs typeface="Arial"/>
+                <a:sym typeface="Arial"/>
+              </a:rPr>
               <a:t>Summe der Radien und Anzahl der Kreise als Klassenvariablen</a:t>
             </a:r>
             <a:r>
-              <a:rPr lang="de"/>
+              <a:rPr b="0" i="0" lang="de" sz="1600" u="none" cap="none" strike="noStrike">
+                <a:solidFill>
+                  <a:schemeClr val="dk1"/>
+                </a:solidFill>
+                <a:latin typeface="Arial"/>
+                <a:ea typeface="Arial"/>
+                <a:cs typeface="Arial"/>
+                <a:sym typeface="Arial"/>
+              </a:rPr>
               <a:t>, sowie die Kreiszahl </a:t>
             </a:r>
             <a:r>
-              <a:rPr b="1" lang="de"/>
+              <a:rPr b="1" i="0" lang="de" sz="1600" u="none" cap="none" strike="noStrike">
+                <a:solidFill>
+                  <a:schemeClr val="dk1"/>
+                </a:solidFill>
+                <a:latin typeface="Arial"/>
+                <a:ea typeface="Arial"/>
+                <a:cs typeface="Arial"/>
+                <a:sym typeface="Arial"/>
+              </a:rPr>
               <a:t>Pi als statische Konstante</a:t>
             </a:r>
-            <a:endParaRPr b="1"/>
+            <a:endParaRPr b="1" i="0" sz="1600" u="none" cap="none" strike="noStrike">
+              <a:solidFill>
+                <a:schemeClr val="dk1"/>
+              </a:solidFill>
+              <a:latin typeface="Arial"/>
+              <a:ea typeface="Arial"/>
+              <a:cs typeface="Arial"/>
+              <a:sym typeface="Arial"/>
+            </a:endParaRPr>
           </a:p>
           <a:p>
-            <a:pPr indent="-330200" lvl="1" marL="914400" rtl="0" algn="l">
-              <a:spcBef>
-                <a:spcPts val="0"/>
-              </a:spcBef>
-              <a:spcAft>
-                <a:spcPts val="0"/>
-              </a:spcAft>
+            <a:pPr indent="-330200" lvl="1" marL="914400" marR="0" rtl="0" algn="l">
+              <a:lnSpc>
+                <a:spcPct val="100000"/>
+              </a:lnSpc>
+              <a:spcBef>
+                <a:spcPts val="0"/>
+              </a:spcBef>
+              <a:spcAft>
+                <a:spcPts val="0"/>
+              </a:spcAft>
+              <a:buClr>
+                <a:schemeClr val="dk1"/>
+              </a:buClr>
               <a:buSzPts val="1600"/>
+              <a:buFont typeface="Noto Sans Symbols"/>
               <a:buChar char="-"/>
             </a:pPr>
             <a:r>
-              <a:rPr b="1" lang="de"/>
+              <a:rPr b="1" i="0" lang="de" sz="1600" u="none" cap="none" strike="noStrike">
+                <a:solidFill>
+                  <a:schemeClr val="dk1"/>
+                </a:solidFill>
+                <a:latin typeface="Arial"/>
+                <a:ea typeface="Arial"/>
+                <a:cs typeface="Arial"/>
+                <a:sym typeface="Arial"/>
+              </a:rPr>
               <a:t>Konstruktor</a:t>
             </a:r>
             <a:r>
-              <a:rPr lang="de"/>
+              <a:rPr b="0" i="0" lang="de" sz="1600" u="none" cap="none" strike="noStrike">
+                <a:solidFill>
+                  <a:schemeClr val="dk1"/>
+                </a:solidFill>
+                <a:latin typeface="Arial"/>
+                <a:ea typeface="Arial"/>
+                <a:cs typeface="Arial"/>
+                <a:sym typeface="Arial"/>
+              </a:rPr>
               <a:t>, der den </a:t>
             </a:r>
             <a:r>
-              <a:rPr b="1" lang="de"/>
+              <a:rPr b="1" i="0" lang="de" sz="1600" u="none" cap="none" strike="noStrike">
+                <a:solidFill>
+                  <a:schemeClr val="dk1"/>
+                </a:solidFill>
+                <a:latin typeface="Arial"/>
+                <a:ea typeface="Arial"/>
+                <a:cs typeface="Arial"/>
+                <a:sym typeface="Arial"/>
+              </a:rPr>
               <a:t>Radius entgegennimmt und setzt</a:t>
             </a:r>
             <a:r>
-              <a:rPr lang="de"/>
+              <a:rPr b="0" i="0" lang="de" sz="1600" u="none" cap="none" strike="noStrike">
+                <a:solidFill>
+                  <a:schemeClr val="dk1"/>
+                </a:solidFill>
+                <a:latin typeface="Arial"/>
+                <a:ea typeface="Arial"/>
+                <a:cs typeface="Arial"/>
+                <a:sym typeface="Arial"/>
+              </a:rPr>
               <a:t>, sowie die </a:t>
             </a:r>
             <a:r>
-              <a:rPr b="1" lang="de"/>
+              <a:rPr b="1" i="0" lang="de" sz="1600" u="none" cap="none" strike="noStrike">
+                <a:solidFill>
+                  <a:schemeClr val="dk1"/>
+                </a:solidFill>
+                <a:latin typeface="Arial"/>
+                <a:ea typeface="Arial"/>
+                <a:cs typeface="Arial"/>
+                <a:sym typeface="Arial"/>
+              </a:rPr>
               <a:t>Radiensumme und Kreisanzahl aktualisiert</a:t>
             </a:r>
-            <a:endParaRPr/>
+            <a:endParaRPr b="0" i="0" sz="1600" u="none" cap="none" strike="noStrike">
+              <a:solidFill>
+                <a:schemeClr val="dk1"/>
+              </a:solidFill>
+              <a:latin typeface="Arial"/>
+              <a:ea typeface="Arial"/>
+              <a:cs typeface="Arial"/>
+              <a:sym typeface="Arial"/>
+            </a:endParaRPr>
           </a:p>
           <a:p>
-            <a:pPr indent="-330200" lvl="1" marL="914400" rtl="0" algn="l">
-              <a:spcBef>
-                <a:spcPts val="0"/>
-              </a:spcBef>
-              <a:spcAft>
-                <a:spcPts val="0"/>
-              </a:spcAft>
+            <a:pPr indent="-330200" lvl="1" marL="914400" marR="0" rtl="0" algn="l">
+              <a:lnSpc>
+                <a:spcPct val="100000"/>
+              </a:lnSpc>
+              <a:spcBef>
+                <a:spcPts val="0"/>
+              </a:spcBef>
+              <a:spcAft>
+                <a:spcPts val="0"/>
+              </a:spcAft>
+              <a:buClr>
+                <a:schemeClr val="dk1"/>
+              </a:buClr>
               <a:buSzPts val="1600"/>
+              <a:buFont typeface="Noto Sans Symbols"/>
               <a:buChar char="-"/>
             </a:pPr>
             <a:r>
-              <a:rPr b="1" lang="de"/>
+              <a:rPr b="1" i="0" lang="de" sz="1600" u="none" cap="none" strike="noStrike">
+                <a:solidFill>
+                  <a:schemeClr val="dk1"/>
+                </a:solidFill>
+                <a:latin typeface="Arial"/>
+                <a:ea typeface="Arial"/>
+                <a:cs typeface="Arial"/>
+                <a:sym typeface="Arial"/>
+              </a:rPr>
               <a:t>Methoden</a:t>
             </a:r>
             <a:r>
-              <a:rPr lang="de"/>
+              <a:rPr b="0" i="0" lang="de" sz="1600" u="none" cap="none" strike="noStrike">
+                <a:solidFill>
+                  <a:schemeClr val="dk1"/>
+                </a:solidFill>
+                <a:latin typeface="Arial"/>
+                <a:ea typeface="Arial"/>
+                <a:cs typeface="Arial"/>
+                <a:sym typeface="Arial"/>
+              </a:rPr>
               <a:t> für </a:t>
             </a:r>
             <a:r>
-              <a:rPr b="1" lang="de"/>
+              <a:rPr b="1" i="0" lang="de" sz="1600" u="none" cap="none" strike="noStrike">
+                <a:solidFill>
+                  <a:schemeClr val="dk1"/>
+                </a:solidFill>
+                <a:latin typeface="Arial"/>
+                <a:ea typeface="Arial"/>
+                <a:cs typeface="Arial"/>
+                <a:sym typeface="Arial"/>
+              </a:rPr>
               <a:t>Umfang</a:t>
             </a:r>
             <a:r>
-              <a:rPr lang="de"/>
+              <a:rPr b="0" i="0" lang="de" sz="1600" u="none" cap="none" strike="noStrike">
+                <a:solidFill>
+                  <a:schemeClr val="dk1"/>
+                </a:solidFill>
+                <a:latin typeface="Arial"/>
+                <a:ea typeface="Arial"/>
+                <a:cs typeface="Arial"/>
+                <a:sym typeface="Arial"/>
+              </a:rPr>
               <a:t> und </a:t>
             </a:r>
             <a:r>
-              <a:rPr b="1" lang="de"/>
+              <a:rPr b="1" i="0" lang="de" sz="1600" u="none" cap="none" strike="noStrike">
+                <a:solidFill>
+                  <a:schemeClr val="dk1"/>
+                </a:solidFill>
+                <a:latin typeface="Arial"/>
+                <a:ea typeface="Arial"/>
+                <a:cs typeface="Arial"/>
+                <a:sym typeface="Arial"/>
+              </a:rPr>
               <a:t>Fläche </a:t>
             </a:r>
             <a:r>
-              <a:rPr lang="de"/>
+              <a:rPr b="0" i="0" lang="de" sz="1600" u="none" cap="none" strike="noStrike">
+                <a:solidFill>
+                  <a:schemeClr val="dk1"/>
+                </a:solidFill>
+                <a:latin typeface="Arial"/>
+                <a:ea typeface="Arial"/>
+                <a:cs typeface="Arial"/>
+                <a:sym typeface="Arial"/>
+              </a:rPr>
               <a:t>des Kreises, sowie eine Methode, die einen Parameter von Typ Circle nimmt und überprüft, </a:t>
             </a:r>
             <a:r>
-              <a:rPr b="1" lang="de"/>
+              <a:rPr b="1" i="0" lang="de" sz="1600" u="none" cap="none" strike="noStrike">
+                <a:solidFill>
+                  <a:schemeClr val="dk1"/>
+                </a:solidFill>
+                <a:latin typeface="Arial"/>
+                <a:ea typeface="Arial"/>
+                <a:cs typeface="Arial"/>
+                <a:sym typeface="Arial"/>
+              </a:rPr>
               <a:t>ob der aktuelle Kreis größer ist</a:t>
             </a:r>
             <a:r>
-              <a:rPr lang="de"/>
+              <a:rPr b="0" i="0" lang="de" sz="1600" u="none" cap="none" strike="noStrike">
+                <a:solidFill>
+                  <a:schemeClr val="dk1"/>
+                </a:solidFill>
+                <a:latin typeface="Arial"/>
+                <a:ea typeface="Arial"/>
+                <a:cs typeface="Arial"/>
+                <a:sym typeface="Arial"/>
+              </a:rPr>
               <a:t>, als der übergebene. Der Rückgabewert soll dementsprechend boolean sein.</a:t>
             </a:r>
-            <a:endParaRPr/>
+            <a:endParaRPr b="0" i="0" sz="1600" u="none" cap="none" strike="noStrike">
+              <a:solidFill>
+                <a:schemeClr val="dk1"/>
+              </a:solidFill>
+              <a:latin typeface="Arial"/>
+              <a:ea typeface="Arial"/>
+              <a:cs typeface="Arial"/>
+              <a:sym typeface="Arial"/>
+            </a:endParaRPr>
           </a:p>
           <a:p>
-            <a:pPr indent="-330200" lvl="1" marL="914400" rtl="0" algn="l">
-              <a:spcBef>
-                <a:spcPts val="0"/>
-              </a:spcBef>
-              <a:spcAft>
-                <a:spcPts val="0"/>
-              </a:spcAft>
+            <a:pPr indent="-330200" lvl="1" marL="914400" marR="0" rtl="0" algn="l">
+              <a:lnSpc>
+                <a:spcPct val="100000"/>
+              </a:lnSpc>
+              <a:spcBef>
+                <a:spcPts val="0"/>
+              </a:spcBef>
+              <a:spcAft>
+                <a:spcPts val="0"/>
+              </a:spcAft>
+              <a:buClr>
+                <a:schemeClr val="dk1"/>
+              </a:buClr>
               <a:buSzPts val="1600"/>
               <a:buFont typeface="Arial"/>
               <a:buChar char="-"/>
             </a:pPr>
             <a:r>
-              <a:rPr b="1" lang="de"/>
+              <a:rPr b="1" i="0" lang="de" sz="1600" u="none" cap="none" strike="noStrike">
+                <a:solidFill>
+                  <a:schemeClr val="dk1"/>
+                </a:solidFill>
+                <a:latin typeface="Arial"/>
+                <a:ea typeface="Arial"/>
+                <a:cs typeface="Arial"/>
+                <a:sym typeface="Arial"/>
+              </a:rPr>
               <a:t>Funktion</a:t>
             </a:r>
             <a:r>
-              <a:rPr lang="de"/>
+              <a:rPr b="0" i="0" lang="de" sz="1600" u="none" cap="none" strike="noStrike">
+                <a:solidFill>
+                  <a:schemeClr val="dk1"/>
+                </a:solidFill>
+                <a:latin typeface="Arial"/>
+                <a:ea typeface="Arial"/>
+                <a:cs typeface="Arial"/>
+                <a:sym typeface="Arial"/>
+              </a:rPr>
               <a:t>, die den </a:t>
             </a:r>
             <a:r>
-              <a:rPr b="1" lang="de"/>
+              <a:rPr b="1" i="0" lang="de" sz="1600" u="none" cap="none" strike="noStrike">
+                <a:solidFill>
+                  <a:schemeClr val="dk1"/>
+                </a:solidFill>
+                <a:latin typeface="Arial"/>
+                <a:ea typeface="Arial"/>
+                <a:cs typeface="Arial"/>
+                <a:sym typeface="Arial"/>
+              </a:rPr>
               <a:t>Durchschnittlichen Radius aller Kreise</a:t>
             </a:r>
             <a:r>
-              <a:rPr lang="de"/>
+              <a:rPr b="0" i="0" lang="de" sz="1600" u="none" cap="none" strike="noStrike">
+                <a:solidFill>
+                  <a:schemeClr val="dk1"/>
+                </a:solidFill>
+                <a:latin typeface="Arial"/>
+                <a:ea typeface="Arial"/>
+                <a:cs typeface="Arial"/>
+                <a:sym typeface="Arial"/>
+              </a:rPr>
               <a:t> zurückgibt</a:t>
             </a:r>
-            <a:endParaRPr/>
+            <a:endParaRPr b="0" i="0" sz="1600" u="none" cap="none" strike="noStrike">
+              <a:solidFill>
+                <a:schemeClr val="dk1"/>
+              </a:solidFill>
+              <a:latin typeface="Arial"/>
+              <a:ea typeface="Arial"/>
+              <a:cs typeface="Arial"/>
+              <a:sym typeface="Arial"/>
+            </a:endParaRPr>
           </a:p>
           <a:p>
-            <a:pPr indent="-330200" lvl="1" marL="914400" rtl="0" algn="l">
-              <a:spcBef>
-                <a:spcPts val="0"/>
-              </a:spcBef>
-              <a:spcAft>
-                <a:spcPts val="0"/>
-              </a:spcAft>
+            <a:pPr indent="-330200" lvl="1" marL="914400" marR="0" rtl="0" algn="l">
+              <a:lnSpc>
+                <a:spcPct val="100000"/>
+              </a:lnSpc>
+              <a:spcBef>
+                <a:spcPts val="0"/>
+              </a:spcBef>
+              <a:spcAft>
+                <a:spcPts val="0"/>
+              </a:spcAft>
+              <a:buClr>
+                <a:schemeClr val="dk1"/>
+              </a:buClr>
               <a:buSzPts val="1600"/>
+              <a:buFont typeface="Noto Sans Symbols"/>
               <a:buChar char="-"/>
             </a:pPr>
             <a:r>
-              <a:rPr b="1" lang="de"/>
+              <a:rPr b="1" i="0" lang="de" sz="1600" u="none" cap="none" strike="noStrike">
+                <a:solidFill>
+                  <a:schemeClr val="dk1"/>
+                </a:solidFill>
+                <a:latin typeface="Arial"/>
+                <a:ea typeface="Arial"/>
+                <a:cs typeface="Arial"/>
+                <a:sym typeface="Arial"/>
+              </a:rPr>
               <a:t>Getter und Setter</a:t>
             </a:r>
             <a:r>
-              <a:rPr lang="de"/>
+              <a:rPr b="0" i="0" lang="de" sz="1600" u="none" cap="none" strike="noStrike">
+                <a:solidFill>
+                  <a:schemeClr val="dk1"/>
+                </a:solidFill>
+                <a:latin typeface="Arial"/>
+                <a:ea typeface="Arial"/>
+                <a:cs typeface="Arial"/>
+                <a:sym typeface="Arial"/>
+              </a:rPr>
               <a:t> für den </a:t>
             </a:r>
             <a:r>
-              <a:rPr b="1" lang="de"/>
+              <a:rPr b="1" i="0" lang="de" sz="1600" u="none" cap="none" strike="noStrike">
+                <a:solidFill>
+                  <a:schemeClr val="dk1"/>
+                </a:solidFill>
+                <a:latin typeface="Arial"/>
+                <a:ea typeface="Arial"/>
+                <a:cs typeface="Arial"/>
+                <a:sym typeface="Arial"/>
+              </a:rPr>
               <a:t>Radius</a:t>
             </a:r>
             <a:r>
-              <a:rPr lang="de"/>
+              <a:rPr b="0" i="0" lang="de" sz="1600" u="none" cap="none" strike="noStrike">
+                <a:solidFill>
+                  <a:schemeClr val="dk1"/>
+                </a:solidFill>
+                <a:latin typeface="Arial"/>
+                <a:ea typeface="Arial"/>
+                <a:cs typeface="Arial"/>
+                <a:sym typeface="Arial"/>
+              </a:rPr>
               <a:t> (vorsicht, die Summe der Radien muss im Setter aktualisiert werden)</a:t>
             </a:r>
-            <a:endParaRPr/>
+            <a:endParaRPr b="0" i="0" sz="1600" u="none" cap="none" strike="noStrike">
+              <a:solidFill>
+                <a:schemeClr val="dk1"/>
+              </a:solidFill>
+              <a:latin typeface="Arial"/>
+              <a:ea typeface="Arial"/>
+              <a:cs typeface="Arial"/>
+              <a:sym typeface="Arial"/>
+            </a:endParaRPr>
           </a:p>
           <a:p>
-            <a:pPr indent="-317500" lvl="0" marL="457200" rtl="0" algn="l">
-              <a:spcBef>
-                <a:spcPts val="0"/>
-              </a:spcBef>
-              <a:spcAft>
-                <a:spcPts val="0"/>
-              </a:spcAft>
-              <a:buSzPts val="1400"/>
+            <a:pPr indent="-317500" lvl="0" marL="457200" marR="0" rtl="0" algn="l">
+              <a:lnSpc>
+                <a:spcPct val="100000"/>
+              </a:lnSpc>
+              <a:spcBef>
+                <a:spcPts val="0"/>
+              </a:spcBef>
+              <a:spcAft>
+                <a:spcPts val="0"/>
+              </a:spcAft>
+              <a:buClr>
+                <a:srgbClr val="000000"/>
+              </a:buClr>
+              <a:buSzPts val="1400"/>
+              <a:buFont typeface="Arial"/>
               <a:buChar char="●"/>
             </a:pPr>
             <a:r>
-              <a:rPr lang="de"/>
+              <a:rPr b="0" i="0" lang="de" sz="1600" u="none" cap="none" strike="noStrike">
+                <a:solidFill>
+                  <a:schemeClr val="dk1"/>
+                </a:solidFill>
+                <a:latin typeface="Arial"/>
+                <a:ea typeface="Arial"/>
+                <a:cs typeface="Arial"/>
+                <a:sym typeface="Arial"/>
+              </a:rPr>
               <a:t>Main</a:t>
             </a:r>
-            <a:endParaRPr/>
+            <a:endParaRPr b="0" i="0" sz="1600" u="none" cap="none" strike="noStrike">
+              <a:solidFill>
+                <a:schemeClr val="dk1"/>
+              </a:solidFill>
+              <a:latin typeface="Arial"/>
+              <a:ea typeface="Arial"/>
+              <a:cs typeface="Arial"/>
+              <a:sym typeface="Arial"/>
+            </a:endParaRPr>
           </a:p>
           <a:p>
-            <a:pPr indent="-330200" lvl="1" marL="914400" rtl="0" algn="l">
-              <a:spcBef>
-                <a:spcPts val="0"/>
-              </a:spcBef>
-              <a:spcAft>
-                <a:spcPts val="0"/>
-              </a:spcAft>
+            <a:pPr indent="-330200" lvl="1" marL="914400" marR="0" rtl="0" algn="l">
+              <a:lnSpc>
+                <a:spcPct val="100000"/>
+              </a:lnSpc>
+              <a:spcBef>
+                <a:spcPts val="0"/>
+              </a:spcBef>
+              <a:spcAft>
+                <a:spcPts val="0"/>
+              </a:spcAft>
+              <a:buClr>
+                <a:schemeClr val="dk1"/>
+              </a:buClr>
               <a:buSzPts val="1600"/>
+              <a:buFont typeface="Noto Sans Symbols"/>
               <a:buChar char="-"/>
             </a:pPr>
             <a:r>
-              <a:rPr lang="de"/>
+              <a:rPr b="0" i="0" lang="de" sz="1600" u="none" cap="none" strike="noStrike">
+                <a:solidFill>
+                  <a:schemeClr val="dk1"/>
+                </a:solidFill>
+                <a:latin typeface="Arial"/>
+                <a:ea typeface="Arial"/>
+                <a:cs typeface="Arial"/>
+                <a:sym typeface="Arial"/>
+              </a:rPr>
               <a:t>Erstellt neue Instanzen der Circle-Klasse und testet alle Funktionalitäten</a:t>
             </a:r>
-            <a:endParaRPr/>
+            <a:endParaRPr b="0" i="0" sz="1600" u="none" cap="none" strike="noStrike">
+              <a:solidFill>
+                <a:schemeClr val="dk1"/>
+              </a:solidFill>
+              <a:latin typeface="Arial"/>
+              <a:ea typeface="Arial"/>
+              <a:cs typeface="Arial"/>
+              <a:sym typeface="Arial"/>
+            </a:endParaRPr>
           </a:p>
         </p:txBody>
       </p:sp>
@@ -10554,6 +11508,10 @@
           <a:prstGeom prst="rect">
             <a:avLst/>
           </a:prstGeom>
+          <a:noFill/>
+          <a:ln>
+            <a:noFill/>
+          </a:ln>
         </p:spPr>
         <p:txBody>
           <a:bodyPr anchorCtr="0" anchor="b" bIns="0" lIns="0" spcFirstLastPara="1" rIns="0" wrap="square" tIns="0">
@@ -10562,12 +11520,16 @@
           <a:lstStyle/>
           <a:p>
             <a:pPr indent="0" lvl="0" marL="0" rtl="0" algn="l">
-              <a:spcBef>
-                <a:spcPts val="0"/>
-              </a:spcBef>
-              <a:spcAft>
-                <a:spcPts val="0"/>
-              </a:spcAft>
+              <a:lnSpc>
+                <a:spcPct val="100000"/>
+              </a:lnSpc>
+              <a:spcBef>
+                <a:spcPts val="0"/>
+              </a:spcBef>
+              <a:spcAft>
+                <a:spcPts val="0"/>
+              </a:spcAft>
+              <a:buSzPts val="1400"/>
               <a:buNone/>
             </a:pPr>
             <a:r>
@@ -10594,6 +11556,10 @@
           <a:prstGeom prst="rect">
             <a:avLst/>
           </a:prstGeom>
+          <a:noFill/>
+          <a:ln>
+            <a:noFill/>
+          </a:ln>
         </p:spPr>
         <p:txBody>
           <a:bodyPr anchorCtr="0" anchor="t" bIns="0" lIns="0" spcFirstLastPara="1" rIns="0" wrap="square" tIns="0">
@@ -10601,226 +11567,526 @@
           </a:bodyPr>
           <a:lstStyle/>
           <a:p>
-            <a:pPr indent="-330200" lvl="0" marL="457200" rtl="0" algn="l">
+            <a:pPr indent="-330200" lvl="0" marL="457200" marR="0" rtl="0" algn="l">
+              <a:lnSpc>
+                <a:spcPct val="100000"/>
+              </a:lnSpc>
               <a:spcBef>
                 <a:spcPts val="320"/>
               </a:spcBef>
               <a:spcAft>
                 <a:spcPts val="0"/>
               </a:spcAft>
+              <a:buClr>
+                <a:srgbClr val="000000"/>
+              </a:buClr>
               <a:buSzPts val="1600"/>
+              <a:buFont typeface="Arial"/>
               <a:buAutoNum type="arabicPeriod"/>
             </a:pPr>
             <a:r>
-              <a:rPr lang="de"/>
+              <a:rPr b="0" i="0" lang="de" sz="1600" u="none" cap="none" strike="noStrike">
+                <a:solidFill>
+                  <a:schemeClr val="dk1"/>
+                </a:solidFill>
+                <a:latin typeface="Arial"/>
+                <a:ea typeface="Arial"/>
+                <a:cs typeface="Arial"/>
+                <a:sym typeface="Arial"/>
+              </a:rPr>
               <a:t>Objektorientierung</a:t>
             </a:r>
-            <a:endParaRPr/>
+            <a:endParaRPr b="0" i="0" sz="1600" u="none" cap="none" strike="noStrike">
+              <a:solidFill>
+                <a:schemeClr val="dk1"/>
+              </a:solidFill>
+              <a:latin typeface="Arial"/>
+              <a:ea typeface="Arial"/>
+              <a:cs typeface="Arial"/>
+              <a:sym typeface="Arial"/>
+            </a:endParaRPr>
           </a:p>
           <a:p>
-            <a:pPr indent="-330200" lvl="1" marL="914400" rtl="0" algn="l">
-              <a:spcBef>
-                <a:spcPts val="0"/>
-              </a:spcBef>
-              <a:spcAft>
-                <a:spcPts val="0"/>
-              </a:spcAft>
+            <a:pPr indent="-330200" lvl="1" marL="914400" marR="0" rtl="0" algn="l">
+              <a:lnSpc>
+                <a:spcPct val="100000"/>
+              </a:lnSpc>
+              <a:spcBef>
+                <a:spcPts val="0"/>
+              </a:spcBef>
+              <a:spcAft>
+                <a:spcPts val="0"/>
+              </a:spcAft>
+              <a:buClr>
+                <a:schemeClr val="dk1"/>
+              </a:buClr>
               <a:buSzPts val="1600"/>
+              <a:buFont typeface="Noto Sans Symbols"/>
               <a:buAutoNum type="arabicPeriod"/>
             </a:pPr>
             <a:r>
-              <a:rPr lang="de"/>
+              <a:rPr b="0" i="0" lang="de" sz="1600" u="none" cap="none" strike="noStrike">
+                <a:solidFill>
+                  <a:schemeClr val="dk1"/>
+                </a:solidFill>
+                <a:latin typeface="Arial"/>
+                <a:ea typeface="Arial"/>
+                <a:cs typeface="Arial"/>
+                <a:sym typeface="Arial"/>
+              </a:rPr>
               <a:t>Schlüsselwörter</a:t>
             </a:r>
-            <a:endParaRPr/>
+            <a:endParaRPr b="0" i="0" sz="1600" u="none" cap="none" strike="noStrike">
+              <a:solidFill>
+                <a:schemeClr val="dk1"/>
+              </a:solidFill>
+              <a:latin typeface="Arial"/>
+              <a:ea typeface="Arial"/>
+              <a:cs typeface="Arial"/>
+              <a:sym typeface="Arial"/>
+            </a:endParaRPr>
           </a:p>
           <a:p>
-            <a:pPr indent="-330200" lvl="2" marL="1371600" rtl="0" algn="l">
-              <a:spcBef>
-                <a:spcPts val="0"/>
-              </a:spcBef>
-              <a:spcAft>
-                <a:spcPts val="0"/>
-              </a:spcAft>
+            <a:pPr indent="-330200" lvl="2" marL="1371600" marR="0" rtl="0" algn="l">
+              <a:lnSpc>
+                <a:spcPct val="100000"/>
+              </a:lnSpc>
+              <a:spcBef>
+                <a:spcPts val="0"/>
+              </a:spcBef>
+              <a:spcAft>
+                <a:spcPts val="0"/>
+              </a:spcAft>
+              <a:buClr>
+                <a:schemeClr val="dk1"/>
+              </a:buClr>
               <a:buSzPts val="1600"/>
+              <a:buFont typeface="Noto Sans Symbols"/>
               <a:buAutoNum type="arabicPeriod"/>
             </a:pPr>
             <a:r>
-              <a:rPr lang="de"/>
+              <a:rPr b="0" i="0" lang="de" sz="1600" u="none" cap="none" strike="noStrike">
+                <a:solidFill>
+                  <a:schemeClr val="dk1"/>
+                </a:solidFill>
+                <a:latin typeface="Arial"/>
+                <a:ea typeface="Arial"/>
+                <a:cs typeface="Arial"/>
+                <a:sym typeface="Arial"/>
+              </a:rPr>
               <a:t>static vs. non static</a:t>
             </a:r>
-            <a:endParaRPr/>
+            <a:endParaRPr b="0" i="0" sz="1600" u="none" cap="none" strike="noStrike">
+              <a:solidFill>
+                <a:schemeClr val="dk1"/>
+              </a:solidFill>
+              <a:latin typeface="Arial"/>
+              <a:ea typeface="Arial"/>
+              <a:cs typeface="Arial"/>
+              <a:sym typeface="Arial"/>
+            </a:endParaRPr>
           </a:p>
           <a:p>
-            <a:pPr indent="-330200" lvl="2" marL="1371600" rtl="0" algn="l">
-              <a:spcBef>
-                <a:spcPts val="0"/>
-              </a:spcBef>
-              <a:spcAft>
-                <a:spcPts val="0"/>
-              </a:spcAft>
+            <a:pPr indent="-330200" lvl="2" marL="1371600" marR="0" rtl="0" algn="l">
+              <a:lnSpc>
+                <a:spcPct val="100000"/>
+              </a:lnSpc>
+              <a:spcBef>
+                <a:spcPts val="0"/>
+              </a:spcBef>
+              <a:spcAft>
+                <a:spcPts val="0"/>
+              </a:spcAft>
+              <a:buClr>
+                <a:schemeClr val="dk1"/>
+              </a:buClr>
               <a:buSzPts val="1600"/>
+              <a:buFont typeface="Noto Sans Symbols"/>
               <a:buAutoNum type="arabicPeriod"/>
             </a:pPr>
             <a:r>
-              <a:rPr lang="de"/>
+              <a:rPr b="0" i="0" lang="de" sz="1600" u="none" cap="none" strike="noStrike">
+                <a:solidFill>
+                  <a:schemeClr val="dk1"/>
+                </a:solidFill>
+                <a:latin typeface="Arial"/>
+                <a:ea typeface="Arial"/>
+                <a:cs typeface="Arial"/>
+                <a:sym typeface="Arial"/>
+              </a:rPr>
               <a:t>this</a:t>
             </a:r>
-            <a:endParaRPr/>
+            <a:endParaRPr b="0" i="0" sz="1600" u="none" cap="none" strike="noStrike">
+              <a:solidFill>
+                <a:schemeClr val="dk1"/>
+              </a:solidFill>
+              <a:latin typeface="Arial"/>
+              <a:ea typeface="Arial"/>
+              <a:cs typeface="Arial"/>
+              <a:sym typeface="Arial"/>
+            </a:endParaRPr>
           </a:p>
           <a:p>
-            <a:pPr indent="-330200" lvl="2" marL="1371600" rtl="0" algn="l">
-              <a:spcBef>
-                <a:spcPts val="0"/>
-              </a:spcBef>
-              <a:spcAft>
-                <a:spcPts val="0"/>
-              </a:spcAft>
+            <a:pPr indent="-330200" lvl="2" marL="1371600" marR="0" rtl="0" algn="l">
+              <a:lnSpc>
+                <a:spcPct val="100000"/>
+              </a:lnSpc>
+              <a:spcBef>
+                <a:spcPts val="0"/>
+              </a:spcBef>
+              <a:spcAft>
+                <a:spcPts val="0"/>
+              </a:spcAft>
+              <a:buClr>
+                <a:schemeClr val="dk1"/>
+              </a:buClr>
               <a:buSzPts val="1600"/>
+              <a:buFont typeface="Noto Sans Symbols"/>
               <a:buAutoNum type="arabicPeriod"/>
             </a:pPr>
             <a:r>
-              <a:rPr lang="de"/>
+              <a:rPr b="0" i="0" lang="de" sz="1600" u="none" cap="none" strike="noStrike">
+                <a:solidFill>
+                  <a:schemeClr val="dk1"/>
+                </a:solidFill>
+                <a:latin typeface="Arial"/>
+                <a:ea typeface="Arial"/>
+                <a:cs typeface="Arial"/>
+                <a:sym typeface="Arial"/>
+              </a:rPr>
               <a:t>final</a:t>
             </a:r>
-            <a:endParaRPr/>
+            <a:endParaRPr b="0" i="0" sz="1600" u="none" cap="none" strike="noStrike">
+              <a:solidFill>
+                <a:schemeClr val="dk1"/>
+              </a:solidFill>
+              <a:latin typeface="Arial"/>
+              <a:ea typeface="Arial"/>
+              <a:cs typeface="Arial"/>
+              <a:sym typeface="Arial"/>
+            </a:endParaRPr>
           </a:p>
           <a:p>
-            <a:pPr indent="-330200" lvl="1" marL="914400" rtl="0" algn="l">
-              <a:spcBef>
-                <a:spcPts val="0"/>
-              </a:spcBef>
-              <a:spcAft>
-                <a:spcPts val="0"/>
-              </a:spcAft>
+            <a:pPr indent="-330200" lvl="1" marL="914400" marR="0" rtl="0" algn="l">
+              <a:lnSpc>
+                <a:spcPct val="100000"/>
+              </a:lnSpc>
+              <a:spcBef>
+                <a:spcPts val="0"/>
+              </a:spcBef>
+              <a:spcAft>
+                <a:spcPts val="0"/>
+              </a:spcAft>
+              <a:buClr>
+                <a:schemeClr val="dk1"/>
+              </a:buClr>
               <a:buSzPts val="1600"/>
+              <a:buFont typeface="Noto Sans Symbols"/>
               <a:buAutoNum type="arabicPeriod"/>
             </a:pPr>
             <a:r>
-              <a:rPr lang="de"/>
+              <a:rPr b="0" i="0" lang="de" sz="1600" u="none" cap="none" strike="noStrike">
+                <a:solidFill>
+                  <a:schemeClr val="dk1"/>
+                </a:solidFill>
+                <a:latin typeface="Arial"/>
+                <a:ea typeface="Arial"/>
+                <a:cs typeface="Arial"/>
+                <a:sym typeface="Arial"/>
+              </a:rPr>
               <a:t>Attribute und Klassenvariablen</a:t>
             </a:r>
-            <a:endParaRPr/>
+            <a:endParaRPr b="0" i="0" sz="1600" u="none" cap="none" strike="noStrike">
+              <a:solidFill>
+                <a:schemeClr val="dk1"/>
+              </a:solidFill>
+              <a:latin typeface="Arial"/>
+              <a:ea typeface="Arial"/>
+              <a:cs typeface="Arial"/>
+              <a:sym typeface="Arial"/>
+            </a:endParaRPr>
           </a:p>
           <a:p>
-            <a:pPr indent="-330200" lvl="1" marL="914400" rtl="0" algn="l">
-              <a:spcBef>
-                <a:spcPts val="0"/>
-              </a:spcBef>
-              <a:spcAft>
-                <a:spcPts val="0"/>
-              </a:spcAft>
+            <a:pPr indent="-330200" lvl="1" marL="914400" marR="0" rtl="0" algn="l">
+              <a:lnSpc>
+                <a:spcPct val="100000"/>
+              </a:lnSpc>
+              <a:spcBef>
+                <a:spcPts val="0"/>
+              </a:spcBef>
+              <a:spcAft>
+                <a:spcPts val="0"/>
+              </a:spcAft>
+              <a:buClr>
+                <a:schemeClr val="dk1"/>
+              </a:buClr>
               <a:buSzPts val="1600"/>
+              <a:buFont typeface="Noto Sans Symbols"/>
               <a:buAutoNum type="arabicPeriod"/>
             </a:pPr>
             <a:r>
-              <a:rPr lang="de"/>
+              <a:rPr b="0" i="0" lang="de" sz="1600" u="none" cap="none" strike="noStrike">
+                <a:solidFill>
+                  <a:schemeClr val="dk1"/>
+                </a:solidFill>
+                <a:latin typeface="Arial"/>
+                <a:ea typeface="Arial"/>
+                <a:cs typeface="Arial"/>
+                <a:sym typeface="Arial"/>
+              </a:rPr>
               <a:t>Methoden und Funktionen</a:t>
             </a:r>
-            <a:endParaRPr/>
+            <a:endParaRPr b="0" i="0" sz="1600" u="none" cap="none" strike="noStrike">
+              <a:solidFill>
+                <a:schemeClr val="dk1"/>
+              </a:solidFill>
+              <a:latin typeface="Arial"/>
+              <a:ea typeface="Arial"/>
+              <a:cs typeface="Arial"/>
+              <a:sym typeface="Arial"/>
+            </a:endParaRPr>
           </a:p>
           <a:p>
-            <a:pPr indent="-330200" lvl="2" marL="1371600" rtl="0" algn="l">
-              <a:spcBef>
-                <a:spcPts val="0"/>
-              </a:spcBef>
-              <a:spcAft>
-                <a:spcPts val="0"/>
-              </a:spcAft>
+            <a:pPr indent="-330200" lvl="2" marL="1371600" marR="0" rtl="0" algn="l">
+              <a:lnSpc>
+                <a:spcPct val="100000"/>
+              </a:lnSpc>
+              <a:spcBef>
+                <a:spcPts val="0"/>
+              </a:spcBef>
+              <a:spcAft>
+                <a:spcPts val="0"/>
+              </a:spcAft>
+              <a:buClr>
+                <a:schemeClr val="dk1"/>
+              </a:buClr>
               <a:buSzPts val="1600"/>
+              <a:buFont typeface="Noto Sans Symbols"/>
               <a:buAutoNum type="arabicPeriod"/>
             </a:pPr>
             <a:r>
-              <a:rPr lang="de"/>
+              <a:rPr b="0" i="0" lang="de" sz="1600" u="none" cap="none" strike="noStrike">
+                <a:solidFill>
+                  <a:schemeClr val="dk1"/>
+                </a:solidFill>
+                <a:latin typeface="Arial"/>
+                <a:ea typeface="Arial"/>
+                <a:cs typeface="Arial"/>
+                <a:sym typeface="Arial"/>
+              </a:rPr>
               <a:t>Getter und Setter</a:t>
             </a:r>
-            <a:endParaRPr/>
+            <a:endParaRPr b="0" i="0" sz="1600" u="none" cap="none" strike="noStrike">
+              <a:solidFill>
+                <a:schemeClr val="dk1"/>
+              </a:solidFill>
+              <a:latin typeface="Arial"/>
+              <a:ea typeface="Arial"/>
+              <a:cs typeface="Arial"/>
+              <a:sym typeface="Arial"/>
+            </a:endParaRPr>
           </a:p>
           <a:p>
-            <a:pPr indent="-330200" lvl="1" marL="914400" rtl="0" algn="l">
-              <a:spcBef>
-                <a:spcPts val="0"/>
-              </a:spcBef>
-              <a:spcAft>
-                <a:spcPts val="0"/>
-              </a:spcAft>
+            <a:pPr indent="-330200" lvl="1" marL="914400" marR="0" rtl="0" algn="l">
+              <a:lnSpc>
+                <a:spcPct val="100000"/>
+              </a:lnSpc>
+              <a:spcBef>
+                <a:spcPts val="0"/>
+              </a:spcBef>
+              <a:spcAft>
+                <a:spcPts val="0"/>
+              </a:spcAft>
+              <a:buClr>
+                <a:schemeClr val="dk1"/>
+              </a:buClr>
               <a:buSzPts val="1600"/>
+              <a:buFont typeface="Noto Sans Symbols"/>
               <a:buAutoNum type="arabicPeriod"/>
             </a:pPr>
             <a:r>
-              <a:rPr lang="de"/>
+              <a:rPr b="0" i="0" lang="de" sz="1600" u="none" cap="none" strike="noStrike">
+                <a:solidFill>
+                  <a:schemeClr val="dk1"/>
+                </a:solidFill>
+                <a:latin typeface="Arial"/>
+                <a:ea typeface="Arial"/>
+                <a:cs typeface="Arial"/>
+                <a:sym typeface="Arial"/>
+              </a:rPr>
               <a:t>Konstruktoren</a:t>
             </a:r>
-            <a:endParaRPr/>
+            <a:endParaRPr b="0" i="0" sz="1600" u="none" cap="none" strike="noStrike">
+              <a:solidFill>
+                <a:schemeClr val="dk1"/>
+              </a:solidFill>
+              <a:latin typeface="Arial"/>
+              <a:ea typeface="Arial"/>
+              <a:cs typeface="Arial"/>
+              <a:sym typeface="Arial"/>
+            </a:endParaRPr>
           </a:p>
           <a:p>
-            <a:pPr indent="-330200" lvl="1" marL="914400" rtl="0" algn="l">
-              <a:spcBef>
-                <a:spcPts val="0"/>
-              </a:spcBef>
-              <a:spcAft>
-                <a:spcPts val="0"/>
-              </a:spcAft>
+            <a:pPr indent="-330200" lvl="1" marL="914400" marR="0" rtl="0" algn="l">
+              <a:lnSpc>
+                <a:spcPct val="100000"/>
+              </a:lnSpc>
+              <a:spcBef>
+                <a:spcPts val="0"/>
+              </a:spcBef>
+              <a:spcAft>
+                <a:spcPts val="0"/>
+              </a:spcAft>
+              <a:buClr>
+                <a:schemeClr val="dk1"/>
+              </a:buClr>
               <a:buSzPts val="1600"/>
+              <a:buFont typeface="Noto Sans Symbols"/>
               <a:buAutoNum type="arabicPeriod"/>
             </a:pPr>
             <a:r>
-              <a:rPr lang="de"/>
+              <a:rPr b="0" i="0" lang="de" sz="1600" u="none" cap="none" strike="noStrike">
+                <a:solidFill>
+                  <a:schemeClr val="dk1"/>
+                </a:solidFill>
+                <a:latin typeface="Arial"/>
+                <a:ea typeface="Arial"/>
+                <a:cs typeface="Arial"/>
+                <a:sym typeface="Arial"/>
+              </a:rPr>
               <a:t>Instanziierung und Nutzung</a:t>
             </a:r>
-            <a:endParaRPr/>
+            <a:endParaRPr b="0" i="0" sz="1600" u="none" cap="none" strike="noStrike">
+              <a:solidFill>
+                <a:schemeClr val="dk1"/>
+              </a:solidFill>
+              <a:latin typeface="Arial"/>
+              <a:ea typeface="Arial"/>
+              <a:cs typeface="Arial"/>
+              <a:sym typeface="Arial"/>
+            </a:endParaRPr>
           </a:p>
           <a:p>
-            <a:pPr indent="0" lvl="0" marL="914400" rtl="0" algn="l">
+            <a:pPr indent="0" lvl="0" marL="914400" marR="0" rtl="0" algn="l">
+              <a:lnSpc>
+                <a:spcPct val="100000"/>
+              </a:lnSpc>
               <a:spcBef>
                 <a:spcPts val="320"/>
               </a:spcBef>
               <a:spcAft>
                 <a:spcPts val="0"/>
               </a:spcAft>
+              <a:buClr>
+                <a:srgbClr val="000000"/>
+              </a:buClr>
+              <a:buSzPts val="1400"/>
+              <a:buFont typeface="Arial"/>
               <a:buNone/>
             </a:pPr>
             <a:r>
               <a:t/>
             </a:r>
-            <a:endParaRPr/>
+            <a:endParaRPr b="0" i="0" sz="1600" u="none" cap="none" strike="noStrike">
+              <a:solidFill>
+                <a:schemeClr val="dk1"/>
+              </a:solidFill>
+              <a:latin typeface="Arial"/>
+              <a:ea typeface="Arial"/>
+              <a:cs typeface="Arial"/>
+              <a:sym typeface="Arial"/>
+            </a:endParaRPr>
           </a:p>
           <a:p>
-            <a:pPr indent="-330200" lvl="0" marL="457200" rtl="0" algn="l">
+            <a:pPr indent="-330200" lvl="0" marL="457200" marR="0" rtl="0" algn="l">
+              <a:lnSpc>
+                <a:spcPct val="100000"/>
+              </a:lnSpc>
               <a:spcBef>
                 <a:spcPts val="320"/>
               </a:spcBef>
               <a:spcAft>
                 <a:spcPts val="0"/>
               </a:spcAft>
+              <a:buClr>
+                <a:srgbClr val="000000"/>
+              </a:buClr>
               <a:buSzPts val="1600"/>
+              <a:buFont typeface="Arial"/>
               <a:buAutoNum type="arabicPeriod"/>
             </a:pPr>
             <a:r>
-              <a:rPr lang="de"/>
+              <a:rPr b="0" i="0" lang="de" sz="1600" u="none" cap="none" strike="noStrike">
+                <a:solidFill>
+                  <a:schemeClr val="dk1"/>
+                </a:solidFill>
+                <a:latin typeface="Arial"/>
+                <a:ea typeface="Arial"/>
+                <a:cs typeface="Arial"/>
+                <a:sym typeface="Arial"/>
+              </a:rPr>
               <a:t>Fragen</a:t>
             </a:r>
             <a:br>
-              <a:rPr lang="de"/>
+              <a:rPr b="0" i="0" lang="de" sz="1600" u="none" cap="none" strike="noStrike">
+                <a:solidFill>
+                  <a:schemeClr val="dk1"/>
+                </a:solidFill>
+                <a:latin typeface="Arial"/>
+                <a:ea typeface="Arial"/>
+                <a:cs typeface="Arial"/>
+                <a:sym typeface="Arial"/>
+              </a:rPr>
             </a:br>
-            <a:endParaRPr/>
+            <a:endParaRPr b="0" i="0" sz="1600" u="none" cap="none" strike="noStrike">
+              <a:solidFill>
+                <a:schemeClr val="dk1"/>
+              </a:solidFill>
+              <a:latin typeface="Arial"/>
+              <a:ea typeface="Arial"/>
+              <a:cs typeface="Arial"/>
+              <a:sym typeface="Arial"/>
+            </a:endParaRPr>
           </a:p>
           <a:p>
-            <a:pPr indent="-330200" lvl="0" marL="457200" rtl="0" algn="l">
-              <a:spcBef>
-                <a:spcPts val="0"/>
-              </a:spcBef>
-              <a:spcAft>
-                <a:spcPts val="0"/>
-              </a:spcAft>
+            <a:pPr indent="-330200" lvl="0" marL="457200" marR="0" rtl="0" algn="l">
+              <a:lnSpc>
+                <a:spcPct val="100000"/>
+              </a:lnSpc>
+              <a:spcBef>
+                <a:spcPts val="0"/>
+              </a:spcBef>
+              <a:spcAft>
+                <a:spcPts val="0"/>
+              </a:spcAft>
+              <a:buClr>
+                <a:srgbClr val="000000"/>
+              </a:buClr>
               <a:buSzPts val="1600"/>
+              <a:buFont typeface="Arial"/>
               <a:buAutoNum type="arabicPeriod"/>
             </a:pPr>
             <a:r>
-              <a:rPr lang="de"/>
+              <a:rPr b="0" i="0" lang="de" sz="1600" u="none" cap="none" strike="noStrike">
+                <a:solidFill>
+                  <a:schemeClr val="dk1"/>
+                </a:solidFill>
+                <a:latin typeface="Arial"/>
+                <a:ea typeface="Arial"/>
+                <a:cs typeface="Arial"/>
+                <a:sym typeface="Arial"/>
+              </a:rPr>
               <a:t>Übungsaufgabe</a:t>
             </a:r>
-            <a:endParaRPr/>
+            <a:endParaRPr b="0" i="0" sz="1600" u="none" cap="none" strike="noStrike">
+              <a:solidFill>
+                <a:schemeClr val="dk1"/>
+              </a:solidFill>
+              <a:latin typeface="Arial"/>
+              <a:ea typeface="Arial"/>
+              <a:cs typeface="Arial"/>
+              <a:sym typeface="Arial"/>
+            </a:endParaRPr>
           </a:p>
         </p:txBody>
       </p:sp>
@@ -10865,6 +12131,10 @@
           <a:prstGeom prst="rect">
             <a:avLst/>
           </a:prstGeom>
+          <a:noFill/>
+          <a:ln>
+            <a:noFill/>
+          </a:ln>
         </p:spPr>
         <p:txBody>
           <a:bodyPr anchorCtr="0" anchor="b" bIns="0" lIns="0" spcFirstLastPara="1" rIns="0" wrap="square" tIns="0">
@@ -10873,12 +12143,16 @@
           <a:lstStyle/>
           <a:p>
             <a:pPr indent="0" lvl="0" marL="0" rtl="0" algn="l">
-              <a:spcBef>
-                <a:spcPts val="0"/>
-              </a:spcBef>
-              <a:spcAft>
-                <a:spcPts val="0"/>
-              </a:spcAft>
+              <a:lnSpc>
+                <a:spcPct val="100000"/>
+              </a:lnSpc>
+              <a:spcBef>
+                <a:spcPts val="0"/>
+              </a:spcBef>
+              <a:spcAft>
+                <a:spcPts val="0"/>
+              </a:spcAft>
+              <a:buSzPts val="1400"/>
               <a:buNone/>
             </a:pPr>
             <a:r>
@@ -10905,6 +12179,10 @@
           <a:prstGeom prst="rect">
             <a:avLst/>
           </a:prstGeom>
+          <a:noFill/>
+          <a:ln>
+            <a:noFill/>
+          </a:ln>
         </p:spPr>
         <p:txBody>
           <a:bodyPr anchorCtr="0" anchor="t" bIns="0" lIns="0" spcFirstLastPara="1" rIns="0" wrap="square" tIns="0">
@@ -10912,59 +12190,139 @@
           </a:bodyPr>
           <a:lstStyle/>
           <a:p>
-            <a:pPr indent="0" lvl="0" marL="0" rtl="0" algn="l">
+            <a:pPr indent="0" lvl="0" marL="0" marR="0" rtl="0" algn="l">
+              <a:lnSpc>
+                <a:spcPct val="100000"/>
+              </a:lnSpc>
               <a:spcBef>
                 <a:spcPts val="320"/>
               </a:spcBef>
               <a:spcAft>
                 <a:spcPts val="0"/>
               </a:spcAft>
+              <a:buClr>
+                <a:srgbClr val="000000"/>
+              </a:buClr>
+              <a:buSzPts val="1400"/>
+              <a:buFont typeface="Arial"/>
               <a:buNone/>
             </a:pPr>
             <a:r>
-              <a:rPr lang="de"/>
+              <a:rPr b="0" i="0" lang="de" sz="1600" u="none" cap="none" strike="noStrike">
+                <a:solidFill>
+                  <a:schemeClr val="dk1"/>
+                </a:solidFill>
+                <a:latin typeface="Arial"/>
+                <a:ea typeface="Arial"/>
+                <a:cs typeface="Arial"/>
+                <a:sym typeface="Arial"/>
+              </a:rPr>
               <a:t>Das Schlüsselwort “static” vor Attributen, Methoden, oder Klassen bedeutet, dass das Attribut / die Methode / die Klasse </a:t>
             </a:r>
             <a:r>
-              <a:rPr b="1" lang="de"/>
+              <a:rPr b="1" i="0" lang="de" sz="1600" u="none" cap="none" strike="noStrike">
+                <a:solidFill>
+                  <a:schemeClr val="dk1"/>
+                </a:solidFill>
+                <a:latin typeface="Arial"/>
+                <a:ea typeface="Arial"/>
+                <a:cs typeface="Arial"/>
+                <a:sym typeface="Arial"/>
+              </a:rPr>
               <a:t>zur Klasse und nicht zur Instanz der Klasse (Objekt) gehört</a:t>
             </a:r>
             <a:r>
-              <a:rPr lang="de"/>
+              <a:rPr b="0" i="0" lang="de" sz="1600" u="none" cap="none" strike="noStrike">
+                <a:solidFill>
+                  <a:schemeClr val="dk1"/>
+                </a:solidFill>
+                <a:latin typeface="Arial"/>
+                <a:ea typeface="Arial"/>
+                <a:cs typeface="Arial"/>
+                <a:sym typeface="Arial"/>
+              </a:rPr>
               <a:t>. </a:t>
             </a:r>
-            <a:endParaRPr/>
+            <a:endParaRPr b="0" i="0" sz="1600" u="none" cap="none" strike="noStrike">
+              <a:solidFill>
+                <a:schemeClr val="dk1"/>
+              </a:solidFill>
+              <a:latin typeface="Arial"/>
+              <a:ea typeface="Arial"/>
+              <a:cs typeface="Arial"/>
+              <a:sym typeface="Arial"/>
+            </a:endParaRPr>
           </a:p>
           <a:p>
-            <a:pPr indent="0" lvl="0" marL="0" rtl="0" algn="l">
+            <a:pPr indent="0" lvl="0" marL="0" marR="0" rtl="0" algn="l">
+              <a:lnSpc>
+                <a:spcPct val="100000"/>
+              </a:lnSpc>
               <a:spcBef>
                 <a:spcPts val="320"/>
               </a:spcBef>
               <a:spcAft>
                 <a:spcPts val="0"/>
               </a:spcAft>
+              <a:buClr>
+                <a:srgbClr val="000000"/>
+              </a:buClr>
+              <a:buSzPts val="1400"/>
+              <a:buFont typeface="Arial"/>
               <a:buNone/>
             </a:pPr>
             <a:r>
               <a:t/>
             </a:r>
-            <a:endParaRPr/>
+            <a:endParaRPr b="0" i="0" sz="1600" u="none" cap="none" strike="noStrike">
+              <a:solidFill>
+                <a:schemeClr val="dk1"/>
+              </a:solidFill>
+              <a:latin typeface="Arial"/>
+              <a:ea typeface="Arial"/>
+              <a:cs typeface="Arial"/>
+              <a:sym typeface="Arial"/>
+            </a:endParaRPr>
           </a:p>
           <a:p>
-            <a:pPr indent="0" lvl="0" marL="0" rtl="0" algn="l">
+            <a:pPr indent="0" lvl="0" marL="0" marR="0" rtl="0" algn="l">
+              <a:lnSpc>
+                <a:spcPct val="100000"/>
+              </a:lnSpc>
               <a:spcBef>
                 <a:spcPts val="320"/>
               </a:spcBef>
               <a:spcAft>
                 <a:spcPts val="0"/>
               </a:spcAft>
+              <a:buClr>
+                <a:srgbClr val="000000"/>
+              </a:buClr>
+              <a:buSzPts val="1400"/>
+              <a:buFont typeface="Arial"/>
               <a:buNone/>
             </a:pPr>
             <a:r>
-              <a:rPr lang="de"/>
+              <a:rPr b="0" i="0" lang="de" sz="1600" u="none" cap="none" strike="noStrike">
+                <a:solidFill>
+                  <a:schemeClr val="dk1"/>
+                </a:solidFill>
+                <a:latin typeface="Arial"/>
+                <a:ea typeface="Arial"/>
+                <a:cs typeface="Arial"/>
+                <a:sym typeface="Arial"/>
+              </a:rPr>
               <a:t>Wir gehen auf den Unterschied im folgenden noch weiter ein.</a:t>
             </a:r>
-            <a:endParaRPr/>
+            <a:endParaRPr b="0" i="0" sz="1600" u="none" cap="none" strike="noStrike">
+              <a:solidFill>
+                <a:schemeClr val="dk1"/>
+              </a:solidFill>
+              <a:latin typeface="Arial"/>
+              <a:ea typeface="Arial"/>
+              <a:cs typeface="Arial"/>
+              <a:sym typeface="Arial"/>
+            </a:endParaRPr>
           </a:p>
         </p:txBody>
       </p:sp>
@@ -11009,6 +12367,10 @@
           <a:prstGeom prst="rect">
             <a:avLst/>
           </a:prstGeom>
+          <a:noFill/>
+          <a:ln>
+            <a:noFill/>
+          </a:ln>
         </p:spPr>
         <p:txBody>
           <a:bodyPr anchorCtr="0" anchor="b" bIns="0" lIns="0" spcFirstLastPara="1" rIns="0" wrap="square" tIns="0">
@@ -11017,12 +12379,16 @@
           <a:lstStyle/>
           <a:p>
             <a:pPr indent="0" lvl="0" marL="0" rtl="0" algn="l">
-              <a:spcBef>
-                <a:spcPts val="0"/>
-              </a:spcBef>
-              <a:spcAft>
-                <a:spcPts val="0"/>
-              </a:spcAft>
+              <a:lnSpc>
+                <a:spcPct val="100000"/>
+              </a:lnSpc>
+              <a:spcBef>
+                <a:spcPts val="0"/>
+              </a:spcBef>
+              <a:spcAft>
+                <a:spcPts val="0"/>
+              </a:spcAft>
+              <a:buSzPts val="1400"/>
               <a:buNone/>
             </a:pPr>
             <a:r>
@@ -11049,6 +12415,10 @@
           <a:prstGeom prst="rect">
             <a:avLst/>
           </a:prstGeom>
+          <a:noFill/>
+          <a:ln>
+            <a:noFill/>
+          </a:ln>
         </p:spPr>
         <p:txBody>
           <a:bodyPr anchorCtr="0" anchor="t" bIns="0" lIns="0" spcFirstLastPara="1" rIns="0" wrap="square" tIns="0">
@@ -11056,61 +12426,146 @@
           </a:bodyPr>
           <a:lstStyle/>
           <a:p>
-            <a:pPr indent="-317500" lvl="0" marL="457200" rtl="0" algn="l">
+            <a:pPr indent="-317500" lvl="0" marL="457200" marR="0" rtl="0" algn="l">
+              <a:lnSpc>
+                <a:spcPct val="100000"/>
+              </a:lnSpc>
               <a:spcBef>
                 <a:spcPts val="320"/>
               </a:spcBef>
               <a:spcAft>
                 <a:spcPts val="0"/>
               </a:spcAft>
-              <a:buSzPts val="1400"/>
+              <a:buClr>
+                <a:srgbClr val="000000"/>
+              </a:buClr>
+              <a:buSzPts val="1400"/>
+              <a:buFont typeface="Arial"/>
               <a:buChar char="●"/>
             </a:pPr>
             <a:r>
-              <a:rPr lang="de"/>
+              <a:rPr b="0" i="0" lang="de" sz="1600" u="none" cap="none" strike="noStrike">
+                <a:solidFill>
+                  <a:schemeClr val="dk1"/>
+                </a:solidFill>
+                <a:latin typeface="Arial"/>
+                <a:ea typeface="Arial"/>
+                <a:cs typeface="Arial"/>
+                <a:sym typeface="Arial"/>
+              </a:rPr>
               <a:t>Das Schlüsselwort this ist immer eine Referenz (wie eine nicht-überschreibbare Variable) auf das aktuelle Objekt</a:t>
             </a:r>
             <a:br>
-              <a:rPr lang="de"/>
+              <a:rPr b="0" i="0" lang="de" sz="1600" u="none" cap="none" strike="noStrike">
+                <a:solidFill>
+                  <a:schemeClr val="dk1"/>
+                </a:solidFill>
+                <a:latin typeface="Arial"/>
+                <a:ea typeface="Arial"/>
+                <a:cs typeface="Arial"/>
+                <a:sym typeface="Arial"/>
+              </a:rPr>
             </a:br>
-            <a:endParaRPr/>
+            <a:endParaRPr b="0" i="0" sz="1600" u="none" cap="none" strike="noStrike">
+              <a:solidFill>
+                <a:schemeClr val="dk1"/>
+              </a:solidFill>
+              <a:latin typeface="Arial"/>
+              <a:ea typeface="Arial"/>
+              <a:cs typeface="Arial"/>
+              <a:sym typeface="Arial"/>
+            </a:endParaRPr>
           </a:p>
           <a:p>
-            <a:pPr indent="-317500" lvl="0" marL="457200" rtl="0" algn="l">
-              <a:spcBef>
-                <a:spcPts val="0"/>
-              </a:spcBef>
-              <a:spcAft>
-                <a:spcPts val="0"/>
-              </a:spcAft>
-              <a:buSzPts val="1400"/>
+            <a:pPr indent="-317500" lvl="0" marL="457200" marR="0" rtl="0" algn="l">
+              <a:lnSpc>
+                <a:spcPct val="100000"/>
+              </a:lnSpc>
+              <a:spcBef>
+                <a:spcPts val="0"/>
+              </a:spcBef>
+              <a:spcAft>
+                <a:spcPts val="0"/>
+              </a:spcAft>
+              <a:buClr>
+                <a:srgbClr val="000000"/>
+              </a:buClr>
+              <a:buSzPts val="1400"/>
+              <a:buFont typeface="Arial"/>
               <a:buChar char="●"/>
             </a:pPr>
             <a:r>
-              <a:rPr lang="de"/>
+              <a:rPr b="0" i="0" lang="de" sz="1600" u="none" cap="none" strike="noStrike">
+                <a:solidFill>
+                  <a:schemeClr val="dk1"/>
+                </a:solidFill>
+                <a:latin typeface="Arial"/>
+                <a:ea typeface="Arial"/>
+                <a:cs typeface="Arial"/>
+                <a:sym typeface="Arial"/>
+              </a:rPr>
               <a:t>Es kann nur in nicht-statisches Kontexten (z.B. Methoden) verwendet werden, da nur dort klar ist, auf welche Instanz der Klasse es sich bezieht.</a:t>
             </a:r>
             <a:br>
-              <a:rPr lang="de"/>
+              <a:rPr b="0" i="0" lang="de" sz="1600" u="none" cap="none" strike="noStrike">
+                <a:solidFill>
+                  <a:schemeClr val="dk1"/>
+                </a:solidFill>
+                <a:latin typeface="Arial"/>
+                <a:ea typeface="Arial"/>
+                <a:cs typeface="Arial"/>
+                <a:sym typeface="Arial"/>
+              </a:rPr>
             </a:br>
-            <a:endParaRPr/>
+            <a:endParaRPr b="0" i="0" sz="1600" u="none" cap="none" strike="noStrike">
+              <a:solidFill>
+                <a:schemeClr val="dk1"/>
+              </a:solidFill>
+              <a:latin typeface="Arial"/>
+              <a:ea typeface="Arial"/>
+              <a:cs typeface="Arial"/>
+              <a:sym typeface="Arial"/>
+            </a:endParaRPr>
           </a:p>
           <a:p>
-            <a:pPr indent="-317500" lvl="0" marL="457200" rtl="0" algn="l">
-              <a:spcBef>
-                <a:spcPts val="0"/>
-              </a:spcBef>
-              <a:spcAft>
-                <a:spcPts val="0"/>
-              </a:spcAft>
-              <a:buSzPts val="1400"/>
+            <a:pPr indent="-317500" lvl="0" marL="457200" marR="0" rtl="0" algn="l">
+              <a:lnSpc>
+                <a:spcPct val="100000"/>
+              </a:lnSpc>
+              <a:spcBef>
+                <a:spcPts val="0"/>
+              </a:spcBef>
+              <a:spcAft>
+                <a:spcPts val="0"/>
+              </a:spcAft>
+              <a:buClr>
+                <a:srgbClr val="000000"/>
+              </a:buClr>
+              <a:buSzPts val="1400"/>
+              <a:buFont typeface="Arial"/>
               <a:buChar char="●"/>
             </a:pPr>
             <a:r>
-              <a:rPr lang="de"/>
+              <a:rPr b="0" i="0" lang="de" sz="1600" u="none" cap="none" strike="noStrike">
+                <a:solidFill>
+                  <a:schemeClr val="dk1"/>
+                </a:solidFill>
+                <a:latin typeface="Arial"/>
+                <a:ea typeface="Arial"/>
+                <a:cs typeface="Arial"/>
+                <a:sym typeface="Arial"/>
+              </a:rPr>
               <a:t>Mehr zu “this” wird es auf den folgenden Folien geben</a:t>
             </a:r>
-            <a:endParaRPr/>
+            <a:endParaRPr b="0" i="0" sz="1600" u="none" cap="none" strike="noStrike">
+              <a:solidFill>
+                <a:schemeClr val="dk1"/>
+              </a:solidFill>
+              <a:latin typeface="Arial"/>
+              <a:ea typeface="Arial"/>
+              <a:cs typeface="Arial"/>
+              <a:sym typeface="Arial"/>
+            </a:endParaRPr>
           </a:p>
         </p:txBody>
       </p:sp>
@@ -11155,6 +12610,10 @@
           <a:prstGeom prst="rect">
             <a:avLst/>
           </a:prstGeom>
+          <a:noFill/>
+          <a:ln>
+            <a:noFill/>
+          </a:ln>
         </p:spPr>
         <p:txBody>
           <a:bodyPr anchorCtr="0" anchor="b" bIns="0" lIns="0" spcFirstLastPara="1" rIns="0" wrap="square" tIns="0">
@@ -11163,12 +12622,16 @@
           <a:lstStyle/>
           <a:p>
             <a:pPr indent="0" lvl="0" marL="0" rtl="0" algn="l">
-              <a:spcBef>
-                <a:spcPts val="0"/>
-              </a:spcBef>
-              <a:spcAft>
-                <a:spcPts val="0"/>
-              </a:spcAft>
+              <a:lnSpc>
+                <a:spcPct val="100000"/>
+              </a:lnSpc>
+              <a:spcBef>
+                <a:spcPts val="0"/>
+              </a:spcBef>
+              <a:spcAft>
+                <a:spcPts val="0"/>
+              </a:spcAft>
+              <a:buSzPts val="1400"/>
               <a:buNone/>
             </a:pPr>
             <a:r>
@@ -11195,6 +12658,10 @@
           <a:prstGeom prst="rect">
             <a:avLst/>
           </a:prstGeom>
+          <a:noFill/>
+          <a:ln>
+            <a:noFill/>
+          </a:ln>
         </p:spPr>
         <p:txBody>
           <a:bodyPr anchorCtr="0" anchor="t" bIns="0" lIns="0" spcFirstLastPara="1" rIns="0" wrap="square" tIns="0">
@@ -11202,96 +12669,208 @@
           </a:bodyPr>
           <a:lstStyle/>
           <a:p>
-            <a:pPr indent="0" lvl="0" marL="0" rtl="0" algn="l">
+            <a:pPr indent="0" lvl="0" marL="0" marR="0" rtl="0" algn="l">
+              <a:lnSpc>
+                <a:spcPct val="100000"/>
+              </a:lnSpc>
               <a:spcBef>
                 <a:spcPts val="320"/>
               </a:spcBef>
               <a:spcAft>
                 <a:spcPts val="0"/>
               </a:spcAft>
+              <a:buClr>
+                <a:srgbClr val="000000"/>
+              </a:buClr>
+              <a:buSzPts val="1400"/>
+              <a:buFont typeface="Arial"/>
               <a:buNone/>
             </a:pPr>
             <a:r>
-              <a:rPr lang="de"/>
+              <a:rPr b="0" i="0" lang="de" sz="1600" u="none" cap="none" strike="noStrike">
+                <a:solidFill>
+                  <a:schemeClr val="dk1"/>
+                </a:solidFill>
+                <a:latin typeface="Arial"/>
+                <a:ea typeface="Arial"/>
+                <a:cs typeface="Arial"/>
+                <a:sym typeface="Arial"/>
+              </a:rPr>
               <a:t>Als final deklarierte Variablen sind unveränderlich. Ihnen muss bei der Deklaration direkt auch einen Wert zugewiesen werden. Sie werden auch als Konstanten bezeichnet.</a:t>
             </a:r>
-            <a:endParaRPr/>
+            <a:endParaRPr b="0" i="0" sz="1600" u="none" cap="none" strike="noStrike">
+              <a:solidFill>
+                <a:schemeClr val="dk1"/>
+              </a:solidFill>
+              <a:latin typeface="Arial"/>
+              <a:ea typeface="Arial"/>
+              <a:cs typeface="Arial"/>
+              <a:sym typeface="Arial"/>
+            </a:endParaRPr>
           </a:p>
           <a:p>
-            <a:pPr indent="0" lvl="0" marL="0" rtl="0" algn="l">
+            <a:pPr indent="0" lvl="0" marL="0" marR="0" rtl="0" algn="l">
+              <a:lnSpc>
+                <a:spcPct val="100000"/>
+              </a:lnSpc>
               <a:spcBef>
                 <a:spcPts val="320"/>
               </a:spcBef>
               <a:spcAft>
                 <a:spcPts val="0"/>
               </a:spcAft>
+              <a:buClr>
+                <a:srgbClr val="000000"/>
+              </a:buClr>
+              <a:buSzPts val="1400"/>
+              <a:buFont typeface="Arial"/>
               <a:buNone/>
             </a:pPr>
             <a:r>
               <a:t/>
             </a:r>
-            <a:endParaRPr/>
+            <a:endParaRPr b="0" i="0" sz="1600" u="none" cap="none" strike="noStrike">
+              <a:solidFill>
+                <a:schemeClr val="dk1"/>
+              </a:solidFill>
+              <a:latin typeface="Arial"/>
+              <a:ea typeface="Arial"/>
+              <a:cs typeface="Arial"/>
+              <a:sym typeface="Arial"/>
+            </a:endParaRPr>
           </a:p>
           <a:p>
-            <a:pPr indent="0" lvl="0" marL="0" rtl="0" algn="l">
+            <a:pPr indent="0" lvl="0" marL="0" marR="0" rtl="0" algn="l">
+              <a:lnSpc>
+                <a:spcPct val="100000"/>
+              </a:lnSpc>
               <a:spcBef>
                 <a:spcPts val="320"/>
               </a:spcBef>
               <a:spcAft>
                 <a:spcPts val="0"/>
               </a:spcAft>
+              <a:buClr>
+                <a:srgbClr val="000000"/>
+              </a:buClr>
+              <a:buSzPts val="1400"/>
+              <a:buFont typeface="Arial"/>
               <a:buNone/>
             </a:pPr>
             <a:r>
               <a:t/>
             </a:r>
-            <a:endParaRPr/>
+            <a:endParaRPr b="0" i="0" sz="1600" u="none" cap="none" strike="noStrike">
+              <a:solidFill>
+                <a:schemeClr val="dk1"/>
+              </a:solidFill>
+              <a:latin typeface="Arial"/>
+              <a:ea typeface="Arial"/>
+              <a:cs typeface="Arial"/>
+              <a:sym typeface="Arial"/>
+            </a:endParaRPr>
           </a:p>
           <a:p>
-            <a:pPr indent="0" lvl="0" marL="0" rtl="0" algn="l">
+            <a:pPr indent="0" lvl="0" marL="0" marR="0" rtl="0" algn="l">
+              <a:lnSpc>
+                <a:spcPct val="100000"/>
+              </a:lnSpc>
               <a:spcBef>
                 <a:spcPts val="320"/>
               </a:spcBef>
               <a:spcAft>
                 <a:spcPts val="0"/>
               </a:spcAft>
+              <a:buClr>
+                <a:srgbClr val="000000"/>
+              </a:buClr>
+              <a:buSzPts val="1400"/>
+              <a:buFont typeface="Arial"/>
               <a:buNone/>
             </a:pPr>
             <a:r>
               <a:t/>
             </a:r>
-            <a:endParaRPr/>
+            <a:endParaRPr b="0" i="0" sz="1600" u="none" cap="none" strike="noStrike">
+              <a:solidFill>
+                <a:schemeClr val="dk1"/>
+              </a:solidFill>
+              <a:latin typeface="Arial"/>
+              <a:ea typeface="Arial"/>
+              <a:cs typeface="Arial"/>
+              <a:sym typeface="Arial"/>
+            </a:endParaRPr>
           </a:p>
           <a:p>
-            <a:pPr indent="0" lvl="0" marL="0" rtl="0" algn="l">
+            <a:pPr indent="0" lvl="0" marL="0" marR="0" rtl="0" algn="l">
+              <a:lnSpc>
+                <a:spcPct val="100000"/>
+              </a:lnSpc>
               <a:spcBef>
                 <a:spcPts val="320"/>
               </a:spcBef>
               <a:spcAft>
                 <a:spcPts val="0"/>
               </a:spcAft>
+              <a:buClr>
+                <a:srgbClr val="000000"/>
+              </a:buClr>
+              <a:buSzPts val="1400"/>
+              <a:buFont typeface="Arial"/>
               <a:buNone/>
             </a:pPr>
             <a:r>
               <a:t/>
             </a:r>
-            <a:endParaRPr/>
+            <a:endParaRPr b="0" i="0" sz="1600" u="none" cap="none" strike="noStrike">
+              <a:solidFill>
+                <a:schemeClr val="dk1"/>
+              </a:solidFill>
+              <a:latin typeface="Arial"/>
+              <a:ea typeface="Arial"/>
+              <a:cs typeface="Arial"/>
+              <a:sym typeface="Arial"/>
+            </a:endParaRPr>
           </a:p>
           <a:p>
-            <a:pPr indent="0" lvl="0" marL="0" rtl="0" algn="l">
+            <a:pPr indent="0" lvl="0" marL="0" marR="0" rtl="0" algn="l">
+              <a:lnSpc>
+                <a:spcPct val="100000"/>
+              </a:lnSpc>
               <a:spcBef>
                 <a:spcPts val="320"/>
               </a:spcBef>
               <a:spcAft>
                 <a:spcPts val="0"/>
               </a:spcAft>
+              <a:buClr>
+                <a:srgbClr val="000000"/>
+              </a:buClr>
+              <a:buSzPts val="1400"/>
+              <a:buFont typeface="Arial"/>
               <a:buNone/>
             </a:pPr>
             <a:r>
-              <a:rPr lang="de"/>
+              <a:rPr b="0" i="0" lang="de" sz="1600" u="none" cap="none" strike="noStrike">
+                <a:solidFill>
+                  <a:schemeClr val="dk1"/>
+                </a:solidFill>
+                <a:latin typeface="Arial"/>
+                <a:ea typeface="Arial"/>
+                <a:cs typeface="Arial"/>
+                <a:sym typeface="Arial"/>
+              </a:rPr>
               <a:t>Konstanten werden in der Regel dadurch gekennzeichnet, dass ihr Name ausschließlich aus Großbuchstaben besteht.</a:t>
             </a:r>
-            <a:endParaRPr/>
+            <a:endParaRPr b="0" i="0" sz="1600" u="none" cap="none" strike="noStrike">
+              <a:solidFill>
+                <a:schemeClr val="dk1"/>
+              </a:solidFill>
+              <a:latin typeface="Arial"/>
+              <a:ea typeface="Arial"/>
+              <a:cs typeface="Arial"/>
+              <a:sym typeface="Arial"/>
+            </a:endParaRPr>
           </a:p>
         </p:txBody>
       </p:sp>
@@ -11301,13 +12880,12 @@
           <p:cNvPicPr preferRelativeResize="0"/>
           <p:nvPr/>
         </p:nvPicPr>
-        <p:blipFill>
+        <p:blipFill rotWithShape="1">
           <a:blip r:embed="rId3">
             <a:alphaModFix/>
           </a:blip>
-          <a:stretch>
-            <a:fillRect/>
-          </a:stretch>
+          <a:srcRect b="0" l="0" r="0" t="0"/>
+          <a:stretch/>
         </p:blipFill>
         <p:spPr>
           <a:xfrm>
@@ -11364,6 +12942,10 @@
           <a:prstGeom prst="rect">
             <a:avLst/>
           </a:prstGeom>
+          <a:noFill/>
+          <a:ln>
+            <a:noFill/>
+          </a:ln>
         </p:spPr>
         <p:txBody>
           <a:bodyPr anchorCtr="0" anchor="b" bIns="0" lIns="0" spcFirstLastPara="1" rIns="0" wrap="square" tIns="0">
@@ -11372,12 +12954,16 @@
           <a:lstStyle/>
           <a:p>
             <a:pPr indent="0" lvl="0" marL="0" rtl="0" algn="l">
-              <a:spcBef>
-                <a:spcPts val="0"/>
-              </a:spcBef>
-              <a:spcAft>
-                <a:spcPts val="0"/>
-              </a:spcAft>
+              <a:lnSpc>
+                <a:spcPct val="100000"/>
+              </a:lnSpc>
+              <a:spcBef>
+                <a:spcPts val="0"/>
+              </a:spcBef>
+              <a:spcAft>
+                <a:spcPts val="0"/>
+              </a:spcAft>
+              <a:buSzPts val="1400"/>
               <a:buNone/>
             </a:pPr>
             <a:r>
@@ -11404,6 +12990,10 @@
           <a:prstGeom prst="rect">
             <a:avLst/>
           </a:prstGeom>
+          <a:noFill/>
+          <a:ln>
+            <a:noFill/>
+          </a:ln>
         </p:spPr>
         <p:txBody>
           <a:bodyPr anchorCtr="0" anchor="t" bIns="0" lIns="0" spcFirstLastPara="1" rIns="0" wrap="square" tIns="0">
@@ -11411,120 +13001,276 @@
           </a:bodyPr>
           <a:lstStyle/>
           <a:p>
-            <a:pPr indent="-317500" lvl="0" marL="457200" rtl="0" algn="l">
+            <a:pPr indent="-317500" lvl="0" marL="457200" marR="0" rtl="0" algn="l">
+              <a:lnSpc>
+                <a:spcPct val="100000"/>
+              </a:lnSpc>
               <a:spcBef>
                 <a:spcPts val="320"/>
               </a:spcBef>
               <a:spcAft>
                 <a:spcPts val="0"/>
               </a:spcAft>
-              <a:buSzPts val="1400"/>
+              <a:buClr>
+                <a:srgbClr val="000000"/>
+              </a:buClr>
+              <a:buSzPts val="1400"/>
+              <a:buFont typeface="Arial"/>
               <a:buChar char="●"/>
             </a:pPr>
             <a:r>
-              <a:rPr lang="de"/>
+              <a:rPr b="0" i="0" lang="de" sz="1600" u="none" cap="none" strike="noStrike">
+                <a:solidFill>
+                  <a:schemeClr val="dk1"/>
+                </a:solidFill>
+                <a:latin typeface="Arial"/>
+                <a:ea typeface="Arial"/>
+                <a:cs typeface="Arial"/>
+                <a:sym typeface="Arial"/>
+              </a:rPr>
               <a:t>Attribute (non-static)</a:t>
             </a:r>
-            <a:endParaRPr/>
+            <a:endParaRPr b="0" i="0" sz="1600" u="none" cap="none" strike="noStrike">
+              <a:solidFill>
+                <a:schemeClr val="dk1"/>
+              </a:solidFill>
+              <a:latin typeface="Arial"/>
+              <a:ea typeface="Arial"/>
+              <a:cs typeface="Arial"/>
+              <a:sym typeface="Arial"/>
+            </a:endParaRPr>
           </a:p>
           <a:p>
-            <a:pPr indent="-330200" lvl="1" marL="914400" rtl="0" algn="l">
+            <a:pPr indent="-330200" lvl="1" marL="914400" marR="0" rtl="0" algn="l">
+              <a:lnSpc>
+                <a:spcPct val="100000"/>
+              </a:lnSpc>
               <a:spcBef>
                 <a:spcPts val="320"/>
               </a:spcBef>
               <a:spcAft>
                 <a:spcPts val="0"/>
               </a:spcAft>
+              <a:buClr>
+                <a:schemeClr val="dk1"/>
+              </a:buClr>
               <a:buSzPts val="1600"/>
+              <a:buFont typeface="Noto Sans Symbols"/>
               <a:buChar char="-"/>
             </a:pPr>
             <a:r>
-              <a:rPr lang="de"/>
+              <a:rPr b="0" i="0" lang="de" sz="1600" u="none" cap="none" strike="noStrike">
+                <a:solidFill>
+                  <a:schemeClr val="dk1"/>
+                </a:solidFill>
+                <a:latin typeface="Arial"/>
+                <a:ea typeface="Arial"/>
+                <a:cs typeface="Arial"/>
+                <a:sym typeface="Arial"/>
+              </a:rPr>
               <a:t>Hat eine Klasse ein nicht-statisches Attribut, so hat jede Objektinstanz ein eigenes solches Attribut. Ein Beispiel wäre der Name einer Person, denn jede Person hat einen eigenen Namen.</a:t>
             </a:r>
-            <a:endParaRPr/>
+            <a:endParaRPr b="0" i="0" sz="1600" u="none" cap="none" strike="noStrike">
+              <a:solidFill>
+                <a:schemeClr val="dk1"/>
+              </a:solidFill>
+              <a:latin typeface="Arial"/>
+              <a:ea typeface="Arial"/>
+              <a:cs typeface="Arial"/>
+              <a:sym typeface="Arial"/>
+            </a:endParaRPr>
           </a:p>
           <a:p>
-            <a:pPr indent="0" lvl="0" marL="914400" rtl="0" algn="l">
+            <a:pPr indent="0" lvl="0" marL="914400" marR="0" rtl="0" algn="l">
+              <a:lnSpc>
+                <a:spcPct val="100000"/>
+              </a:lnSpc>
               <a:spcBef>
                 <a:spcPts val="320"/>
               </a:spcBef>
               <a:spcAft>
                 <a:spcPts val="0"/>
               </a:spcAft>
+              <a:buClr>
+                <a:srgbClr val="000000"/>
+              </a:buClr>
+              <a:buSzPts val="1400"/>
+              <a:buFont typeface="Arial"/>
               <a:buNone/>
             </a:pPr>
             <a:r>
               <a:t/>
             </a:r>
-            <a:endParaRPr/>
+            <a:endParaRPr b="0" i="0" sz="1600" u="none" cap="none" strike="noStrike">
+              <a:solidFill>
+                <a:schemeClr val="dk1"/>
+              </a:solidFill>
+              <a:latin typeface="Arial"/>
+              <a:ea typeface="Arial"/>
+              <a:cs typeface="Arial"/>
+              <a:sym typeface="Arial"/>
+            </a:endParaRPr>
           </a:p>
           <a:p>
-            <a:pPr indent="0" lvl="0" marL="914400" rtl="0" algn="l">
+            <a:pPr indent="0" lvl="0" marL="914400" marR="0" rtl="0" algn="l">
+              <a:lnSpc>
+                <a:spcPct val="100000"/>
+              </a:lnSpc>
               <a:spcBef>
                 <a:spcPts val="320"/>
               </a:spcBef>
               <a:spcAft>
                 <a:spcPts val="0"/>
               </a:spcAft>
+              <a:buClr>
+                <a:srgbClr val="000000"/>
+              </a:buClr>
+              <a:buSzPts val="1400"/>
+              <a:buFont typeface="Arial"/>
               <a:buNone/>
             </a:pPr>
             <a:br>
-              <a:rPr lang="de"/>
+              <a:rPr b="0" i="0" lang="de" sz="1600" u="none" cap="none" strike="noStrike">
+                <a:solidFill>
+                  <a:schemeClr val="dk1"/>
+                </a:solidFill>
+                <a:latin typeface="Arial"/>
+                <a:ea typeface="Arial"/>
+                <a:cs typeface="Arial"/>
+                <a:sym typeface="Arial"/>
+              </a:rPr>
             </a:br>
             <a:br>
-              <a:rPr lang="de"/>
+              <a:rPr b="0" i="0" lang="de" sz="1600" u="none" cap="none" strike="noStrike">
+                <a:solidFill>
+                  <a:schemeClr val="dk1"/>
+                </a:solidFill>
+                <a:latin typeface="Arial"/>
+                <a:ea typeface="Arial"/>
+                <a:cs typeface="Arial"/>
+                <a:sym typeface="Arial"/>
+              </a:rPr>
             </a:br>
-            <a:endParaRPr/>
+            <a:endParaRPr b="0" i="0" sz="1600" u="none" cap="none" strike="noStrike">
+              <a:solidFill>
+                <a:schemeClr val="dk1"/>
+              </a:solidFill>
+              <a:latin typeface="Arial"/>
+              <a:ea typeface="Arial"/>
+              <a:cs typeface="Arial"/>
+              <a:sym typeface="Arial"/>
+            </a:endParaRPr>
           </a:p>
           <a:p>
-            <a:pPr indent="-317500" lvl="0" marL="457200" rtl="0" algn="l">
+            <a:pPr indent="-317500" lvl="0" marL="457200" marR="0" rtl="0" algn="l">
+              <a:lnSpc>
+                <a:spcPct val="100000"/>
+              </a:lnSpc>
               <a:spcBef>
                 <a:spcPts val="320"/>
               </a:spcBef>
               <a:spcAft>
                 <a:spcPts val="0"/>
               </a:spcAft>
-              <a:buSzPts val="1400"/>
+              <a:buClr>
+                <a:srgbClr val="000000"/>
+              </a:buClr>
+              <a:buSzPts val="1400"/>
+              <a:buFont typeface="Arial"/>
               <a:buChar char="●"/>
             </a:pPr>
             <a:r>
-              <a:rPr lang="de"/>
+              <a:rPr b="0" i="0" lang="de" sz="1600" u="none" cap="none" strike="noStrike">
+                <a:solidFill>
+                  <a:schemeClr val="dk1"/>
+                </a:solidFill>
+                <a:latin typeface="Arial"/>
+                <a:ea typeface="Arial"/>
+                <a:cs typeface="Arial"/>
+                <a:sym typeface="Arial"/>
+              </a:rPr>
               <a:t>Klassenvariablen (static)</a:t>
             </a:r>
-            <a:endParaRPr/>
+            <a:endParaRPr b="0" i="0" sz="1600" u="none" cap="none" strike="noStrike">
+              <a:solidFill>
+                <a:schemeClr val="dk1"/>
+              </a:solidFill>
+              <a:latin typeface="Arial"/>
+              <a:ea typeface="Arial"/>
+              <a:cs typeface="Arial"/>
+              <a:sym typeface="Arial"/>
+            </a:endParaRPr>
           </a:p>
           <a:p>
-            <a:pPr indent="-330200" lvl="1" marL="914400" rtl="0" algn="l">
+            <a:pPr indent="-330200" lvl="1" marL="914400" marR="0" rtl="0" algn="l">
+              <a:lnSpc>
+                <a:spcPct val="100000"/>
+              </a:lnSpc>
               <a:spcBef>
                 <a:spcPts val="320"/>
               </a:spcBef>
               <a:spcAft>
                 <a:spcPts val="0"/>
               </a:spcAft>
+              <a:buClr>
+                <a:schemeClr val="dk1"/>
+              </a:buClr>
               <a:buSzPts val="1600"/>
+              <a:buFont typeface="Noto Sans Symbols"/>
               <a:buChar char="-"/>
             </a:pPr>
             <a:r>
-              <a:rPr lang="de"/>
+              <a:rPr b="0" i="0" lang="de" sz="1600" u="none" cap="none" strike="noStrike">
+                <a:solidFill>
+                  <a:schemeClr val="dk1"/>
+                </a:solidFill>
+                <a:latin typeface="Arial"/>
+                <a:ea typeface="Arial"/>
+                <a:cs typeface="Arial"/>
+                <a:sym typeface="Arial"/>
+              </a:rPr>
               <a:t>Hat eine Klasse ein statisches Attribut (Klassenvariable), so greift jede Objektinstanz auf die gleiche Variable zu. Ein Beispiel wäre eine Zähler-Variable, die die Anzahl der erstellten Person-Instanzen zählt.</a:t>
             </a:r>
-            <a:endParaRPr/>
+            <a:endParaRPr b="0" i="0" sz="1600" u="none" cap="none" strike="noStrike">
+              <a:solidFill>
+                <a:schemeClr val="dk1"/>
+              </a:solidFill>
+              <a:latin typeface="Arial"/>
+              <a:ea typeface="Arial"/>
+              <a:cs typeface="Arial"/>
+              <a:sym typeface="Arial"/>
+            </a:endParaRPr>
           </a:p>
           <a:p>
-            <a:pPr indent="0" lvl="0" marL="0" rtl="0" algn="l">
+            <a:pPr indent="0" lvl="0" marL="0" marR="0" rtl="0" algn="l">
+              <a:lnSpc>
+                <a:spcPct val="100000"/>
+              </a:lnSpc>
               <a:spcBef>
                 <a:spcPts val="320"/>
               </a:spcBef>
               <a:spcAft>
                 <a:spcPts val="0"/>
               </a:spcAft>
+              <a:buClr>
+                <a:srgbClr val="000000"/>
+              </a:buClr>
+              <a:buSzPts val="1400"/>
+              <a:buFont typeface="Arial"/>
               <a:buNone/>
             </a:pPr>
             <a:r>
               <a:t/>
             </a:r>
-            <a:endParaRPr/>
+            <a:endParaRPr b="0" i="0" sz="1600" u="none" cap="none" strike="noStrike">
+              <a:solidFill>
+                <a:schemeClr val="dk1"/>
+              </a:solidFill>
+              <a:latin typeface="Arial"/>
+              <a:ea typeface="Arial"/>
+              <a:cs typeface="Arial"/>
+              <a:sym typeface="Arial"/>
+            </a:endParaRPr>
           </a:p>
         </p:txBody>
       </p:sp>
@@ -11534,13 +13280,12 @@
           <p:cNvPicPr preferRelativeResize="0"/>
           <p:nvPr/>
         </p:nvPicPr>
-        <p:blipFill>
+        <p:blipFill rotWithShape="1">
           <a:blip r:embed="rId3">
             <a:alphaModFix/>
           </a:blip>
-          <a:stretch>
-            <a:fillRect/>
-          </a:stretch>
+          <a:srcRect b="0" l="0" r="0" t="0"/>
+          <a:stretch/>
         </p:blipFill>
         <p:spPr>
           <a:xfrm>
@@ -11562,13 +13307,12 @@
           <p:cNvPicPr preferRelativeResize="0"/>
           <p:nvPr/>
         </p:nvPicPr>
-        <p:blipFill>
+        <p:blipFill rotWithShape="1">
           <a:blip r:embed="rId4">
             <a:alphaModFix/>
           </a:blip>
-          <a:stretch>
-            <a:fillRect/>
-          </a:stretch>
+          <a:srcRect b="0" l="0" r="0" t="0"/>
+          <a:stretch/>
         </p:blipFill>
         <p:spPr>
           <a:xfrm>
@@ -11625,6 +13369,10 @@
           <a:prstGeom prst="rect">
             <a:avLst/>
           </a:prstGeom>
+          <a:noFill/>
+          <a:ln>
+            <a:noFill/>
+          </a:ln>
         </p:spPr>
         <p:txBody>
           <a:bodyPr anchorCtr="0" anchor="b" bIns="0" lIns="0" spcFirstLastPara="1" rIns="0" wrap="square" tIns="0">
@@ -11633,12 +13381,16 @@
           <a:lstStyle/>
           <a:p>
             <a:pPr indent="0" lvl="0" marL="0" rtl="0" algn="l">
-              <a:spcBef>
-                <a:spcPts val="0"/>
-              </a:spcBef>
-              <a:spcAft>
-                <a:spcPts val="0"/>
-              </a:spcAft>
+              <a:lnSpc>
+                <a:spcPct val="100000"/>
+              </a:lnSpc>
+              <a:spcBef>
+                <a:spcPts val="0"/>
+              </a:spcBef>
+              <a:spcAft>
+                <a:spcPts val="0"/>
+              </a:spcAft>
+              <a:buSzPts val="1400"/>
               <a:buNone/>
             </a:pPr>
             <a:r>
@@ -11665,6 +13417,10 @@
           <a:prstGeom prst="rect">
             <a:avLst/>
           </a:prstGeom>
+          <a:noFill/>
+          <a:ln>
+            <a:noFill/>
+          </a:ln>
         </p:spPr>
         <p:txBody>
           <a:bodyPr anchorCtr="0" anchor="t" bIns="0" lIns="0" spcFirstLastPara="1" rIns="0" wrap="square" tIns="0">
@@ -11672,84 +13428,208 @@
           </a:bodyPr>
           <a:lstStyle/>
           <a:p>
-            <a:pPr indent="-317500" lvl="0" marL="457200" rtl="0" algn="l">
+            <a:pPr indent="-317500" lvl="0" marL="457200" marR="0" rtl="0" algn="l">
+              <a:lnSpc>
+                <a:spcPct val="100000"/>
+              </a:lnSpc>
               <a:spcBef>
                 <a:spcPts val="320"/>
               </a:spcBef>
               <a:spcAft>
                 <a:spcPts val="0"/>
               </a:spcAft>
-              <a:buSzPts val="1400"/>
+              <a:buClr>
+                <a:srgbClr val="000000"/>
+              </a:buClr>
+              <a:buSzPts val="1400"/>
+              <a:buFont typeface="Arial"/>
               <a:buChar char="●"/>
             </a:pPr>
             <a:r>
-              <a:rPr lang="de"/>
+              <a:rPr b="0" i="0" lang="de" sz="1600" u="none" cap="none" strike="noStrike">
+                <a:solidFill>
+                  <a:schemeClr val="dk1"/>
+                </a:solidFill>
+                <a:latin typeface="Arial"/>
+                <a:ea typeface="Arial"/>
+                <a:cs typeface="Arial"/>
+                <a:sym typeface="Arial"/>
+              </a:rPr>
               <a:t>Methoden (non-static)</a:t>
             </a:r>
-            <a:endParaRPr/>
+            <a:endParaRPr b="0" i="0" sz="1600" u="none" cap="none" strike="noStrike">
+              <a:solidFill>
+                <a:schemeClr val="dk1"/>
+              </a:solidFill>
+              <a:latin typeface="Arial"/>
+              <a:ea typeface="Arial"/>
+              <a:cs typeface="Arial"/>
+              <a:sym typeface="Arial"/>
+            </a:endParaRPr>
           </a:p>
           <a:p>
-            <a:pPr indent="-330200" lvl="1" marL="914400" rtl="0" algn="l">
-              <a:spcBef>
-                <a:spcPts val="0"/>
-              </a:spcBef>
-              <a:spcAft>
-                <a:spcPts val="0"/>
-              </a:spcAft>
+            <a:pPr indent="-330200" lvl="1" marL="914400" marR="0" rtl="0" algn="l">
+              <a:lnSpc>
+                <a:spcPct val="100000"/>
+              </a:lnSpc>
+              <a:spcBef>
+                <a:spcPts val="0"/>
+              </a:spcBef>
+              <a:spcAft>
+                <a:spcPts val="0"/>
+              </a:spcAft>
+              <a:buClr>
+                <a:schemeClr val="dk1"/>
+              </a:buClr>
               <a:buSzPts val="1600"/>
+              <a:buFont typeface="Noto Sans Symbols"/>
               <a:buChar char="-"/>
             </a:pPr>
             <a:r>
-              <a:rPr lang="de"/>
+              <a:rPr b="0" i="0" lang="de" sz="1600" u="none" cap="none" strike="noStrike">
+                <a:solidFill>
+                  <a:schemeClr val="dk1"/>
+                </a:solidFill>
+                <a:latin typeface="Arial"/>
+                <a:ea typeface="Arial"/>
+                <a:cs typeface="Arial"/>
+                <a:sym typeface="Arial"/>
+              </a:rPr>
               <a:t>Methoden beziehen sich immer auf eine bestimmte Objektinstanz (ähnlich zu Attributen). Hier kann man mit “this” auf die Attribute der Instanz zugreifen.</a:t>
             </a:r>
             <a:br>
-              <a:rPr lang="de"/>
+              <a:rPr b="0" i="0" lang="de" sz="1600" u="none" cap="none" strike="noStrike">
+                <a:solidFill>
+                  <a:schemeClr val="dk1"/>
+                </a:solidFill>
+                <a:latin typeface="Arial"/>
+                <a:ea typeface="Arial"/>
+                <a:cs typeface="Arial"/>
+                <a:sym typeface="Arial"/>
+              </a:rPr>
             </a:br>
             <a:br>
-              <a:rPr lang="de"/>
+              <a:rPr b="0" i="0" lang="de" sz="1600" u="none" cap="none" strike="noStrike">
+                <a:solidFill>
+                  <a:schemeClr val="dk1"/>
+                </a:solidFill>
+                <a:latin typeface="Arial"/>
+                <a:ea typeface="Arial"/>
+                <a:cs typeface="Arial"/>
+                <a:sym typeface="Arial"/>
+              </a:rPr>
             </a:br>
             <a:br>
-              <a:rPr lang="de"/>
+              <a:rPr b="0" i="0" lang="de" sz="1600" u="none" cap="none" strike="noStrike">
+                <a:solidFill>
+                  <a:schemeClr val="dk1"/>
+                </a:solidFill>
+                <a:latin typeface="Arial"/>
+                <a:ea typeface="Arial"/>
+                <a:cs typeface="Arial"/>
+                <a:sym typeface="Arial"/>
+              </a:rPr>
             </a:br>
             <a:br>
-              <a:rPr lang="de"/>
+              <a:rPr b="0" i="0" lang="de" sz="1600" u="none" cap="none" strike="noStrike">
+                <a:solidFill>
+                  <a:schemeClr val="dk1"/>
+                </a:solidFill>
+                <a:latin typeface="Arial"/>
+                <a:ea typeface="Arial"/>
+                <a:cs typeface="Arial"/>
+                <a:sym typeface="Arial"/>
+              </a:rPr>
             </a:br>
-            <a:endParaRPr/>
+            <a:endParaRPr b="0" i="0" sz="1600" u="none" cap="none" strike="noStrike">
+              <a:solidFill>
+                <a:schemeClr val="dk1"/>
+              </a:solidFill>
+              <a:latin typeface="Arial"/>
+              <a:ea typeface="Arial"/>
+              <a:cs typeface="Arial"/>
+              <a:sym typeface="Arial"/>
+            </a:endParaRPr>
           </a:p>
           <a:p>
-            <a:pPr indent="-317500" lvl="0" marL="457200" rtl="0" algn="l">
-              <a:spcBef>
-                <a:spcPts val="0"/>
-              </a:spcBef>
-              <a:spcAft>
-                <a:spcPts val="0"/>
-              </a:spcAft>
-              <a:buSzPts val="1400"/>
+            <a:pPr indent="-317500" lvl="0" marL="457200" marR="0" rtl="0" algn="l">
+              <a:lnSpc>
+                <a:spcPct val="100000"/>
+              </a:lnSpc>
+              <a:spcBef>
+                <a:spcPts val="0"/>
+              </a:spcBef>
+              <a:spcAft>
+                <a:spcPts val="0"/>
+              </a:spcAft>
+              <a:buClr>
+                <a:srgbClr val="000000"/>
+              </a:buClr>
+              <a:buSzPts val="1400"/>
+              <a:buFont typeface="Arial"/>
               <a:buChar char="●"/>
             </a:pPr>
             <a:r>
-              <a:rPr lang="de"/>
+              <a:rPr b="0" i="0" lang="de" sz="1600" u="none" cap="none" strike="noStrike">
+                <a:solidFill>
+                  <a:schemeClr val="dk1"/>
+                </a:solidFill>
+                <a:latin typeface="Arial"/>
+                <a:ea typeface="Arial"/>
+                <a:cs typeface="Arial"/>
+                <a:sym typeface="Arial"/>
+              </a:rPr>
               <a:t>Funktionen (static)</a:t>
             </a:r>
-            <a:endParaRPr/>
+            <a:endParaRPr b="0" i="0" sz="1600" u="none" cap="none" strike="noStrike">
+              <a:solidFill>
+                <a:schemeClr val="dk1"/>
+              </a:solidFill>
+              <a:latin typeface="Arial"/>
+              <a:ea typeface="Arial"/>
+              <a:cs typeface="Arial"/>
+              <a:sym typeface="Arial"/>
+            </a:endParaRPr>
           </a:p>
           <a:p>
-            <a:pPr indent="-330200" lvl="1" marL="914400" rtl="0" algn="l">
-              <a:spcBef>
-                <a:spcPts val="0"/>
-              </a:spcBef>
-              <a:spcAft>
-                <a:spcPts val="0"/>
-              </a:spcAft>
+            <a:pPr indent="-330200" lvl="1" marL="914400" marR="0" rtl="0" algn="l">
+              <a:lnSpc>
+                <a:spcPct val="100000"/>
+              </a:lnSpc>
+              <a:spcBef>
+                <a:spcPts val="0"/>
+              </a:spcBef>
+              <a:spcAft>
+                <a:spcPts val="0"/>
+              </a:spcAft>
+              <a:buClr>
+                <a:schemeClr val="dk1"/>
+              </a:buClr>
               <a:buSzPts val="1600"/>
+              <a:buFont typeface="Noto Sans Symbols"/>
               <a:buChar char="-"/>
             </a:pPr>
             <a:r>
-              <a:rPr lang="de"/>
+              <a:rPr b="0" i="0" lang="de" sz="1600" u="none" cap="none" strike="noStrike">
+                <a:solidFill>
+                  <a:schemeClr val="dk1"/>
+                </a:solidFill>
+                <a:latin typeface="Arial"/>
+                <a:ea typeface="Arial"/>
+                <a:cs typeface="Arial"/>
+                <a:sym typeface="Arial"/>
+              </a:rPr>
               <a:t>Funktionen gehören zur gesamten Klasse, nicht zu einzelnen Objektinstanzen. Funktionen können dementsprechend auch nicht auf nicht-statische Attribute oder Methoden zugreifen (woher soll Java wissen, welche Objektinstanz der Klasse gemeint ist?)</a:t>
             </a:r>
-            <a:endParaRPr/>
+            <a:endParaRPr b="0" i="0" sz="1600" u="none" cap="none" strike="noStrike">
+              <a:solidFill>
+                <a:schemeClr val="dk1"/>
+              </a:solidFill>
+              <a:latin typeface="Arial"/>
+              <a:ea typeface="Arial"/>
+              <a:cs typeface="Arial"/>
+              <a:sym typeface="Arial"/>
+            </a:endParaRPr>
           </a:p>
         </p:txBody>
       </p:sp>
@@ -11759,13 +13639,12 @@
           <p:cNvPicPr preferRelativeResize="0"/>
           <p:nvPr/>
         </p:nvPicPr>
-        <p:blipFill>
+        <p:blipFill rotWithShape="1">
           <a:blip r:embed="rId3">
             <a:alphaModFix/>
           </a:blip>
-          <a:stretch>
-            <a:fillRect/>
-          </a:stretch>
+          <a:srcRect b="0" l="0" r="0" t="0"/>
+          <a:stretch/>
         </p:blipFill>
         <p:spPr>
           <a:xfrm>
@@ -11787,13 +13666,12 @@
           <p:cNvPicPr preferRelativeResize="0"/>
           <p:nvPr/>
         </p:nvPicPr>
-        <p:blipFill>
+        <p:blipFill rotWithShape="1">
           <a:blip r:embed="rId4">
             <a:alphaModFix/>
           </a:blip>
-          <a:stretch>
-            <a:fillRect/>
-          </a:stretch>
+          <a:srcRect b="0" l="0" r="0" t="0"/>
+          <a:stretch/>
         </p:blipFill>
         <p:spPr>
           <a:xfrm>
@@ -11850,6 +13728,10 @@
           <a:prstGeom prst="rect">
             <a:avLst/>
           </a:prstGeom>
+          <a:noFill/>
+          <a:ln>
+            <a:noFill/>
+          </a:ln>
         </p:spPr>
         <p:txBody>
           <a:bodyPr anchorCtr="0" anchor="b" bIns="0" lIns="0" spcFirstLastPara="1" rIns="0" wrap="square" tIns="0">
@@ -11858,12 +13740,16 @@
           <a:lstStyle/>
           <a:p>
             <a:pPr indent="0" lvl="0" marL="0" rtl="0" algn="l">
-              <a:spcBef>
-                <a:spcPts val="0"/>
-              </a:spcBef>
-              <a:spcAft>
-                <a:spcPts val="0"/>
-              </a:spcAft>
+              <a:lnSpc>
+                <a:spcPct val="100000"/>
+              </a:lnSpc>
+              <a:spcBef>
+                <a:spcPts val="0"/>
+              </a:spcBef>
+              <a:spcAft>
+                <a:spcPts val="0"/>
+              </a:spcAft>
+              <a:buSzPts val="1400"/>
               <a:buNone/>
             </a:pPr>
             <a:r>
@@ -11890,6 +13776,10 @@
           <a:prstGeom prst="rect">
             <a:avLst/>
           </a:prstGeom>
+          <a:noFill/>
+          <a:ln>
+            <a:noFill/>
+          </a:ln>
         </p:spPr>
         <p:txBody>
           <a:bodyPr anchorCtr="0" anchor="t" bIns="0" lIns="0" spcFirstLastPara="1" rIns="0" wrap="square" tIns="0">
@@ -11897,36 +13787,84 @@
           </a:bodyPr>
           <a:lstStyle/>
           <a:p>
-            <a:pPr indent="0" lvl="0" marL="0" rtl="0" algn="l">
+            <a:pPr indent="0" lvl="0" marL="0" marR="0" rtl="0" algn="l">
+              <a:lnSpc>
+                <a:spcPct val="100000"/>
+              </a:lnSpc>
               <a:spcBef>
                 <a:spcPts val="320"/>
               </a:spcBef>
               <a:spcAft>
                 <a:spcPts val="0"/>
               </a:spcAft>
+              <a:buClr>
+                <a:srgbClr val="000000"/>
+              </a:buClr>
+              <a:buSzPts val="1400"/>
+              <a:buFont typeface="Arial"/>
               <a:buNone/>
             </a:pPr>
             <a:r>
-              <a:rPr lang="de"/>
+              <a:rPr b="0" i="0" lang="de" sz="1600" u="none" cap="none" strike="noStrike">
+                <a:solidFill>
+                  <a:schemeClr val="dk1"/>
+                </a:solidFill>
+                <a:latin typeface="Arial"/>
+                <a:ea typeface="Arial"/>
+                <a:cs typeface="Arial"/>
+                <a:sym typeface="Arial"/>
+              </a:rPr>
               <a:t>Attribute sollten, um Namenskonflikte zu vermeiden, in der Regel als “private” deklariert werden. Um den Zugriff auf diese Attribute zu gewähren, werden oft sog. Getter und Setter benutzt. Das sind “public”-Methoden, die auf die “private”-Attribute zugreifen können.</a:t>
             </a:r>
-            <a:endParaRPr/>
+            <a:endParaRPr b="0" i="0" sz="1600" u="none" cap="none" strike="noStrike">
+              <a:solidFill>
+                <a:schemeClr val="dk1"/>
+              </a:solidFill>
+              <a:latin typeface="Arial"/>
+              <a:ea typeface="Arial"/>
+              <a:cs typeface="Arial"/>
+              <a:sym typeface="Arial"/>
+            </a:endParaRPr>
           </a:p>
           <a:p>
-            <a:pPr indent="0" lvl="0" marL="0" rtl="0" algn="l">
+            <a:pPr indent="0" lvl="0" marL="0" marR="0" rtl="0" algn="l">
+              <a:lnSpc>
+                <a:spcPct val="100000"/>
+              </a:lnSpc>
               <a:spcBef>
                 <a:spcPts val="320"/>
               </a:spcBef>
               <a:spcAft>
                 <a:spcPts val="0"/>
               </a:spcAft>
+              <a:buClr>
+                <a:srgbClr val="000000"/>
+              </a:buClr>
+              <a:buSzPts val="1400"/>
+              <a:buFont typeface="Arial"/>
               <a:buNone/>
             </a:pPr>
             <a:r>
-              <a:rPr lang="de"/>
+              <a:rPr b="0" i="0" lang="de" sz="1600" u="none" cap="none" strike="noStrike">
+                <a:solidFill>
+                  <a:schemeClr val="dk1"/>
+                </a:solidFill>
+                <a:latin typeface="Arial"/>
+                <a:ea typeface="Arial"/>
+                <a:cs typeface="Arial"/>
+                <a:sym typeface="Arial"/>
+              </a:rPr>
               <a:t>Ja nachdem, ob das Attribut gelesen oder geschrieben werden darf, können nur Getter, nur Setter, beides oder keins von beidem definiert werden.</a:t>
             </a:r>
-            <a:endParaRPr/>
+            <a:endParaRPr b="0" i="0" sz="1600" u="none" cap="none" strike="noStrike">
+              <a:solidFill>
+                <a:schemeClr val="dk1"/>
+              </a:solidFill>
+              <a:latin typeface="Arial"/>
+              <a:ea typeface="Arial"/>
+              <a:cs typeface="Arial"/>
+              <a:sym typeface="Arial"/>
+            </a:endParaRPr>
           </a:p>
         </p:txBody>
       </p:sp>
@@ -11936,13 +13874,12 @@
           <p:cNvPicPr preferRelativeResize="0"/>
           <p:nvPr/>
         </p:nvPicPr>
-        <p:blipFill>
+        <p:blipFill rotWithShape="1">
           <a:blip r:embed="rId3">
             <a:alphaModFix/>
           </a:blip>
-          <a:stretch>
-            <a:fillRect/>
-          </a:stretch>
+          <a:srcRect b="0" l="0" r="0" t="0"/>
+          <a:stretch/>
         </p:blipFill>
         <p:spPr>
           <a:xfrm>
@@ -11964,13 +13901,12 @@
           <p:cNvPicPr preferRelativeResize="0"/>
           <p:nvPr/>
         </p:nvPicPr>
-        <p:blipFill>
+        <p:blipFill rotWithShape="1">
           <a:blip r:embed="rId4">
             <a:alphaModFix/>
           </a:blip>
-          <a:stretch>
-            <a:fillRect/>
-          </a:stretch>
+          <a:srcRect b="0" l="0" r="0" t="0"/>
+          <a:stretch/>
         </p:blipFill>
         <p:spPr>
           <a:xfrm>
@@ -12027,6 +13963,10 @@
           <a:prstGeom prst="rect">
             <a:avLst/>
           </a:prstGeom>
+          <a:noFill/>
+          <a:ln>
+            <a:noFill/>
+          </a:ln>
         </p:spPr>
         <p:txBody>
           <a:bodyPr anchorCtr="0" anchor="b" bIns="0" lIns="0" spcFirstLastPara="1" rIns="0" wrap="square" tIns="0">
@@ -12035,12 +13975,16 @@
           <a:lstStyle/>
           <a:p>
             <a:pPr indent="0" lvl="0" marL="0" rtl="0" algn="l">
-              <a:spcBef>
-                <a:spcPts val="0"/>
-              </a:spcBef>
-              <a:spcAft>
-                <a:spcPts val="0"/>
-              </a:spcAft>
+              <a:lnSpc>
+                <a:spcPct val="100000"/>
+              </a:lnSpc>
+              <a:spcBef>
+                <a:spcPts val="0"/>
+              </a:spcBef>
+              <a:spcAft>
+                <a:spcPts val="0"/>
+              </a:spcAft>
+              <a:buSzPts val="1400"/>
               <a:buNone/>
             </a:pPr>
             <a:r>
@@ -12067,6 +14011,10 @@
           <a:prstGeom prst="rect">
             <a:avLst/>
           </a:prstGeom>
+          <a:noFill/>
+          <a:ln>
+            <a:noFill/>
+          </a:ln>
         </p:spPr>
         <p:txBody>
           <a:bodyPr anchorCtr="0" anchor="t" bIns="0" lIns="0" spcFirstLastPara="1" rIns="0" wrap="square" tIns="0">
@@ -12074,83 +14022,174 @@
           </a:bodyPr>
           <a:lstStyle/>
           <a:p>
-            <a:pPr indent="0" lvl="0" marL="0" rtl="0" algn="l">
+            <a:pPr indent="0" lvl="0" marL="0" marR="0" rtl="0" algn="l">
+              <a:lnSpc>
+                <a:spcPct val="100000"/>
+              </a:lnSpc>
               <a:spcBef>
                 <a:spcPts val="320"/>
               </a:spcBef>
               <a:spcAft>
                 <a:spcPts val="0"/>
               </a:spcAft>
+              <a:buClr>
+                <a:srgbClr val="000000"/>
+              </a:buClr>
+              <a:buSzPts val="1400"/>
+              <a:buFont typeface="Arial"/>
               <a:buNone/>
             </a:pPr>
             <a:r>
-              <a:rPr lang="de"/>
+              <a:rPr b="0" i="0" lang="de" sz="1600" u="none" cap="none" strike="noStrike">
+                <a:solidFill>
+                  <a:schemeClr val="dk1"/>
+                </a:solidFill>
+                <a:latin typeface="Arial"/>
+                <a:ea typeface="Arial"/>
+                <a:cs typeface="Arial"/>
+                <a:sym typeface="Arial"/>
+              </a:rPr>
               <a:t>Um eine Java-Klasse zu instanziieren, muss man den Konstruktor dieser Klasse aufrufen. Das ist im Wesentlichen eine Funktion mit besonderer Signatur, die initiale Operationen vornehmen kann.</a:t>
             </a:r>
-            <a:endParaRPr/>
+            <a:endParaRPr b="0" i="0" sz="1600" u="none" cap="none" strike="noStrike">
+              <a:solidFill>
+                <a:schemeClr val="dk1"/>
+              </a:solidFill>
+              <a:latin typeface="Arial"/>
+              <a:ea typeface="Arial"/>
+              <a:cs typeface="Arial"/>
+              <a:sym typeface="Arial"/>
+            </a:endParaRPr>
           </a:p>
           <a:p>
-            <a:pPr indent="0" lvl="0" marL="0" rtl="0" algn="l">
+            <a:pPr indent="0" lvl="0" marL="0" marR="0" rtl="0" algn="l">
+              <a:lnSpc>
+                <a:spcPct val="100000"/>
+              </a:lnSpc>
               <a:spcBef>
                 <a:spcPts val="320"/>
               </a:spcBef>
               <a:spcAft>
                 <a:spcPts val="0"/>
               </a:spcAft>
+              <a:buClr>
+                <a:srgbClr val="000000"/>
+              </a:buClr>
+              <a:buSzPts val="1400"/>
+              <a:buFont typeface="Arial"/>
               <a:buNone/>
             </a:pPr>
             <a:r>
               <a:t/>
             </a:r>
-            <a:endParaRPr/>
+            <a:endParaRPr b="0" i="0" sz="1600" u="none" cap="none" strike="noStrike">
+              <a:solidFill>
+                <a:schemeClr val="dk1"/>
+              </a:solidFill>
+              <a:latin typeface="Arial"/>
+              <a:ea typeface="Arial"/>
+              <a:cs typeface="Arial"/>
+              <a:sym typeface="Arial"/>
+            </a:endParaRPr>
           </a:p>
           <a:p>
-            <a:pPr indent="0" lvl="0" marL="0" rtl="0" algn="l">
+            <a:pPr indent="0" lvl="0" marL="0" marR="0" rtl="0" algn="l">
+              <a:lnSpc>
+                <a:spcPct val="100000"/>
+              </a:lnSpc>
               <a:spcBef>
                 <a:spcPts val="320"/>
               </a:spcBef>
               <a:spcAft>
                 <a:spcPts val="0"/>
               </a:spcAft>
+              <a:buClr>
+                <a:srgbClr val="000000"/>
+              </a:buClr>
+              <a:buSzPts val="1400"/>
+              <a:buFont typeface="Arial"/>
               <a:buNone/>
             </a:pPr>
             <a:r>
               <a:t/>
             </a:r>
-            <a:endParaRPr/>
+            <a:endParaRPr b="0" i="0" sz="1600" u="none" cap="none" strike="noStrike">
+              <a:solidFill>
+                <a:schemeClr val="dk1"/>
+              </a:solidFill>
+              <a:latin typeface="Arial"/>
+              <a:ea typeface="Arial"/>
+              <a:cs typeface="Arial"/>
+              <a:sym typeface="Arial"/>
+            </a:endParaRPr>
           </a:p>
           <a:p>
-            <a:pPr indent="0" lvl="0" marL="0" rtl="0" algn="l">
+            <a:pPr indent="0" lvl="0" marL="0" marR="0" rtl="0" algn="l">
+              <a:lnSpc>
+                <a:spcPct val="100000"/>
+              </a:lnSpc>
               <a:spcBef>
                 <a:spcPts val="320"/>
               </a:spcBef>
               <a:spcAft>
                 <a:spcPts val="0"/>
               </a:spcAft>
+              <a:buClr>
+                <a:srgbClr val="000000"/>
+              </a:buClr>
+              <a:buSzPts val="1400"/>
+              <a:buFont typeface="Arial"/>
               <a:buNone/>
             </a:pPr>
             <a:r>
               <a:t/>
             </a:r>
-            <a:endParaRPr/>
+            <a:endParaRPr b="0" i="0" sz="1600" u="none" cap="none" strike="noStrike">
+              <a:solidFill>
+                <a:schemeClr val="dk1"/>
+              </a:solidFill>
+              <a:latin typeface="Arial"/>
+              <a:ea typeface="Arial"/>
+              <a:cs typeface="Arial"/>
+              <a:sym typeface="Arial"/>
+            </a:endParaRPr>
           </a:p>
           <a:p>
-            <a:pPr indent="0" lvl="0" marL="0" rtl="0" algn="l">
+            <a:pPr indent="0" lvl="0" marL="0" marR="0" rtl="0" algn="l">
+              <a:lnSpc>
+                <a:spcPct val="100000"/>
+              </a:lnSpc>
               <a:spcBef>
                 <a:spcPts val="320"/>
               </a:spcBef>
               <a:spcAft>
                 <a:spcPts val="0"/>
               </a:spcAft>
+              <a:buClr>
+                <a:srgbClr val="000000"/>
+              </a:buClr>
+              <a:buSzPts val="1400"/>
+              <a:buFont typeface="Arial"/>
               <a:buNone/>
             </a:pPr>
             <a:r>
               <a:t/>
             </a:r>
-            <a:endParaRPr/>
+            <a:endParaRPr b="0" i="0" sz="1600" u="none" cap="none" strike="noStrike">
+              <a:solidFill>
+                <a:schemeClr val="dk1"/>
+              </a:solidFill>
+              <a:latin typeface="Arial"/>
+              <a:ea typeface="Arial"/>
+              <a:cs typeface="Arial"/>
+              <a:sym typeface="Arial"/>
+            </a:endParaRPr>
           </a:p>
           <a:p>
-            <a:pPr indent="0" lvl="0" marL="0" rtl="0" algn="l">
+            <a:pPr indent="0" lvl="0" marL="0" marR="0" rtl="0" algn="l">
+              <a:lnSpc>
+                <a:spcPct val="100000"/>
+              </a:lnSpc>
               <a:spcBef>
                 <a:spcPts val="320"/>
               </a:spcBef>
@@ -12167,10 +14206,21 @@
             <a:r>
               <a:t/>
             </a:r>
-            <a:endParaRPr/>
+            <a:endParaRPr b="0" i="0" sz="1600" u="none" cap="none" strike="noStrike">
+              <a:solidFill>
+                <a:schemeClr val="dk1"/>
+              </a:solidFill>
+              <a:latin typeface="Arial"/>
+              <a:ea typeface="Arial"/>
+              <a:cs typeface="Arial"/>
+              <a:sym typeface="Arial"/>
+            </a:endParaRPr>
           </a:p>
           <a:p>
-            <a:pPr indent="0" lvl="0" marL="0" rtl="0" algn="l">
+            <a:pPr indent="0" lvl="0" marL="0" marR="0" rtl="0" algn="l">
+              <a:lnSpc>
+                <a:spcPct val="100000"/>
+              </a:lnSpc>
               <a:spcBef>
                 <a:spcPts val="320"/>
               </a:spcBef>
@@ -12185,10 +14235,26 @@
               <a:buNone/>
             </a:pPr>
             <a:r>
-              <a:rPr lang="de"/>
+              <a:rPr b="0" i="0" lang="de" sz="1600" u="none" cap="none" strike="noStrike">
+                <a:solidFill>
+                  <a:schemeClr val="dk1"/>
+                </a:solidFill>
+                <a:latin typeface="Arial"/>
+                <a:ea typeface="Arial"/>
+                <a:cs typeface="Arial"/>
+                <a:sym typeface="Arial"/>
+              </a:rPr>
               <a:t>Jede Java-Klasse hat einen default-Konstruktor, der keine Parameter erhält keine Operationen vornimmt. Diesen Konstruktor kann man jedoch auch überschreiben, und eigene Operationen definieren.</a:t>
             </a:r>
-            <a:endParaRPr/>
+            <a:endParaRPr b="0" i="0" sz="1600" u="none" cap="none" strike="noStrike">
+              <a:solidFill>
+                <a:schemeClr val="dk1"/>
+              </a:solidFill>
+              <a:latin typeface="Arial"/>
+              <a:ea typeface="Arial"/>
+              <a:cs typeface="Arial"/>
+              <a:sym typeface="Arial"/>
+            </a:endParaRPr>
           </a:p>
         </p:txBody>
       </p:sp>
@@ -12198,13 +14264,12 @@
           <p:cNvPicPr preferRelativeResize="0"/>
           <p:nvPr/>
         </p:nvPicPr>
-        <p:blipFill>
+        <p:blipFill rotWithShape="1">
           <a:blip r:embed="rId3">
             <a:alphaModFix/>
           </a:blip>
-          <a:stretch>
-            <a:fillRect/>
-          </a:stretch>
+          <a:srcRect b="0" l="0" r="0" t="0"/>
+          <a:stretch/>
         </p:blipFill>
         <p:spPr>
           <a:xfrm>
@@ -12226,13 +14291,12 @@
           <p:cNvPicPr preferRelativeResize="0"/>
           <p:nvPr/>
         </p:nvPicPr>
-        <p:blipFill>
+        <p:blipFill rotWithShape="1">
           <a:blip r:embed="rId4">
             <a:alphaModFix/>
           </a:blip>
-          <a:stretch>
-            <a:fillRect/>
-          </a:stretch>
+          <a:srcRect b="0" l="0" r="0" t="0"/>
+          <a:stretch/>
         </p:blipFill>
         <p:spPr>
           <a:xfrm>

--- a/slides/05_object_orientation.pptx
+++ b/slides/05_object_orientation.pptx
@@ -20,6 +20,7 @@
     <p:sldId id="265" r:id="rId15"/>
     <p:sldId id="266" r:id="rId16"/>
     <p:sldId id="267" r:id="rId17"/>
+    <p:sldId id="268" r:id="rId18"/>
   </p:sldIdLst>
   <p:sldSz cy="5143500" cx="9144000"/>
   <p:notesSz cx="6858000" cy="9144000"/>
@@ -954,7 +955,7 @@
   <p:cSld>
     <p:spTree>
       <p:nvGrpSpPr>
-        <p:cNvPr id="143" name="Shape 143"/>
+        <p:cNvPr id="142" name="Shape 142"/>
         <p:cNvGrpSpPr/>
         <p:nvPr/>
       </p:nvGrpSpPr>
@@ -968,7 +969,7 @@
       </p:grpSpPr>
       <p:sp>
         <p:nvSpPr>
-          <p:cNvPr id="144" name="Google Shape;144;p10:notes"/>
+          <p:cNvPr id="143" name="Google Shape;143;p9:notes"/>
           <p:cNvSpPr/>
           <p:nvPr>
             <p:ph idx="2" type="sldImg"/>
@@ -1013,7 +1014,7 @@
       </p:sp>
       <p:sp>
         <p:nvSpPr>
-          <p:cNvPr id="145" name="Google Shape;145;p10:notes"/>
+          <p:cNvPr id="144" name="Google Shape;144;p9:notes"/>
           <p:cNvSpPr txBox="1"/>
           <p:nvPr>
             <p:ph idx="1" type="body"/>
@@ -1085,7 +1086,7 @@
       </p:grpSpPr>
       <p:sp>
         <p:nvSpPr>
-          <p:cNvPr id="151" name="Google Shape;151;p11:notes"/>
+          <p:cNvPr id="151" name="Google Shape;151;p10:notes"/>
           <p:cNvSpPr/>
           <p:nvPr>
             <p:ph idx="2" type="sldImg"/>
@@ -1130,7 +1131,7 @@
       </p:sp>
       <p:sp>
         <p:nvSpPr>
-          <p:cNvPr id="152" name="Google Shape;152;p11:notes"/>
+          <p:cNvPr id="152" name="Google Shape;152;p10:notes"/>
           <p:cNvSpPr txBox="1"/>
           <p:nvPr>
             <p:ph idx="1" type="body"/>
@@ -1188,7 +1189,7 @@
   <p:cSld>
     <p:spTree>
       <p:nvGrpSpPr>
-        <p:cNvPr id="156" name="Shape 156"/>
+        <p:cNvPr id="157" name="Shape 157"/>
         <p:cNvGrpSpPr/>
         <p:nvPr/>
       </p:nvGrpSpPr>
@@ -1202,7 +1203,7 @@
       </p:grpSpPr>
       <p:sp>
         <p:nvSpPr>
-          <p:cNvPr id="157" name="Google Shape;157;p12:notes"/>
+          <p:cNvPr id="158" name="Google Shape;158;p11:notes"/>
           <p:cNvSpPr/>
           <p:nvPr>
             <p:ph idx="2" type="sldImg"/>
@@ -1247,7 +1248,124 @@
       </p:sp>
       <p:sp>
         <p:nvSpPr>
-          <p:cNvPr id="158" name="Google Shape;158;p12:notes"/>
+          <p:cNvPr id="159" name="Google Shape;159;p11:notes"/>
+          <p:cNvSpPr txBox="1"/>
+          <p:nvPr>
+            <p:ph idx="1" type="body"/>
+          </p:nvPr>
+        </p:nvSpPr>
+        <p:spPr>
+          <a:xfrm>
+            <a:off x="685800" y="4343400"/>
+            <a:ext cx="5486400" cy="4114800"/>
+          </a:xfrm>
+          <a:prstGeom prst="rect">
+            <a:avLst/>
+          </a:prstGeom>
+          <a:noFill/>
+          <a:ln>
+            <a:noFill/>
+          </a:ln>
+        </p:spPr>
+        <p:txBody>
+          <a:bodyPr anchorCtr="0" anchor="t" bIns="91425" lIns="91425" spcFirstLastPara="1" rIns="91425" wrap="square" tIns="91425">
+            <a:noAutofit/>
+          </a:bodyPr>
+          <a:lstStyle/>
+          <a:p>
+            <a:pPr indent="0" lvl="0" marL="0" rtl="0" algn="l">
+              <a:lnSpc>
+                <a:spcPct val="100000"/>
+              </a:lnSpc>
+              <a:spcBef>
+                <a:spcPts val="0"/>
+              </a:spcBef>
+              <a:spcAft>
+                <a:spcPts val="0"/>
+              </a:spcAft>
+              <a:buSzPts val="1100"/>
+              <a:buNone/>
+            </a:pPr>
+            <a:r>
+              <a:t/>
+            </a:r>
+            <a:endParaRPr/>
+          </a:p>
+        </p:txBody>
+      </p:sp>
+    </p:spTree>
+  </p:cSld>
+  <p:clrMapOvr>
+    <a:masterClrMapping/>
+  </p:clrMapOvr>
+</p:notes>
+</file>
+
+<file path=ppt/notesSlides/notesSlide13.xml><?xml version="1.0" encoding="utf-8"?>
+<p:notes xmlns:a="http://schemas.openxmlformats.org/drawingml/2006/main" xmlns:r="http://schemas.openxmlformats.org/officeDocument/2006/relationships" xmlns:mc="http://schemas.openxmlformats.org/markup-compatibility/2006" xmlns:mv="urn:schemas-microsoft-com:mac:vml" xmlns:p="http://schemas.openxmlformats.org/presentationml/2006/main" xmlns:c="http://schemas.openxmlformats.org/drawingml/2006/chart" xmlns:dgm="http://schemas.openxmlformats.org/drawingml/2006/diagram" xmlns:o="urn:schemas-microsoft-com:office:office" xmlns:v="urn:schemas-microsoft-com:vml" xmlns:pvml="urn:schemas-microsoft-com:office:powerpoint" xmlns:com="http://schemas.openxmlformats.org/drawingml/2006/compatibility" xmlns:p14="http://schemas.microsoft.com/office/powerpoint/2010/main" xmlns:p15="http://schemas.microsoft.com/office/powerpoint/2012/main" xmlns:ahyp="http://schemas.microsoft.com/office/drawing/2018/hyperlinkcolor" showMasterPhAnim="0" showMasterSp="0">
+  <p:cSld>
+    <p:spTree>
+      <p:nvGrpSpPr>
+        <p:cNvPr id="163" name="Shape 163"/>
+        <p:cNvGrpSpPr/>
+        <p:nvPr/>
+      </p:nvGrpSpPr>
+      <p:grpSpPr>
+        <a:xfrm>
+          <a:off x="0" y="0"/>
+          <a:ext cx="0" cy="0"/>
+          <a:chOff x="0" y="0"/>
+          <a:chExt cx="0" cy="0"/>
+        </a:xfrm>
+      </p:grpSpPr>
+      <p:sp>
+        <p:nvSpPr>
+          <p:cNvPr id="164" name="Google Shape;164;p12:notes"/>
+          <p:cNvSpPr/>
+          <p:nvPr>
+            <p:ph idx="2" type="sldImg"/>
+          </p:nvPr>
+        </p:nvSpPr>
+        <p:spPr>
+          <a:xfrm>
+            <a:off x="381300" y="685800"/>
+            <a:ext cx="6096000" cy="3429000"/>
+          </a:xfrm>
+          <a:custGeom>
+            <a:rect b="b" l="l" r="r" t="t"/>
+            <a:pathLst>
+              <a:path extrusionOk="0" h="120000" w="120000">
+                <a:moveTo>
+                  <a:pt x="0" y="0"/>
+                </a:moveTo>
+                <a:lnTo>
+                  <a:pt x="120000" y="0"/>
+                </a:lnTo>
+                <a:lnTo>
+                  <a:pt x="120000" y="120000"/>
+                </a:lnTo>
+                <a:lnTo>
+                  <a:pt x="0" y="120000"/>
+                </a:lnTo>
+                <a:close/>
+              </a:path>
+            </a:pathLst>
+          </a:custGeom>
+          <a:noFill/>
+          <a:ln cap="flat" cmpd="sng" w="9525">
+            <a:solidFill>
+              <a:srgbClr val="000000"/>
+            </a:solidFill>
+            <a:prstDash val="solid"/>
+            <a:round/>
+            <a:headEnd len="sm" w="sm" type="none"/>
+            <a:tailEnd len="sm" w="sm" type="none"/>
+          </a:ln>
+        </p:spPr>
+      </p:sp>
+      <p:sp>
+        <p:nvSpPr>
+          <p:cNvPr id="165" name="Google Shape;165;p12:notes"/>
           <p:cNvSpPr txBox="1"/>
           <p:nvPr>
             <p:ph idx="1" type="body"/>
@@ -1436,7 +1554,106 @@
       </p:grpSpPr>
       <p:sp>
         <p:nvSpPr>
-          <p:cNvPr id="93" name="Google Shape;93;p3:notes"/>
+          <p:cNvPr id="93" name="Google Shape;93;gcf899bc6e4_0_2:notes"/>
+          <p:cNvSpPr/>
+          <p:nvPr>
+            <p:ph idx="2" type="sldImg"/>
+          </p:nvPr>
+        </p:nvSpPr>
+        <p:spPr>
+          <a:xfrm>
+            <a:off x="381300" y="685800"/>
+            <a:ext cx="6096000" cy="3429000"/>
+          </a:xfrm>
+          <a:custGeom>
+            <a:rect b="b" l="l" r="r" t="t"/>
+            <a:pathLst>
+              <a:path extrusionOk="0" h="120000" w="120000">
+                <a:moveTo>
+                  <a:pt x="0" y="0"/>
+                </a:moveTo>
+                <a:lnTo>
+                  <a:pt x="120000" y="0"/>
+                </a:lnTo>
+                <a:lnTo>
+                  <a:pt x="120000" y="120000"/>
+                </a:lnTo>
+                <a:lnTo>
+                  <a:pt x="0" y="120000"/>
+                </a:lnTo>
+                <a:close/>
+              </a:path>
+            </a:pathLst>
+          </a:custGeom>
+        </p:spPr>
+      </p:sp>
+      <p:sp>
+        <p:nvSpPr>
+          <p:cNvPr id="94" name="Google Shape;94;gcf899bc6e4_0_2:notes"/>
+          <p:cNvSpPr txBox="1"/>
+          <p:nvPr>
+            <p:ph idx="1" type="body"/>
+          </p:nvPr>
+        </p:nvSpPr>
+        <p:spPr>
+          <a:xfrm>
+            <a:off x="685800" y="4343400"/>
+            <a:ext cx="5486400" cy="4114800"/>
+          </a:xfrm>
+          <a:prstGeom prst="rect">
+            <a:avLst/>
+          </a:prstGeom>
+        </p:spPr>
+        <p:txBody>
+          <a:bodyPr anchorCtr="0" anchor="t" bIns="91425" lIns="91425" spcFirstLastPara="1" rIns="91425" wrap="square" tIns="91425">
+            <a:noAutofit/>
+          </a:bodyPr>
+          <a:lstStyle/>
+          <a:p>
+            <a:pPr indent="0" lvl="0" marL="0" rtl="0" algn="l">
+              <a:spcBef>
+                <a:spcPts val="0"/>
+              </a:spcBef>
+              <a:spcAft>
+                <a:spcPts val="0"/>
+              </a:spcAft>
+              <a:buNone/>
+            </a:pPr>
+            <a:r>
+              <a:t/>
+            </a:r>
+            <a:endParaRPr/>
+          </a:p>
+        </p:txBody>
+      </p:sp>
+    </p:spTree>
+  </p:cSld>
+  <p:clrMapOvr>
+    <a:masterClrMapping/>
+  </p:clrMapOvr>
+</p:notes>
+</file>
+
+<file path=ppt/notesSlides/notesSlide4.xml><?xml version="1.0" encoding="utf-8"?>
+<p:notes xmlns:a="http://schemas.openxmlformats.org/drawingml/2006/main" xmlns:r="http://schemas.openxmlformats.org/officeDocument/2006/relationships" xmlns:mc="http://schemas.openxmlformats.org/markup-compatibility/2006" xmlns:mv="urn:schemas-microsoft-com:mac:vml" xmlns:p="http://schemas.openxmlformats.org/presentationml/2006/main" xmlns:c="http://schemas.openxmlformats.org/drawingml/2006/chart" xmlns:dgm="http://schemas.openxmlformats.org/drawingml/2006/diagram" xmlns:o="urn:schemas-microsoft-com:office:office" xmlns:v="urn:schemas-microsoft-com:vml" xmlns:pvml="urn:schemas-microsoft-com:office:powerpoint" xmlns:com="http://schemas.openxmlformats.org/drawingml/2006/compatibility" xmlns:p14="http://schemas.microsoft.com/office/powerpoint/2010/main" xmlns:p15="http://schemas.microsoft.com/office/powerpoint/2012/main" xmlns:ahyp="http://schemas.microsoft.com/office/drawing/2018/hyperlinkcolor" showMasterPhAnim="0" showMasterSp="0">
+  <p:cSld>
+    <p:spTree>
+      <p:nvGrpSpPr>
+        <p:cNvPr id="98" name="Shape 98"/>
+        <p:cNvGrpSpPr/>
+        <p:nvPr/>
+      </p:nvGrpSpPr>
+      <p:grpSpPr>
+        <a:xfrm>
+          <a:off x="0" y="0"/>
+          <a:ext cx="0" cy="0"/>
+          <a:chOff x="0" y="0"/>
+          <a:chExt cx="0" cy="0"/>
+        </a:xfrm>
+      </p:grpSpPr>
+      <p:sp>
+        <p:nvSpPr>
+          <p:cNvPr id="99" name="Google Shape;99;p3:notes"/>
           <p:cNvSpPr/>
           <p:nvPr>
             <p:ph idx="2" type="sldImg"/>
@@ -1481,7 +1698,7 @@
       </p:sp>
       <p:sp>
         <p:nvSpPr>
-          <p:cNvPr id="94" name="Google Shape;94;p3:notes"/>
+          <p:cNvPr id="100" name="Google Shape;100;p3:notes"/>
           <p:cNvSpPr txBox="1"/>
           <p:nvPr>
             <p:ph idx="1" type="body"/>
@@ -1534,12 +1751,12 @@
 </p:notes>
 </file>
 
-<file path=ppt/notesSlides/notesSlide4.xml><?xml version="1.0" encoding="utf-8"?>
+<file path=ppt/notesSlides/notesSlide5.xml><?xml version="1.0" encoding="utf-8"?>
 <p:notes xmlns:a="http://schemas.openxmlformats.org/drawingml/2006/main" xmlns:r="http://schemas.openxmlformats.org/officeDocument/2006/relationships" xmlns:mc="http://schemas.openxmlformats.org/markup-compatibility/2006" xmlns:mv="urn:schemas-microsoft-com:mac:vml" xmlns:p="http://schemas.openxmlformats.org/presentationml/2006/main" xmlns:c="http://schemas.openxmlformats.org/drawingml/2006/chart" xmlns:dgm="http://schemas.openxmlformats.org/drawingml/2006/diagram" xmlns:o="urn:schemas-microsoft-com:office:office" xmlns:v="urn:schemas-microsoft-com:vml" xmlns:pvml="urn:schemas-microsoft-com:office:powerpoint" xmlns:com="http://schemas.openxmlformats.org/drawingml/2006/compatibility" xmlns:p14="http://schemas.microsoft.com/office/powerpoint/2010/main" xmlns:p15="http://schemas.microsoft.com/office/powerpoint/2012/main" xmlns:ahyp="http://schemas.microsoft.com/office/drawing/2018/hyperlinkcolor" showMasterPhAnim="0" showMasterSp="0">
   <p:cSld>
     <p:spTree>
       <p:nvGrpSpPr>
-        <p:cNvPr id="98" name="Shape 98"/>
+        <p:cNvPr id="105" name="Shape 105"/>
         <p:cNvGrpSpPr/>
         <p:nvPr/>
       </p:nvGrpSpPr>
@@ -1553,7 +1770,7 @@
       </p:grpSpPr>
       <p:sp>
         <p:nvSpPr>
-          <p:cNvPr id="99" name="Google Shape;99;p4:notes"/>
+          <p:cNvPr id="106" name="Google Shape;106;p4:notes"/>
           <p:cNvSpPr/>
           <p:nvPr>
             <p:ph idx="2" type="sldImg"/>
@@ -1598,7 +1815,7 @@
       </p:sp>
       <p:sp>
         <p:nvSpPr>
-          <p:cNvPr id="100" name="Google Shape;100;p4:notes"/>
+          <p:cNvPr id="107" name="Google Shape;107;p4:notes"/>
           <p:cNvSpPr txBox="1"/>
           <p:nvPr>
             <p:ph idx="1" type="body"/>
@@ -1651,12 +1868,12 @@
 </p:notes>
 </file>
 
-<file path=ppt/notesSlides/notesSlide5.xml><?xml version="1.0" encoding="utf-8"?>
+<file path=ppt/notesSlides/notesSlide6.xml><?xml version="1.0" encoding="utf-8"?>
 <p:notes xmlns:a="http://schemas.openxmlformats.org/drawingml/2006/main" xmlns:r="http://schemas.openxmlformats.org/officeDocument/2006/relationships" xmlns:mc="http://schemas.openxmlformats.org/markup-compatibility/2006" xmlns:mv="urn:schemas-microsoft-com:mac:vml" xmlns:p="http://schemas.openxmlformats.org/presentationml/2006/main" xmlns:c="http://schemas.openxmlformats.org/drawingml/2006/chart" xmlns:dgm="http://schemas.openxmlformats.org/drawingml/2006/diagram" xmlns:o="urn:schemas-microsoft-com:office:office" xmlns:v="urn:schemas-microsoft-com:vml" xmlns:pvml="urn:schemas-microsoft-com:office:powerpoint" xmlns:com="http://schemas.openxmlformats.org/drawingml/2006/compatibility" xmlns:p14="http://schemas.microsoft.com/office/powerpoint/2010/main" xmlns:p15="http://schemas.microsoft.com/office/powerpoint/2012/main" xmlns:ahyp="http://schemas.microsoft.com/office/drawing/2018/hyperlinkcolor" showMasterPhAnim="0" showMasterSp="0">
   <p:cSld>
     <p:spTree>
       <p:nvGrpSpPr>
-        <p:cNvPr id="104" name="Shape 104"/>
+        <p:cNvPr id="111" name="Shape 111"/>
         <p:cNvGrpSpPr/>
         <p:nvPr/>
       </p:nvGrpSpPr>
@@ -1670,7 +1887,7 @@
       </p:grpSpPr>
       <p:sp>
         <p:nvSpPr>
-          <p:cNvPr id="105" name="Google Shape;105;p5:notes"/>
+          <p:cNvPr id="112" name="Google Shape;112;p5:notes"/>
           <p:cNvSpPr/>
           <p:nvPr>
             <p:ph idx="2" type="sldImg"/>
@@ -1715,7 +1932,7 @@
       </p:sp>
       <p:sp>
         <p:nvSpPr>
-          <p:cNvPr id="106" name="Google Shape;106;p5:notes"/>
+          <p:cNvPr id="113" name="Google Shape;113;p5:notes"/>
           <p:cNvSpPr txBox="1"/>
           <p:nvPr>
             <p:ph idx="1" type="body"/>
@@ -1768,12 +1985,12 @@
 </p:notes>
 </file>
 
-<file path=ppt/notesSlides/notesSlide6.xml><?xml version="1.0" encoding="utf-8"?>
+<file path=ppt/notesSlides/notesSlide7.xml><?xml version="1.0" encoding="utf-8"?>
 <p:notes xmlns:a="http://schemas.openxmlformats.org/drawingml/2006/main" xmlns:r="http://schemas.openxmlformats.org/officeDocument/2006/relationships" xmlns:mc="http://schemas.openxmlformats.org/markup-compatibility/2006" xmlns:mv="urn:schemas-microsoft-com:mac:vml" xmlns:p="http://schemas.openxmlformats.org/presentationml/2006/main" xmlns:c="http://schemas.openxmlformats.org/drawingml/2006/chart" xmlns:dgm="http://schemas.openxmlformats.org/drawingml/2006/diagram" xmlns:o="urn:schemas-microsoft-com:office:office" xmlns:v="urn:schemas-microsoft-com:vml" xmlns:pvml="urn:schemas-microsoft-com:office:powerpoint" xmlns:com="http://schemas.openxmlformats.org/drawingml/2006/compatibility" xmlns:p14="http://schemas.microsoft.com/office/powerpoint/2010/main" xmlns:p15="http://schemas.microsoft.com/office/powerpoint/2012/main" xmlns:ahyp="http://schemas.microsoft.com/office/drawing/2018/hyperlinkcolor" showMasterPhAnim="0" showMasterSp="0">
   <p:cSld>
     <p:spTree>
       <p:nvGrpSpPr>
-        <p:cNvPr id="111" name="Shape 111"/>
+        <p:cNvPr id="118" name="Shape 118"/>
         <p:cNvGrpSpPr/>
         <p:nvPr/>
       </p:nvGrpSpPr>
@@ -1787,7 +2004,7 @@
       </p:grpSpPr>
       <p:sp>
         <p:nvSpPr>
-          <p:cNvPr id="112" name="Google Shape;112;p6:notes"/>
+          <p:cNvPr id="119" name="Google Shape;119;p6:notes"/>
           <p:cNvSpPr/>
           <p:nvPr>
             <p:ph idx="2" type="sldImg"/>
@@ -1832,7 +2049,7 @@
       </p:sp>
       <p:sp>
         <p:nvSpPr>
-          <p:cNvPr id="113" name="Google Shape;113;p6:notes"/>
+          <p:cNvPr id="120" name="Google Shape;120;p6:notes"/>
           <p:cNvSpPr txBox="1"/>
           <p:nvPr>
             <p:ph idx="1" type="body"/>
@@ -1885,12 +2102,12 @@
 </p:notes>
 </file>
 
-<file path=ppt/notesSlides/notesSlide7.xml><?xml version="1.0" encoding="utf-8"?>
+<file path=ppt/notesSlides/notesSlide8.xml><?xml version="1.0" encoding="utf-8"?>
 <p:notes xmlns:a="http://schemas.openxmlformats.org/drawingml/2006/main" xmlns:r="http://schemas.openxmlformats.org/officeDocument/2006/relationships" xmlns:mc="http://schemas.openxmlformats.org/markup-compatibility/2006" xmlns:mv="urn:schemas-microsoft-com:mac:vml" xmlns:p="http://schemas.openxmlformats.org/presentationml/2006/main" xmlns:c="http://schemas.openxmlformats.org/drawingml/2006/chart" xmlns:dgm="http://schemas.openxmlformats.org/drawingml/2006/diagram" xmlns:o="urn:schemas-microsoft-com:office:office" xmlns:v="urn:schemas-microsoft-com:vml" xmlns:pvml="urn:schemas-microsoft-com:office:powerpoint" xmlns:com="http://schemas.openxmlformats.org/drawingml/2006/compatibility" xmlns:p14="http://schemas.microsoft.com/office/powerpoint/2010/main" xmlns:p15="http://schemas.microsoft.com/office/powerpoint/2012/main" xmlns:ahyp="http://schemas.microsoft.com/office/drawing/2018/hyperlinkcolor" showMasterPhAnim="0" showMasterSp="0">
   <p:cSld>
     <p:spTree>
       <p:nvGrpSpPr>
-        <p:cNvPr id="119" name="Shape 119"/>
+        <p:cNvPr id="126" name="Shape 126"/>
         <p:cNvGrpSpPr/>
         <p:nvPr/>
       </p:nvGrpSpPr>
@@ -1904,7 +2121,7 @@
       </p:grpSpPr>
       <p:sp>
         <p:nvSpPr>
-          <p:cNvPr id="120" name="Google Shape;120;p7:notes"/>
+          <p:cNvPr id="127" name="Google Shape;127;p7:notes"/>
           <p:cNvSpPr/>
           <p:nvPr>
             <p:ph idx="2" type="sldImg"/>
@@ -1949,7 +2166,7 @@
       </p:sp>
       <p:sp>
         <p:nvSpPr>
-          <p:cNvPr id="121" name="Google Shape;121;p7:notes"/>
+          <p:cNvPr id="128" name="Google Shape;128;p7:notes"/>
           <p:cNvSpPr txBox="1"/>
           <p:nvPr>
             <p:ph idx="1" type="body"/>
@@ -2002,12 +2219,12 @@
 </p:notes>
 </file>
 
-<file path=ppt/notesSlides/notesSlide8.xml><?xml version="1.0" encoding="utf-8"?>
+<file path=ppt/notesSlides/notesSlide9.xml><?xml version="1.0" encoding="utf-8"?>
 <p:notes xmlns:a="http://schemas.openxmlformats.org/drawingml/2006/main" xmlns:r="http://schemas.openxmlformats.org/officeDocument/2006/relationships" xmlns:mc="http://schemas.openxmlformats.org/markup-compatibility/2006" xmlns:mv="urn:schemas-microsoft-com:mac:vml" xmlns:p="http://schemas.openxmlformats.org/presentationml/2006/main" xmlns:c="http://schemas.openxmlformats.org/drawingml/2006/chart" xmlns:dgm="http://schemas.openxmlformats.org/drawingml/2006/diagram" xmlns:o="urn:schemas-microsoft-com:office:office" xmlns:v="urn:schemas-microsoft-com:vml" xmlns:pvml="urn:schemas-microsoft-com:office:powerpoint" xmlns:com="http://schemas.openxmlformats.org/drawingml/2006/compatibility" xmlns:p14="http://schemas.microsoft.com/office/powerpoint/2010/main" xmlns:p15="http://schemas.microsoft.com/office/powerpoint/2012/main" xmlns:ahyp="http://schemas.microsoft.com/office/drawing/2018/hyperlinkcolor" showMasterPhAnim="0" showMasterSp="0">
   <p:cSld>
     <p:spTree>
       <p:nvGrpSpPr>
-        <p:cNvPr id="127" name="Shape 127"/>
+        <p:cNvPr id="134" name="Shape 134"/>
         <p:cNvGrpSpPr/>
         <p:nvPr/>
       </p:nvGrpSpPr>
@@ -2021,7 +2238,7 @@
       </p:grpSpPr>
       <p:sp>
         <p:nvSpPr>
-          <p:cNvPr id="128" name="Google Shape;128;p8:notes"/>
+          <p:cNvPr id="135" name="Google Shape;135;p8:notes"/>
           <p:cNvSpPr/>
           <p:nvPr>
             <p:ph idx="2" type="sldImg"/>
@@ -2066,124 +2283,7 @@
       </p:sp>
       <p:sp>
         <p:nvSpPr>
-          <p:cNvPr id="129" name="Google Shape;129;p8:notes"/>
-          <p:cNvSpPr txBox="1"/>
-          <p:nvPr>
-            <p:ph idx="1" type="body"/>
-          </p:nvPr>
-        </p:nvSpPr>
-        <p:spPr>
-          <a:xfrm>
-            <a:off x="685800" y="4343400"/>
-            <a:ext cx="5486400" cy="4114800"/>
-          </a:xfrm>
-          <a:prstGeom prst="rect">
-            <a:avLst/>
-          </a:prstGeom>
-          <a:noFill/>
-          <a:ln>
-            <a:noFill/>
-          </a:ln>
-        </p:spPr>
-        <p:txBody>
-          <a:bodyPr anchorCtr="0" anchor="t" bIns="91425" lIns="91425" spcFirstLastPara="1" rIns="91425" wrap="square" tIns="91425">
-            <a:noAutofit/>
-          </a:bodyPr>
-          <a:lstStyle/>
-          <a:p>
-            <a:pPr indent="0" lvl="0" marL="0" rtl="0" algn="l">
-              <a:lnSpc>
-                <a:spcPct val="100000"/>
-              </a:lnSpc>
-              <a:spcBef>
-                <a:spcPts val="0"/>
-              </a:spcBef>
-              <a:spcAft>
-                <a:spcPts val="0"/>
-              </a:spcAft>
-              <a:buSzPts val="1100"/>
-              <a:buNone/>
-            </a:pPr>
-            <a:r>
-              <a:t/>
-            </a:r>
-            <a:endParaRPr/>
-          </a:p>
-        </p:txBody>
-      </p:sp>
-    </p:spTree>
-  </p:cSld>
-  <p:clrMapOvr>
-    <a:masterClrMapping/>
-  </p:clrMapOvr>
-</p:notes>
-</file>
-
-<file path=ppt/notesSlides/notesSlide9.xml><?xml version="1.0" encoding="utf-8"?>
-<p:notes xmlns:a="http://schemas.openxmlformats.org/drawingml/2006/main" xmlns:r="http://schemas.openxmlformats.org/officeDocument/2006/relationships" xmlns:mc="http://schemas.openxmlformats.org/markup-compatibility/2006" xmlns:mv="urn:schemas-microsoft-com:mac:vml" xmlns:p="http://schemas.openxmlformats.org/presentationml/2006/main" xmlns:c="http://schemas.openxmlformats.org/drawingml/2006/chart" xmlns:dgm="http://schemas.openxmlformats.org/drawingml/2006/diagram" xmlns:o="urn:schemas-microsoft-com:office:office" xmlns:v="urn:schemas-microsoft-com:vml" xmlns:pvml="urn:schemas-microsoft-com:office:powerpoint" xmlns:com="http://schemas.openxmlformats.org/drawingml/2006/compatibility" xmlns:p14="http://schemas.microsoft.com/office/powerpoint/2010/main" xmlns:p15="http://schemas.microsoft.com/office/powerpoint/2012/main" xmlns:ahyp="http://schemas.microsoft.com/office/drawing/2018/hyperlinkcolor" showMasterPhAnim="0" showMasterSp="0">
-  <p:cSld>
-    <p:spTree>
-      <p:nvGrpSpPr>
-        <p:cNvPr id="135" name="Shape 135"/>
-        <p:cNvGrpSpPr/>
-        <p:nvPr/>
-      </p:nvGrpSpPr>
-      <p:grpSpPr>
-        <a:xfrm>
-          <a:off x="0" y="0"/>
-          <a:ext cx="0" cy="0"/>
-          <a:chOff x="0" y="0"/>
-          <a:chExt cx="0" cy="0"/>
-        </a:xfrm>
-      </p:grpSpPr>
-      <p:sp>
-        <p:nvSpPr>
-          <p:cNvPr id="136" name="Google Shape;136;p9:notes"/>
-          <p:cNvSpPr/>
-          <p:nvPr>
-            <p:ph idx="2" type="sldImg"/>
-          </p:nvPr>
-        </p:nvSpPr>
-        <p:spPr>
-          <a:xfrm>
-            <a:off x="381300" y="685800"/>
-            <a:ext cx="6096000" cy="3429000"/>
-          </a:xfrm>
-          <a:custGeom>
-            <a:rect b="b" l="l" r="r" t="t"/>
-            <a:pathLst>
-              <a:path extrusionOk="0" h="120000" w="120000">
-                <a:moveTo>
-                  <a:pt x="0" y="0"/>
-                </a:moveTo>
-                <a:lnTo>
-                  <a:pt x="120000" y="0"/>
-                </a:lnTo>
-                <a:lnTo>
-                  <a:pt x="120000" y="120000"/>
-                </a:lnTo>
-                <a:lnTo>
-                  <a:pt x="0" y="120000"/>
-                </a:lnTo>
-                <a:close/>
-              </a:path>
-            </a:pathLst>
-          </a:custGeom>
-          <a:noFill/>
-          <a:ln cap="flat" cmpd="sng" w="9525">
-            <a:solidFill>
-              <a:srgbClr val="000000"/>
-            </a:solidFill>
-            <a:prstDash val="solid"/>
-            <a:round/>
-            <a:headEnd len="sm" w="sm" type="none"/>
-            <a:tailEnd len="sm" w="sm" type="none"/>
-          </a:ln>
-        </p:spPr>
-      </p:sp>
-      <p:sp>
-        <p:nvSpPr>
-          <p:cNvPr id="137" name="Google Shape;137;p9:notes"/>
+          <p:cNvPr id="136" name="Google Shape;136;p8:notes"/>
           <p:cNvSpPr txBox="1"/>
           <p:nvPr>
             <p:ph idx="1" type="body"/>
@@ -10152,7 +10252,7 @@
   <p:cSld>
     <p:spTree>
       <p:nvGrpSpPr>
-        <p:cNvPr id="146" name="Shape 146"/>
+        <p:cNvPr id="145" name="Shape 145"/>
         <p:cNvGrpSpPr/>
         <p:nvPr/>
       </p:nvGrpSpPr>
@@ -10166,7 +10266,7 @@
       </p:grpSpPr>
       <p:sp>
         <p:nvSpPr>
-          <p:cNvPr id="147" name="Google Shape;147;p25"/>
+          <p:cNvPr id="146" name="Google Shape;146;p25"/>
           <p:cNvSpPr txBox="1"/>
           <p:nvPr>
             <p:ph type="title"/>
@@ -10206,7 +10306,7 @@
             </a:pPr>
             <a:r>
               <a:rPr lang="de"/>
-              <a:t>1.5. Instanziierung und Nutzung</a:t>
+              <a:t>1.4. Konstruktoren</a:t>
             </a:r>
             <a:endParaRPr/>
           </a:p>
@@ -10214,7 +10314,7 @@
       </p:sp>
       <p:sp>
         <p:nvSpPr>
-          <p:cNvPr id="148" name="Google Shape;148;p25"/>
+          <p:cNvPr id="147" name="Google Shape;147;p25"/>
           <p:cNvSpPr/>
           <p:nvPr>
             <p:ph idx="2" type="chart"/>
@@ -10239,7 +10339,7 @@
           </a:bodyPr>
           <a:lstStyle/>
           <a:p>
-            <a:pPr indent="-317500" lvl="0" marL="457200" marR="0" rtl="0" algn="l">
+            <a:pPr indent="0" lvl="0" marL="0" marR="0" rtl="0" algn="l">
               <a:lnSpc>
                 <a:spcPct val="100000"/>
               </a:lnSpc>
@@ -10254,7 +10354,7 @@
               </a:buClr>
               <a:buSzPts val="1400"/>
               <a:buFont typeface="Arial"/>
-              <a:buChar char="●"/>
+              <a:buNone/>
             </a:pPr>
             <a:r>
               <a:rPr b="0" i="0" lang="de" sz="1600" u="none" cap="none" strike="noStrike">
@@ -10266,7 +10366,7 @@
                 <a:cs typeface="Arial"/>
                 <a:sym typeface="Arial"/>
               </a:rPr>
-              <a:t>Um eine Klasse zu instanziieren wird das Schlüsselwort “new” verwendet</a:t>
+              <a:t>Um eine Java-Klasse zu instanziieren, muss man den Konstruktor dieser Klasse aufrufen. Das ist im Wesentlichen eine Funktion mit besonderer Signatur, die initiale Operationen vornehmen kann.</a:t>
             </a:r>
             <a:endParaRPr b="0" i="0" sz="1600" u="none" cap="none" strike="noStrike">
               <a:solidFill>
@@ -10279,12 +10379,12 @@
             </a:endParaRPr>
           </a:p>
           <a:p>
-            <a:pPr indent="-317500" lvl="0" marL="457200" marR="0" rtl="0" algn="l">
-              <a:lnSpc>
-                <a:spcPct val="100000"/>
-              </a:lnSpc>
-              <a:spcBef>
-                <a:spcPts val="0"/>
+            <a:pPr indent="0" lvl="0" marL="0" marR="0" rtl="0" algn="l">
+              <a:lnSpc>
+                <a:spcPct val="100000"/>
+              </a:lnSpc>
+              <a:spcBef>
+                <a:spcPts val="320"/>
               </a:spcBef>
               <a:spcAft>
                 <a:spcPts val="0"/>
@@ -10294,7 +10394,162 @@
               </a:buClr>
               <a:buSzPts val="1400"/>
               <a:buFont typeface="Arial"/>
-              <a:buChar char="●"/>
+              <a:buNone/>
+            </a:pPr>
+            <a:r>
+              <a:t/>
+            </a:r>
+            <a:endParaRPr b="0" i="0" sz="1600" u="none" cap="none" strike="noStrike">
+              <a:solidFill>
+                <a:schemeClr val="dk1"/>
+              </a:solidFill>
+              <a:latin typeface="Arial"/>
+              <a:ea typeface="Arial"/>
+              <a:cs typeface="Arial"/>
+              <a:sym typeface="Arial"/>
+            </a:endParaRPr>
+          </a:p>
+          <a:p>
+            <a:pPr indent="0" lvl="0" marL="0" marR="0" rtl="0" algn="l">
+              <a:lnSpc>
+                <a:spcPct val="100000"/>
+              </a:lnSpc>
+              <a:spcBef>
+                <a:spcPts val="320"/>
+              </a:spcBef>
+              <a:spcAft>
+                <a:spcPts val="0"/>
+              </a:spcAft>
+              <a:buClr>
+                <a:srgbClr val="000000"/>
+              </a:buClr>
+              <a:buSzPts val="1400"/>
+              <a:buFont typeface="Arial"/>
+              <a:buNone/>
+            </a:pPr>
+            <a:r>
+              <a:t/>
+            </a:r>
+            <a:endParaRPr b="0" i="0" sz="1600" u="none" cap="none" strike="noStrike">
+              <a:solidFill>
+                <a:schemeClr val="dk1"/>
+              </a:solidFill>
+              <a:latin typeface="Arial"/>
+              <a:ea typeface="Arial"/>
+              <a:cs typeface="Arial"/>
+              <a:sym typeface="Arial"/>
+            </a:endParaRPr>
+          </a:p>
+          <a:p>
+            <a:pPr indent="0" lvl="0" marL="0" marR="0" rtl="0" algn="l">
+              <a:lnSpc>
+                <a:spcPct val="100000"/>
+              </a:lnSpc>
+              <a:spcBef>
+                <a:spcPts val="320"/>
+              </a:spcBef>
+              <a:spcAft>
+                <a:spcPts val="0"/>
+              </a:spcAft>
+              <a:buClr>
+                <a:srgbClr val="000000"/>
+              </a:buClr>
+              <a:buSzPts val="1400"/>
+              <a:buFont typeface="Arial"/>
+              <a:buNone/>
+            </a:pPr>
+            <a:r>
+              <a:t/>
+            </a:r>
+            <a:endParaRPr b="0" i="0" sz="1600" u="none" cap="none" strike="noStrike">
+              <a:solidFill>
+                <a:schemeClr val="dk1"/>
+              </a:solidFill>
+              <a:latin typeface="Arial"/>
+              <a:ea typeface="Arial"/>
+              <a:cs typeface="Arial"/>
+              <a:sym typeface="Arial"/>
+            </a:endParaRPr>
+          </a:p>
+          <a:p>
+            <a:pPr indent="0" lvl="0" marL="0" marR="0" rtl="0" algn="l">
+              <a:lnSpc>
+                <a:spcPct val="100000"/>
+              </a:lnSpc>
+              <a:spcBef>
+                <a:spcPts val="320"/>
+              </a:spcBef>
+              <a:spcAft>
+                <a:spcPts val="0"/>
+              </a:spcAft>
+              <a:buClr>
+                <a:srgbClr val="000000"/>
+              </a:buClr>
+              <a:buSzPts val="1400"/>
+              <a:buFont typeface="Arial"/>
+              <a:buNone/>
+            </a:pPr>
+            <a:r>
+              <a:t/>
+            </a:r>
+            <a:endParaRPr b="0" i="0" sz="1600" u="none" cap="none" strike="noStrike">
+              <a:solidFill>
+                <a:schemeClr val="dk1"/>
+              </a:solidFill>
+              <a:latin typeface="Arial"/>
+              <a:ea typeface="Arial"/>
+              <a:cs typeface="Arial"/>
+              <a:sym typeface="Arial"/>
+            </a:endParaRPr>
+          </a:p>
+          <a:p>
+            <a:pPr indent="0" lvl="0" marL="0" marR="0" rtl="0" algn="l">
+              <a:lnSpc>
+                <a:spcPct val="100000"/>
+              </a:lnSpc>
+              <a:spcBef>
+                <a:spcPts val="320"/>
+              </a:spcBef>
+              <a:spcAft>
+                <a:spcPts val="0"/>
+              </a:spcAft>
+              <a:buClr>
+                <a:schemeClr val="dk1"/>
+              </a:buClr>
+              <a:buSzPts val="1100"/>
+              <a:buFont typeface="Arial"/>
+              <a:buNone/>
+            </a:pPr>
+            <a:r>
+              <a:t/>
+            </a:r>
+            <a:endParaRPr b="0" i="0" sz="1600" u="none" cap="none" strike="noStrike">
+              <a:solidFill>
+                <a:schemeClr val="dk1"/>
+              </a:solidFill>
+              <a:latin typeface="Arial"/>
+              <a:ea typeface="Arial"/>
+              <a:cs typeface="Arial"/>
+              <a:sym typeface="Arial"/>
+            </a:endParaRPr>
+          </a:p>
+          <a:p>
+            <a:pPr indent="0" lvl="0" marL="0" marR="0" rtl="0" algn="l">
+              <a:lnSpc>
+                <a:spcPct val="100000"/>
+              </a:lnSpc>
+              <a:spcBef>
+                <a:spcPts val="320"/>
+              </a:spcBef>
+              <a:spcAft>
+                <a:spcPts val="0"/>
+              </a:spcAft>
+              <a:buClr>
+                <a:schemeClr val="dk1"/>
+              </a:buClr>
+              <a:buSzPts val="1100"/>
+              <a:buFont typeface="Arial"/>
+              <a:buNone/>
             </a:pPr>
             <a:r>
               <a:rPr b="0" i="0" lang="de" sz="1600" u="none" cap="none" strike="noStrike">
@@ -10306,87 +10561,7 @@
                 <a:cs typeface="Arial"/>
                 <a:sym typeface="Arial"/>
               </a:rPr>
-              <a:t>Der Rückgabewert eines Konstruktors ist immer die Klasse selber, man kann es also in einer Variable vom Typ der Klasse speichern</a:t>
-            </a:r>
-            <a:endParaRPr b="0" i="0" sz="1600" u="none" cap="none" strike="noStrike">
-              <a:solidFill>
-                <a:schemeClr val="dk1"/>
-              </a:solidFill>
-              <a:latin typeface="Arial"/>
-              <a:ea typeface="Arial"/>
-              <a:cs typeface="Arial"/>
-              <a:sym typeface="Arial"/>
-            </a:endParaRPr>
-          </a:p>
-          <a:p>
-            <a:pPr indent="-317500" lvl="0" marL="457200" marR="0" rtl="0" algn="l">
-              <a:lnSpc>
-                <a:spcPct val="100000"/>
-              </a:lnSpc>
-              <a:spcBef>
-                <a:spcPts val="0"/>
-              </a:spcBef>
-              <a:spcAft>
-                <a:spcPts val="0"/>
-              </a:spcAft>
-              <a:buClr>
-                <a:srgbClr val="000000"/>
-              </a:buClr>
-              <a:buSzPts val="1400"/>
-              <a:buFont typeface="Arial"/>
-              <a:buChar char="●"/>
-            </a:pPr>
-            <a:r>
-              <a:rPr b="0" i="0" lang="de" sz="1600" u="none" cap="none" strike="noStrike">
-                <a:solidFill>
-                  <a:schemeClr val="dk1"/>
-                </a:solidFill>
-                <a:latin typeface="Arial"/>
-                <a:ea typeface="Arial"/>
-                <a:cs typeface="Arial"/>
-                <a:sym typeface="Arial"/>
-              </a:rPr>
-              <a:t>Auf Methoden kann man über die Instanz der Klasse zugreifen</a:t>
-            </a:r>
-            <a:endParaRPr b="0" i="0" sz="1600" u="none" cap="none" strike="noStrike">
-              <a:solidFill>
-                <a:schemeClr val="dk1"/>
-              </a:solidFill>
-              <a:latin typeface="Arial"/>
-              <a:ea typeface="Arial"/>
-              <a:cs typeface="Arial"/>
-              <a:sym typeface="Arial"/>
-            </a:endParaRPr>
-          </a:p>
-          <a:p>
-            <a:pPr indent="-317500" lvl="0" marL="457200" marR="0" rtl="0" algn="l">
-              <a:lnSpc>
-                <a:spcPct val="100000"/>
-              </a:lnSpc>
-              <a:spcBef>
-                <a:spcPts val="0"/>
-              </a:spcBef>
-              <a:spcAft>
-                <a:spcPts val="0"/>
-              </a:spcAft>
-              <a:buClr>
-                <a:srgbClr val="000000"/>
-              </a:buClr>
-              <a:buSzPts val="1400"/>
-              <a:buFont typeface="Arial"/>
-              <a:buChar char="●"/>
-            </a:pPr>
-            <a:r>
-              <a:rPr b="0" i="0" lang="de" sz="1600" u="none" cap="none" strike="noStrike">
-                <a:solidFill>
-                  <a:schemeClr val="dk1"/>
-                </a:solidFill>
-                <a:latin typeface="Arial"/>
-                <a:ea typeface="Arial"/>
-                <a:cs typeface="Arial"/>
-                <a:sym typeface="Arial"/>
-              </a:rPr>
-              <a:t>Auf Funktionen kann man über die Klasse selber zugreifen</a:t>
+              <a:t>Jede Java-Klasse hat einen default-Konstruktor, der keine Parameter erhält und keine Operationen vornimmt. Diesen Konstruktor kann man jedoch auch überschreiben, und eigene Operationen definieren.</a:t>
             </a:r>
             <a:endParaRPr b="0" i="0" sz="1600" u="none" cap="none" strike="noStrike">
               <a:solidFill>
@@ -10402,7 +10577,7 @@
       </p:sp>
       <p:pic>
         <p:nvPicPr>
-          <p:cNvPr id="149" name="Google Shape;149;p25"/>
+          <p:cNvPr id="148" name="Google Shape;148;p25"/>
           <p:cNvPicPr preferRelativeResize="0"/>
           <p:nvPr/>
         </p:nvPicPr>
@@ -10415,8 +10590,35 @@
         </p:blipFill>
         <p:spPr>
           <a:xfrm>
-            <a:off x="1661388" y="2132550"/>
-            <a:ext cx="5821225" cy="1973725"/>
+            <a:off x="2493123" y="1490975"/>
+            <a:ext cx="4157750" cy="1151250"/>
+          </a:xfrm>
+          <a:prstGeom prst="rect">
+            <a:avLst/>
+          </a:prstGeom>
+          <a:noFill/>
+          <a:ln>
+            <a:noFill/>
+          </a:ln>
+        </p:spPr>
+      </p:pic>
+      <p:pic>
+        <p:nvPicPr>
+          <p:cNvPr id="149" name="Google Shape;149;p25"/>
+          <p:cNvPicPr preferRelativeResize="0"/>
+          <p:nvPr/>
+        </p:nvPicPr>
+        <p:blipFill rotWithShape="1">
+          <a:blip r:embed="rId4">
+            <a:alphaModFix/>
+          </a:blip>
+          <a:srcRect b="0" l="0" r="0" t="0"/>
+          <a:stretch/>
+        </p:blipFill>
+        <p:spPr>
+          <a:xfrm>
+            <a:off x="3625063" y="3710950"/>
+            <a:ext cx="1893875" cy="650300"/>
           </a:xfrm>
           <a:prstGeom prst="rect">
             <a:avLst/>
@@ -10494,7 +10696,7 @@
             </a:pPr>
             <a:r>
               <a:rPr lang="de"/>
-              <a:t>2. Fragen</a:t>
+              <a:t>1.5. Instanziierung und Nutzung</a:t>
             </a:r>
             <a:endParaRPr/>
           </a:p>
@@ -10527,7 +10729,7 @@
           </a:bodyPr>
           <a:lstStyle/>
           <a:p>
-            <a:pPr indent="0" lvl="0" marL="0" marR="0" rtl="0" algn="ctr">
+            <a:pPr indent="-317500" lvl="0" marL="457200" marR="0" rtl="0" algn="l">
               <a:lnSpc>
                 <a:spcPct val="100000"/>
               </a:lnSpc>
@@ -10538,14 +10740,23 @@
                 <a:spcPts val="0"/>
               </a:spcAft>
               <a:buClr>
-                <a:schemeClr val="dk1"/>
-              </a:buClr>
-              <a:buSzPts val="1100"/>
+                <a:srgbClr val="000000"/>
+              </a:buClr>
+              <a:buSzPts val="1400"/>
               <a:buFont typeface="Arial"/>
-              <a:buNone/>
+              <a:buChar char="●"/>
             </a:pPr>
             <a:r>
-              <a:t/>
+              <a:rPr b="0" i="0" lang="de" sz="1600" u="none" cap="none" strike="noStrike">
+                <a:solidFill>
+                  <a:schemeClr val="dk1"/>
+                </a:solidFill>
+                <a:latin typeface="Arial"/>
+                <a:ea typeface="Arial"/>
+                <a:cs typeface="Arial"/>
+                <a:sym typeface="Arial"/>
+              </a:rPr>
+              <a:t>Um eine Klasse zu instanziieren wird das Schlüsselwort “new” verwendet</a:t>
             </a:r>
             <a:endParaRPr b="0" i="0" sz="1600" u="none" cap="none" strike="noStrike">
               <a:solidFill>
@@ -10558,25 +10769,82 @@
             </a:endParaRPr>
           </a:p>
           <a:p>
-            <a:pPr indent="0" lvl="0" marL="0" marR="0" rtl="0" algn="ctr">
-              <a:lnSpc>
-                <a:spcPct val="100000"/>
-              </a:lnSpc>
-              <a:spcBef>
-                <a:spcPts val="320"/>
-              </a:spcBef>
-              <a:spcAft>
-                <a:spcPts val="0"/>
-              </a:spcAft>
-              <a:buClr>
-                <a:schemeClr val="dk1"/>
-              </a:buClr>
-              <a:buSzPts val="1100"/>
+            <a:pPr indent="-317500" lvl="0" marL="457200" marR="0" rtl="0" algn="l">
+              <a:lnSpc>
+                <a:spcPct val="100000"/>
+              </a:lnSpc>
+              <a:spcBef>
+                <a:spcPts val="0"/>
+              </a:spcBef>
+              <a:spcAft>
+                <a:spcPts val="0"/>
+              </a:spcAft>
+              <a:buClr>
+                <a:srgbClr val="000000"/>
+              </a:buClr>
+              <a:buSzPts val="1400"/>
               <a:buFont typeface="Arial"/>
-              <a:buNone/>
+              <a:buChar char="●"/>
             </a:pPr>
             <a:r>
-              <a:t/>
+              <a:rPr b="0" i="0" lang="de" sz="1600" u="none" cap="none" strike="noStrike">
+                <a:solidFill>
+                  <a:schemeClr val="dk1"/>
+                </a:solidFill>
+                <a:latin typeface="Arial"/>
+                <a:ea typeface="Arial"/>
+                <a:cs typeface="Arial"/>
+                <a:sym typeface="Arial"/>
+              </a:rPr>
+              <a:t>Der Rückgabe</a:t>
+            </a:r>
+            <a:r>
+              <a:rPr lang="de"/>
+              <a:t>wert</a:t>
+            </a:r>
+            <a:r>
+              <a:rPr b="0" i="0" lang="de" sz="1600" u="none" cap="none" strike="noStrike">
+                <a:solidFill>
+                  <a:schemeClr val="dk1"/>
+                </a:solidFill>
+                <a:latin typeface="Arial"/>
+                <a:ea typeface="Arial"/>
+                <a:cs typeface="Arial"/>
+                <a:sym typeface="Arial"/>
+              </a:rPr>
+              <a:t> eines Konstruktors ist immer e</a:t>
+            </a:r>
+            <a:r>
+              <a:rPr lang="de"/>
+              <a:t>in Objekt vom Typ der</a:t>
+            </a:r>
+            <a:r>
+              <a:rPr b="0" i="0" lang="de" sz="1600" u="none" cap="none" strike="noStrike">
+                <a:solidFill>
+                  <a:schemeClr val="dk1"/>
+                </a:solidFill>
+                <a:latin typeface="Arial"/>
+                <a:ea typeface="Arial"/>
+                <a:cs typeface="Arial"/>
+                <a:sym typeface="Arial"/>
+              </a:rPr>
+              <a:t> Klasse selber, man kann </a:t>
+            </a:r>
+            <a:r>
+              <a:rPr lang="de"/>
+              <a:t>das Objekt</a:t>
+            </a:r>
+            <a:r>
+              <a:rPr b="0" i="0" lang="de" sz="1600" u="none" cap="none" strike="noStrike">
+                <a:solidFill>
+                  <a:schemeClr val="dk1"/>
+                </a:solidFill>
+                <a:latin typeface="Arial"/>
+                <a:ea typeface="Arial"/>
+                <a:cs typeface="Arial"/>
+                <a:sym typeface="Arial"/>
+              </a:rPr>
+              <a:t> also in einer Variable vom Typ der Klasse speichern</a:t>
             </a:r>
             <a:endParaRPr b="0" i="0" sz="1600" u="none" cap="none" strike="noStrike">
               <a:solidFill>
@@ -10589,25 +10857,34 @@
             </a:endParaRPr>
           </a:p>
           <a:p>
-            <a:pPr indent="0" lvl="0" marL="0" marR="0" rtl="0" algn="ctr">
-              <a:lnSpc>
-                <a:spcPct val="100000"/>
-              </a:lnSpc>
-              <a:spcBef>
-                <a:spcPts val="320"/>
-              </a:spcBef>
-              <a:spcAft>
-                <a:spcPts val="0"/>
-              </a:spcAft>
-              <a:buClr>
-                <a:schemeClr val="dk1"/>
-              </a:buClr>
-              <a:buSzPts val="1100"/>
+            <a:pPr indent="-317500" lvl="0" marL="457200" marR="0" rtl="0" algn="l">
+              <a:lnSpc>
+                <a:spcPct val="100000"/>
+              </a:lnSpc>
+              <a:spcBef>
+                <a:spcPts val="0"/>
+              </a:spcBef>
+              <a:spcAft>
+                <a:spcPts val="0"/>
+              </a:spcAft>
+              <a:buClr>
+                <a:srgbClr val="000000"/>
+              </a:buClr>
+              <a:buSzPts val="1400"/>
               <a:buFont typeface="Arial"/>
-              <a:buNone/>
+              <a:buChar char="●"/>
             </a:pPr>
             <a:r>
-              <a:t/>
+              <a:rPr b="0" i="0" lang="de" sz="1600" u="none" cap="none" strike="noStrike">
+                <a:solidFill>
+                  <a:schemeClr val="dk1"/>
+                </a:solidFill>
+                <a:latin typeface="Arial"/>
+                <a:ea typeface="Arial"/>
+                <a:cs typeface="Arial"/>
+                <a:sym typeface="Arial"/>
+              </a:rPr>
+              <a:t>Auf Methoden kann man über die Instanz der Klasse zugreifen</a:t>
             </a:r>
             <a:endParaRPr b="0" i="0" sz="1600" u="none" cap="none" strike="noStrike">
               <a:solidFill>
@@ -10620,118 +10897,25 @@
             </a:endParaRPr>
           </a:p>
           <a:p>
-            <a:pPr indent="0" lvl="0" marL="0" marR="0" rtl="0" algn="ctr">
-              <a:lnSpc>
-                <a:spcPct val="100000"/>
-              </a:lnSpc>
-              <a:spcBef>
-                <a:spcPts val="320"/>
-              </a:spcBef>
-              <a:spcAft>
-                <a:spcPts val="0"/>
-              </a:spcAft>
-              <a:buClr>
-                <a:schemeClr val="dk1"/>
-              </a:buClr>
-              <a:buSzPts val="1100"/>
+            <a:pPr indent="-317500" lvl="0" marL="457200" marR="0" rtl="0" algn="l">
+              <a:lnSpc>
+                <a:spcPct val="100000"/>
+              </a:lnSpc>
+              <a:spcBef>
+                <a:spcPts val="0"/>
+              </a:spcBef>
+              <a:spcAft>
+                <a:spcPts val="0"/>
+              </a:spcAft>
+              <a:buClr>
+                <a:srgbClr val="000000"/>
+              </a:buClr>
+              <a:buSzPts val="1400"/>
               <a:buFont typeface="Arial"/>
-              <a:buNone/>
+              <a:buChar char="●"/>
             </a:pPr>
             <a:r>
-              <a:t/>
-            </a:r>
-            <a:endParaRPr b="0" i="0" sz="1600" u="none" cap="none" strike="noStrike">
-              <a:solidFill>
-                <a:schemeClr val="dk1"/>
-              </a:solidFill>
-              <a:latin typeface="Arial"/>
-              <a:ea typeface="Arial"/>
-              <a:cs typeface="Arial"/>
-              <a:sym typeface="Arial"/>
-            </a:endParaRPr>
-          </a:p>
-          <a:p>
-            <a:pPr indent="0" lvl="0" marL="0" marR="0" rtl="0" algn="ctr">
-              <a:lnSpc>
-                <a:spcPct val="100000"/>
-              </a:lnSpc>
-              <a:spcBef>
-                <a:spcPts val="320"/>
-              </a:spcBef>
-              <a:spcAft>
-                <a:spcPts val="0"/>
-              </a:spcAft>
-              <a:buClr>
-                <a:schemeClr val="dk1"/>
-              </a:buClr>
-              <a:buSzPts val="1100"/>
-              <a:buFont typeface="Arial"/>
-              <a:buNone/>
-            </a:pPr>
-            <a:r>
-              <a:t/>
-            </a:r>
-            <a:endParaRPr b="0" i="0" sz="1600" u="none" cap="none" strike="noStrike">
-              <a:solidFill>
-                <a:schemeClr val="dk1"/>
-              </a:solidFill>
-              <a:latin typeface="Arial"/>
-              <a:ea typeface="Arial"/>
-              <a:cs typeface="Arial"/>
-              <a:sym typeface="Arial"/>
-            </a:endParaRPr>
-          </a:p>
-          <a:p>
-            <a:pPr indent="0" lvl="0" marL="0" marR="0" rtl="0" algn="ctr">
-              <a:lnSpc>
-                <a:spcPct val="100000"/>
-              </a:lnSpc>
-              <a:spcBef>
-                <a:spcPts val="320"/>
-              </a:spcBef>
-              <a:spcAft>
-                <a:spcPts val="0"/>
-              </a:spcAft>
-              <a:buClr>
-                <a:schemeClr val="dk1"/>
-              </a:buClr>
-              <a:buSzPts val="1100"/>
-              <a:buFont typeface="Arial"/>
-              <a:buNone/>
-            </a:pPr>
-            <a:r>
-              <a:t/>
-            </a:r>
-            <a:endParaRPr b="0" i="0" sz="1600" u="none" cap="none" strike="noStrike">
-              <a:solidFill>
-                <a:schemeClr val="dk1"/>
-              </a:solidFill>
-              <a:latin typeface="Arial"/>
-              <a:ea typeface="Arial"/>
-              <a:cs typeface="Arial"/>
-              <a:sym typeface="Arial"/>
-            </a:endParaRPr>
-          </a:p>
-          <a:p>
-            <a:pPr indent="0" lvl="0" marL="0" marR="0" rtl="0" algn="ctr">
-              <a:lnSpc>
-                <a:spcPct val="100000"/>
-              </a:lnSpc>
-              <a:spcBef>
-                <a:spcPts val="320"/>
-              </a:spcBef>
-              <a:spcAft>
-                <a:spcPts val="0"/>
-              </a:spcAft>
-              <a:buClr>
-                <a:schemeClr val="dk1"/>
-              </a:buClr>
-              <a:buSzPts val="1100"/>
-              <a:buFont typeface="Arial"/>
-              <a:buNone/>
-            </a:pPr>
-            <a:r>
-              <a:rPr b="0" i="0" lang="de" sz="3600" u="none" cap="none" strike="noStrike">
+              <a:rPr b="0" i="0" lang="de" sz="1600" u="none" cap="none" strike="noStrike">
                 <a:solidFill>
                   <a:schemeClr val="dk1"/>
                 </a:solidFill>
@@ -10740,7 +10924,7 @@
                 <a:cs typeface="Arial"/>
                 <a:sym typeface="Arial"/>
               </a:rPr>
-              <a:t>Fragen</a:t>
+              <a:t>Auf Funktionen kann man über die Klasse selber zugreifen</a:t>
             </a:r>
             <a:endParaRPr b="0" i="0" sz="1600" u="none" cap="none" strike="noStrike">
               <a:solidFill>
@@ -10754,6 +10938,33 @@
           </a:p>
         </p:txBody>
       </p:sp>
+      <p:pic>
+        <p:nvPicPr>
+          <p:cNvPr id="156" name="Google Shape;156;p26"/>
+          <p:cNvPicPr preferRelativeResize="0"/>
+          <p:nvPr/>
+        </p:nvPicPr>
+        <p:blipFill rotWithShape="1">
+          <a:blip r:embed="rId3">
+            <a:alphaModFix/>
+          </a:blip>
+          <a:srcRect b="0" l="0" r="0" t="0"/>
+          <a:stretch/>
+        </p:blipFill>
+        <p:spPr>
+          <a:xfrm>
+            <a:off x="1661388" y="2132550"/>
+            <a:ext cx="5821225" cy="1973725"/>
+          </a:xfrm>
+          <a:prstGeom prst="rect">
+            <a:avLst/>
+          </a:prstGeom>
+          <a:noFill/>
+          <a:ln>
+            <a:noFill/>
+          </a:ln>
+        </p:spPr>
+      </p:pic>
     </p:spTree>
   </p:cSld>
   <p:clrMapOvr>
@@ -10767,7 +10978,7 @@
   <p:cSld>
     <p:spTree>
       <p:nvGrpSpPr>
-        <p:cNvPr id="159" name="Shape 159"/>
+        <p:cNvPr id="160" name="Shape 160"/>
         <p:cNvGrpSpPr/>
         <p:nvPr/>
       </p:nvGrpSpPr>
@@ -10781,7 +10992,7 @@
       </p:grpSpPr>
       <p:sp>
         <p:nvSpPr>
-          <p:cNvPr id="160" name="Google Shape;160;p27"/>
+          <p:cNvPr id="161" name="Google Shape;161;p27"/>
           <p:cNvSpPr txBox="1"/>
           <p:nvPr>
             <p:ph type="title"/>
@@ -10821,7 +11032,7 @@
             </a:pPr>
             <a:r>
               <a:rPr lang="de"/>
-              <a:t>3. Übungsaufgabe</a:t>
+              <a:t>2. Fragen</a:t>
             </a:r>
             <a:endParaRPr/>
           </a:p>
@@ -10829,7 +11040,334 @@
       </p:sp>
       <p:sp>
         <p:nvSpPr>
-          <p:cNvPr id="161" name="Google Shape;161;p27"/>
+          <p:cNvPr id="162" name="Google Shape;162;p27"/>
+          <p:cNvSpPr/>
+          <p:nvPr>
+            <p:ph idx="2" type="chart"/>
+          </p:nvPr>
+        </p:nvSpPr>
+        <p:spPr>
+          <a:xfrm>
+            <a:off x="431800" y="782241"/>
+            <a:ext cx="8375700" cy="3579000"/>
+          </a:xfrm>
+          <a:prstGeom prst="rect">
+            <a:avLst/>
+          </a:prstGeom>
+          <a:noFill/>
+          <a:ln>
+            <a:noFill/>
+          </a:ln>
+        </p:spPr>
+        <p:txBody>
+          <a:bodyPr anchorCtr="0" anchor="t" bIns="0" lIns="0" spcFirstLastPara="1" rIns="0" wrap="square" tIns="0">
+            <a:noAutofit/>
+          </a:bodyPr>
+          <a:lstStyle/>
+          <a:p>
+            <a:pPr indent="0" lvl="0" marL="0" marR="0" rtl="0" algn="ctr">
+              <a:lnSpc>
+                <a:spcPct val="100000"/>
+              </a:lnSpc>
+              <a:spcBef>
+                <a:spcPts val="320"/>
+              </a:spcBef>
+              <a:spcAft>
+                <a:spcPts val="0"/>
+              </a:spcAft>
+              <a:buClr>
+                <a:schemeClr val="dk1"/>
+              </a:buClr>
+              <a:buSzPts val="1100"/>
+              <a:buFont typeface="Arial"/>
+              <a:buNone/>
+            </a:pPr>
+            <a:r>
+              <a:t/>
+            </a:r>
+            <a:endParaRPr b="0" i="0" sz="1600" u="none" cap="none" strike="noStrike">
+              <a:solidFill>
+                <a:schemeClr val="dk1"/>
+              </a:solidFill>
+              <a:latin typeface="Arial"/>
+              <a:ea typeface="Arial"/>
+              <a:cs typeface="Arial"/>
+              <a:sym typeface="Arial"/>
+            </a:endParaRPr>
+          </a:p>
+          <a:p>
+            <a:pPr indent="0" lvl="0" marL="0" marR="0" rtl="0" algn="ctr">
+              <a:lnSpc>
+                <a:spcPct val="100000"/>
+              </a:lnSpc>
+              <a:spcBef>
+                <a:spcPts val="320"/>
+              </a:spcBef>
+              <a:spcAft>
+                <a:spcPts val="0"/>
+              </a:spcAft>
+              <a:buClr>
+                <a:schemeClr val="dk1"/>
+              </a:buClr>
+              <a:buSzPts val="1100"/>
+              <a:buFont typeface="Arial"/>
+              <a:buNone/>
+            </a:pPr>
+            <a:r>
+              <a:t/>
+            </a:r>
+            <a:endParaRPr b="0" i="0" sz="1600" u="none" cap="none" strike="noStrike">
+              <a:solidFill>
+                <a:schemeClr val="dk1"/>
+              </a:solidFill>
+              <a:latin typeface="Arial"/>
+              <a:ea typeface="Arial"/>
+              <a:cs typeface="Arial"/>
+              <a:sym typeface="Arial"/>
+            </a:endParaRPr>
+          </a:p>
+          <a:p>
+            <a:pPr indent="0" lvl="0" marL="0" marR="0" rtl="0" algn="ctr">
+              <a:lnSpc>
+                <a:spcPct val="100000"/>
+              </a:lnSpc>
+              <a:spcBef>
+                <a:spcPts val="320"/>
+              </a:spcBef>
+              <a:spcAft>
+                <a:spcPts val="0"/>
+              </a:spcAft>
+              <a:buClr>
+                <a:schemeClr val="dk1"/>
+              </a:buClr>
+              <a:buSzPts val="1100"/>
+              <a:buFont typeface="Arial"/>
+              <a:buNone/>
+            </a:pPr>
+            <a:r>
+              <a:t/>
+            </a:r>
+            <a:endParaRPr b="0" i="0" sz="1600" u="none" cap="none" strike="noStrike">
+              <a:solidFill>
+                <a:schemeClr val="dk1"/>
+              </a:solidFill>
+              <a:latin typeface="Arial"/>
+              <a:ea typeface="Arial"/>
+              <a:cs typeface="Arial"/>
+              <a:sym typeface="Arial"/>
+            </a:endParaRPr>
+          </a:p>
+          <a:p>
+            <a:pPr indent="0" lvl="0" marL="0" marR="0" rtl="0" algn="ctr">
+              <a:lnSpc>
+                <a:spcPct val="100000"/>
+              </a:lnSpc>
+              <a:spcBef>
+                <a:spcPts val="320"/>
+              </a:spcBef>
+              <a:spcAft>
+                <a:spcPts val="0"/>
+              </a:spcAft>
+              <a:buClr>
+                <a:schemeClr val="dk1"/>
+              </a:buClr>
+              <a:buSzPts val="1100"/>
+              <a:buFont typeface="Arial"/>
+              <a:buNone/>
+            </a:pPr>
+            <a:r>
+              <a:t/>
+            </a:r>
+            <a:endParaRPr b="0" i="0" sz="1600" u="none" cap="none" strike="noStrike">
+              <a:solidFill>
+                <a:schemeClr val="dk1"/>
+              </a:solidFill>
+              <a:latin typeface="Arial"/>
+              <a:ea typeface="Arial"/>
+              <a:cs typeface="Arial"/>
+              <a:sym typeface="Arial"/>
+            </a:endParaRPr>
+          </a:p>
+          <a:p>
+            <a:pPr indent="0" lvl="0" marL="0" marR="0" rtl="0" algn="ctr">
+              <a:lnSpc>
+                <a:spcPct val="100000"/>
+              </a:lnSpc>
+              <a:spcBef>
+                <a:spcPts val="320"/>
+              </a:spcBef>
+              <a:spcAft>
+                <a:spcPts val="0"/>
+              </a:spcAft>
+              <a:buClr>
+                <a:schemeClr val="dk1"/>
+              </a:buClr>
+              <a:buSzPts val="1100"/>
+              <a:buFont typeface="Arial"/>
+              <a:buNone/>
+            </a:pPr>
+            <a:r>
+              <a:t/>
+            </a:r>
+            <a:endParaRPr b="0" i="0" sz="1600" u="none" cap="none" strike="noStrike">
+              <a:solidFill>
+                <a:schemeClr val="dk1"/>
+              </a:solidFill>
+              <a:latin typeface="Arial"/>
+              <a:ea typeface="Arial"/>
+              <a:cs typeface="Arial"/>
+              <a:sym typeface="Arial"/>
+            </a:endParaRPr>
+          </a:p>
+          <a:p>
+            <a:pPr indent="0" lvl="0" marL="0" marR="0" rtl="0" algn="ctr">
+              <a:lnSpc>
+                <a:spcPct val="100000"/>
+              </a:lnSpc>
+              <a:spcBef>
+                <a:spcPts val="320"/>
+              </a:spcBef>
+              <a:spcAft>
+                <a:spcPts val="0"/>
+              </a:spcAft>
+              <a:buClr>
+                <a:schemeClr val="dk1"/>
+              </a:buClr>
+              <a:buSzPts val="1100"/>
+              <a:buFont typeface="Arial"/>
+              <a:buNone/>
+            </a:pPr>
+            <a:r>
+              <a:t/>
+            </a:r>
+            <a:endParaRPr b="0" i="0" sz="1600" u="none" cap="none" strike="noStrike">
+              <a:solidFill>
+                <a:schemeClr val="dk1"/>
+              </a:solidFill>
+              <a:latin typeface="Arial"/>
+              <a:ea typeface="Arial"/>
+              <a:cs typeface="Arial"/>
+              <a:sym typeface="Arial"/>
+            </a:endParaRPr>
+          </a:p>
+          <a:p>
+            <a:pPr indent="0" lvl="0" marL="0" marR="0" rtl="0" algn="ctr">
+              <a:lnSpc>
+                <a:spcPct val="100000"/>
+              </a:lnSpc>
+              <a:spcBef>
+                <a:spcPts val="320"/>
+              </a:spcBef>
+              <a:spcAft>
+                <a:spcPts val="0"/>
+              </a:spcAft>
+              <a:buClr>
+                <a:schemeClr val="dk1"/>
+              </a:buClr>
+              <a:buSzPts val="1100"/>
+              <a:buFont typeface="Arial"/>
+              <a:buNone/>
+            </a:pPr>
+            <a:r>
+              <a:rPr b="0" i="0" lang="de" sz="3600" u="none" cap="none" strike="noStrike">
+                <a:solidFill>
+                  <a:schemeClr val="dk1"/>
+                </a:solidFill>
+                <a:latin typeface="Arial"/>
+                <a:ea typeface="Arial"/>
+                <a:cs typeface="Arial"/>
+                <a:sym typeface="Arial"/>
+              </a:rPr>
+              <a:t>Fragen</a:t>
+            </a:r>
+            <a:endParaRPr b="0" i="0" sz="1600" u="none" cap="none" strike="noStrike">
+              <a:solidFill>
+                <a:schemeClr val="dk1"/>
+              </a:solidFill>
+              <a:latin typeface="Arial"/>
+              <a:ea typeface="Arial"/>
+              <a:cs typeface="Arial"/>
+              <a:sym typeface="Arial"/>
+            </a:endParaRPr>
+          </a:p>
+        </p:txBody>
+      </p:sp>
+    </p:spTree>
+  </p:cSld>
+  <p:clrMapOvr>
+    <a:masterClrMapping/>
+  </p:clrMapOvr>
+</p:sld>
+</file>
+
+<file path=ppt/slides/slide13.xml><?xml version="1.0" encoding="utf-8"?>
+<p:sld xmlns:a="http://schemas.openxmlformats.org/drawingml/2006/main" xmlns:r="http://schemas.openxmlformats.org/officeDocument/2006/relationships" xmlns:mc="http://schemas.openxmlformats.org/markup-compatibility/2006" xmlns:mv="urn:schemas-microsoft-com:mac:vml" xmlns:p="http://schemas.openxmlformats.org/presentationml/2006/main" xmlns:c="http://schemas.openxmlformats.org/drawingml/2006/chart" xmlns:dgm="http://schemas.openxmlformats.org/drawingml/2006/diagram" xmlns:o="urn:schemas-microsoft-com:office:office" xmlns:v="urn:schemas-microsoft-com:vml" xmlns:pvml="urn:schemas-microsoft-com:office:powerpoint" xmlns:com="http://schemas.openxmlformats.org/drawingml/2006/compatibility" xmlns:p14="http://schemas.microsoft.com/office/powerpoint/2010/main" xmlns:p15="http://schemas.microsoft.com/office/powerpoint/2012/main" xmlns:ahyp="http://schemas.microsoft.com/office/drawing/2018/hyperlinkcolor">
+  <p:cSld>
+    <p:spTree>
+      <p:nvGrpSpPr>
+        <p:cNvPr id="166" name="Shape 166"/>
+        <p:cNvGrpSpPr/>
+        <p:nvPr/>
+      </p:nvGrpSpPr>
+      <p:grpSpPr>
+        <a:xfrm>
+          <a:off x="0" y="0"/>
+          <a:ext cx="0" cy="0"/>
+          <a:chOff x="0" y="0"/>
+          <a:chExt cx="0" cy="0"/>
+        </a:xfrm>
+      </p:grpSpPr>
+      <p:sp>
+        <p:nvSpPr>
+          <p:cNvPr id="167" name="Google Shape;167;p28"/>
+          <p:cNvSpPr txBox="1"/>
+          <p:nvPr>
+            <p:ph type="title"/>
+          </p:nvPr>
+        </p:nvSpPr>
+        <p:spPr>
+          <a:xfrm>
+            <a:off x="431800" y="83344"/>
+            <a:ext cx="8375700" cy="531000"/>
+          </a:xfrm>
+          <a:prstGeom prst="rect">
+            <a:avLst/>
+          </a:prstGeom>
+          <a:noFill/>
+          <a:ln>
+            <a:noFill/>
+          </a:ln>
+        </p:spPr>
+        <p:txBody>
+          <a:bodyPr anchorCtr="0" anchor="b" bIns="0" lIns="0" spcFirstLastPara="1" rIns="0" wrap="square" tIns="0">
+            <a:noAutofit/>
+          </a:bodyPr>
+          <a:lstStyle/>
+          <a:p>
+            <a:pPr indent="0" lvl="0" marL="0" rtl="0" algn="l">
+              <a:lnSpc>
+                <a:spcPct val="100000"/>
+              </a:lnSpc>
+              <a:spcBef>
+                <a:spcPts val="0"/>
+              </a:spcBef>
+              <a:spcAft>
+                <a:spcPts val="0"/>
+              </a:spcAft>
+              <a:buSzPts val="1400"/>
+              <a:buNone/>
+            </a:pPr>
+            <a:r>
+              <a:rPr lang="de"/>
+              <a:t>3. Übungsaufgabe</a:t>
+            </a:r>
+            <a:endParaRPr/>
+          </a:p>
+        </p:txBody>
+      </p:sp>
+      <p:sp>
+        <p:nvSpPr>
+          <p:cNvPr id="168" name="Google Shape;168;p28"/>
           <p:cNvSpPr/>
           <p:nvPr>
             <p:ph idx="2" type="chart"/>
@@ -10985,7 +11523,23 @@
                 <a:cs typeface="Arial"/>
                 <a:sym typeface="Arial"/>
               </a:rPr>
-              <a:t>Summe der Radien und Anzahl der Kreise als Klassenvariablen</a:t>
+              <a:t>Summe der Radien </a:t>
+            </a:r>
+            <a:r>
+              <a:rPr b="1" lang="de"/>
+              <a:t>sowie</a:t>
+            </a:r>
+            <a:r>
+              <a:rPr b="1" i="0" lang="de" sz="1600" u="none" cap="none" strike="noStrike">
+                <a:solidFill>
+                  <a:schemeClr val="dk1"/>
+                </a:solidFill>
+                <a:latin typeface="Arial"/>
+                <a:ea typeface="Arial"/>
+                <a:cs typeface="Arial"/>
+                <a:sym typeface="Arial"/>
+              </a:rPr>
+              <a:t> Anzahl der Kreise als Klassenvariablen</a:t>
             </a:r>
             <a:r>
               <a:rPr b="0" i="0" lang="de" sz="1600" u="none" cap="none" strike="noStrike">
@@ -11956,77 +12510,6 @@
               </a:rPr>
               <a:t>Instanziierung und Nutzung</a:t>
             </a:r>
-            <a:endParaRPr b="0" i="0" sz="1600" u="none" cap="none" strike="noStrike">
-              <a:solidFill>
-                <a:schemeClr val="dk1"/>
-              </a:solidFill>
-              <a:latin typeface="Arial"/>
-              <a:ea typeface="Arial"/>
-              <a:cs typeface="Arial"/>
-              <a:sym typeface="Arial"/>
-            </a:endParaRPr>
-          </a:p>
-          <a:p>
-            <a:pPr indent="0" lvl="0" marL="914400" marR="0" rtl="0" algn="l">
-              <a:lnSpc>
-                <a:spcPct val="100000"/>
-              </a:lnSpc>
-              <a:spcBef>
-                <a:spcPts val="320"/>
-              </a:spcBef>
-              <a:spcAft>
-                <a:spcPts val="0"/>
-              </a:spcAft>
-              <a:buClr>
-                <a:srgbClr val="000000"/>
-              </a:buClr>
-              <a:buSzPts val="1400"/>
-              <a:buFont typeface="Arial"/>
-              <a:buNone/>
-            </a:pPr>
-            <a:r>
-              <a:t/>
-            </a:r>
-            <a:endParaRPr b="0" i="0" sz="1600" u="none" cap="none" strike="noStrike">
-              <a:solidFill>
-                <a:schemeClr val="dk1"/>
-              </a:solidFill>
-              <a:latin typeface="Arial"/>
-              <a:ea typeface="Arial"/>
-              <a:cs typeface="Arial"/>
-              <a:sym typeface="Arial"/>
-            </a:endParaRPr>
-          </a:p>
-          <a:p>
-            <a:pPr indent="-330200" lvl="0" marL="457200" marR="0" rtl="0" algn="l">
-              <a:lnSpc>
-                <a:spcPct val="100000"/>
-              </a:lnSpc>
-              <a:spcBef>
-                <a:spcPts val="320"/>
-              </a:spcBef>
-              <a:spcAft>
-                <a:spcPts val="0"/>
-              </a:spcAft>
-              <a:buClr>
-                <a:srgbClr val="000000"/>
-              </a:buClr>
-              <a:buSzPts val="1600"/>
-              <a:buFont typeface="Arial"/>
-              <a:buAutoNum type="arabicPeriod"/>
-            </a:pPr>
-            <a:r>
-              <a:rPr b="0" i="0" lang="de" sz="1600" u="none" cap="none" strike="noStrike">
-                <a:solidFill>
-                  <a:schemeClr val="dk1"/>
-                </a:solidFill>
-                <a:latin typeface="Arial"/>
-                <a:ea typeface="Arial"/>
-                <a:cs typeface="Arial"/>
-                <a:sym typeface="Arial"/>
-              </a:rPr>
-              <a:t>Fragen</a:t>
-            </a:r>
             <a:br>
               <a:rPr b="0" i="0" lang="de" sz="1600" u="none" cap="none" strike="noStrike">
                 <a:solidFill>
@@ -12038,15 +12521,7 @@
                 <a:sym typeface="Arial"/>
               </a:rPr>
             </a:br>
-            <a:endParaRPr b="0" i="0" sz="1600" u="none" cap="none" strike="noStrike">
-              <a:solidFill>
-                <a:schemeClr val="dk1"/>
-              </a:solidFill>
-              <a:latin typeface="Arial"/>
-              <a:ea typeface="Arial"/>
-              <a:cs typeface="Arial"/>
-              <a:sym typeface="Arial"/>
-            </a:endParaRPr>
+            <a:endParaRPr/>
           </a:p>
           <a:p>
             <a:pPr indent="-330200" lvl="0" marL="457200" marR="0" rtl="0" algn="l">
@@ -12060,7 +12535,50 @@
                 <a:spcPts val="0"/>
               </a:spcAft>
               <a:buClr>
-                <a:srgbClr val="000000"/>
+                <a:schemeClr val="dk1"/>
+              </a:buClr>
+              <a:buSzPts val="1600"/>
+              <a:buFont typeface="Arial"/>
+              <a:buAutoNum type="arabicPeriod"/>
+            </a:pPr>
+            <a:r>
+              <a:rPr b="0" i="0" lang="de" sz="1600" u="none" cap="none" strike="noStrike">
+                <a:solidFill>
+                  <a:schemeClr val="dk1"/>
+                </a:solidFill>
+                <a:latin typeface="Arial"/>
+                <a:ea typeface="Arial"/>
+                <a:cs typeface="Arial"/>
+                <a:sym typeface="Arial"/>
+              </a:rPr>
+              <a:t>Fragen</a:t>
+            </a:r>
+            <a:br>
+              <a:rPr b="0" i="0" lang="de" sz="1600" u="none" cap="none" strike="noStrike">
+                <a:solidFill>
+                  <a:schemeClr val="dk1"/>
+                </a:solidFill>
+                <a:latin typeface="Arial"/>
+                <a:ea typeface="Arial"/>
+                <a:cs typeface="Arial"/>
+                <a:sym typeface="Arial"/>
+              </a:rPr>
+            </a:br>
+            <a:endParaRPr/>
+          </a:p>
+          <a:p>
+            <a:pPr indent="-330200" lvl="0" marL="457200" marR="0" rtl="0" algn="l">
+              <a:lnSpc>
+                <a:spcPct val="100000"/>
+              </a:lnSpc>
+              <a:spcBef>
+                <a:spcPts val="0"/>
+              </a:spcBef>
+              <a:spcAft>
+                <a:spcPts val="0"/>
+              </a:spcAft>
+              <a:buClr>
+                <a:schemeClr val="dk1"/>
               </a:buClr>
               <a:buSzPts val="1600"/>
               <a:buFont typeface="Arial"/>
@@ -12131,10 +12649,6 @@
           <a:prstGeom prst="rect">
             <a:avLst/>
           </a:prstGeom>
-          <a:noFill/>
-          <a:ln>
-            <a:noFill/>
-          </a:ln>
         </p:spPr>
         <p:txBody>
           <a:bodyPr anchorCtr="0" anchor="b" bIns="0" lIns="0" spcFirstLastPara="1" rIns="0" wrap="square" tIns="0">
@@ -12143,21 +12657,17 @@
           <a:lstStyle/>
           <a:p>
             <a:pPr indent="0" lvl="0" marL="0" rtl="0" algn="l">
-              <a:lnSpc>
-                <a:spcPct val="100000"/>
-              </a:lnSpc>
-              <a:spcBef>
-                <a:spcPts val="0"/>
-              </a:spcBef>
-              <a:spcAft>
-                <a:spcPts val="0"/>
-              </a:spcAft>
-              <a:buSzPts val="1400"/>
+              <a:spcBef>
+                <a:spcPts val="0"/>
+              </a:spcBef>
+              <a:spcAft>
+                <a:spcPts val="0"/>
+              </a:spcAft>
               <a:buNone/>
             </a:pPr>
             <a:r>
               <a:rPr lang="de"/>
-              <a:t>1.1.1. static vs. non static</a:t>
+              <a:t>1. Objektorientierung</a:t>
             </a:r>
             <a:endParaRPr/>
           </a:p>
@@ -12179,10 +12689,6 @@
           <a:prstGeom prst="rect">
             <a:avLst/>
           </a:prstGeom>
-          <a:noFill/>
-          <a:ln>
-            <a:noFill/>
-          </a:ln>
         </p:spPr>
         <p:txBody>
           <a:bodyPr anchorCtr="0" anchor="t" bIns="0" lIns="0" spcFirstLastPara="1" rIns="0" wrap="square" tIns="0">
@@ -12190,139 +12696,121 @@
           </a:bodyPr>
           <a:lstStyle/>
           <a:p>
-            <a:pPr indent="0" lvl="0" marL="0" marR="0" rtl="0" algn="l">
-              <a:lnSpc>
-                <a:spcPct val="100000"/>
-              </a:lnSpc>
+            <a:pPr indent="0" lvl="0" marL="0" rtl="0" algn="l">
               <a:spcBef>
                 <a:spcPts val="320"/>
               </a:spcBef>
               <a:spcAft>
                 <a:spcPts val="0"/>
               </a:spcAft>
-              <a:buClr>
-                <a:srgbClr val="000000"/>
-              </a:buClr>
-              <a:buSzPts val="1400"/>
-              <a:buFont typeface="Arial"/>
               <a:buNone/>
             </a:pPr>
             <a:r>
-              <a:rPr b="0" i="0" lang="de" sz="1600" u="none" cap="none" strike="noStrike">
-                <a:solidFill>
-                  <a:schemeClr val="dk1"/>
-                </a:solidFill>
-                <a:latin typeface="Arial"/>
-                <a:ea typeface="Arial"/>
-                <a:cs typeface="Arial"/>
-                <a:sym typeface="Arial"/>
-              </a:rPr>
-              <a:t>Das Schlüsselwort “static” vor Attributen, Methoden, oder Klassen bedeutet, dass das Attribut / die Methode / die Klasse </a:t>
-            </a:r>
-            <a:r>
-              <a:rPr b="1" i="0" lang="de" sz="1600" u="none" cap="none" strike="noStrike">
-                <a:solidFill>
-                  <a:schemeClr val="dk1"/>
-                </a:solidFill>
-                <a:latin typeface="Arial"/>
-                <a:ea typeface="Arial"/>
-                <a:cs typeface="Arial"/>
-                <a:sym typeface="Arial"/>
-              </a:rPr>
-              <a:t>zur Klasse und nicht zur Instanz der Klasse (Objekt) gehört</a:t>
-            </a:r>
-            <a:r>
-              <a:rPr b="0" i="0" lang="de" sz="1600" u="none" cap="none" strike="noStrike">
-                <a:solidFill>
-                  <a:schemeClr val="dk1"/>
-                </a:solidFill>
-                <a:latin typeface="Arial"/>
-                <a:ea typeface="Arial"/>
-                <a:cs typeface="Arial"/>
-                <a:sym typeface="Arial"/>
-              </a:rPr>
-              <a:t>. </a:t>
-            </a:r>
-            <a:endParaRPr b="0" i="0" sz="1600" u="none" cap="none" strike="noStrike">
-              <a:solidFill>
-                <a:schemeClr val="dk1"/>
-              </a:solidFill>
-              <a:latin typeface="Arial"/>
-              <a:ea typeface="Arial"/>
-              <a:cs typeface="Arial"/>
-              <a:sym typeface="Arial"/>
-            </a:endParaRPr>
+              <a:rPr lang="de"/>
+              <a:t>Bislang kennen wir in Java nur die primitiven Datentypen (von Ausnahmen wie der Scanner-Klasse abgesehen).</a:t>
+            </a:r>
+            <a:endParaRPr/>
           </a:p>
           <a:p>
-            <a:pPr indent="0" lvl="0" marL="0" marR="0" rtl="0" algn="l">
-              <a:lnSpc>
-                <a:spcPct val="100000"/>
-              </a:lnSpc>
+            <a:pPr indent="0" lvl="0" marL="0" rtl="0" algn="l">
               <a:spcBef>
                 <a:spcPts val="320"/>
               </a:spcBef>
               <a:spcAft>
                 <a:spcPts val="0"/>
               </a:spcAft>
-              <a:buClr>
-                <a:srgbClr val="000000"/>
-              </a:buClr>
-              <a:buSzPts val="1400"/>
-              <a:buFont typeface="Arial"/>
               <a:buNone/>
             </a:pPr>
             <a:r>
               <a:t/>
             </a:r>
-            <a:endParaRPr b="0" i="0" sz="1600" u="none" cap="none" strike="noStrike">
-              <a:solidFill>
-                <a:schemeClr val="dk1"/>
-              </a:solidFill>
-              <a:latin typeface="Arial"/>
-              <a:ea typeface="Arial"/>
-              <a:cs typeface="Arial"/>
-              <a:sym typeface="Arial"/>
-            </a:endParaRPr>
+            <a:endParaRPr/>
           </a:p>
           <a:p>
-            <a:pPr indent="0" lvl="0" marL="0" marR="0" rtl="0" algn="l">
-              <a:lnSpc>
-                <a:spcPct val="100000"/>
-              </a:lnSpc>
+            <a:pPr indent="0" lvl="0" marL="0" rtl="0" algn="l">
               <a:spcBef>
                 <a:spcPts val="320"/>
               </a:spcBef>
               <a:spcAft>
                 <a:spcPts val="0"/>
               </a:spcAft>
-              <a:buClr>
-                <a:srgbClr val="000000"/>
-              </a:buClr>
-              <a:buSzPts val="1400"/>
-              <a:buFont typeface="Arial"/>
               <a:buNone/>
             </a:pPr>
             <a:r>
-              <a:rPr b="0" i="0" lang="de" sz="1600" u="none" cap="none" strike="noStrike">
-                <a:solidFill>
-                  <a:schemeClr val="dk1"/>
-                </a:solidFill>
-                <a:latin typeface="Arial"/>
-                <a:ea typeface="Arial"/>
-                <a:cs typeface="Arial"/>
-                <a:sym typeface="Arial"/>
-              </a:rPr>
-              <a:t>Wir gehen auf den Unterschied im folgenden noch weiter ein.</a:t>
-            </a:r>
-            <a:endParaRPr b="0" i="0" sz="1600" u="none" cap="none" strike="noStrike">
-              <a:solidFill>
-                <a:schemeClr val="dk1"/>
-              </a:solidFill>
-              <a:latin typeface="Arial"/>
-              <a:ea typeface="Arial"/>
-              <a:cs typeface="Arial"/>
-              <a:sym typeface="Arial"/>
-            </a:endParaRPr>
+              <a:rPr lang="de"/>
+              <a:t>In Java ist es jedoch auch möglich, sich eigene, komplexere Datentypen selber zu definieren oder bereits bestehende Datentypen aus der Java-API zu nutzen.</a:t>
+            </a:r>
+            <a:endParaRPr/>
+          </a:p>
+          <a:p>
+            <a:pPr indent="0" lvl="0" marL="0" rtl="0" algn="l">
+              <a:spcBef>
+                <a:spcPts val="320"/>
+              </a:spcBef>
+              <a:spcAft>
+                <a:spcPts val="0"/>
+              </a:spcAft>
+              <a:buNone/>
+            </a:pPr>
+            <a:r>
+              <a:t/>
+            </a:r>
+            <a:endParaRPr/>
+          </a:p>
+          <a:p>
+            <a:pPr indent="0" lvl="0" marL="0" rtl="0" algn="l">
+              <a:spcBef>
+                <a:spcPts val="320"/>
+              </a:spcBef>
+              <a:spcAft>
+                <a:spcPts val="0"/>
+              </a:spcAft>
+              <a:buNone/>
+            </a:pPr>
+            <a:r>
+              <a:rPr lang="de"/>
+              <a:t>Diese komplexeren Datentypen nennt man </a:t>
+            </a:r>
+            <a:r>
+              <a:rPr b="1" lang="de"/>
+              <a:t>Referenzdatentypen</a:t>
+            </a:r>
+            <a:r>
+              <a:rPr lang="de"/>
+              <a:t>, da Variablen dieser Datentypen nicht den Wert der Variable selber, sondern eine Referenz darauf enthalten. Daraus ergeben sich auch einige Unterschiede im Umgange, die wir später klären.</a:t>
+            </a:r>
+            <a:endParaRPr/>
+          </a:p>
+          <a:p>
+            <a:pPr indent="0" lvl="0" marL="0" rtl="0" algn="l">
+              <a:spcBef>
+                <a:spcPts val="320"/>
+              </a:spcBef>
+              <a:spcAft>
+                <a:spcPts val="0"/>
+              </a:spcAft>
+              <a:buNone/>
+            </a:pPr>
+            <a:r>
+              <a:t/>
+            </a:r>
+            <a:endParaRPr/>
+          </a:p>
+          <a:p>
+            <a:pPr indent="0" lvl="0" marL="0" rtl="0" algn="l">
+              <a:spcBef>
+                <a:spcPts val="320"/>
+              </a:spcBef>
+              <a:spcAft>
+                <a:spcPts val="0"/>
+              </a:spcAft>
+              <a:buNone/>
+            </a:pPr>
+            <a:r>
+              <a:rPr lang="de"/>
+              <a:t>Man definiert sich eigene Datentypen durch das Schreiben von Klassen, wie wir im folgenden sehen.</a:t>
+            </a:r>
+            <a:endParaRPr/>
           </a:p>
         </p:txBody>
       </p:sp>
@@ -12393,7 +12881,7 @@
             </a:pPr>
             <a:r>
               <a:rPr lang="de"/>
-              <a:t>1.1.2. this</a:t>
+              <a:t>1.1.1. static vs. non static</a:t>
             </a:r>
             <a:endParaRPr/>
           </a:p>
@@ -12426,7 +12914,7 @@
           </a:bodyPr>
           <a:lstStyle/>
           <a:p>
-            <a:pPr indent="-317500" lvl="0" marL="457200" marR="0" rtl="0" algn="l">
+            <a:pPr indent="0" lvl="0" marL="0" marR="0" rtl="0" algn="l">
               <a:lnSpc>
                 <a:spcPct val="100000"/>
               </a:lnSpc>
@@ -12441,7 +12929,7 @@
               </a:buClr>
               <a:buSzPts val="1400"/>
               <a:buFont typeface="Arial"/>
-              <a:buChar char="●"/>
+              <a:buNone/>
             </a:pPr>
             <a:r>
               <a:rPr b="0" i="0" lang="de" sz="1600" u="none" cap="none" strike="noStrike">
@@ -12453,9 +12941,21 @@
                 <a:cs typeface="Arial"/>
                 <a:sym typeface="Arial"/>
               </a:rPr>
-              <a:t>Das Schlüsselwort this ist immer eine Referenz (wie eine nicht-überschreibbare Variable) auf das aktuelle Objekt</a:t>
-            </a:r>
-            <a:br>
+              <a:t>Das Schlüsselwort “static” vor Attributen, Methoden, oder Klassen bedeutet, dass das Attribut / die Methode / die Klasse </a:t>
+            </a:r>
+            <a:r>
+              <a:rPr b="1" i="0" lang="de" sz="1600" u="none" cap="none" strike="noStrike">
+                <a:solidFill>
+                  <a:schemeClr val="dk1"/>
+                </a:solidFill>
+                <a:latin typeface="Arial"/>
+                <a:ea typeface="Arial"/>
+                <a:cs typeface="Arial"/>
+                <a:sym typeface="Arial"/>
+              </a:rPr>
+              <a:t>zur Klasse und nicht zur Instanz der Klasse (Objekt) gehört</a:t>
+            </a:r>
+            <a:r>
               <a:rPr b="0" i="0" lang="de" sz="1600" u="none" cap="none" strike="noStrike">
                 <a:solidFill>
                   <a:schemeClr val="dk1"/>
@@ -12465,7 +12965,55 @@
                 <a:cs typeface="Arial"/>
                 <a:sym typeface="Arial"/>
               </a:rPr>
-            </a:br>
+              <a:t>. </a:t>
+            </a:r>
+            <a:endParaRPr/>
+          </a:p>
+          <a:p>
+            <a:pPr indent="0" lvl="0" marL="0" marR="0" rtl="0" algn="l">
+              <a:lnSpc>
+                <a:spcPct val="100000"/>
+              </a:lnSpc>
+              <a:spcBef>
+                <a:spcPts val="320"/>
+              </a:spcBef>
+              <a:spcAft>
+                <a:spcPts val="0"/>
+              </a:spcAft>
+              <a:buClr>
+                <a:srgbClr val="000000"/>
+              </a:buClr>
+              <a:buSzPts val="1400"/>
+              <a:buFont typeface="Arial"/>
+              <a:buNone/>
+            </a:pPr>
+            <a:r>
+              <a:rPr lang="de"/>
+              <a:t>Man kann aus statischen Kontexten (z.B. Funktionen) nicht auf Attribute von Objekten zugreifen:</a:t>
+            </a:r>
+            <a:endParaRPr/>
+          </a:p>
+          <a:p>
+            <a:pPr indent="0" lvl="0" marL="0" marR="0" rtl="0" algn="l">
+              <a:lnSpc>
+                <a:spcPct val="100000"/>
+              </a:lnSpc>
+              <a:spcBef>
+                <a:spcPts val="320"/>
+              </a:spcBef>
+              <a:spcAft>
+                <a:spcPts val="0"/>
+              </a:spcAft>
+              <a:buClr>
+                <a:srgbClr val="000000"/>
+              </a:buClr>
+              <a:buSzPts val="1400"/>
+              <a:buFont typeface="Arial"/>
+              <a:buNone/>
+            </a:pPr>
+            <a:r>
+              <a:t/>
+            </a:r>
             <a:endParaRPr b="0" i="0" sz="1600" u="none" cap="none" strike="noStrike">
               <a:solidFill>
                 <a:schemeClr val="dk1"/>
@@ -12477,12 +13025,12 @@
             </a:endParaRPr>
           </a:p>
           <a:p>
-            <a:pPr indent="-317500" lvl="0" marL="457200" marR="0" rtl="0" algn="l">
-              <a:lnSpc>
-                <a:spcPct val="100000"/>
-              </a:lnSpc>
-              <a:spcBef>
-                <a:spcPts val="0"/>
+            <a:pPr indent="0" lvl="0" marL="0" marR="0" rtl="0" algn="l">
+              <a:lnSpc>
+                <a:spcPct val="100000"/>
+              </a:lnSpc>
+              <a:spcBef>
+                <a:spcPts val="320"/>
               </a:spcBef>
               <a:spcAft>
                 <a:spcPts val="0"/>
@@ -12492,7 +13040,7 @@
               </a:buClr>
               <a:buSzPts val="1400"/>
               <a:buFont typeface="Arial"/>
-              <a:buChar char="●"/>
+              <a:buNone/>
             </a:pPr>
             <a:r>
               <a:rPr b="0" i="0" lang="de" sz="1600" u="none" cap="none" strike="noStrike">
@@ -12504,58 +13052,11 @@
                 <a:cs typeface="Arial"/>
                 <a:sym typeface="Arial"/>
               </a:rPr>
-              <a:t>Es kann nur in nicht-statisches Kontexten (z.B. Methoden) verwendet werden, da nur dort klar ist, auf welche Instanz der Klasse es sich bezieht.</a:t>
-            </a:r>
-            <a:br>
-              <a:rPr b="0" i="0" lang="de" sz="1600" u="none" cap="none" strike="noStrike">
-                <a:solidFill>
-                  <a:schemeClr val="dk1"/>
-                </a:solidFill>
-                <a:latin typeface="Arial"/>
-                <a:ea typeface="Arial"/>
-                <a:cs typeface="Arial"/>
-                <a:sym typeface="Arial"/>
-              </a:rPr>
-            </a:br>
-            <a:endParaRPr b="0" i="0" sz="1600" u="none" cap="none" strike="noStrike">
-              <a:solidFill>
-                <a:schemeClr val="dk1"/>
-              </a:solidFill>
-              <a:latin typeface="Arial"/>
-              <a:ea typeface="Arial"/>
-              <a:cs typeface="Arial"/>
-              <a:sym typeface="Arial"/>
-            </a:endParaRPr>
-          </a:p>
-          <a:p>
-            <a:pPr indent="-317500" lvl="0" marL="457200" marR="0" rtl="0" algn="l">
-              <a:lnSpc>
-                <a:spcPct val="100000"/>
-              </a:lnSpc>
-              <a:spcBef>
-                <a:spcPts val="0"/>
-              </a:spcBef>
-              <a:spcAft>
-                <a:spcPts val="0"/>
-              </a:spcAft>
-              <a:buClr>
-                <a:srgbClr val="000000"/>
-              </a:buClr>
-              <a:buSzPts val="1400"/>
-              <a:buFont typeface="Arial"/>
-              <a:buChar char="●"/>
-            </a:pPr>
-            <a:r>
-              <a:rPr b="0" i="0" lang="de" sz="1600" u="none" cap="none" strike="noStrike">
-                <a:solidFill>
-                  <a:schemeClr val="dk1"/>
-                </a:solidFill>
-                <a:latin typeface="Arial"/>
-                <a:ea typeface="Arial"/>
-                <a:cs typeface="Arial"/>
-                <a:sym typeface="Arial"/>
-              </a:rPr>
-              <a:t>Mehr zu “this” wird es auf den folgenden Folien geben</a:t>
+              <a:t>Wir gehen auf den Unterschied im folgenden noch weiter ein</a:t>
+            </a:r>
+            <a:r>
+              <a:rPr lang="de"/>
+              <a:t>, hier aber ein erstes intuitives Beispiel:</a:t>
             </a:r>
             <a:endParaRPr b="0" i="0" sz="1600" u="none" cap="none" strike="noStrike">
               <a:solidFill>
@@ -12569,6 +13070,34 @@
           </a:p>
         </p:txBody>
       </p:sp>
+      <p:pic>
+        <p:nvPicPr>
+          <p:cNvPr id="104" name="Google Shape;104;p19"/>
+          <p:cNvPicPr preferRelativeResize="0"/>
+          <p:nvPr/>
+        </p:nvPicPr>
+        <p:blipFill>
+          <a:blip r:embed="rId3">
+            <a:alphaModFix/>
+          </a:blip>
+          <a:stretch>
+            <a:fillRect/>
+          </a:stretch>
+        </p:blipFill>
+        <p:spPr>
+          <a:xfrm>
+            <a:off x="1559338" y="2775875"/>
+            <a:ext cx="6296025" cy="1657350"/>
+          </a:xfrm>
+          <a:prstGeom prst="rect">
+            <a:avLst/>
+          </a:prstGeom>
+          <a:noFill/>
+          <a:ln>
+            <a:noFill/>
+          </a:ln>
+        </p:spPr>
+      </p:pic>
     </p:spTree>
   </p:cSld>
   <p:clrMapOvr>
@@ -12582,7 +13111,7 @@
   <p:cSld>
     <p:spTree>
       <p:nvGrpSpPr>
-        <p:cNvPr id="107" name="Shape 107"/>
+        <p:cNvPr id="108" name="Shape 108"/>
         <p:cNvGrpSpPr/>
         <p:nvPr/>
       </p:nvGrpSpPr>
@@ -12596,7 +13125,7 @@
       </p:grpSpPr>
       <p:sp>
         <p:nvSpPr>
-          <p:cNvPr id="108" name="Google Shape;108;p20"/>
+          <p:cNvPr id="109" name="Google Shape;109;p20"/>
           <p:cNvSpPr txBox="1"/>
           <p:nvPr>
             <p:ph type="title"/>
@@ -12636,7 +13165,7 @@
             </a:pPr>
             <a:r>
               <a:rPr lang="de"/>
-              <a:t>1.1.4. final</a:t>
+              <a:t>1.1.2. this</a:t>
             </a:r>
             <a:endParaRPr/>
           </a:p>
@@ -12644,7 +13173,7 @@
       </p:sp>
       <p:sp>
         <p:nvSpPr>
-          <p:cNvPr id="109" name="Google Shape;109;p20"/>
+          <p:cNvPr id="110" name="Google Shape;110;p20"/>
           <p:cNvSpPr/>
           <p:nvPr>
             <p:ph idx="2" type="chart"/>
@@ -12669,7 +13198,7 @@
           </a:bodyPr>
           <a:lstStyle/>
           <a:p>
-            <a:pPr indent="0" lvl="0" marL="0" marR="0" rtl="0" algn="l">
+            <a:pPr indent="-317500" lvl="0" marL="457200" marR="0" rtl="0" algn="l">
               <a:lnSpc>
                 <a:spcPct val="100000"/>
               </a:lnSpc>
@@ -12684,7 +13213,7 @@
               </a:buClr>
               <a:buSzPts val="1400"/>
               <a:buFont typeface="Arial"/>
-              <a:buNone/>
+              <a:buChar char="●"/>
             </a:pPr>
             <a:r>
               <a:rPr b="0" i="0" lang="de" sz="1600" u="none" cap="none" strike="noStrike">
@@ -12696,161 +13225,9 @@
                 <a:cs typeface="Arial"/>
                 <a:sym typeface="Arial"/>
               </a:rPr>
-              <a:t>Als final deklarierte Variablen sind unveränderlich. Ihnen muss bei der Deklaration direkt auch einen Wert zugewiesen werden. Sie werden auch als Konstanten bezeichnet.</a:t>
-            </a:r>
-            <a:endParaRPr b="0" i="0" sz="1600" u="none" cap="none" strike="noStrike">
-              <a:solidFill>
-                <a:schemeClr val="dk1"/>
-              </a:solidFill>
-              <a:latin typeface="Arial"/>
-              <a:ea typeface="Arial"/>
-              <a:cs typeface="Arial"/>
-              <a:sym typeface="Arial"/>
-            </a:endParaRPr>
-          </a:p>
-          <a:p>
-            <a:pPr indent="0" lvl="0" marL="0" marR="0" rtl="0" algn="l">
-              <a:lnSpc>
-                <a:spcPct val="100000"/>
-              </a:lnSpc>
-              <a:spcBef>
-                <a:spcPts val="320"/>
-              </a:spcBef>
-              <a:spcAft>
-                <a:spcPts val="0"/>
-              </a:spcAft>
-              <a:buClr>
-                <a:srgbClr val="000000"/>
-              </a:buClr>
-              <a:buSzPts val="1400"/>
-              <a:buFont typeface="Arial"/>
-              <a:buNone/>
-            </a:pPr>
-            <a:r>
-              <a:t/>
-            </a:r>
-            <a:endParaRPr b="0" i="0" sz="1600" u="none" cap="none" strike="noStrike">
-              <a:solidFill>
-                <a:schemeClr val="dk1"/>
-              </a:solidFill>
-              <a:latin typeface="Arial"/>
-              <a:ea typeface="Arial"/>
-              <a:cs typeface="Arial"/>
-              <a:sym typeface="Arial"/>
-            </a:endParaRPr>
-          </a:p>
-          <a:p>
-            <a:pPr indent="0" lvl="0" marL="0" marR="0" rtl="0" algn="l">
-              <a:lnSpc>
-                <a:spcPct val="100000"/>
-              </a:lnSpc>
-              <a:spcBef>
-                <a:spcPts val="320"/>
-              </a:spcBef>
-              <a:spcAft>
-                <a:spcPts val="0"/>
-              </a:spcAft>
-              <a:buClr>
-                <a:srgbClr val="000000"/>
-              </a:buClr>
-              <a:buSzPts val="1400"/>
-              <a:buFont typeface="Arial"/>
-              <a:buNone/>
-            </a:pPr>
-            <a:r>
-              <a:t/>
-            </a:r>
-            <a:endParaRPr b="0" i="0" sz="1600" u="none" cap="none" strike="noStrike">
-              <a:solidFill>
-                <a:schemeClr val="dk1"/>
-              </a:solidFill>
-              <a:latin typeface="Arial"/>
-              <a:ea typeface="Arial"/>
-              <a:cs typeface="Arial"/>
-              <a:sym typeface="Arial"/>
-            </a:endParaRPr>
-          </a:p>
-          <a:p>
-            <a:pPr indent="0" lvl="0" marL="0" marR="0" rtl="0" algn="l">
-              <a:lnSpc>
-                <a:spcPct val="100000"/>
-              </a:lnSpc>
-              <a:spcBef>
-                <a:spcPts val="320"/>
-              </a:spcBef>
-              <a:spcAft>
-                <a:spcPts val="0"/>
-              </a:spcAft>
-              <a:buClr>
-                <a:srgbClr val="000000"/>
-              </a:buClr>
-              <a:buSzPts val="1400"/>
-              <a:buFont typeface="Arial"/>
-              <a:buNone/>
-            </a:pPr>
-            <a:r>
-              <a:t/>
-            </a:r>
-            <a:endParaRPr b="0" i="0" sz="1600" u="none" cap="none" strike="noStrike">
-              <a:solidFill>
-                <a:schemeClr val="dk1"/>
-              </a:solidFill>
-              <a:latin typeface="Arial"/>
-              <a:ea typeface="Arial"/>
-              <a:cs typeface="Arial"/>
-              <a:sym typeface="Arial"/>
-            </a:endParaRPr>
-          </a:p>
-          <a:p>
-            <a:pPr indent="0" lvl="0" marL="0" marR="0" rtl="0" algn="l">
-              <a:lnSpc>
-                <a:spcPct val="100000"/>
-              </a:lnSpc>
-              <a:spcBef>
-                <a:spcPts val="320"/>
-              </a:spcBef>
-              <a:spcAft>
-                <a:spcPts val="0"/>
-              </a:spcAft>
-              <a:buClr>
-                <a:srgbClr val="000000"/>
-              </a:buClr>
-              <a:buSzPts val="1400"/>
-              <a:buFont typeface="Arial"/>
-              <a:buNone/>
-            </a:pPr>
-            <a:r>
-              <a:t/>
-            </a:r>
-            <a:endParaRPr b="0" i="0" sz="1600" u="none" cap="none" strike="noStrike">
-              <a:solidFill>
-                <a:schemeClr val="dk1"/>
-              </a:solidFill>
-              <a:latin typeface="Arial"/>
-              <a:ea typeface="Arial"/>
-              <a:cs typeface="Arial"/>
-              <a:sym typeface="Arial"/>
-            </a:endParaRPr>
-          </a:p>
-          <a:p>
-            <a:pPr indent="0" lvl="0" marL="0" marR="0" rtl="0" algn="l">
-              <a:lnSpc>
-                <a:spcPct val="100000"/>
-              </a:lnSpc>
-              <a:spcBef>
-                <a:spcPts val="320"/>
-              </a:spcBef>
-              <a:spcAft>
-                <a:spcPts val="0"/>
-              </a:spcAft>
-              <a:buClr>
-                <a:srgbClr val="000000"/>
-              </a:buClr>
-              <a:buSzPts val="1400"/>
-              <a:buFont typeface="Arial"/>
-              <a:buNone/>
-            </a:pPr>
-            <a:r>
+              <a:t>Das Schlüsselwort this ist immer eine Referenz (wie eine nicht-überschreibbare Variable) auf das aktuelle Objekt</a:t>
+            </a:r>
+            <a:br>
               <a:rPr b="0" i="0" lang="de" sz="1600" u="none" cap="none" strike="noStrike">
                 <a:solidFill>
                   <a:schemeClr val="dk1"/>
@@ -12860,7 +13237,117 @@
                 <a:cs typeface="Arial"/>
                 <a:sym typeface="Arial"/>
               </a:rPr>
-              <a:t>Konstanten werden in der Regel dadurch gekennzeichnet, dass ihr Name ausschließlich aus Großbuchstaben besteht.</a:t>
+            </a:br>
+            <a:endParaRPr b="0" i="0" sz="1600" u="none" cap="none" strike="noStrike">
+              <a:solidFill>
+                <a:schemeClr val="dk1"/>
+              </a:solidFill>
+              <a:latin typeface="Arial"/>
+              <a:ea typeface="Arial"/>
+              <a:cs typeface="Arial"/>
+              <a:sym typeface="Arial"/>
+            </a:endParaRPr>
+          </a:p>
+          <a:p>
+            <a:pPr indent="-317500" lvl="0" marL="457200" marR="0" rtl="0" algn="l">
+              <a:lnSpc>
+                <a:spcPct val="100000"/>
+              </a:lnSpc>
+              <a:spcBef>
+                <a:spcPts val="0"/>
+              </a:spcBef>
+              <a:spcAft>
+                <a:spcPts val="0"/>
+              </a:spcAft>
+              <a:buClr>
+                <a:srgbClr val="000000"/>
+              </a:buClr>
+              <a:buSzPts val="1400"/>
+              <a:buFont typeface="Arial"/>
+              <a:buChar char="●"/>
+            </a:pPr>
+            <a:r>
+              <a:rPr b="0" i="0" lang="de" sz="1600" u="none" cap="none" strike="noStrike">
+                <a:solidFill>
+                  <a:schemeClr val="dk1"/>
+                </a:solidFill>
+                <a:latin typeface="Arial"/>
+                <a:ea typeface="Arial"/>
+                <a:cs typeface="Arial"/>
+                <a:sym typeface="Arial"/>
+              </a:rPr>
+              <a:t>Es kann </a:t>
+            </a:r>
+            <a:r>
+              <a:rPr b="1" i="0" lang="de" sz="1600" u="none" cap="none" strike="noStrike">
+                <a:solidFill>
+                  <a:schemeClr val="dk1"/>
+                </a:solidFill>
+              </a:rPr>
+              <a:t>nur in nicht-statisches Kontexten</a:t>
+            </a:r>
+            <a:r>
+              <a:rPr b="0" i="0" lang="de" sz="1600" u="none" cap="none" strike="noStrike">
+                <a:solidFill>
+                  <a:schemeClr val="dk1"/>
+                </a:solidFill>
+                <a:latin typeface="Arial"/>
+                <a:ea typeface="Arial"/>
+                <a:cs typeface="Arial"/>
+                <a:sym typeface="Arial"/>
+              </a:rPr>
+              <a:t> (z.B. Methoden) verwendet werden, da nur dort klar ist, auf welche Instanz der Klasse es sich bezieht.</a:t>
+            </a:r>
+            <a:br>
+              <a:rPr b="0" i="0" lang="de" sz="1600" u="none" cap="none" strike="noStrike">
+                <a:solidFill>
+                  <a:schemeClr val="dk1"/>
+                </a:solidFill>
+                <a:latin typeface="Arial"/>
+                <a:ea typeface="Arial"/>
+                <a:cs typeface="Arial"/>
+                <a:sym typeface="Arial"/>
+              </a:rPr>
+            </a:br>
+            <a:endParaRPr b="0" i="0" sz="1600" u="none" cap="none" strike="noStrike">
+              <a:solidFill>
+                <a:schemeClr val="dk1"/>
+              </a:solidFill>
+              <a:latin typeface="Arial"/>
+              <a:ea typeface="Arial"/>
+              <a:cs typeface="Arial"/>
+              <a:sym typeface="Arial"/>
+            </a:endParaRPr>
+          </a:p>
+          <a:p>
+            <a:pPr indent="-317500" lvl="0" marL="457200" marR="0" rtl="0" algn="l">
+              <a:lnSpc>
+                <a:spcPct val="100000"/>
+              </a:lnSpc>
+              <a:spcBef>
+                <a:spcPts val="0"/>
+              </a:spcBef>
+              <a:spcAft>
+                <a:spcPts val="0"/>
+              </a:spcAft>
+              <a:buClr>
+                <a:srgbClr val="000000"/>
+              </a:buClr>
+              <a:buSzPts val="1400"/>
+              <a:buFont typeface="Arial"/>
+              <a:buChar char="●"/>
+            </a:pPr>
+            <a:r>
+              <a:rPr b="0" i="0" lang="de" sz="1600" u="none" cap="none" strike="noStrike">
+                <a:solidFill>
+                  <a:schemeClr val="dk1"/>
+                </a:solidFill>
+                <a:latin typeface="Arial"/>
+                <a:ea typeface="Arial"/>
+                <a:cs typeface="Arial"/>
+                <a:sym typeface="Arial"/>
+              </a:rPr>
+              <a:t>Mehr zu “this” wird es auf den folgenden Folien geben</a:t>
             </a:r>
             <a:endParaRPr b="0" i="0" sz="1600" u="none" cap="none" strike="noStrike">
               <a:solidFill>
@@ -12874,33 +13361,6 @@
           </a:p>
         </p:txBody>
       </p:sp>
-      <p:pic>
-        <p:nvPicPr>
-          <p:cNvPr id="110" name="Google Shape;110;p20"/>
-          <p:cNvPicPr preferRelativeResize="0"/>
-          <p:nvPr/>
-        </p:nvPicPr>
-        <p:blipFill rotWithShape="1">
-          <a:blip r:embed="rId3">
-            <a:alphaModFix/>
-          </a:blip>
-          <a:srcRect b="0" l="0" r="0" t="0"/>
-          <a:stretch/>
-        </p:blipFill>
-        <p:spPr>
-          <a:xfrm>
-            <a:off x="2346063" y="1657947"/>
-            <a:ext cx="4451875" cy="270975"/>
-          </a:xfrm>
-          <a:prstGeom prst="rect">
-            <a:avLst/>
-          </a:prstGeom>
-          <a:noFill/>
-          <a:ln>
-            <a:noFill/>
-          </a:ln>
-        </p:spPr>
-      </p:pic>
     </p:spTree>
   </p:cSld>
   <p:clrMapOvr>
@@ -12968,7 +13428,7 @@
             </a:pPr>
             <a:r>
               <a:rPr lang="de"/>
-              <a:t>1.2. Attribute und Klassenvariablen</a:t>
+              <a:t>1.1.4. final</a:t>
             </a:r>
             <a:endParaRPr/>
           </a:p>
@@ -13001,6 +13461,338 @@
           </a:bodyPr>
           <a:lstStyle/>
           <a:p>
+            <a:pPr indent="0" lvl="0" marL="0" marR="0" rtl="0" algn="l">
+              <a:lnSpc>
+                <a:spcPct val="100000"/>
+              </a:lnSpc>
+              <a:spcBef>
+                <a:spcPts val="320"/>
+              </a:spcBef>
+              <a:spcAft>
+                <a:spcPts val="0"/>
+              </a:spcAft>
+              <a:buClr>
+                <a:srgbClr val="000000"/>
+              </a:buClr>
+              <a:buSzPts val="1400"/>
+              <a:buFont typeface="Arial"/>
+              <a:buNone/>
+            </a:pPr>
+            <a:r>
+              <a:rPr b="0" i="0" lang="de" sz="1600" u="none" cap="none" strike="noStrike">
+                <a:solidFill>
+                  <a:schemeClr val="dk1"/>
+                </a:solidFill>
+                <a:latin typeface="Arial"/>
+                <a:ea typeface="Arial"/>
+                <a:cs typeface="Arial"/>
+                <a:sym typeface="Arial"/>
+              </a:rPr>
+              <a:t>Als final deklarierte Variablen sind unveränderlich. Ihnen muss bei der Deklaration direkt auch einen Wert zugewiesen werden. Sie werden auch als Konstanten bezeichnet.</a:t>
+            </a:r>
+            <a:endParaRPr b="0" i="0" sz="1600" u="none" cap="none" strike="noStrike">
+              <a:solidFill>
+                <a:schemeClr val="dk1"/>
+              </a:solidFill>
+              <a:latin typeface="Arial"/>
+              <a:ea typeface="Arial"/>
+              <a:cs typeface="Arial"/>
+              <a:sym typeface="Arial"/>
+            </a:endParaRPr>
+          </a:p>
+          <a:p>
+            <a:pPr indent="0" lvl="0" marL="0" marR="0" rtl="0" algn="l">
+              <a:lnSpc>
+                <a:spcPct val="100000"/>
+              </a:lnSpc>
+              <a:spcBef>
+                <a:spcPts val="320"/>
+              </a:spcBef>
+              <a:spcAft>
+                <a:spcPts val="0"/>
+              </a:spcAft>
+              <a:buClr>
+                <a:srgbClr val="000000"/>
+              </a:buClr>
+              <a:buSzPts val="1400"/>
+              <a:buFont typeface="Arial"/>
+              <a:buNone/>
+            </a:pPr>
+            <a:r>
+              <a:t/>
+            </a:r>
+            <a:endParaRPr b="0" i="0" sz="1600" u="none" cap="none" strike="noStrike">
+              <a:solidFill>
+                <a:schemeClr val="dk1"/>
+              </a:solidFill>
+              <a:latin typeface="Arial"/>
+              <a:ea typeface="Arial"/>
+              <a:cs typeface="Arial"/>
+              <a:sym typeface="Arial"/>
+            </a:endParaRPr>
+          </a:p>
+          <a:p>
+            <a:pPr indent="0" lvl="0" marL="0" marR="0" rtl="0" algn="l">
+              <a:lnSpc>
+                <a:spcPct val="100000"/>
+              </a:lnSpc>
+              <a:spcBef>
+                <a:spcPts val="320"/>
+              </a:spcBef>
+              <a:spcAft>
+                <a:spcPts val="0"/>
+              </a:spcAft>
+              <a:buClr>
+                <a:srgbClr val="000000"/>
+              </a:buClr>
+              <a:buSzPts val="1400"/>
+              <a:buFont typeface="Arial"/>
+              <a:buNone/>
+            </a:pPr>
+            <a:r>
+              <a:t/>
+            </a:r>
+            <a:endParaRPr b="0" i="0" sz="1600" u="none" cap="none" strike="noStrike">
+              <a:solidFill>
+                <a:schemeClr val="dk1"/>
+              </a:solidFill>
+              <a:latin typeface="Arial"/>
+              <a:ea typeface="Arial"/>
+              <a:cs typeface="Arial"/>
+              <a:sym typeface="Arial"/>
+            </a:endParaRPr>
+          </a:p>
+          <a:p>
+            <a:pPr indent="0" lvl="0" marL="0" marR="0" rtl="0" algn="l">
+              <a:lnSpc>
+                <a:spcPct val="100000"/>
+              </a:lnSpc>
+              <a:spcBef>
+                <a:spcPts val="320"/>
+              </a:spcBef>
+              <a:spcAft>
+                <a:spcPts val="0"/>
+              </a:spcAft>
+              <a:buClr>
+                <a:srgbClr val="000000"/>
+              </a:buClr>
+              <a:buSzPts val="1400"/>
+              <a:buFont typeface="Arial"/>
+              <a:buNone/>
+            </a:pPr>
+            <a:r>
+              <a:t/>
+            </a:r>
+            <a:endParaRPr b="0" i="0" sz="1600" u="none" cap="none" strike="noStrike">
+              <a:solidFill>
+                <a:schemeClr val="dk1"/>
+              </a:solidFill>
+              <a:latin typeface="Arial"/>
+              <a:ea typeface="Arial"/>
+              <a:cs typeface="Arial"/>
+              <a:sym typeface="Arial"/>
+            </a:endParaRPr>
+          </a:p>
+          <a:p>
+            <a:pPr indent="0" lvl="0" marL="0" marR="0" rtl="0" algn="l">
+              <a:lnSpc>
+                <a:spcPct val="100000"/>
+              </a:lnSpc>
+              <a:spcBef>
+                <a:spcPts val="320"/>
+              </a:spcBef>
+              <a:spcAft>
+                <a:spcPts val="0"/>
+              </a:spcAft>
+              <a:buClr>
+                <a:srgbClr val="000000"/>
+              </a:buClr>
+              <a:buSzPts val="1400"/>
+              <a:buFont typeface="Arial"/>
+              <a:buNone/>
+            </a:pPr>
+            <a:r>
+              <a:t/>
+            </a:r>
+            <a:endParaRPr b="0" i="0" sz="1600" u="none" cap="none" strike="noStrike">
+              <a:solidFill>
+                <a:schemeClr val="dk1"/>
+              </a:solidFill>
+              <a:latin typeface="Arial"/>
+              <a:ea typeface="Arial"/>
+              <a:cs typeface="Arial"/>
+              <a:sym typeface="Arial"/>
+            </a:endParaRPr>
+          </a:p>
+          <a:p>
+            <a:pPr indent="0" lvl="0" marL="0" marR="0" rtl="0" algn="l">
+              <a:lnSpc>
+                <a:spcPct val="100000"/>
+              </a:lnSpc>
+              <a:spcBef>
+                <a:spcPts val="320"/>
+              </a:spcBef>
+              <a:spcAft>
+                <a:spcPts val="0"/>
+              </a:spcAft>
+              <a:buClr>
+                <a:srgbClr val="000000"/>
+              </a:buClr>
+              <a:buSzPts val="1400"/>
+              <a:buFont typeface="Arial"/>
+              <a:buNone/>
+            </a:pPr>
+            <a:r>
+              <a:rPr b="0" i="0" lang="de" sz="1600" u="none" cap="none" strike="noStrike">
+                <a:solidFill>
+                  <a:schemeClr val="dk1"/>
+                </a:solidFill>
+                <a:latin typeface="Arial"/>
+                <a:ea typeface="Arial"/>
+                <a:cs typeface="Arial"/>
+                <a:sym typeface="Arial"/>
+              </a:rPr>
+              <a:t>Konstanten werden in der Regel dadurch gekennzeichnet, dass ihr Name ausschließlich aus Großbuchstaben besteht.</a:t>
+            </a:r>
+            <a:endParaRPr b="0" i="0" sz="1600" u="none" cap="none" strike="noStrike">
+              <a:solidFill>
+                <a:schemeClr val="dk1"/>
+              </a:solidFill>
+              <a:latin typeface="Arial"/>
+              <a:ea typeface="Arial"/>
+              <a:cs typeface="Arial"/>
+              <a:sym typeface="Arial"/>
+            </a:endParaRPr>
+          </a:p>
+        </p:txBody>
+      </p:sp>
+      <p:pic>
+        <p:nvPicPr>
+          <p:cNvPr id="117" name="Google Shape;117;p21"/>
+          <p:cNvPicPr preferRelativeResize="0"/>
+          <p:nvPr/>
+        </p:nvPicPr>
+        <p:blipFill rotWithShape="1">
+          <a:blip r:embed="rId3">
+            <a:alphaModFix/>
+          </a:blip>
+          <a:srcRect b="0" l="0" r="0" t="0"/>
+          <a:stretch/>
+        </p:blipFill>
+        <p:spPr>
+          <a:xfrm>
+            <a:off x="2346063" y="1657947"/>
+            <a:ext cx="4451875" cy="270975"/>
+          </a:xfrm>
+          <a:prstGeom prst="rect">
+            <a:avLst/>
+          </a:prstGeom>
+          <a:noFill/>
+          <a:ln>
+            <a:noFill/>
+          </a:ln>
+        </p:spPr>
+      </p:pic>
+    </p:spTree>
+  </p:cSld>
+  <p:clrMapOvr>
+    <a:masterClrMapping/>
+  </p:clrMapOvr>
+</p:sld>
+</file>
+
+<file path=ppt/slides/slide7.xml><?xml version="1.0" encoding="utf-8"?>
+<p:sld xmlns:a="http://schemas.openxmlformats.org/drawingml/2006/main" xmlns:r="http://schemas.openxmlformats.org/officeDocument/2006/relationships" xmlns:mc="http://schemas.openxmlformats.org/markup-compatibility/2006" xmlns:mv="urn:schemas-microsoft-com:mac:vml" xmlns:p="http://schemas.openxmlformats.org/presentationml/2006/main" xmlns:c="http://schemas.openxmlformats.org/drawingml/2006/chart" xmlns:dgm="http://schemas.openxmlformats.org/drawingml/2006/diagram" xmlns:o="urn:schemas-microsoft-com:office:office" xmlns:v="urn:schemas-microsoft-com:vml" xmlns:pvml="urn:schemas-microsoft-com:office:powerpoint" xmlns:com="http://schemas.openxmlformats.org/drawingml/2006/compatibility" xmlns:p14="http://schemas.microsoft.com/office/powerpoint/2010/main" xmlns:p15="http://schemas.microsoft.com/office/powerpoint/2012/main" xmlns:ahyp="http://schemas.microsoft.com/office/drawing/2018/hyperlinkcolor">
+  <p:cSld>
+    <p:spTree>
+      <p:nvGrpSpPr>
+        <p:cNvPr id="121" name="Shape 121"/>
+        <p:cNvGrpSpPr/>
+        <p:nvPr/>
+      </p:nvGrpSpPr>
+      <p:grpSpPr>
+        <a:xfrm>
+          <a:off x="0" y="0"/>
+          <a:ext cx="0" cy="0"/>
+          <a:chOff x="0" y="0"/>
+          <a:chExt cx="0" cy="0"/>
+        </a:xfrm>
+      </p:grpSpPr>
+      <p:sp>
+        <p:nvSpPr>
+          <p:cNvPr id="122" name="Google Shape;122;p22"/>
+          <p:cNvSpPr txBox="1"/>
+          <p:nvPr>
+            <p:ph type="title"/>
+          </p:nvPr>
+        </p:nvSpPr>
+        <p:spPr>
+          <a:xfrm>
+            <a:off x="431800" y="83344"/>
+            <a:ext cx="8375700" cy="531000"/>
+          </a:xfrm>
+          <a:prstGeom prst="rect">
+            <a:avLst/>
+          </a:prstGeom>
+          <a:noFill/>
+          <a:ln>
+            <a:noFill/>
+          </a:ln>
+        </p:spPr>
+        <p:txBody>
+          <a:bodyPr anchorCtr="0" anchor="b" bIns="0" lIns="0" spcFirstLastPara="1" rIns="0" wrap="square" tIns="0">
+            <a:noAutofit/>
+          </a:bodyPr>
+          <a:lstStyle/>
+          <a:p>
+            <a:pPr indent="0" lvl="0" marL="0" rtl="0" algn="l">
+              <a:lnSpc>
+                <a:spcPct val="100000"/>
+              </a:lnSpc>
+              <a:spcBef>
+                <a:spcPts val="0"/>
+              </a:spcBef>
+              <a:spcAft>
+                <a:spcPts val="0"/>
+              </a:spcAft>
+              <a:buSzPts val="1400"/>
+              <a:buNone/>
+            </a:pPr>
+            <a:r>
+              <a:rPr lang="de"/>
+              <a:t>1.2. Attribute und Klassenvariablen</a:t>
+            </a:r>
+            <a:endParaRPr/>
+          </a:p>
+        </p:txBody>
+      </p:sp>
+      <p:sp>
+        <p:nvSpPr>
+          <p:cNvPr id="123" name="Google Shape;123;p22"/>
+          <p:cNvSpPr/>
+          <p:nvPr>
+            <p:ph idx="2" type="chart"/>
+          </p:nvPr>
+        </p:nvSpPr>
+        <p:spPr>
+          <a:xfrm>
+            <a:off x="431800" y="782241"/>
+            <a:ext cx="8375700" cy="3579000"/>
+          </a:xfrm>
+          <a:prstGeom prst="rect">
+            <a:avLst/>
+          </a:prstGeom>
+          <a:noFill/>
+          <a:ln>
+            <a:noFill/>
+          </a:ln>
+        </p:spPr>
+        <p:txBody>
+          <a:bodyPr anchorCtr="0" anchor="t" bIns="0" lIns="0" spcFirstLastPara="1" rIns="0" wrap="square" tIns="0">
+            <a:noAutofit/>
+          </a:bodyPr>
+          <a:lstStyle/>
+          <a:p>
             <a:pPr indent="-317500" lvl="0" marL="457200" marR="0" rtl="0" algn="l">
               <a:lnSpc>
                 <a:spcPct val="100000"/>
@@ -13276,7 +14068,7 @@
       </p:sp>
       <p:pic>
         <p:nvPicPr>
-          <p:cNvPr id="117" name="Google Shape;117;p21"/>
+          <p:cNvPr id="124" name="Google Shape;124;p22"/>
           <p:cNvPicPr preferRelativeResize="0"/>
           <p:nvPr/>
         </p:nvPicPr>
@@ -13303,7 +14095,7 @@
       </p:pic>
       <p:pic>
         <p:nvPicPr>
-          <p:cNvPr id="118" name="Google Shape;118;p21"/>
+          <p:cNvPr id="125" name="Google Shape;125;p22"/>
           <p:cNvPicPr preferRelativeResize="0"/>
           <p:nvPr/>
         </p:nvPicPr>
@@ -13336,12 +14128,12 @@
 </p:sld>
 </file>
 
-<file path=ppt/slides/slide7.xml><?xml version="1.0" encoding="utf-8"?>
+<file path=ppt/slides/slide8.xml><?xml version="1.0" encoding="utf-8"?>
 <p:sld xmlns:a="http://schemas.openxmlformats.org/drawingml/2006/main" xmlns:r="http://schemas.openxmlformats.org/officeDocument/2006/relationships" xmlns:mc="http://schemas.openxmlformats.org/markup-compatibility/2006" xmlns:mv="urn:schemas-microsoft-com:mac:vml" xmlns:p="http://schemas.openxmlformats.org/presentationml/2006/main" xmlns:c="http://schemas.openxmlformats.org/drawingml/2006/chart" xmlns:dgm="http://schemas.openxmlformats.org/drawingml/2006/diagram" xmlns:o="urn:schemas-microsoft-com:office:office" xmlns:v="urn:schemas-microsoft-com:vml" xmlns:pvml="urn:schemas-microsoft-com:office:powerpoint" xmlns:com="http://schemas.openxmlformats.org/drawingml/2006/compatibility" xmlns:p14="http://schemas.microsoft.com/office/powerpoint/2010/main" xmlns:p15="http://schemas.microsoft.com/office/powerpoint/2012/main" xmlns:ahyp="http://schemas.microsoft.com/office/drawing/2018/hyperlinkcolor">
   <p:cSld>
     <p:spTree>
       <p:nvGrpSpPr>
-        <p:cNvPr id="122" name="Shape 122"/>
+        <p:cNvPr id="129" name="Shape 129"/>
         <p:cNvGrpSpPr/>
         <p:nvPr/>
       </p:nvGrpSpPr>
@@ -13355,7 +14147,7 @@
       </p:grpSpPr>
       <p:sp>
         <p:nvSpPr>
-          <p:cNvPr id="123" name="Google Shape;123;p22"/>
+          <p:cNvPr id="130" name="Google Shape;130;p23"/>
           <p:cNvSpPr txBox="1"/>
           <p:nvPr>
             <p:ph type="title"/>
@@ -13403,7 +14195,7 @@
       </p:sp>
       <p:sp>
         <p:nvSpPr>
-          <p:cNvPr id="124" name="Google Shape;124;p22"/>
+          <p:cNvPr id="131" name="Google Shape;131;p23"/>
           <p:cNvSpPr/>
           <p:nvPr>
             <p:ph idx="2" type="chart"/>
@@ -13495,7 +14287,47 @@
                 <a:cs typeface="Arial"/>
                 <a:sym typeface="Arial"/>
               </a:rPr>
-              <a:t>Methoden beziehen sich immer auf eine bestimmte Objektinstanz (ähnlich zu Attributen). Hier kann man mit “this” auf die Attribute der Instanz zugreifen.</a:t>
+              <a:t>Methoden beziehen sich immer auf eine bestimmte Objektinstanz (ähnlich zu Attributen). Hier kann man mit “this” (o</a:t>
+            </a:r>
+            <a:r>
+              <a:rPr lang="de"/>
+              <a:t>der auch ohne “this”, wenn es keine Namenskonflikte gibt) </a:t>
+            </a:r>
+            <a:r>
+              <a:rPr b="0" i="0" lang="de" sz="1600" u="none" cap="none" strike="noStrike">
+                <a:solidFill>
+                  <a:schemeClr val="dk1"/>
+                </a:solidFill>
+                <a:latin typeface="Arial"/>
+                <a:ea typeface="Arial"/>
+                <a:cs typeface="Arial"/>
+                <a:sym typeface="Arial"/>
+              </a:rPr>
+              <a:t>auf die Attribute der Instanz, </a:t>
+            </a:r>
+            <a:r>
+              <a:rPr b="0" i="1" lang="de" sz="1600" u="none" cap="none" strike="noStrike">
+                <a:solidFill>
+                  <a:schemeClr val="dk1"/>
+                </a:solidFill>
+                <a:latin typeface="Arial"/>
+                <a:ea typeface="Arial"/>
+                <a:cs typeface="Arial"/>
+                <a:sym typeface="Arial"/>
+              </a:rPr>
+              <a:t>auch aber auf statische Klassenvariablen</a:t>
+            </a:r>
+            <a:r>
+              <a:rPr b="0" i="0" lang="de" sz="1600" u="none" cap="none" strike="noStrike">
+                <a:solidFill>
+                  <a:schemeClr val="dk1"/>
+                </a:solidFill>
+                <a:latin typeface="Arial"/>
+                <a:ea typeface="Arial"/>
+                <a:cs typeface="Arial"/>
+                <a:sym typeface="Arial"/>
+              </a:rPr>
+              <a:t> zugreifen.</a:t>
             </a:r>
             <a:br>
               <a:rPr b="0" i="0" lang="de" sz="1600" u="none" cap="none" strike="noStrike">
@@ -13519,37 +14351,7 @@
                 <a:sym typeface="Arial"/>
               </a:rPr>
             </a:br>
-            <a:br>
-              <a:rPr b="0" i="0" lang="de" sz="1600" u="none" cap="none" strike="noStrike">
-                <a:solidFill>
-                  <a:schemeClr val="dk1"/>
-                </a:solidFill>
-                <a:latin typeface="Arial"/>
-                <a:ea typeface="Arial"/>
-                <a:cs typeface="Arial"/>
-                <a:sym typeface="Arial"/>
-              </a:rPr>
-            </a:br>
-            <a:br>
-              <a:rPr b="0" i="0" lang="de" sz="1600" u="none" cap="none" strike="noStrike">
-                <a:solidFill>
-                  <a:schemeClr val="dk1"/>
-                </a:solidFill>
-                <a:latin typeface="Arial"/>
-                <a:ea typeface="Arial"/>
-                <a:cs typeface="Arial"/>
-                <a:sym typeface="Arial"/>
-              </a:rPr>
-            </a:br>
-            <a:endParaRPr b="0" i="0" sz="1600" u="none" cap="none" strike="noStrike">
-              <a:solidFill>
-                <a:schemeClr val="dk1"/>
-              </a:solidFill>
-              <a:latin typeface="Arial"/>
-              <a:ea typeface="Arial"/>
-              <a:cs typeface="Arial"/>
-              <a:sym typeface="Arial"/>
-            </a:endParaRPr>
+            <a:endParaRPr/>
           </a:p>
           <a:p>
             <a:pPr indent="-317500" lvl="0" marL="457200" marR="0" rtl="0" algn="l">
@@ -13635,7 +14437,7 @@
       </p:sp>
       <p:pic>
         <p:nvPicPr>
-          <p:cNvPr id="125" name="Google Shape;125;p22"/>
+          <p:cNvPr id="132" name="Google Shape;132;p23"/>
           <p:cNvPicPr preferRelativeResize="0"/>
           <p:nvPr/>
         </p:nvPicPr>
@@ -13648,7 +14450,7 @@
         </p:blipFill>
         <p:spPr>
           <a:xfrm>
-            <a:off x="3222925" y="1622825"/>
+            <a:off x="4572000" y="1861700"/>
             <a:ext cx="2698151" cy="710050"/>
           </a:xfrm>
           <a:prstGeom prst="rect">
@@ -13662,7 +14464,7 @@
       </p:pic>
       <p:pic>
         <p:nvPicPr>
-          <p:cNvPr id="126" name="Google Shape;126;p22"/>
+          <p:cNvPr id="133" name="Google Shape;133;p23"/>
           <p:cNvPicPr preferRelativeResize="0"/>
           <p:nvPr/>
         </p:nvPicPr>
@@ -13675,7 +14477,7 @@
         </p:blipFill>
         <p:spPr>
           <a:xfrm>
-            <a:off x="2988238" y="3727500"/>
+            <a:off x="3235138" y="3612300"/>
             <a:ext cx="3262826" cy="828175"/>
           </a:xfrm>
           <a:prstGeom prst="rect">
@@ -13695,12 +14497,12 @@
 </p:sld>
 </file>
 
-<file path=ppt/slides/slide8.xml><?xml version="1.0" encoding="utf-8"?>
+<file path=ppt/slides/slide9.xml><?xml version="1.0" encoding="utf-8"?>
 <p:sld xmlns:a="http://schemas.openxmlformats.org/drawingml/2006/main" xmlns:r="http://schemas.openxmlformats.org/officeDocument/2006/relationships" xmlns:mc="http://schemas.openxmlformats.org/markup-compatibility/2006" xmlns:mv="urn:schemas-microsoft-com:mac:vml" xmlns:p="http://schemas.openxmlformats.org/presentationml/2006/main" xmlns:c="http://schemas.openxmlformats.org/drawingml/2006/chart" xmlns:dgm="http://schemas.openxmlformats.org/drawingml/2006/diagram" xmlns:o="urn:schemas-microsoft-com:office:office" xmlns:v="urn:schemas-microsoft-com:vml" xmlns:pvml="urn:schemas-microsoft-com:office:powerpoint" xmlns:com="http://schemas.openxmlformats.org/drawingml/2006/compatibility" xmlns:p14="http://schemas.microsoft.com/office/powerpoint/2010/main" xmlns:p15="http://schemas.microsoft.com/office/powerpoint/2012/main" xmlns:ahyp="http://schemas.microsoft.com/office/drawing/2018/hyperlinkcolor">
   <p:cSld>
     <p:spTree>
       <p:nvGrpSpPr>
-        <p:cNvPr id="130" name="Shape 130"/>
+        <p:cNvPr id="137" name="Shape 137"/>
         <p:cNvGrpSpPr/>
         <p:nvPr/>
       </p:nvGrpSpPr>
@@ -13714,7 +14516,7 @@
       </p:grpSpPr>
       <p:sp>
         <p:nvSpPr>
-          <p:cNvPr id="131" name="Google Shape;131;p23"/>
+          <p:cNvPr id="138" name="Google Shape;138;p24"/>
           <p:cNvSpPr txBox="1"/>
           <p:nvPr>
             <p:ph type="title"/>
@@ -13762,7 +14564,7 @@
       </p:sp>
       <p:sp>
         <p:nvSpPr>
-          <p:cNvPr id="132" name="Google Shape;132;p23"/>
+          <p:cNvPr id="139" name="Google Shape;139;p24"/>
           <p:cNvSpPr/>
           <p:nvPr>
             <p:ph idx="2" type="chart"/>
@@ -13870,7 +14672,7 @@
       </p:sp>
       <p:pic>
         <p:nvPicPr>
-          <p:cNvPr id="133" name="Google Shape;133;p23"/>
+          <p:cNvPr id="140" name="Google Shape;140;p24"/>
           <p:cNvPicPr preferRelativeResize="0"/>
           <p:nvPr/>
         </p:nvPicPr>
@@ -13897,7 +14699,7 @@
       </p:pic>
       <p:pic>
         <p:nvPicPr>
-          <p:cNvPr id="134" name="Google Shape;134;p23"/>
+          <p:cNvPr id="141" name="Google Shape;141;p24"/>
           <p:cNvPicPr preferRelativeResize="0"/>
           <p:nvPr/>
         </p:nvPicPr>
@@ -13930,397 +14732,286 @@
 </p:sld>
 </file>
 
-<file path=ppt/slides/slide9.xml><?xml version="1.0" encoding="utf-8"?>
-<p:sld xmlns:a="http://schemas.openxmlformats.org/drawingml/2006/main" xmlns:r="http://schemas.openxmlformats.org/officeDocument/2006/relationships" xmlns:mc="http://schemas.openxmlformats.org/markup-compatibility/2006" xmlns:mv="urn:schemas-microsoft-com:mac:vml" xmlns:p="http://schemas.openxmlformats.org/presentationml/2006/main" xmlns:c="http://schemas.openxmlformats.org/drawingml/2006/chart" xmlns:dgm="http://schemas.openxmlformats.org/drawingml/2006/diagram" xmlns:o="urn:schemas-microsoft-com:office:office" xmlns:v="urn:schemas-microsoft-com:vml" xmlns:pvml="urn:schemas-microsoft-com:office:powerpoint" xmlns:com="http://schemas.openxmlformats.org/drawingml/2006/compatibility" xmlns:p14="http://schemas.microsoft.com/office/powerpoint/2010/main" xmlns:p15="http://schemas.microsoft.com/office/powerpoint/2012/main" xmlns:ahyp="http://schemas.microsoft.com/office/drawing/2018/hyperlinkcolor">
-  <p:cSld>
-    <p:spTree>
-      <p:nvGrpSpPr>
-        <p:cNvPr id="138" name="Shape 138"/>
-        <p:cNvGrpSpPr/>
-        <p:nvPr/>
-      </p:nvGrpSpPr>
-      <p:grpSpPr>
-        <a:xfrm>
-          <a:off x="0" y="0"/>
-          <a:ext cx="0" cy="0"/>
-          <a:chOff x="0" y="0"/>
-          <a:chExt cx="0" cy="0"/>
-        </a:xfrm>
-      </p:grpSpPr>
-      <p:sp>
-        <p:nvSpPr>
-          <p:cNvPr id="139" name="Google Shape;139;p24"/>
-          <p:cNvSpPr txBox="1"/>
-          <p:nvPr>
-            <p:ph type="title"/>
-          </p:nvPr>
-        </p:nvSpPr>
-        <p:spPr>
-          <a:xfrm>
-            <a:off x="431800" y="83344"/>
-            <a:ext cx="8375700" cy="531000"/>
-          </a:xfrm>
-          <a:prstGeom prst="rect">
-            <a:avLst/>
-          </a:prstGeom>
-          <a:noFill/>
-          <a:ln>
-            <a:noFill/>
-          </a:ln>
-        </p:spPr>
-        <p:txBody>
-          <a:bodyPr anchorCtr="0" anchor="b" bIns="0" lIns="0" spcFirstLastPara="1" rIns="0" wrap="square" tIns="0">
-            <a:noAutofit/>
-          </a:bodyPr>
-          <a:lstStyle/>
-          <a:p>
-            <a:pPr indent="0" lvl="0" marL="0" rtl="0" algn="l">
-              <a:lnSpc>
-                <a:spcPct val="100000"/>
-              </a:lnSpc>
-              <a:spcBef>
-                <a:spcPts val="0"/>
-              </a:spcBef>
-              <a:spcAft>
-                <a:spcPts val="0"/>
-              </a:spcAft>
-              <a:buSzPts val="1400"/>
-              <a:buNone/>
-            </a:pPr>
-            <a:r>
-              <a:rPr lang="de"/>
-              <a:t>1.4. Konstruktoren</a:t>
-            </a:r>
-            <a:endParaRPr/>
-          </a:p>
-        </p:txBody>
-      </p:sp>
-      <p:sp>
-        <p:nvSpPr>
-          <p:cNvPr id="140" name="Google Shape;140;p24"/>
-          <p:cNvSpPr/>
-          <p:nvPr>
-            <p:ph idx="2" type="chart"/>
-          </p:nvPr>
-        </p:nvSpPr>
-        <p:spPr>
-          <a:xfrm>
-            <a:off x="431800" y="782241"/>
-            <a:ext cx="8375700" cy="3579000"/>
-          </a:xfrm>
-          <a:prstGeom prst="rect">
-            <a:avLst/>
-          </a:prstGeom>
-          <a:noFill/>
-          <a:ln>
-            <a:noFill/>
-          </a:ln>
-        </p:spPr>
-        <p:txBody>
-          <a:bodyPr anchorCtr="0" anchor="t" bIns="0" lIns="0" spcFirstLastPara="1" rIns="0" wrap="square" tIns="0">
-            <a:noAutofit/>
-          </a:bodyPr>
-          <a:lstStyle/>
-          <a:p>
-            <a:pPr indent="0" lvl="0" marL="0" marR="0" rtl="0" algn="l">
-              <a:lnSpc>
-                <a:spcPct val="100000"/>
-              </a:lnSpc>
-              <a:spcBef>
-                <a:spcPts val="320"/>
-              </a:spcBef>
-              <a:spcAft>
-                <a:spcPts val="0"/>
-              </a:spcAft>
-              <a:buClr>
-                <a:srgbClr val="000000"/>
-              </a:buClr>
-              <a:buSzPts val="1400"/>
-              <a:buFont typeface="Arial"/>
-              <a:buNone/>
-            </a:pPr>
-            <a:r>
-              <a:rPr b="0" i="0" lang="de" sz="1600" u="none" cap="none" strike="noStrike">
-                <a:solidFill>
-                  <a:schemeClr val="dk1"/>
-                </a:solidFill>
-                <a:latin typeface="Arial"/>
-                <a:ea typeface="Arial"/>
-                <a:cs typeface="Arial"/>
-                <a:sym typeface="Arial"/>
-              </a:rPr>
-              <a:t>Um eine Java-Klasse zu instanziieren, muss man den Konstruktor dieser Klasse aufrufen. Das ist im Wesentlichen eine Funktion mit besonderer Signatur, die initiale Operationen vornehmen kann.</a:t>
-            </a:r>
-            <a:endParaRPr b="0" i="0" sz="1600" u="none" cap="none" strike="noStrike">
-              <a:solidFill>
-                <a:schemeClr val="dk1"/>
-              </a:solidFill>
-              <a:latin typeface="Arial"/>
-              <a:ea typeface="Arial"/>
-              <a:cs typeface="Arial"/>
-              <a:sym typeface="Arial"/>
-            </a:endParaRPr>
-          </a:p>
-          <a:p>
-            <a:pPr indent="0" lvl="0" marL="0" marR="0" rtl="0" algn="l">
-              <a:lnSpc>
-                <a:spcPct val="100000"/>
-              </a:lnSpc>
-              <a:spcBef>
-                <a:spcPts val="320"/>
-              </a:spcBef>
-              <a:spcAft>
-                <a:spcPts val="0"/>
-              </a:spcAft>
-              <a:buClr>
-                <a:srgbClr val="000000"/>
-              </a:buClr>
-              <a:buSzPts val="1400"/>
-              <a:buFont typeface="Arial"/>
-              <a:buNone/>
-            </a:pPr>
-            <a:r>
-              <a:t/>
-            </a:r>
-            <a:endParaRPr b="0" i="0" sz="1600" u="none" cap="none" strike="noStrike">
-              <a:solidFill>
-                <a:schemeClr val="dk1"/>
-              </a:solidFill>
-              <a:latin typeface="Arial"/>
-              <a:ea typeface="Arial"/>
-              <a:cs typeface="Arial"/>
-              <a:sym typeface="Arial"/>
-            </a:endParaRPr>
-          </a:p>
-          <a:p>
-            <a:pPr indent="0" lvl="0" marL="0" marR="0" rtl="0" algn="l">
-              <a:lnSpc>
-                <a:spcPct val="100000"/>
-              </a:lnSpc>
-              <a:spcBef>
-                <a:spcPts val="320"/>
-              </a:spcBef>
-              <a:spcAft>
-                <a:spcPts val="0"/>
-              </a:spcAft>
-              <a:buClr>
-                <a:srgbClr val="000000"/>
-              </a:buClr>
-              <a:buSzPts val="1400"/>
-              <a:buFont typeface="Arial"/>
-              <a:buNone/>
-            </a:pPr>
-            <a:r>
-              <a:t/>
-            </a:r>
-            <a:endParaRPr b="0" i="0" sz="1600" u="none" cap="none" strike="noStrike">
-              <a:solidFill>
-                <a:schemeClr val="dk1"/>
-              </a:solidFill>
-              <a:latin typeface="Arial"/>
-              <a:ea typeface="Arial"/>
-              <a:cs typeface="Arial"/>
-              <a:sym typeface="Arial"/>
-            </a:endParaRPr>
-          </a:p>
-          <a:p>
-            <a:pPr indent="0" lvl="0" marL="0" marR="0" rtl="0" algn="l">
-              <a:lnSpc>
-                <a:spcPct val="100000"/>
-              </a:lnSpc>
-              <a:spcBef>
-                <a:spcPts val="320"/>
-              </a:spcBef>
-              <a:spcAft>
-                <a:spcPts val="0"/>
-              </a:spcAft>
-              <a:buClr>
-                <a:srgbClr val="000000"/>
-              </a:buClr>
-              <a:buSzPts val="1400"/>
-              <a:buFont typeface="Arial"/>
-              <a:buNone/>
-            </a:pPr>
-            <a:r>
-              <a:t/>
-            </a:r>
-            <a:endParaRPr b="0" i="0" sz="1600" u="none" cap="none" strike="noStrike">
-              <a:solidFill>
-                <a:schemeClr val="dk1"/>
-              </a:solidFill>
-              <a:latin typeface="Arial"/>
-              <a:ea typeface="Arial"/>
-              <a:cs typeface="Arial"/>
-              <a:sym typeface="Arial"/>
-            </a:endParaRPr>
-          </a:p>
-          <a:p>
-            <a:pPr indent="0" lvl="0" marL="0" marR="0" rtl="0" algn="l">
-              <a:lnSpc>
-                <a:spcPct val="100000"/>
-              </a:lnSpc>
-              <a:spcBef>
-                <a:spcPts val="320"/>
-              </a:spcBef>
-              <a:spcAft>
-                <a:spcPts val="0"/>
-              </a:spcAft>
-              <a:buClr>
-                <a:srgbClr val="000000"/>
-              </a:buClr>
-              <a:buSzPts val="1400"/>
-              <a:buFont typeface="Arial"/>
-              <a:buNone/>
-            </a:pPr>
-            <a:r>
-              <a:t/>
-            </a:r>
-            <a:endParaRPr b="0" i="0" sz="1600" u="none" cap="none" strike="noStrike">
-              <a:solidFill>
-                <a:schemeClr val="dk1"/>
-              </a:solidFill>
-              <a:latin typeface="Arial"/>
-              <a:ea typeface="Arial"/>
-              <a:cs typeface="Arial"/>
-              <a:sym typeface="Arial"/>
-            </a:endParaRPr>
-          </a:p>
-          <a:p>
-            <a:pPr indent="0" lvl="0" marL="0" marR="0" rtl="0" algn="l">
-              <a:lnSpc>
-                <a:spcPct val="100000"/>
-              </a:lnSpc>
-              <a:spcBef>
-                <a:spcPts val="320"/>
-              </a:spcBef>
-              <a:spcAft>
-                <a:spcPts val="0"/>
-              </a:spcAft>
-              <a:buClr>
-                <a:schemeClr val="dk1"/>
-              </a:buClr>
-              <a:buSzPts val="1100"/>
-              <a:buFont typeface="Arial"/>
-              <a:buNone/>
-            </a:pPr>
-            <a:r>
-              <a:t/>
-            </a:r>
-            <a:endParaRPr b="0" i="0" sz="1600" u="none" cap="none" strike="noStrike">
-              <a:solidFill>
-                <a:schemeClr val="dk1"/>
-              </a:solidFill>
-              <a:latin typeface="Arial"/>
-              <a:ea typeface="Arial"/>
-              <a:cs typeface="Arial"/>
-              <a:sym typeface="Arial"/>
-            </a:endParaRPr>
-          </a:p>
-          <a:p>
-            <a:pPr indent="0" lvl="0" marL="0" marR="0" rtl="0" algn="l">
-              <a:lnSpc>
-                <a:spcPct val="100000"/>
-              </a:lnSpc>
-              <a:spcBef>
-                <a:spcPts val="320"/>
-              </a:spcBef>
-              <a:spcAft>
-                <a:spcPts val="0"/>
-              </a:spcAft>
-              <a:buClr>
-                <a:schemeClr val="dk1"/>
-              </a:buClr>
-              <a:buSzPts val="1100"/>
-              <a:buFont typeface="Arial"/>
-              <a:buNone/>
-            </a:pPr>
-            <a:r>
-              <a:rPr b="0" i="0" lang="de" sz="1600" u="none" cap="none" strike="noStrike">
-                <a:solidFill>
-                  <a:schemeClr val="dk1"/>
-                </a:solidFill>
-                <a:latin typeface="Arial"/>
-                <a:ea typeface="Arial"/>
-                <a:cs typeface="Arial"/>
-                <a:sym typeface="Arial"/>
-              </a:rPr>
-              <a:t>Jede Java-Klasse hat einen default-Konstruktor, der keine Parameter erhält keine Operationen vornimmt. Diesen Konstruktor kann man jedoch auch überschreiben, und eigene Operationen definieren.</a:t>
-            </a:r>
-            <a:endParaRPr b="0" i="0" sz="1600" u="none" cap="none" strike="noStrike">
-              <a:solidFill>
-                <a:schemeClr val="dk1"/>
-              </a:solidFill>
-              <a:latin typeface="Arial"/>
-              <a:ea typeface="Arial"/>
-              <a:cs typeface="Arial"/>
-              <a:sym typeface="Arial"/>
-            </a:endParaRPr>
-          </a:p>
-        </p:txBody>
-      </p:sp>
-      <p:pic>
-        <p:nvPicPr>
-          <p:cNvPr id="141" name="Google Shape;141;p24"/>
-          <p:cNvPicPr preferRelativeResize="0"/>
-          <p:nvPr/>
-        </p:nvPicPr>
-        <p:blipFill rotWithShape="1">
-          <a:blip r:embed="rId3">
-            <a:alphaModFix/>
-          </a:blip>
-          <a:srcRect b="0" l="0" r="0" t="0"/>
-          <a:stretch/>
-        </p:blipFill>
-        <p:spPr>
-          <a:xfrm>
-            <a:off x="2493123" y="1490975"/>
-            <a:ext cx="4157750" cy="1151250"/>
-          </a:xfrm>
-          <a:prstGeom prst="rect">
-            <a:avLst/>
-          </a:prstGeom>
-          <a:noFill/>
-          <a:ln>
-            <a:noFill/>
-          </a:ln>
-        </p:spPr>
-      </p:pic>
-      <p:pic>
-        <p:nvPicPr>
-          <p:cNvPr id="142" name="Google Shape;142;p24"/>
-          <p:cNvPicPr preferRelativeResize="0"/>
-          <p:nvPr/>
-        </p:nvPicPr>
-        <p:blipFill rotWithShape="1">
-          <a:blip r:embed="rId4">
-            <a:alphaModFix/>
-          </a:blip>
-          <a:srcRect b="0" l="0" r="0" t="0"/>
-          <a:stretch/>
-        </p:blipFill>
-        <p:spPr>
-          <a:xfrm>
-            <a:off x="3625063" y="3710950"/>
-            <a:ext cx="1893875" cy="650300"/>
-          </a:xfrm>
-          <a:prstGeom prst="rect">
-            <a:avLst/>
-          </a:prstGeom>
-          <a:noFill/>
-          <a:ln>
-            <a:noFill/>
-          </a:ln>
-        </p:spPr>
-      </p:pic>
-    </p:spTree>
-  </p:cSld>
-  <p:clrMapOvr>
-    <a:masterClrMapping/>
-  </p:clrMapOvr>
-</p:sld>
+<file path=ppt/theme/theme1.xml><?xml version="1.0" encoding="utf-8"?>
+<a:theme xmlns:a="http://schemas.openxmlformats.org/drawingml/2006/main" xmlns:r="http://schemas.openxmlformats.org/officeDocument/2006/relationships">
+  <a:themeElements>
+    <a:clrScheme name="Default">
+      <a:dk1>
+        <a:srgbClr val="000000"/>
+      </a:dk1>
+      <a:lt1>
+        <a:srgbClr val="FFFFFF"/>
+      </a:lt1>
+      <a:dk2>
+        <a:srgbClr val="158158"/>
+      </a:dk2>
+      <a:lt2>
+        <a:srgbClr val="F3F3F3"/>
+      </a:lt2>
+      <a:accent1>
+        <a:srgbClr val="058DC7"/>
+      </a:accent1>
+      <a:accent2>
+        <a:srgbClr val="50B432"/>
+      </a:accent2>
+      <a:accent3>
+        <a:srgbClr val="ED561B"/>
+      </a:accent3>
+      <a:accent4>
+        <a:srgbClr val="EDEF00"/>
+      </a:accent4>
+      <a:accent5>
+        <a:srgbClr val="24CBE5"/>
+      </a:accent5>
+      <a:accent6>
+        <a:srgbClr val="64E572"/>
+      </a:accent6>
+      <a:hlink>
+        <a:srgbClr val="2200CC"/>
+      </a:hlink>
+      <a:folHlink>
+        <a:srgbClr val="551A8B"/>
+      </a:folHlink>
+    </a:clrScheme>
+    <a:fontScheme name="Office">
+      <a:majorFont>
+        <a:latin typeface="Arial"/>
+        <a:ea typeface=""/>
+        <a:cs typeface=""/>
+        <a:font script="Jpan" typeface="ＭＳ Ｐゴシック"/>
+        <a:font script="Hang" typeface="맑은 고딕"/>
+        <a:font script="Hans" typeface="宋体"/>
+        <a:font script="Hant" typeface="新細明體"/>
+        <a:font script="Arab" typeface="Times New Roman"/>
+        <a:font script="Hebr" typeface="Times New Roman"/>
+        <a:font script="Thai" typeface="Angsana New"/>
+        <a:font script="Ethi" typeface="Nyala"/>
+        <a:font script="Beng" typeface="Vrinda"/>
+        <a:font script="Gujr" typeface="Shruti"/>
+        <a:font script="Khmr" typeface="MoolBoran"/>
+        <a:font script="Knda" typeface="Tunga"/>
+        <a:font script="Guru" typeface="Raavi"/>
+        <a:font script="Cans" typeface="Euphemia"/>
+        <a:font script="Cher" typeface="Plantagenet Cherokee"/>
+        <a:font script="Yiii" typeface="Microsoft Yi Baiti"/>
+        <a:font script="Tibt" typeface="Microsoft Himalaya"/>
+        <a:font script="Thaa" typeface="MV Boli"/>
+        <a:font script="Deva" typeface="Mangal"/>
+        <a:font script="Telu" typeface="Gautami"/>
+        <a:font script="Taml" typeface="Latha"/>
+        <a:font script="Syrc" typeface="Estrangelo Edessa"/>
+        <a:font script="Orya" typeface="Kalinga"/>
+        <a:font script="Mlym" typeface="Kartika"/>
+        <a:font script="Laoo" typeface="DokChampa"/>
+        <a:font script="Sinh" typeface="Iskoola Pota"/>
+        <a:font script="Mong" typeface="Mongolian Baiti"/>
+        <a:font script="Viet" typeface="Times New Roman"/>
+        <a:font script="Uigh" typeface="Microsoft Uighur"/>
+        <a:font script="Geor" typeface="Sylfaen"/>
+      </a:majorFont>
+      <a:minorFont>
+        <a:latin typeface="Arial"/>
+        <a:ea typeface=""/>
+        <a:cs typeface=""/>
+        <a:font script="Jpan" typeface="ＭＳ Ｐゴシック"/>
+        <a:font script="Hang" typeface="맑은 고딕"/>
+        <a:font script="Hans" typeface="宋体"/>
+        <a:font script="Hant" typeface="新細明體"/>
+        <a:font script="Arab" typeface="Arial"/>
+        <a:font script="Hebr" typeface="Arial"/>
+        <a:font script="Thai" typeface="Cordia New"/>
+        <a:font script="Ethi" typeface="Nyala"/>
+        <a:font script="Beng" typeface="Vrinda"/>
+        <a:font script="Gujr" typeface="Shruti"/>
+        <a:font script="Khmr" typeface="DaunPenh"/>
+        <a:font script="Knda" typeface="Tunga"/>
+        <a:font script="Guru" typeface="Raavi"/>
+        <a:font script="Cans" typeface="Euphemia"/>
+        <a:font script="Cher" typeface="Plantagenet Cherokee"/>
+        <a:font script="Yiii" typeface="Microsoft Yi Baiti"/>
+        <a:font script="Tibt" typeface="Microsoft Himalaya"/>
+        <a:font script="Thaa" typeface="MV Boli"/>
+        <a:font script="Deva" typeface="Mangal"/>
+        <a:font script="Telu" typeface="Gautami"/>
+        <a:font script="Taml" typeface="Latha"/>
+        <a:font script="Syrc" typeface="Estrangelo Edessa"/>
+        <a:font script="Orya" typeface="Kalinga"/>
+        <a:font script="Mlym" typeface="Kartika"/>
+        <a:font script="Laoo" typeface="DokChampa"/>
+        <a:font script="Sinh" typeface="Iskoola Pota"/>
+        <a:font script="Mong" typeface="Mongolian Baiti"/>
+        <a:font script="Viet" typeface="Arial"/>
+        <a:font script="Uigh" typeface="Microsoft Uighur"/>
+        <a:font script="Geor" typeface="Sylfaen"/>
+      </a:minorFont>
+    </a:fontScheme>
+    <a:fmtScheme name="Office">
+      <a:fillStyleLst>
+        <a:solidFill>
+          <a:schemeClr val="phClr"/>
+        </a:solidFill>
+        <a:gradFill rotWithShape="1">
+          <a:gsLst>
+            <a:gs pos="0">
+              <a:schemeClr val="phClr">
+                <a:tint val="50000"/>
+                <a:satMod val="300000"/>
+              </a:schemeClr>
+            </a:gs>
+            <a:gs pos="35000">
+              <a:schemeClr val="phClr">
+                <a:tint val="37000"/>
+                <a:satMod val="300000"/>
+              </a:schemeClr>
+            </a:gs>
+            <a:gs pos="100000">
+              <a:schemeClr val="phClr">
+                <a:tint val="15000"/>
+                <a:satMod val="350000"/>
+              </a:schemeClr>
+            </a:gs>
+          </a:gsLst>
+          <a:lin ang="16200000" scaled="1"/>
+        </a:gradFill>
+        <a:gradFill rotWithShape="1">
+          <a:gsLst>
+            <a:gs pos="0">
+              <a:schemeClr val="phClr">
+                <a:tint val="100000"/>
+                <a:shade val="100000"/>
+                <a:satMod val="130000"/>
+              </a:schemeClr>
+            </a:gs>
+            <a:gs pos="100000">
+              <a:schemeClr val="phClr">
+                <a:tint val="50000"/>
+                <a:shade val="100000"/>
+                <a:satMod val="350000"/>
+              </a:schemeClr>
+            </a:gs>
+          </a:gsLst>
+          <a:lin ang="16200000" scaled="0"/>
+        </a:gradFill>
+      </a:fillStyleLst>
+      <a:lnStyleLst>
+        <a:ln w="9525" cap="flat" cmpd="sng" algn="ctr">
+          <a:solidFill>
+            <a:schemeClr val="phClr">
+              <a:shade val="95000"/>
+              <a:satMod val="105000"/>
+            </a:schemeClr>
+          </a:solidFill>
+          <a:prstDash val="solid"/>
+        </a:ln>
+        <a:ln w="25400" cap="flat" cmpd="sng" algn="ctr">
+          <a:solidFill>
+            <a:schemeClr val="phClr"/>
+          </a:solidFill>
+          <a:prstDash val="solid"/>
+        </a:ln>
+        <a:ln w="38100" cap="flat" cmpd="sng" algn="ctr">
+          <a:solidFill>
+            <a:schemeClr val="phClr"/>
+          </a:solidFill>
+          <a:prstDash val="solid"/>
+        </a:ln>
+      </a:lnStyleLst>
+      <a:effectStyleLst>
+        <a:effectStyle>
+          <a:effectLst>
+            <a:outerShdw blurRad="40000" dist="20000" dir="5400000" rotWithShape="0">
+              <a:srgbClr val="000000">
+                <a:alpha val="38000"/>
+              </a:srgbClr>
+            </a:outerShdw>
+          </a:effectLst>
+        </a:effectStyle>
+        <a:effectStyle>
+          <a:effectLst>
+            <a:outerShdw blurRad="40000" dist="23000" dir="5400000" rotWithShape="0">
+              <a:srgbClr val="000000">
+                <a:alpha val="35000"/>
+              </a:srgbClr>
+            </a:outerShdw>
+          </a:effectLst>
+        </a:effectStyle>
+        <a:effectStyle>
+          <a:effectLst>
+            <a:outerShdw blurRad="40000" dist="23000" dir="5400000" rotWithShape="0">
+              <a:srgbClr val="000000">
+                <a:alpha val="35000"/>
+              </a:srgbClr>
+            </a:outerShdw>
+          </a:effectLst>
+          <a:scene3d>
+            <a:camera prst="orthographicFront">
+              <a:rot lat="0" lon="0" rev="0"/>
+            </a:camera>
+            <a:lightRig rig="threePt" dir="t">
+              <a:rot lat="0" lon="0" rev="1200000"/>
+            </a:lightRig>
+          </a:scene3d>
+          <a:sp3d>
+            <a:bevelT w="63500" h="25400"/>
+          </a:sp3d>
+        </a:effectStyle>
+      </a:effectStyleLst>
+      <a:bgFillStyleLst>
+        <a:solidFill>
+          <a:schemeClr val="phClr"/>
+        </a:solidFill>
+        <a:gradFill rotWithShape="1">
+          <a:gsLst>
+            <a:gs pos="0">
+              <a:schemeClr val="phClr">
+                <a:tint val="40000"/>
+                <a:satMod val="350000"/>
+              </a:schemeClr>
+            </a:gs>
+            <a:gs pos="40000">
+              <a:schemeClr val="phClr">
+                <a:tint val="45000"/>
+                <a:shade val="99000"/>
+                <a:satMod val="350000"/>
+              </a:schemeClr>
+            </a:gs>
+            <a:gs pos="100000">
+              <a:schemeClr val="phClr">
+                <a:shade val="20000"/>
+                <a:satMod val="255000"/>
+              </a:schemeClr>
+            </a:gs>
+          </a:gsLst>
+          <a:path path="circle">
+            <a:fillToRect l="50000" t="-80000" r="50000" b="180000"/>
+          </a:path>
+        </a:gradFill>
+        <a:gradFill rotWithShape="1">
+          <a:gsLst>
+            <a:gs pos="0">
+              <a:schemeClr val="phClr">
+                <a:tint val="80000"/>
+                <a:satMod val="300000"/>
+              </a:schemeClr>
+            </a:gs>
+            <a:gs pos="100000">
+              <a:schemeClr val="phClr">
+                <a:shade val="30000"/>
+                <a:satMod val="200000"/>
+              </a:schemeClr>
+            </a:gs>
+          </a:gsLst>
+          <a:path path="circle">
+            <a:fillToRect l="50000" t="50000" r="50000" b="50000"/>
+          </a:path>
+        </a:gradFill>
+      </a:bgFillStyleLst>
+    </a:fmtScheme>
+  </a:themeElements>
+</a:theme>
 </file>
 
-<file path=ppt/theme/theme1.xml><?xml version="1.0" encoding="utf-8"?>
+<file path=ppt/theme/theme2.xml><?xml version="1.0" encoding="utf-8"?>
 <a:theme xmlns:a="http://schemas.openxmlformats.org/drawingml/2006/main" xmlns:r="http://schemas.openxmlformats.org/officeDocument/2006/relationships" name="TUBraunschweig_PPT2007_Folienpool_pptx">
   <a:themeElements>
     <a:clrScheme name="TU Braunschweig">
@@ -14597,283 +15288,4 @@
     </a:fmtScheme>
   </a:themeElements>
 </a:theme>
-</file>
-
-<file path=ppt/theme/theme2.xml><?xml version="1.0" encoding="utf-8"?>
-<a:theme xmlns:a="http://schemas.openxmlformats.org/drawingml/2006/main" xmlns:r="http://schemas.openxmlformats.org/officeDocument/2006/relationships">
-  <a:themeElements>
-    <a:clrScheme name="Default">
-      <a:dk1>
-        <a:srgbClr val="000000"/>
-      </a:dk1>
-      <a:lt1>
-        <a:srgbClr val="FFFFFF"/>
-      </a:lt1>
-      <a:dk2>
-        <a:srgbClr val="158158"/>
-      </a:dk2>
-      <a:lt2>
-        <a:srgbClr val="F3F3F3"/>
-      </a:lt2>
-      <a:accent1>
-        <a:srgbClr val="058DC7"/>
-      </a:accent1>
-      <a:accent2>
-        <a:srgbClr val="50B432"/>
-      </a:accent2>
-      <a:accent3>
-        <a:srgbClr val="ED561B"/>
-      </a:accent3>
-      <a:accent4>
-        <a:srgbClr val="EDEF00"/>
-      </a:accent4>
-      <a:accent5>
-        <a:srgbClr val="24CBE5"/>
-      </a:accent5>
-      <a:accent6>
-        <a:srgbClr val="64E572"/>
-      </a:accent6>
-      <a:hlink>
-        <a:srgbClr val="2200CC"/>
-      </a:hlink>
-      <a:folHlink>
-        <a:srgbClr val="551A8B"/>
-      </a:folHlink>
-    </a:clrScheme>
-    <a:fontScheme name="Office">
-      <a:majorFont>
-        <a:latin typeface="Arial"/>
-        <a:ea typeface=""/>
-        <a:cs typeface=""/>
-        <a:font script="Jpan" typeface="ＭＳ Ｐゴシック"/>
-        <a:font script="Hang" typeface="맑은 고딕"/>
-        <a:font script="Hans" typeface="宋体"/>
-        <a:font script="Hant" typeface="新細明體"/>
-        <a:font script="Arab" typeface="Times New Roman"/>
-        <a:font script="Hebr" typeface="Times New Roman"/>
-        <a:font script="Thai" typeface="Angsana New"/>
-        <a:font script="Ethi" typeface="Nyala"/>
-        <a:font script="Beng" typeface="Vrinda"/>
-        <a:font script="Gujr" typeface="Shruti"/>
-        <a:font script="Khmr" typeface="MoolBoran"/>
-        <a:font script="Knda" typeface="Tunga"/>
-        <a:font script="Guru" typeface="Raavi"/>
-        <a:font script="Cans" typeface="Euphemia"/>
-        <a:font script="Cher" typeface="Plantagenet Cherokee"/>
-        <a:font script="Yiii" typeface="Microsoft Yi Baiti"/>
-        <a:font script="Tibt" typeface="Microsoft Himalaya"/>
-        <a:font script="Thaa" typeface="MV Boli"/>
-        <a:font script="Deva" typeface="Mangal"/>
-        <a:font script="Telu" typeface="Gautami"/>
-        <a:font script="Taml" typeface="Latha"/>
-        <a:font script="Syrc" typeface="Estrangelo Edessa"/>
-        <a:font script="Orya" typeface="Kalinga"/>
-        <a:font script="Mlym" typeface="Kartika"/>
-        <a:font script="Laoo" typeface="DokChampa"/>
-        <a:font script="Sinh" typeface="Iskoola Pota"/>
-        <a:font script="Mong" typeface="Mongolian Baiti"/>
-        <a:font script="Viet" typeface="Times New Roman"/>
-        <a:font script="Uigh" typeface="Microsoft Uighur"/>
-        <a:font script="Geor" typeface="Sylfaen"/>
-      </a:majorFont>
-      <a:minorFont>
-        <a:latin typeface="Arial"/>
-        <a:ea typeface=""/>
-        <a:cs typeface=""/>
-        <a:font script="Jpan" typeface="ＭＳ Ｐゴシック"/>
-        <a:font script="Hang" typeface="맑은 고딕"/>
-        <a:font script="Hans" typeface="宋体"/>
-        <a:font script="Hant" typeface="新細明體"/>
-        <a:font script="Arab" typeface="Arial"/>
-        <a:font script="Hebr" typeface="Arial"/>
-        <a:font script="Thai" typeface="Cordia New"/>
-        <a:font script="Ethi" typeface="Nyala"/>
-        <a:font script="Beng" typeface="Vrinda"/>
-        <a:font script="Gujr" typeface="Shruti"/>
-        <a:font script="Khmr" typeface="DaunPenh"/>
-        <a:font script="Knda" typeface="Tunga"/>
-        <a:font script="Guru" typeface="Raavi"/>
-        <a:font script="Cans" typeface="Euphemia"/>
-        <a:font script="Cher" typeface="Plantagenet Cherokee"/>
-        <a:font script="Yiii" typeface="Microsoft Yi Baiti"/>
-        <a:font script="Tibt" typeface="Microsoft Himalaya"/>
-        <a:font script="Thaa" typeface="MV Boli"/>
-        <a:font script="Deva" typeface="Mangal"/>
-        <a:font script="Telu" typeface="Gautami"/>
-        <a:font script="Taml" typeface="Latha"/>
-        <a:font script="Syrc" typeface="Estrangelo Edessa"/>
-        <a:font script="Orya" typeface="Kalinga"/>
-        <a:font script="Mlym" typeface="Kartika"/>
-        <a:font script="Laoo" typeface="DokChampa"/>
-        <a:font script="Sinh" typeface="Iskoola Pota"/>
-        <a:font script="Mong" typeface="Mongolian Baiti"/>
-        <a:font script="Viet" typeface="Arial"/>
-        <a:font script="Uigh" typeface="Microsoft Uighur"/>
-        <a:font script="Geor" typeface="Sylfaen"/>
-      </a:minorFont>
-    </a:fontScheme>
-    <a:fmtScheme name="Office">
-      <a:fillStyleLst>
-        <a:solidFill>
-          <a:schemeClr val="phClr"/>
-        </a:solidFill>
-        <a:gradFill rotWithShape="1">
-          <a:gsLst>
-            <a:gs pos="0">
-              <a:schemeClr val="phClr">
-                <a:tint val="50000"/>
-                <a:satMod val="300000"/>
-              </a:schemeClr>
-            </a:gs>
-            <a:gs pos="35000">
-              <a:schemeClr val="phClr">
-                <a:tint val="37000"/>
-                <a:satMod val="300000"/>
-              </a:schemeClr>
-            </a:gs>
-            <a:gs pos="100000">
-              <a:schemeClr val="phClr">
-                <a:tint val="15000"/>
-                <a:satMod val="350000"/>
-              </a:schemeClr>
-            </a:gs>
-          </a:gsLst>
-          <a:lin ang="16200000" scaled="1"/>
-        </a:gradFill>
-        <a:gradFill rotWithShape="1">
-          <a:gsLst>
-            <a:gs pos="0">
-              <a:schemeClr val="phClr">
-                <a:tint val="100000"/>
-                <a:shade val="100000"/>
-                <a:satMod val="130000"/>
-              </a:schemeClr>
-            </a:gs>
-            <a:gs pos="100000">
-              <a:schemeClr val="phClr">
-                <a:tint val="50000"/>
-                <a:shade val="100000"/>
-                <a:satMod val="350000"/>
-              </a:schemeClr>
-            </a:gs>
-          </a:gsLst>
-          <a:lin ang="16200000" scaled="0"/>
-        </a:gradFill>
-      </a:fillStyleLst>
-      <a:lnStyleLst>
-        <a:ln w="9525" cap="flat" cmpd="sng" algn="ctr">
-          <a:solidFill>
-            <a:schemeClr val="phClr">
-              <a:shade val="95000"/>
-              <a:satMod val="105000"/>
-            </a:schemeClr>
-          </a:solidFill>
-          <a:prstDash val="solid"/>
-        </a:ln>
-        <a:ln w="25400" cap="flat" cmpd="sng" algn="ctr">
-          <a:solidFill>
-            <a:schemeClr val="phClr"/>
-          </a:solidFill>
-          <a:prstDash val="solid"/>
-        </a:ln>
-        <a:ln w="38100" cap="flat" cmpd="sng" algn="ctr">
-          <a:solidFill>
-            <a:schemeClr val="phClr"/>
-          </a:solidFill>
-          <a:prstDash val="solid"/>
-        </a:ln>
-      </a:lnStyleLst>
-      <a:effectStyleLst>
-        <a:effectStyle>
-          <a:effectLst>
-            <a:outerShdw blurRad="40000" dist="20000" dir="5400000" rotWithShape="0">
-              <a:srgbClr val="000000">
-                <a:alpha val="38000"/>
-              </a:srgbClr>
-            </a:outerShdw>
-          </a:effectLst>
-        </a:effectStyle>
-        <a:effectStyle>
-          <a:effectLst>
-            <a:outerShdw blurRad="40000" dist="23000" dir="5400000" rotWithShape="0">
-              <a:srgbClr val="000000">
-                <a:alpha val="35000"/>
-              </a:srgbClr>
-            </a:outerShdw>
-          </a:effectLst>
-        </a:effectStyle>
-        <a:effectStyle>
-          <a:effectLst>
-            <a:outerShdw blurRad="40000" dist="23000" dir="5400000" rotWithShape="0">
-              <a:srgbClr val="000000">
-                <a:alpha val="35000"/>
-              </a:srgbClr>
-            </a:outerShdw>
-          </a:effectLst>
-          <a:scene3d>
-            <a:camera prst="orthographicFront">
-              <a:rot lat="0" lon="0" rev="0"/>
-            </a:camera>
-            <a:lightRig rig="threePt" dir="t">
-              <a:rot lat="0" lon="0" rev="1200000"/>
-            </a:lightRig>
-          </a:scene3d>
-          <a:sp3d>
-            <a:bevelT w="63500" h="25400"/>
-          </a:sp3d>
-        </a:effectStyle>
-      </a:effectStyleLst>
-      <a:bgFillStyleLst>
-        <a:solidFill>
-          <a:schemeClr val="phClr"/>
-        </a:solidFill>
-        <a:gradFill rotWithShape="1">
-          <a:gsLst>
-            <a:gs pos="0">
-              <a:schemeClr val="phClr">
-                <a:tint val="40000"/>
-                <a:satMod val="350000"/>
-              </a:schemeClr>
-            </a:gs>
-            <a:gs pos="40000">
-              <a:schemeClr val="phClr">
-                <a:tint val="45000"/>
-                <a:shade val="99000"/>
-                <a:satMod val="350000"/>
-              </a:schemeClr>
-            </a:gs>
-            <a:gs pos="100000">
-              <a:schemeClr val="phClr">
-                <a:shade val="20000"/>
-                <a:satMod val="255000"/>
-              </a:schemeClr>
-            </a:gs>
-          </a:gsLst>
-          <a:path path="circle">
-            <a:fillToRect l="50000" t="-80000" r="50000" b="180000"/>
-          </a:path>
-        </a:gradFill>
-        <a:gradFill rotWithShape="1">
-          <a:gsLst>
-            <a:gs pos="0">
-              <a:schemeClr val="phClr">
-                <a:tint val="80000"/>
-                <a:satMod val="300000"/>
-              </a:schemeClr>
-            </a:gs>
-            <a:gs pos="100000">
-              <a:schemeClr val="phClr">
-                <a:shade val="30000"/>
-                <a:satMod val="200000"/>
-              </a:schemeClr>
-            </a:gs>
-          </a:gsLst>
-          <a:path path="circle">
-            <a:fillToRect l="50000" t="50000" r="50000" b="50000"/>
-          </a:path>
-        </a:gradFill>
-      </a:bgFillStyleLst>
-    </a:fmtScheme>
-  </a:themeElements>
-</a:theme>
 </file>
--- a/slides/05_object_orientation.pptx
+++ b/slides/05_object_orientation.pptx
@@ -955,7 +955,7 @@
   <p:cSld>
     <p:spTree>
       <p:nvGrpSpPr>
-        <p:cNvPr id="142" name="Shape 142"/>
+        <p:cNvPr id="143" name="Shape 143"/>
         <p:cNvGrpSpPr/>
         <p:nvPr/>
       </p:nvGrpSpPr>
@@ -969,7 +969,7 @@
       </p:grpSpPr>
       <p:sp>
         <p:nvSpPr>
-          <p:cNvPr id="143" name="Google Shape;143;p9:notes"/>
+          <p:cNvPr id="144" name="Google Shape;144;p9:notes"/>
           <p:cNvSpPr/>
           <p:nvPr>
             <p:ph idx="2" type="sldImg"/>
@@ -1014,7 +1014,7 @@
       </p:sp>
       <p:sp>
         <p:nvSpPr>
-          <p:cNvPr id="144" name="Google Shape;144;p9:notes"/>
+          <p:cNvPr id="145" name="Google Shape;145;p9:notes"/>
           <p:cNvSpPr txBox="1"/>
           <p:nvPr>
             <p:ph idx="1" type="body"/>
@@ -1072,7 +1072,7 @@
   <p:cSld>
     <p:spTree>
       <p:nvGrpSpPr>
-        <p:cNvPr id="150" name="Shape 150"/>
+        <p:cNvPr id="151" name="Shape 151"/>
         <p:cNvGrpSpPr/>
         <p:nvPr/>
       </p:nvGrpSpPr>
@@ -1086,7 +1086,7 @@
       </p:grpSpPr>
       <p:sp>
         <p:nvSpPr>
-          <p:cNvPr id="151" name="Google Shape;151;p10:notes"/>
+          <p:cNvPr id="152" name="Google Shape;152;p10:notes"/>
           <p:cNvSpPr/>
           <p:nvPr>
             <p:ph idx="2" type="sldImg"/>
@@ -1131,7 +1131,7 @@
       </p:sp>
       <p:sp>
         <p:nvSpPr>
-          <p:cNvPr id="152" name="Google Shape;152;p10:notes"/>
+          <p:cNvPr id="153" name="Google Shape;153;p10:notes"/>
           <p:cNvSpPr txBox="1"/>
           <p:nvPr>
             <p:ph idx="1" type="body"/>
@@ -1189,7 +1189,7 @@
   <p:cSld>
     <p:spTree>
       <p:nvGrpSpPr>
-        <p:cNvPr id="157" name="Shape 157"/>
+        <p:cNvPr id="158" name="Shape 158"/>
         <p:cNvGrpSpPr/>
         <p:nvPr/>
       </p:nvGrpSpPr>
@@ -1203,7 +1203,7 @@
       </p:grpSpPr>
       <p:sp>
         <p:nvSpPr>
-          <p:cNvPr id="158" name="Google Shape;158;p11:notes"/>
+          <p:cNvPr id="159" name="Google Shape;159;p11:notes"/>
           <p:cNvSpPr/>
           <p:nvPr>
             <p:ph idx="2" type="sldImg"/>
@@ -1248,7 +1248,7 @@
       </p:sp>
       <p:sp>
         <p:nvSpPr>
-          <p:cNvPr id="159" name="Google Shape;159;p11:notes"/>
+          <p:cNvPr id="160" name="Google Shape;160;p11:notes"/>
           <p:cNvSpPr txBox="1"/>
           <p:nvPr>
             <p:ph idx="1" type="body"/>
@@ -1306,7 +1306,7 @@
   <p:cSld>
     <p:spTree>
       <p:nvGrpSpPr>
-        <p:cNvPr id="163" name="Shape 163"/>
+        <p:cNvPr id="164" name="Shape 164"/>
         <p:cNvGrpSpPr/>
         <p:nvPr/>
       </p:nvGrpSpPr>
@@ -1320,7 +1320,7 @@
       </p:grpSpPr>
       <p:sp>
         <p:nvSpPr>
-          <p:cNvPr id="164" name="Google Shape;164;p12:notes"/>
+          <p:cNvPr id="165" name="Google Shape;165;p12:notes"/>
           <p:cNvSpPr/>
           <p:nvPr>
             <p:ph idx="2" type="sldImg"/>
@@ -1365,7 +1365,7 @@
       </p:sp>
       <p:sp>
         <p:nvSpPr>
-          <p:cNvPr id="165" name="Google Shape;165;p12:notes"/>
+          <p:cNvPr id="166" name="Google Shape;166;p12:notes"/>
           <p:cNvSpPr txBox="1"/>
           <p:nvPr>
             <p:ph idx="1" type="body"/>
@@ -1873,7 +1873,7 @@
   <p:cSld>
     <p:spTree>
       <p:nvGrpSpPr>
-        <p:cNvPr id="111" name="Shape 111"/>
+        <p:cNvPr id="112" name="Shape 112"/>
         <p:cNvGrpSpPr/>
         <p:nvPr/>
       </p:nvGrpSpPr>
@@ -1887,7 +1887,7 @@
       </p:grpSpPr>
       <p:sp>
         <p:nvSpPr>
-          <p:cNvPr id="112" name="Google Shape;112;p5:notes"/>
+          <p:cNvPr id="113" name="Google Shape;113;p5:notes"/>
           <p:cNvSpPr/>
           <p:nvPr>
             <p:ph idx="2" type="sldImg"/>
@@ -1932,7 +1932,7 @@
       </p:sp>
       <p:sp>
         <p:nvSpPr>
-          <p:cNvPr id="113" name="Google Shape;113;p5:notes"/>
+          <p:cNvPr id="114" name="Google Shape;114;p5:notes"/>
           <p:cNvSpPr txBox="1"/>
           <p:nvPr>
             <p:ph idx="1" type="body"/>
@@ -1990,7 +1990,7 @@
   <p:cSld>
     <p:spTree>
       <p:nvGrpSpPr>
-        <p:cNvPr id="118" name="Shape 118"/>
+        <p:cNvPr id="119" name="Shape 119"/>
         <p:cNvGrpSpPr/>
         <p:nvPr/>
       </p:nvGrpSpPr>
@@ -2004,7 +2004,7 @@
       </p:grpSpPr>
       <p:sp>
         <p:nvSpPr>
-          <p:cNvPr id="119" name="Google Shape;119;p6:notes"/>
+          <p:cNvPr id="120" name="Google Shape;120;p6:notes"/>
           <p:cNvSpPr/>
           <p:nvPr>
             <p:ph idx="2" type="sldImg"/>
@@ -2049,7 +2049,7 @@
       </p:sp>
       <p:sp>
         <p:nvSpPr>
-          <p:cNvPr id="120" name="Google Shape;120;p6:notes"/>
+          <p:cNvPr id="121" name="Google Shape;121;p6:notes"/>
           <p:cNvSpPr txBox="1"/>
           <p:nvPr>
             <p:ph idx="1" type="body"/>
@@ -2107,7 +2107,7 @@
   <p:cSld>
     <p:spTree>
       <p:nvGrpSpPr>
-        <p:cNvPr id="126" name="Shape 126"/>
+        <p:cNvPr id="127" name="Shape 127"/>
         <p:cNvGrpSpPr/>
         <p:nvPr/>
       </p:nvGrpSpPr>
@@ -2121,7 +2121,7 @@
       </p:grpSpPr>
       <p:sp>
         <p:nvSpPr>
-          <p:cNvPr id="127" name="Google Shape;127;p7:notes"/>
+          <p:cNvPr id="128" name="Google Shape;128;p7:notes"/>
           <p:cNvSpPr/>
           <p:nvPr>
             <p:ph idx="2" type="sldImg"/>
@@ -2166,7 +2166,7 @@
       </p:sp>
       <p:sp>
         <p:nvSpPr>
-          <p:cNvPr id="128" name="Google Shape;128;p7:notes"/>
+          <p:cNvPr id="129" name="Google Shape;129;p7:notes"/>
           <p:cNvSpPr txBox="1"/>
           <p:nvPr>
             <p:ph idx="1" type="body"/>
@@ -2224,7 +2224,7 @@
   <p:cSld>
     <p:spTree>
       <p:nvGrpSpPr>
-        <p:cNvPr id="134" name="Shape 134"/>
+        <p:cNvPr id="135" name="Shape 135"/>
         <p:cNvGrpSpPr/>
         <p:nvPr/>
       </p:nvGrpSpPr>
@@ -2238,7 +2238,7 @@
       </p:grpSpPr>
       <p:sp>
         <p:nvSpPr>
-          <p:cNvPr id="135" name="Google Shape;135;p8:notes"/>
+          <p:cNvPr id="136" name="Google Shape;136;p8:notes"/>
           <p:cNvSpPr/>
           <p:nvPr>
             <p:ph idx="2" type="sldImg"/>
@@ -2283,7 +2283,7 @@
       </p:sp>
       <p:sp>
         <p:nvSpPr>
-          <p:cNvPr id="136" name="Google Shape;136;p8:notes"/>
+          <p:cNvPr id="137" name="Google Shape;137;p8:notes"/>
           <p:cNvSpPr txBox="1"/>
           <p:nvPr>
             <p:ph idx="1" type="body"/>
@@ -10233,7 +10233,7 @@
             </a:pPr>
             <a:r>
               <a:rPr lang="de"/>
-              <a:t>04 - Objektorientierung</a:t>
+              <a:t>05 - Objektorientierung</a:t>
             </a:r>
             <a:endParaRPr/>
           </a:p>
@@ -10252,7 +10252,7 @@
   <p:cSld>
     <p:spTree>
       <p:nvGrpSpPr>
-        <p:cNvPr id="145" name="Shape 145"/>
+        <p:cNvPr id="146" name="Shape 146"/>
         <p:cNvGrpSpPr/>
         <p:nvPr/>
       </p:nvGrpSpPr>
@@ -10266,7 +10266,7 @@
       </p:grpSpPr>
       <p:sp>
         <p:nvSpPr>
-          <p:cNvPr id="146" name="Google Shape;146;p25"/>
+          <p:cNvPr id="147" name="Google Shape;147;p25"/>
           <p:cNvSpPr txBox="1"/>
           <p:nvPr>
             <p:ph type="title"/>
@@ -10314,7 +10314,7 @@
       </p:sp>
       <p:sp>
         <p:nvSpPr>
-          <p:cNvPr id="147" name="Google Shape;147;p25"/>
+          <p:cNvPr id="148" name="Google Shape;148;p25"/>
           <p:cNvSpPr/>
           <p:nvPr>
             <p:ph idx="2" type="chart"/>
@@ -10577,7 +10577,7 @@
       </p:sp>
       <p:pic>
         <p:nvPicPr>
-          <p:cNvPr id="148" name="Google Shape;148;p25"/>
+          <p:cNvPr id="149" name="Google Shape;149;p25"/>
           <p:cNvPicPr preferRelativeResize="0"/>
           <p:nvPr/>
         </p:nvPicPr>
@@ -10604,7 +10604,7 @@
       </p:pic>
       <p:pic>
         <p:nvPicPr>
-          <p:cNvPr id="149" name="Google Shape;149;p25"/>
+          <p:cNvPr id="150" name="Google Shape;150;p25"/>
           <p:cNvPicPr preferRelativeResize="0"/>
           <p:nvPr/>
         </p:nvPicPr>
@@ -10642,7 +10642,7 @@
   <p:cSld>
     <p:spTree>
       <p:nvGrpSpPr>
-        <p:cNvPr id="153" name="Shape 153"/>
+        <p:cNvPr id="154" name="Shape 154"/>
         <p:cNvGrpSpPr/>
         <p:nvPr/>
       </p:nvGrpSpPr>
@@ -10656,7 +10656,7 @@
       </p:grpSpPr>
       <p:sp>
         <p:nvSpPr>
-          <p:cNvPr id="154" name="Google Shape;154;p26"/>
+          <p:cNvPr id="155" name="Google Shape;155;p26"/>
           <p:cNvSpPr txBox="1"/>
           <p:nvPr>
             <p:ph type="title"/>
@@ -10704,7 +10704,7 @@
       </p:sp>
       <p:sp>
         <p:nvSpPr>
-          <p:cNvPr id="155" name="Google Shape;155;p26"/>
+          <p:cNvPr id="156" name="Google Shape;156;p26"/>
           <p:cNvSpPr/>
           <p:nvPr>
             <p:ph idx="2" type="chart"/>
@@ -10940,7 +10940,7 @@
       </p:sp>
       <p:pic>
         <p:nvPicPr>
-          <p:cNvPr id="156" name="Google Shape;156;p26"/>
+          <p:cNvPr id="157" name="Google Shape;157;p26"/>
           <p:cNvPicPr preferRelativeResize="0"/>
           <p:nvPr/>
         </p:nvPicPr>
@@ -10978,7 +10978,7 @@
   <p:cSld>
     <p:spTree>
       <p:nvGrpSpPr>
-        <p:cNvPr id="160" name="Shape 160"/>
+        <p:cNvPr id="161" name="Shape 161"/>
         <p:cNvGrpSpPr/>
         <p:nvPr/>
       </p:nvGrpSpPr>
@@ -10992,7 +10992,7 @@
       </p:grpSpPr>
       <p:sp>
         <p:nvSpPr>
-          <p:cNvPr id="161" name="Google Shape;161;p27"/>
+          <p:cNvPr id="162" name="Google Shape;162;p27"/>
           <p:cNvSpPr txBox="1"/>
           <p:nvPr>
             <p:ph type="title"/>
@@ -11040,7 +11040,7 @@
       </p:sp>
       <p:sp>
         <p:nvSpPr>
-          <p:cNvPr id="162" name="Google Shape;162;p27"/>
+          <p:cNvPr id="163" name="Google Shape;163;p27"/>
           <p:cNvSpPr/>
           <p:nvPr>
             <p:ph idx="2" type="chart"/>
@@ -11305,7 +11305,7 @@
   <p:cSld>
     <p:spTree>
       <p:nvGrpSpPr>
-        <p:cNvPr id="166" name="Shape 166"/>
+        <p:cNvPr id="167" name="Shape 167"/>
         <p:cNvGrpSpPr/>
         <p:nvPr/>
       </p:nvGrpSpPr>
@@ -11319,7 +11319,7 @@
       </p:grpSpPr>
       <p:sp>
         <p:nvSpPr>
-          <p:cNvPr id="167" name="Google Shape;167;p28"/>
+          <p:cNvPr id="168" name="Google Shape;168;p28"/>
           <p:cNvSpPr txBox="1"/>
           <p:nvPr>
             <p:ph type="title"/>
@@ -11367,7 +11367,7 @@
       </p:sp>
       <p:sp>
         <p:nvSpPr>
-          <p:cNvPr id="168" name="Google Shape;168;p28"/>
+          <p:cNvPr id="169" name="Google Shape;169;p28"/>
           <p:cNvSpPr/>
           <p:nvPr>
             <p:ph idx="2" type="chart"/>
@@ -12707,7 +12707,7 @@
             </a:pPr>
             <a:r>
               <a:rPr lang="de"/>
-              <a:t>Bislang kennen wir in Java nur die primitiven Datentypen (von Ausnahmen wie der Scanner-Klasse abgesehen).</a:t>
+              <a:t>Bislang kennen wir in Java nur die primitiven Datentypen (von Ausnahmen wie der Scanner-Klasse oder String abgesehen).</a:t>
             </a:r>
             <a:endParaRPr/>
           </a:p>
@@ -12777,7 +12777,7 @@
             </a:r>
             <a:r>
               <a:rPr lang="de"/>
-              <a:t>, da Variablen dieser Datentypen nicht den Wert der Variable selber, sondern eine Referenz darauf enthalten. Daraus ergeben sich auch einige Unterschiede im Umgange, die wir später klären.</a:t>
+              <a:t>, da Variablen dieser Datentypen nicht den Wert der Variable selber, sondern eine Referenz darauf enthalten. Daraus ergeben sich auch einige Unterschiede im Umgang, die wir später klären.</a:t>
             </a:r>
             <a:endParaRPr/>
           </a:p>
@@ -12808,7 +12808,7 @@
             </a:pPr>
             <a:r>
               <a:rPr lang="de"/>
-              <a:t>Man definiert sich eigene Datentypen durch das Schreiben von Klassen, wie wir im folgenden sehen.</a:t>
+              <a:t>Man definiert sich eigene Datentypen durch das Schreiben von Klassen (siehe letzte Session), wie wir im folgenden sehen.</a:t>
             </a:r>
             <a:endParaRPr/>
           </a:p>
@@ -12953,7 +12953,7 @@
                 <a:cs typeface="Arial"/>
                 <a:sym typeface="Arial"/>
               </a:rPr>
-              <a:t>zur Klasse und nicht zur Instanz der Klasse (Objekt) gehört</a:t>
+              <a:t>zur gesamten Klasse und nicht zur Instanz der Klasse ( =&gt; Objekt) gehört</a:t>
             </a:r>
             <a:r>
               <a:rPr b="0" i="0" lang="de" sz="1600" u="none" cap="none" strike="noStrike">
@@ -12989,7 +12989,7 @@
             </a:pPr>
             <a:r>
               <a:rPr lang="de"/>
-              <a:t>Man kann aus statischen Kontexten (z.B. Funktionen) nicht auf Attribute von Objekten zugreifen:</a:t>
+              <a:t>Man kann aus statischen Kontexten (z.B. Funktionen) nicht auf Attribute von Objekten zugreifen, da nicht klar ist, welches Objekt gemeint ist.</a:t>
             </a:r>
             <a:endParaRPr/>
           </a:p>
@@ -13014,15 +13014,7 @@
             <a:r>
               <a:t/>
             </a:r>
-            <a:endParaRPr b="0" i="0" sz="1600" u="none" cap="none" strike="noStrike">
-              <a:solidFill>
-                <a:schemeClr val="dk1"/>
-              </a:solidFill>
-              <a:latin typeface="Arial"/>
-              <a:ea typeface="Arial"/>
-              <a:cs typeface="Arial"/>
-              <a:sym typeface="Arial"/>
-            </a:endParaRPr>
+            <a:endParaRPr/>
           </a:p>
           <a:p>
             <a:pPr indent="0" lvl="0" marL="0" marR="0" rtl="0" algn="l">
@@ -13086,8 +13078,8 @@
         </p:blipFill>
         <p:spPr>
           <a:xfrm>
-            <a:off x="1559338" y="2775875"/>
-            <a:ext cx="6296025" cy="1657350"/>
+            <a:off x="1913600" y="2837922"/>
+            <a:ext cx="6040576" cy="1523325"/>
           </a:xfrm>
           <a:prstGeom prst="rect">
             <a:avLst/>
@@ -13361,6 +13353,34 @@
           </a:p>
         </p:txBody>
       </p:sp>
+      <p:pic>
+        <p:nvPicPr>
+          <p:cNvPr id="111" name="Google Shape;111;p20"/>
+          <p:cNvPicPr preferRelativeResize="0"/>
+          <p:nvPr/>
+        </p:nvPicPr>
+        <p:blipFill>
+          <a:blip r:embed="rId3">
+            <a:alphaModFix/>
+          </a:blip>
+          <a:stretch>
+            <a:fillRect/>
+          </a:stretch>
+        </p:blipFill>
+        <p:spPr>
+          <a:xfrm>
+            <a:off x="2346100" y="3040175"/>
+            <a:ext cx="2980075" cy="616575"/>
+          </a:xfrm>
+          <a:prstGeom prst="rect">
+            <a:avLst/>
+          </a:prstGeom>
+          <a:noFill/>
+          <a:ln>
+            <a:noFill/>
+          </a:ln>
+        </p:spPr>
+      </p:pic>
     </p:spTree>
   </p:cSld>
   <p:clrMapOvr>
@@ -13374,7 +13394,7 @@
   <p:cSld>
     <p:spTree>
       <p:nvGrpSpPr>
-        <p:cNvPr id="114" name="Shape 114"/>
+        <p:cNvPr id="115" name="Shape 115"/>
         <p:cNvGrpSpPr/>
         <p:nvPr/>
       </p:nvGrpSpPr>
@@ -13388,7 +13408,7 @@
       </p:grpSpPr>
       <p:sp>
         <p:nvSpPr>
-          <p:cNvPr id="115" name="Google Shape;115;p21"/>
+          <p:cNvPr id="116" name="Google Shape;116;p21"/>
           <p:cNvSpPr txBox="1"/>
           <p:nvPr>
             <p:ph type="title"/>
@@ -13436,7 +13456,7 @@
       </p:sp>
       <p:sp>
         <p:nvSpPr>
-          <p:cNvPr id="116" name="Google Shape;116;p21"/>
+          <p:cNvPr id="117" name="Google Shape;117;p21"/>
           <p:cNvSpPr/>
           <p:nvPr>
             <p:ph idx="2" type="chart"/>
@@ -13668,7 +13688,7 @@
       </p:sp>
       <p:pic>
         <p:nvPicPr>
-          <p:cNvPr id="117" name="Google Shape;117;p21"/>
+          <p:cNvPr id="118" name="Google Shape;118;p21"/>
           <p:cNvPicPr preferRelativeResize="0"/>
           <p:nvPr/>
         </p:nvPicPr>
@@ -13706,7 +13726,7 @@
   <p:cSld>
     <p:spTree>
       <p:nvGrpSpPr>
-        <p:cNvPr id="121" name="Shape 121"/>
+        <p:cNvPr id="122" name="Shape 122"/>
         <p:cNvGrpSpPr/>
         <p:nvPr/>
       </p:nvGrpSpPr>
@@ -13720,7 +13740,7 @@
       </p:grpSpPr>
       <p:sp>
         <p:nvSpPr>
-          <p:cNvPr id="122" name="Google Shape;122;p22"/>
+          <p:cNvPr id="123" name="Google Shape;123;p22"/>
           <p:cNvSpPr txBox="1"/>
           <p:nvPr>
             <p:ph type="title"/>
@@ -13768,7 +13788,7 @@
       </p:sp>
       <p:sp>
         <p:nvSpPr>
-          <p:cNvPr id="123" name="Google Shape;123;p22"/>
+          <p:cNvPr id="124" name="Google Shape;124;p22"/>
           <p:cNvSpPr/>
           <p:nvPr>
             <p:ph idx="2" type="chart"/>
@@ -14068,7 +14088,7 @@
       </p:sp>
       <p:pic>
         <p:nvPicPr>
-          <p:cNvPr id="124" name="Google Shape;124;p22"/>
+          <p:cNvPr id="125" name="Google Shape;125;p22"/>
           <p:cNvPicPr preferRelativeResize="0"/>
           <p:nvPr/>
         </p:nvPicPr>
@@ -14095,7 +14115,7 @@
       </p:pic>
       <p:pic>
         <p:nvPicPr>
-          <p:cNvPr id="125" name="Google Shape;125;p22"/>
+          <p:cNvPr id="126" name="Google Shape;126;p22"/>
           <p:cNvPicPr preferRelativeResize="0"/>
           <p:nvPr/>
         </p:nvPicPr>
@@ -14133,7 +14153,7 @@
   <p:cSld>
     <p:spTree>
       <p:nvGrpSpPr>
-        <p:cNvPr id="129" name="Shape 129"/>
+        <p:cNvPr id="130" name="Shape 130"/>
         <p:cNvGrpSpPr/>
         <p:nvPr/>
       </p:nvGrpSpPr>
@@ -14147,7 +14167,7 @@
       </p:grpSpPr>
       <p:sp>
         <p:nvSpPr>
-          <p:cNvPr id="130" name="Google Shape;130;p23"/>
+          <p:cNvPr id="131" name="Google Shape;131;p23"/>
           <p:cNvSpPr txBox="1"/>
           <p:nvPr>
             <p:ph type="title"/>
@@ -14195,7 +14215,7 @@
       </p:sp>
       <p:sp>
         <p:nvSpPr>
-          <p:cNvPr id="131" name="Google Shape;131;p23"/>
+          <p:cNvPr id="132" name="Google Shape;132;p23"/>
           <p:cNvSpPr/>
           <p:nvPr>
             <p:ph idx="2" type="chart"/>
@@ -14437,7 +14457,7 @@
       </p:sp>
       <p:pic>
         <p:nvPicPr>
-          <p:cNvPr id="132" name="Google Shape;132;p23"/>
+          <p:cNvPr id="133" name="Google Shape;133;p23"/>
           <p:cNvPicPr preferRelativeResize="0"/>
           <p:nvPr/>
         </p:nvPicPr>
@@ -14464,7 +14484,7 @@
       </p:pic>
       <p:pic>
         <p:nvPicPr>
-          <p:cNvPr id="133" name="Google Shape;133;p23"/>
+          <p:cNvPr id="134" name="Google Shape;134;p23"/>
           <p:cNvPicPr preferRelativeResize="0"/>
           <p:nvPr/>
         </p:nvPicPr>
@@ -14502,7 +14522,7 @@
   <p:cSld>
     <p:spTree>
       <p:nvGrpSpPr>
-        <p:cNvPr id="137" name="Shape 137"/>
+        <p:cNvPr id="138" name="Shape 138"/>
         <p:cNvGrpSpPr/>
         <p:nvPr/>
       </p:nvGrpSpPr>
@@ -14516,7 +14536,7 @@
       </p:grpSpPr>
       <p:sp>
         <p:nvSpPr>
-          <p:cNvPr id="138" name="Google Shape;138;p24"/>
+          <p:cNvPr id="139" name="Google Shape;139;p24"/>
           <p:cNvSpPr txBox="1"/>
           <p:nvPr>
             <p:ph type="title"/>
@@ -14564,7 +14584,7 @@
       </p:sp>
       <p:sp>
         <p:nvSpPr>
-          <p:cNvPr id="139" name="Google Shape;139;p24"/>
+          <p:cNvPr id="140" name="Google Shape;140;p24"/>
           <p:cNvSpPr/>
           <p:nvPr>
             <p:ph idx="2" type="chart"/>
@@ -14672,7 +14692,7 @@
       </p:sp>
       <p:pic>
         <p:nvPicPr>
-          <p:cNvPr id="140" name="Google Shape;140;p24"/>
+          <p:cNvPr id="141" name="Google Shape;141;p24"/>
           <p:cNvPicPr preferRelativeResize="0"/>
           <p:nvPr/>
         </p:nvPicPr>
@@ -14699,7 +14719,7 @@
       </p:pic>
       <p:pic>
         <p:nvPicPr>
-          <p:cNvPr id="141" name="Google Shape;141;p24"/>
+          <p:cNvPr id="142" name="Google Shape;142;p24"/>
           <p:cNvPicPr preferRelativeResize="0"/>
           <p:nvPr/>
         </p:nvPicPr>

--- a/slides/05_object_orientation.pptx
+++ b/slides/05_object_orientation.pptx
@@ -12777,7 +12777,7 @@
             </a:r>
             <a:r>
               <a:rPr lang="de"/>
-              <a:t>, da Variablen dieser Datentypen nicht den Wert der Variable selber, sondern eine Referenz darauf enthalten. Daraus ergeben sich auch einige Unterschiede im Umgang, die wir später klären.</a:t>
+              <a:t>, da Variablen dieser Datentypen nicht das Objekts selber, sondern eine Referenz darauf enthalten. Daraus ergeben sich auch einige Unterschiede im Umgang, die wir später klären.</a:t>
             </a:r>
             <a:endParaRPr/>
           </a:p>
@@ -13217,7 +13217,35 @@
                 <a:cs typeface="Arial"/>
                 <a:sym typeface="Arial"/>
               </a:rPr>
-              <a:t>Das Schlüsselwort this ist immer eine Referenz (wie eine nicht-überschreibbare Variable) auf das aktuelle Objekt</a:t>
+              <a:t>Das Schlüsselwort this ist immer eine Referenz (wie eine nicht-überschreibbare Variable) auf das </a:t>
+            </a:r>
+            <a:r>
+              <a:rPr b="0" i="1" lang="de" sz="1600" u="none" cap="none" strike="noStrike">
+                <a:solidFill>
+                  <a:schemeClr val="dk1"/>
+                </a:solidFill>
+                <a:latin typeface="Arial"/>
+                <a:ea typeface="Arial"/>
+                <a:cs typeface="Arial"/>
+                <a:sym typeface="Arial"/>
+              </a:rPr>
+              <a:t>aktuelle</a:t>
+            </a:r>
+            <a:r>
+              <a:rPr b="0" i="0" lang="de" sz="1600" u="none" cap="none" strike="noStrike">
+                <a:solidFill>
+                  <a:schemeClr val="dk1"/>
+                </a:solidFill>
+                <a:latin typeface="Arial"/>
+                <a:ea typeface="Arial"/>
+                <a:cs typeface="Arial"/>
+                <a:sym typeface="Arial"/>
+              </a:rPr>
+              <a:t> Objekt (das, in dessen Kontext</a:t>
+            </a:r>
+            <a:r>
+              <a:rPr lang="de"/>
+              <a:t> der Code steht)</a:t>
             </a:r>
             <a:br>
               <a:rPr b="0" i="0" lang="de" sz="1600" u="none" cap="none" strike="noStrike">
@@ -14753,6 +14781,285 @@
 </file>
 
 <file path=ppt/theme/theme1.xml><?xml version="1.0" encoding="utf-8"?>
+<a:theme xmlns:a="http://schemas.openxmlformats.org/drawingml/2006/main" xmlns:r="http://schemas.openxmlformats.org/officeDocument/2006/relationships" name="TUBraunschweig_PPT2007_Folienpool_pptx">
+  <a:themeElements>
+    <a:clrScheme name="TU Braunschweig">
+      <a:dk1>
+        <a:srgbClr val="000000"/>
+      </a:dk1>
+      <a:lt1>
+        <a:srgbClr val="FFFFFF"/>
+      </a:lt1>
+      <a:dk2>
+        <a:srgbClr val="000000"/>
+      </a:dk2>
+      <a:lt2>
+        <a:srgbClr val="DDDDDD"/>
+      </a:lt2>
+      <a:accent1>
+        <a:srgbClr val="BE1E3C"/>
+      </a:accent1>
+      <a:accent2>
+        <a:srgbClr val="4DA6CB"/>
+      </a:accent2>
+      <a:accent3>
+        <a:srgbClr val="ADBF4D"/>
+      </a:accent3>
+      <a:accent4>
+        <a:srgbClr val="FA6E00"/>
+      </a:accent4>
+      <a:accent5>
+        <a:srgbClr val="407E97"/>
+      </a:accent5>
+      <a:accent6>
+        <a:srgbClr val="984098"/>
+      </a:accent6>
+      <a:hlink>
+        <a:srgbClr val="BE1E3C"/>
+      </a:hlink>
+      <a:folHlink>
+        <a:srgbClr val="760054"/>
+      </a:folHlink>
+    </a:clrScheme>
+    <a:fontScheme name="Office">
+      <a:majorFont>
+        <a:latin typeface="Arial"/>
+        <a:ea typeface=""/>
+        <a:cs typeface=""/>
+        <a:font script="Jpan" typeface="ＭＳ Ｐゴシック"/>
+        <a:font script="Hang" typeface="맑은 고딕"/>
+        <a:font script="Hans" typeface="宋体"/>
+        <a:font script="Hant" typeface="新細明體"/>
+        <a:font script="Arab" typeface="Times New Roman"/>
+        <a:font script="Hebr" typeface="Times New Roman"/>
+        <a:font script="Thai" typeface="Angsana New"/>
+        <a:font script="Ethi" typeface="Nyala"/>
+        <a:font script="Beng" typeface="Vrinda"/>
+        <a:font script="Gujr" typeface="Shruti"/>
+        <a:font script="Khmr" typeface="MoolBoran"/>
+        <a:font script="Knda" typeface="Tunga"/>
+        <a:font script="Guru" typeface="Raavi"/>
+        <a:font script="Cans" typeface="Euphemia"/>
+        <a:font script="Cher" typeface="Plantagenet Cherokee"/>
+        <a:font script="Yiii" typeface="Microsoft Yi Baiti"/>
+        <a:font script="Tibt" typeface="Microsoft Himalaya"/>
+        <a:font script="Thaa" typeface="MV Boli"/>
+        <a:font script="Deva" typeface="Mangal"/>
+        <a:font script="Telu" typeface="Gautami"/>
+        <a:font script="Taml" typeface="Latha"/>
+        <a:font script="Syrc" typeface="Estrangelo Edessa"/>
+        <a:font script="Orya" typeface="Kalinga"/>
+        <a:font script="Mlym" typeface="Kartika"/>
+        <a:font script="Laoo" typeface="DokChampa"/>
+        <a:font script="Sinh" typeface="Iskoola Pota"/>
+        <a:font script="Mong" typeface="Mongolian Baiti"/>
+        <a:font script="Viet" typeface="Times New Roman"/>
+        <a:font script="Uigh" typeface="Microsoft Uighur"/>
+        <a:font script="Geor" typeface="Sylfaen"/>
+      </a:majorFont>
+      <a:minorFont>
+        <a:latin typeface="Arial"/>
+        <a:ea typeface=""/>
+        <a:cs typeface=""/>
+        <a:font script="Jpan" typeface="ＭＳ Ｐゴシック"/>
+        <a:font script="Hang" typeface="맑은 고딕"/>
+        <a:font script="Hans" typeface="宋体"/>
+        <a:font script="Hant" typeface="新細明體"/>
+        <a:font script="Arab" typeface="Arial"/>
+        <a:font script="Hebr" typeface="Arial"/>
+        <a:font script="Thai" typeface="Cordia New"/>
+        <a:font script="Ethi" typeface="Nyala"/>
+        <a:font script="Beng" typeface="Vrinda"/>
+        <a:font script="Gujr" typeface="Shruti"/>
+        <a:font script="Khmr" typeface="DaunPenh"/>
+        <a:font script="Knda" typeface="Tunga"/>
+        <a:font script="Guru" typeface="Raavi"/>
+        <a:font script="Cans" typeface="Euphemia"/>
+        <a:font script="Cher" typeface="Plantagenet Cherokee"/>
+        <a:font script="Yiii" typeface="Microsoft Yi Baiti"/>
+        <a:font script="Tibt" typeface="Microsoft Himalaya"/>
+        <a:font script="Thaa" typeface="MV Boli"/>
+        <a:font script="Deva" typeface="Mangal"/>
+        <a:font script="Telu" typeface="Gautami"/>
+        <a:font script="Taml" typeface="Latha"/>
+        <a:font script="Syrc" typeface="Estrangelo Edessa"/>
+        <a:font script="Orya" typeface="Kalinga"/>
+        <a:font script="Mlym" typeface="Kartika"/>
+        <a:font script="Laoo" typeface="DokChampa"/>
+        <a:font script="Sinh" typeface="Iskoola Pota"/>
+        <a:font script="Mong" typeface="Mongolian Baiti"/>
+        <a:font script="Viet" typeface="Arial"/>
+        <a:font script="Uigh" typeface="Microsoft Uighur"/>
+        <a:font script="Geor" typeface="Sylfaen"/>
+      </a:minorFont>
+    </a:fontScheme>
+    <a:fmtScheme name="Office">
+      <a:fillStyleLst>
+        <a:solidFill>
+          <a:schemeClr val="phClr"/>
+        </a:solidFill>
+        <a:gradFill rotWithShape="1">
+          <a:gsLst>
+            <a:gs pos="0">
+              <a:schemeClr val="phClr">
+                <a:tint val="50000"/>
+                <a:satMod val="300000"/>
+              </a:schemeClr>
+            </a:gs>
+            <a:gs pos="35000">
+              <a:schemeClr val="phClr">
+                <a:tint val="37000"/>
+                <a:satMod val="300000"/>
+              </a:schemeClr>
+            </a:gs>
+            <a:gs pos="100000">
+              <a:schemeClr val="phClr">
+                <a:tint val="15000"/>
+                <a:satMod val="350000"/>
+              </a:schemeClr>
+            </a:gs>
+          </a:gsLst>
+          <a:lin ang="16200000" scaled="1"/>
+        </a:gradFill>
+        <a:gradFill rotWithShape="1">
+          <a:gsLst>
+            <a:gs pos="0">
+              <a:schemeClr val="phClr">
+                <a:tint val="100000"/>
+                <a:shade val="100000"/>
+                <a:satMod val="130000"/>
+              </a:schemeClr>
+            </a:gs>
+            <a:gs pos="100000">
+              <a:schemeClr val="phClr">
+                <a:tint val="50000"/>
+                <a:shade val="100000"/>
+                <a:satMod val="350000"/>
+              </a:schemeClr>
+            </a:gs>
+          </a:gsLst>
+          <a:lin ang="16200000" scaled="0"/>
+        </a:gradFill>
+      </a:fillStyleLst>
+      <a:lnStyleLst>
+        <a:ln w="9525" cap="flat" cmpd="sng" algn="ctr">
+          <a:solidFill>
+            <a:schemeClr val="phClr">
+              <a:shade val="95000"/>
+              <a:satMod val="105000"/>
+            </a:schemeClr>
+          </a:solidFill>
+          <a:prstDash val="solid"/>
+        </a:ln>
+        <a:ln w="25400" cap="flat" cmpd="sng" algn="ctr">
+          <a:solidFill>
+            <a:schemeClr val="phClr"/>
+          </a:solidFill>
+          <a:prstDash val="solid"/>
+        </a:ln>
+        <a:ln w="38100" cap="flat" cmpd="sng" algn="ctr">
+          <a:solidFill>
+            <a:schemeClr val="phClr"/>
+          </a:solidFill>
+          <a:prstDash val="solid"/>
+        </a:ln>
+      </a:lnStyleLst>
+      <a:effectStyleLst>
+        <a:effectStyle>
+          <a:effectLst>
+            <a:outerShdw blurRad="40000" dist="20000" dir="5400000" rotWithShape="0">
+              <a:srgbClr val="000000">
+                <a:alpha val="38000"/>
+              </a:srgbClr>
+            </a:outerShdw>
+          </a:effectLst>
+        </a:effectStyle>
+        <a:effectStyle>
+          <a:effectLst>
+            <a:outerShdw blurRad="40000" dist="23000" dir="5400000" rotWithShape="0">
+              <a:srgbClr val="000000">
+                <a:alpha val="35000"/>
+              </a:srgbClr>
+            </a:outerShdw>
+          </a:effectLst>
+        </a:effectStyle>
+        <a:effectStyle>
+          <a:effectLst>
+            <a:outerShdw blurRad="40000" dist="23000" dir="5400000" rotWithShape="0">
+              <a:srgbClr val="000000">
+                <a:alpha val="35000"/>
+              </a:srgbClr>
+            </a:outerShdw>
+          </a:effectLst>
+          <a:scene3d>
+            <a:camera prst="orthographicFront">
+              <a:rot lat="0" lon="0" rev="0"/>
+            </a:camera>
+            <a:lightRig rig="threePt" dir="t">
+              <a:rot lat="0" lon="0" rev="1200000"/>
+            </a:lightRig>
+          </a:scene3d>
+          <a:sp3d>
+            <a:bevelT w="63500" h="25400"/>
+          </a:sp3d>
+        </a:effectStyle>
+      </a:effectStyleLst>
+      <a:bgFillStyleLst>
+        <a:solidFill>
+          <a:schemeClr val="phClr"/>
+        </a:solidFill>
+        <a:gradFill rotWithShape="1">
+          <a:gsLst>
+            <a:gs pos="0">
+              <a:schemeClr val="phClr">
+                <a:tint val="40000"/>
+                <a:satMod val="350000"/>
+              </a:schemeClr>
+            </a:gs>
+            <a:gs pos="40000">
+              <a:schemeClr val="phClr">
+                <a:tint val="45000"/>
+                <a:shade val="99000"/>
+                <a:satMod val="350000"/>
+              </a:schemeClr>
+            </a:gs>
+            <a:gs pos="100000">
+              <a:schemeClr val="phClr">
+                <a:shade val="20000"/>
+                <a:satMod val="255000"/>
+              </a:schemeClr>
+            </a:gs>
+          </a:gsLst>
+          <a:path path="circle">
+            <a:fillToRect l="50000" t="-80000" r="50000" b="180000"/>
+          </a:path>
+        </a:gradFill>
+        <a:gradFill rotWithShape="1">
+          <a:gsLst>
+            <a:gs pos="0">
+              <a:schemeClr val="phClr">
+                <a:tint val="80000"/>
+                <a:satMod val="300000"/>
+              </a:schemeClr>
+            </a:gs>
+            <a:gs pos="100000">
+              <a:schemeClr val="phClr">
+                <a:shade val="30000"/>
+                <a:satMod val="200000"/>
+              </a:schemeClr>
+            </a:gs>
+          </a:gsLst>
+          <a:path path="circle">
+            <a:fillToRect l="50000" t="50000" r="50000" b="50000"/>
+          </a:path>
+        </a:gradFill>
+      </a:bgFillStyleLst>
+    </a:fmtScheme>
+  </a:themeElements>
+</a:theme>
+</file>
+
+<file path=ppt/theme/theme2.xml><?xml version="1.0" encoding="utf-8"?>
 <a:theme xmlns:a="http://schemas.openxmlformats.org/drawingml/2006/main" xmlns:r="http://schemas.openxmlformats.org/officeDocument/2006/relationships">
   <a:themeElements>
     <a:clrScheme name="Default">
@@ -15029,283 +15336,4 @@
     </a:fmtScheme>
   </a:themeElements>
 </a:theme>
-</file>
-
-<file path=ppt/theme/theme2.xml><?xml version="1.0" encoding="utf-8"?>
-<a:theme xmlns:a="http://schemas.openxmlformats.org/drawingml/2006/main" xmlns:r="http://schemas.openxmlformats.org/officeDocument/2006/relationships" name="TUBraunschweig_PPT2007_Folienpool_pptx">
-  <a:themeElements>
-    <a:clrScheme name="TU Braunschweig">
-      <a:dk1>
-        <a:srgbClr val="000000"/>
-      </a:dk1>
-      <a:lt1>
-        <a:srgbClr val="FFFFFF"/>
-      </a:lt1>
-      <a:dk2>
-        <a:srgbClr val="000000"/>
-      </a:dk2>
-      <a:lt2>
-        <a:srgbClr val="DDDDDD"/>
-      </a:lt2>
-      <a:accent1>
-        <a:srgbClr val="BE1E3C"/>
-      </a:accent1>
-      <a:accent2>
-        <a:srgbClr val="4DA6CB"/>
-      </a:accent2>
-      <a:accent3>
-        <a:srgbClr val="ADBF4D"/>
-      </a:accent3>
-      <a:accent4>
-        <a:srgbClr val="FA6E00"/>
-      </a:accent4>
-      <a:accent5>
-        <a:srgbClr val="407E97"/>
-      </a:accent5>
-      <a:accent6>
-        <a:srgbClr val="984098"/>
-      </a:accent6>
-      <a:hlink>
-        <a:srgbClr val="BE1E3C"/>
-      </a:hlink>
-      <a:folHlink>
-        <a:srgbClr val="760054"/>
-      </a:folHlink>
-    </a:clrScheme>
-    <a:fontScheme name="Office">
-      <a:majorFont>
-        <a:latin typeface="Arial"/>
-        <a:ea typeface=""/>
-        <a:cs typeface=""/>
-        <a:font script="Jpan" typeface="ＭＳ Ｐゴシック"/>
-        <a:font script="Hang" typeface="맑은 고딕"/>
-        <a:font script="Hans" typeface="宋体"/>
-        <a:font script="Hant" typeface="新細明體"/>
-        <a:font script="Arab" typeface="Times New Roman"/>
-        <a:font script="Hebr" typeface="Times New Roman"/>
-        <a:font script="Thai" typeface="Angsana New"/>
-        <a:font script="Ethi" typeface="Nyala"/>
-        <a:font script="Beng" typeface="Vrinda"/>
-        <a:font script="Gujr" typeface="Shruti"/>
-        <a:font script="Khmr" typeface="MoolBoran"/>
-        <a:font script="Knda" typeface="Tunga"/>
-        <a:font script="Guru" typeface="Raavi"/>
-        <a:font script="Cans" typeface="Euphemia"/>
-        <a:font script="Cher" typeface="Plantagenet Cherokee"/>
-        <a:font script="Yiii" typeface="Microsoft Yi Baiti"/>
-        <a:font script="Tibt" typeface="Microsoft Himalaya"/>
-        <a:font script="Thaa" typeface="MV Boli"/>
-        <a:font script="Deva" typeface="Mangal"/>
-        <a:font script="Telu" typeface="Gautami"/>
-        <a:font script="Taml" typeface="Latha"/>
-        <a:font script="Syrc" typeface="Estrangelo Edessa"/>
-        <a:font script="Orya" typeface="Kalinga"/>
-        <a:font script="Mlym" typeface="Kartika"/>
-        <a:font script="Laoo" typeface="DokChampa"/>
-        <a:font script="Sinh" typeface="Iskoola Pota"/>
-        <a:font script="Mong" typeface="Mongolian Baiti"/>
-        <a:font script="Viet" typeface="Times New Roman"/>
-        <a:font script="Uigh" typeface="Microsoft Uighur"/>
-        <a:font script="Geor" typeface="Sylfaen"/>
-      </a:majorFont>
-      <a:minorFont>
-        <a:latin typeface="Arial"/>
-        <a:ea typeface=""/>
-        <a:cs typeface=""/>
-        <a:font script="Jpan" typeface="ＭＳ Ｐゴシック"/>
-        <a:font script="Hang" typeface="맑은 고딕"/>
-        <a:font script="Hans" typeface="宋体"/>
-        <a:font script="Hant" typeface="新細明體"/>
-        <a:font script="Arab" typeface="Arial"/>
-        <a:font script="Hebr" typeface="Arial"/>
-        <a:font script="Thai" typeface="Cordia New"/>
-        <a:font script="Ethi" typeface="Nyala"/>
-        <a:font script="Beng" typeface="Vrinda"/>
-        <a:font script="Gujr" typeface="Shruti"/>
-        <a:font script="Khmr" typeface="DaunPenh"/>
-        <a:font script="Knda" typeface="Tunga"/>
-        <a:font script="Guru" typeface="Raavi"/>
-        <a:font script="Cans" typeface="Euphemia"/>
-        <a:font script="Cher" typeface="Plantagenet Cherokee"/>
-        <a:font script="Yiii" typeface="Microsoft Yi Baiti"/>
-        <a:font script="Tibt" typeface="Microsoft Himalaya"/>
-        <a:font script="Thaa" typeface="MV Boli"/>
-        <a:font script="Deva" typeface="Mangal"/>
-        <a:font script="Telu" typeface="Gautami"/>
-        <a:font script="Taml" typeface="Latha"/>
-        <a:font script="Syrc" typeface="Estrangelo Edessa"/>
-        <a:font script="Orya" typeface="Kalinga"/>
-        <a:font script="Mlym" typeface="Kartika"/>
-        <a:font script="Laoo" typeface="DokChampa"/>
-        <a:font script="Sinh" typeface="Iskoola Pota"/>
-        <a:font script="Mong" typeface="Mongolian Baiti"/>
-        <a:font script="Viet" typeface="Arial"/>
-        <a:font script="Uigh" typeface="Microsoft Uighur"/>
-        <a:font script="Geor" typeface="Sylfaen"/>
-      </a:minorFont>
-    </a:fontScheme>
-    <a:fmtScheme name="Office">
-      <a:fillStyleLst>
-        <a:solidFill>
-          <a:schemeClr val="phClr"/>
-        </a:solidFill>
-        <a:gradFill rotWithShape="1">
-          <a:gsLst>
-            <a:gs pos="0">
-              <a:schemeClr val="phClr">
-                <a:tint val="50000"/>
-                <a:satMod val="300000"/>
-              </a:schemeClr>
-            </a:gs>
-            <a:gs pos="35000">
-              <a:schemeClr val="phClr">
-                <a:tint val="37000"/>
-                <a:satMod val="300000"/>
-              </a:schemeClr>
-            </a:gs>
-            <a:gs pos="100000">
-              <a:schemeClr val="phClr">
-                <a:tint val="15000"/>
-                <a:satMod val="350000"/>
-              </a:schemeClr>
-            </a:gs>
-          </a:gsLst>
-          <a:lin ang="16200000" scaled="1"/>
-        </a:gradFill>
-        <a:gradFill rotWithShape="1">
-          <a:gsLst>
-            <a:gs pos="0">
-              <a:schemeClr val="phClr">
-                <a:tint val="100000"/>
-                <a:shade val="100000"/>
-                <a:satMod val="130000"/>
-              </a:schemeClr>
-            </a:gs>
-            <a:gs pos="100000">
-              <a:schemeClr val="phClr">
-                <a:tint val="50000"/>
-                <a:shade val="100000"/>
-                <a:satMod val="350000"/>
-              </a:schemeClr>
-            </a:gs>
-          </a:gsLst>
-          <a:lin ang="16200000" scaled="0"/>
-        </a:gradFill>
-      </a:fillStyleLst>
-      <a:lnStyleLst>
-        <a:ln w="9525" cap="flat" cmpd="sng" algn="ctr">
-          <a:solidFill>
-            <a:schemeClr val="phClr">
-              <a:shade val="95000"/>
-              <a:satMod val="105000"/>
-            </a:schemeClr>
-          </a:solidFill>
-          <a:prstDash val="solid"/>
-        </a:ln>
-        <a:ln w="25400" cap="flat" cmpd="sng" algn="ctr">
-          <a:solidFill>
-            <a:schemeClr val="phClr"/>
-          </a:solidFill>
-          <a:prstDash val="solid"/>
-        </a:ln>
-        <a:ln w="38100" cap="flat" cmpd="sng" algn="ctr">
-          <a:solidFill>
-            <a:schemeClr val="phClr"/>
-          </a:solidFill>
-          <a:prstDash val="solid"/>
-        </a:ln>
-      </a:lnStyleLst>
-      <a:effectStyleLst>
-        <a:effectStyle>
-          <a:effectLst>
-            <a:outerShdw blurRad="40000" dist="20000" dir="5400000" rotWithShape="0">
-              <a:srgbClr val="000000">
-                <a:alpha val="38000"/>
-              </a:srgbClr>
-            </a:outerShdw>
-          </a:effectLst>
-        </a:effectStyle>
-        <a:effectStyle>
-          <a:effectLst>
-            <a:outerShdw blurRad="40000" dist="23000" dir="5400000" rotWithShape="0">
-              <a:srgbClr val="000000">
-                <a:alpha val="35000"/>
-              </a:srgbClr>
-            </a:outerShdw>
-          </a:effectLst>
-        </a:effectStyle>
-        <a:effectStyle>
-          <a:effectLst>
-            <a:outerShdw blurRad="40000" dist="23000" dir="5400000" rotWithShape="0">
-              <a:srgbClr val="000000">
-                <a:alpha val="35000"/>
-              </a:srgbClr>
-            </a:outerShdw>
-          </a:effectLst>
-          <a:scene3d>
-            <a:camera prst="orthographicFront">
-              <a:rot lat="0" lon="0" rev="0"/>
-            </a:camera>
-            <a:lightRig rig="threePt" dir="t">
-              <a:rot lat="0" lon="0" rev="1200000"/>
-            </a:lightRig>
-          </a:scene3d>
-          <a:sp3d>
-            <a:bevelT w="63500" h="25400"/>
-          </a:sp3d>
-        </a:effectStyle>
-      </a:effectStyleLst>
-      <a:bgFillStyleLst>
-        <a:solidFill>
-          <a:schemeClr val="phClr"/>
-        </a:solidFill>
-        <a:gradFill rotWithShape="1">
-          <a:gsLst>
-            <a:gs pos="0">
-              <a:schemeClr val="phClr">
-                <a:tint val="40000"/>
-                <a:satMod val="350000"/>
-              </a:schemeClr>
-            </a:gs>
-            <a:gs pos="40000">
-              <a:schemeClr val="phClr">
-                <a:tint val="45000"/>
-                <a:shade val="99000"/>
-                <a:satMod val="350000"/>
-              </a:schemeClr>
-            </a:gs>
-            <a:gs pos="100000">
-              <a:schemeClr val="phClr">
-                <a:shade val="20000"/>
-                <a:satMod val="255000"/>
-              </a:schemeClr>
-            </a:gs>
-          </a:gsLst>
-          <a:path path="circle">
-            <a:fillToRect l="50000" t="-80000" r="50000" b="180000"/>
-          </a:path>
-        </a:gradFill>
-        <a:gradFill rotWithShape="1">
-          <a:gsLst>
-            <a:gs pos="0">
-              <a:schemeClr val="phClr">
-                <a:tint val="80000"/>
-                <a:satMod val="300000"/>
-              </a:schemeClr>
-            </a:gs>
-            <a:gs pos="100000">
-              <a:schemeClr val="phClr">
-                <a:shade val="30000"/>
-                <a:satMod val="200000"/>
-              </a:schemeClr>
-            </a:gs>
-          </a:gsLst>
-          <a:path path="circle">
-            <a:fillToRect l="50000" t="50000" r="50000" b="50000"/>
-          </a:path>
-        </a:gradFill>
-      </a:bgFillStyleLst>
-    </a:fmtScheme>
-  </a:themeElements>
-</a:theme>
 </file>
--- a/slides/05_object_orientation.pptx
+++ b/slides/05_object_orientation.pptx
@@ -21,6 +21,7 @@
     <p:sldId id="266" r:id="rId16"/>
     <p:sldId id="267" r:id="rId17"/>
     <p:sldId id="268" r:id="rId18"/>
+    <p:sldId id="269" r:id="rId19"/>
   </p:sldIdLst>
   <p:sldSz cy="5143500" cx="9144000"/>
   <p:notesSz cx="6858000" cy="9144000"/>
@@ -955,7 +956,7 @@
   <p:cSld>
     <p:spTree>
       <p:nvGrpSpPr>
-        <p:cNvPr id="143" name="Shape 143"/>
+        <p:cNvPr id="142" name="Shape 142"/>
         <p:cNvGrpSpPr/>
         <p:nvPr/>
       </p:nvGrpSpPr>
@@ -969,7 +970,7 @@
       </p:grpSpPr>
       <p:sp>
         <p:nvSpPr>
-          <p:cNvPr id="144" name="Google Shape;144;p9:notes"/>
+          <p:cNvPr id="143" name="Google Shape;143;p8:notes"/>
           <p:cNvSpPr/>
           <p:nvPr>
             <p:ph idx="2" type="sldImg"/>
@@ -1014,7 +1015,7 @@
       </p:sp>
       <p:sp>
         <p:nvSpPr>
-          <p:cNvPr id="145" name="Google Shape;145;p9:notes"/>
+          <p:cNvPr id="144" name="Google Shape;144;p8:notes"/>
           <p:cNvSpPr txBox="1"/>
           <p:nvPr>
             <p:ph idx="1" type="body"/>
@@ -1072,7 +1073,7 @@
   <p:cSld>
     <p:spTree>
       <p:nvGrpSpPr>
-        <p:cNvPr id="151" name="Shape 151"/>
+        <p:cNvPr id="150" name="Shape 150"/>
         <p:cNvGrpSpPr/>
         <p:nvPr/>
       </p:nvGrpSpPr>
@@ -1086,7 +1087,7 @@
       </p:grpSpPr>
       <p:sp>
         <p:nvSpPr>
-          <p:cNvPr id="152" name="Google Shape;152;p10:notes"/>
+          <p:cNvPr id="151" name="Google Shape;151;p9:notes"/>
           <p:cNvSpPr/>
           <p:nvPr>
             <p:ph idx="2" type="sldImg"/>
@@ -1131,7 +1132,7 @@
       </p:sp>
       <p:sp>
         <p:nvSpPr>
-          <p:cNvPr id="153" name="Google Shape;153;p10:notes"/>
+          <p:cNvPr id="152" name="Google Shape;152;p9:notes"/>
           <p:cNvSpPr txBox="1"/>
           <p:nvPr>
             <p:ph idx="1" type="body"/>
@@ -1203,7 +1204,7 @@
       </p:grpSpPr>
       <p:sp>
         <p:nvSpPr>
-          <p:cNvPr id="159" name="Google Shape;159;p11:notes"/>
+          <p:cNvPr id="159" name="Google Shape;159;p10:notes"/>
           <p:cNvSpPr/>
           <p:nvPr>
             <p:ph idx="2" type="sldImg"/>
@@ -1248,7 +1249,7 @@
       </p:sp>
       <p:sp>
         <p:nvSpPr>
-          <p:cNvPr id="160" name="Google Shape;160;p11:notes"/>
+          <p:cNvPr id="160" name="Google Shape;160;p10:notes"/>
           <p:cNvSpPr txBox="1"/>
           <p:nvPr>
             <p:ph idx="1" type="body"/>
@@ -1306,7 +1307,7 @@
   <p:cSld>
     <p:spTree>
       <p:nvGrpSpPr>
-        <p:cNvPr id="164" name="Shape 164"/>
+        <p:cNvPr id="165" name="Shape 165"/>
         <p:cNvGrpSpPr/>
         <p:nvPr/>
       </p:nvGrpSpPr>
@@ -1320,7 +1321,7 @@
       </p:grpSpPr>
       <p:sp>
         <p:nvSpPr>
-          <p:cNvPr id="165" name="Google Shape;165;p12:notes"/>
+          <p:cNvPr id="166" name="Google Shape;166;p11:notes"/>
           <p:cNvSpPr/>
           <p:nvPr>
             <p:ph idx="2" type="sldImg"/>
@@ -1365,7 +1366,124 @@
       </p:sp>
       <p:sp>
         <p:nvSpPr>
-          <p:cNvPr id="166" name="Google Shape;166;p12:notes"/>
+          <p:cNvPr id="167" name="Google Shape;167;p11:notes"/>
+          <p:cNvSpPr txBox="1"/>
+          <p:nvPr>
+            <p:ph idx="1" type="body"/>
+          </p:nvPr>
+        </p:nvSpPr>
+        <p:spPr>
+          <a:xfrm>
+            <a:off x="685800" y="4343400"/>
+            <a:ext cx="5486400" cy="4114800"/>
+          </a:xfrm>
+          <a:prstGeom prst="rect">
+            <a:avLst/>
+          </a:prstGeom>
+          <a:noFill/>
+          <a:ln>
+            <a:noFill/>
+          </a:ln>
+        </p:spPr>
+        <p:txBody>
+          <a:bodyPr anchorCtr="0" anchor="t" bIns="91425" lIns="91425" spcFirstLastPara="1" rIns="91425" wrap="square" tIns="91425">
+            <a:noAutofit/>
+          </a:bodyPr>
+          <a:lstStyle/>
+          <a:p>
+            <a:pPr indent="0" lvl="0" marL="0" rtl="0" algn="l">
+              <a:lnSpc>
+                <a:spcPct val="100000"/>
+              </a:lnSpc>
+              <a:spcBef>
+                <a:spcPts val="0"/>
+              </a:spcBef>
+              <a:spcAft>
+                <a:spcPts val="0"/>
+              </a:spcAft>
+              <a:buSzPts val="1100"/>
+              <a:buNone/>
+            </a:pPr>
+            <a:r>
+              <a:t/>
+            </a:r>
+            <a:endParaRPr/>
+          </a:p>
+        </p:txBody>
+      </p:sp>
+    </p:spTree>
+  </p:cSld>
+  <p:clrMapOvr>
+    <a:masterClrMapping/>
+  </p:clrMapOvr>
+</p:notes>
+</file>
+
+<file path=ppt/notesSlides/notesSlide14.xml><?xml version="1.0" encoding="utf-8"?>
+<p:notes xmlns:a="http://schemas.openxmlformats.org/drawingml/2006/main" xmlns:r="http://schemas.openxmlformats.org/officeDocument/2006/relationships" xmlns:mc="http://schemas.openxmlformats.org/markup-compatibility/2006" xmlns:mv="urn:schemas-microsoft-com:mac:vml" xmlns:p="http://schemas.openxmlformats.org/presentationml/2006/main" xmlns:c="http://schemas.openxmlformats.org/drawingml/2006/chart" xmlns:dgm="http://schemas.openxmlformats.org/drawingml/2006/diagram" xmlns:o="urn:schemas-microsoft-com:office:office" xmlns:v="urn:schemas-microsoft-com:vml" xmlns:pvml="urn:schemas-microsoft-com:office:powerpoint" xmlns:com="http://schemas.openxmlformats.org/drawingml/2006/compatibility" xmlns:p14="http://schemas.microsoft.com/office/powerpoint/2010/main" xmlns:p15="http://schemas.microsoft.com/office/powerpoint/2012/main" xmlns:ahyp="http://schemas.microsoft.com/office/drawing/2018/hyperlinkcolor" showMasterPhAnim="0" showMasterSp="0">
+  <p:cSld>
+    <p:spTree>
+      <p:nvGrpSpPr>
+        <p:cNvPr id="171" name="Shape 171"/>
+        <p:cNvGrpSpPr/>
+        <p:nvPr/>
+      </p:nvGrpSpPr>
+      <p:grpSpPr>
+        <a:xfrm>
+          <a:off x="0" y="0"/>
+          <a:ext cx="0" cy="0"/>
+          <a:chOff x="0" y="0"/>
+          <a:chExt cx="0" cy="0"/>
+        </a:xfrm>
+      </p:grpSpPr>
+      <p:sp>
+        <p:nvSpPr>
+          <p:cNvPr id="172" name="Google Shape;172;p12:notes"/>
+          <p:cNvSpPr/>
+          <p:nvPr>
+            <p:ph idx="2" type="sldImg"/>
+          </p:nvPr>
+        </p:nvSpPr>
+        <p:spPr>
+          <a:xfrm>
+            <a:off x="381300" y="685800"/>
+            <a:ext cx="6096000" cy="3429000"/>
+          </a:xfrm>
+          <a:custGeom>
+            <a:rect b="b" l="l" r="r" t="t"/>
+            <a:pathLst>
+              <a:path extrusionOk="0" h="120000" w="120000">
+                <a:moveTo>
+                  <a:pt x="0" y="0"/>
+                </a:moveTo>
+                <a:lnTo>
+                  <a:pt x="120000" y="0"/>
+                </a:lnTo>
+                <a:lnTo>
+                  <a:pt x="120000" y="120000"/>
+                </a:lnTo>
+                <a:lnTo>
+                  <a:pt x="0" y="120000"/>
+                </a:lnTo>
+                <a:close/>
+              </a:path>
+            </a:pathLst>
+          </a:custGeom>
+          <a:noFill/>
+          <a:ln cap="flat" cmpd="sng" w="9525">
+            <a:solidFill>
+              <a:srgbClr val="000000"/>
+            </a:solidFill>
+            <a:prstDash val="solid"/>
+            <a:round/>
+            <a:headEnd len="sm" w="sm" type="none"/>
+            <a:tailEnd len="sm" w="sm" type="none"/>
+          </a:ln>
+        </p:spPr>
+      </p:sp>
+      <p:sp>
+        <p:nvSpPr>
+          <p:cNvPr id="173" name="Google Shape;173;p12:notes"/>
           <p:cNvSpPr txBox="1"/>
           <p:nvPr>
             <p:ph idx="1" type="body"/>
@@ -1887,7 +2005,106 @@
       </p:grpSpPr>
       <p:sp>
         <p:nvSpPr>
-          <p:cNvPr id="113" name="Google Shape;113;p5:notes"/>
+          <p:cNvPr id="113" name="Google Shape;113;g105d36d872f_0_0:notes"/>
+          <p:cNvSpPr/>
+          <p:nvPr>
+            <p:ph idx="2" type="sldImg"/>
+          </p:nvPr>
+        </p:nvSpPr>
+        <p:spPr>
+          <a:xfrm>
+            <a:off x="381300" y="685800"/>
+            <a:ext cx="6096000" cy="3429000"/>
+          </a:xfrm>
+          <a:custGeom>
+            <a:rect b="b" l="l" r="r" t="t"/>
+            <a:pathLst>
+              <a:path extrusionOk="0" h="120000" w="120000">
+                <a:moveTo>
+                  <a:pt x="0" y="0"/>
+                </a:moveTo>
+                <a:lnTo>
+                  <a:pt x="120000" y="0"/>
+                </a:lnTo>
+                <a:lnTo>
+                  <a:pt x="120000" y="120000"/>
+                </a:lnTo>
+                <a:lnTo>
+                  <a:pt x="0" y="120000"/>
+                </a:lnTo>
+                <a:close/>
+              </a:path>
+            </a:pathLst>
+          </a:custGeom>
+        </p:spPr>
+      </p:sp>
+      <p:sp>
+        <p:nvSpPr>
+          <p:cNvPr id="114" name="Google Shape;114;g105d36d872f_0_0:notes"/>
+          <p:cNvSpPr txBox="1"/>
+          <p:nvPr>
+            <p:ph idx="1" type="body"/>
+          </p:nvPr>
+        </p:nvSpPr>
+        <p:spPr>
+          <a:xfrm>
+            <a:off x="685800" y="4343400"/>
+            <a:ext cx="5486400" cy="4114800"/>
+          </a:xfrm>
+          <a:prstGeom prst="rect">
+            <a:avLst/>
+          </a:prstGeom>
+        </p:spPr>
+        <p:txBody>
+          <a:bodyPr anchorCtr="0" anchor="t" bIns="91425" lIns="91425" spcFirstLastPara="1" rIns="91425" wrap="square" tIns="91425">
+            <a:noAutofit/>
+          </a:bodyPr>
+          <a:lstStyle/>
+          <a:p>
+            <a:pPr indent="0" lvl="0" marL="0" rtl="0" algn="l">
+              <a:spcBef>
+                <a:spcPts val="0"/>
+              </a:spcBef>
+              <a:spcAft>
+                <a:spcPts val="0"/>
+              </a:spcAft>
+              <a:buNone/>
+            </a:pPr>
+            <a:r>
+              <a:t/>
+            </a:r>
+            <a:endParaRPr/>
+          </a:p>
+        </p:txBody>
+      </p:sp>
+    </p:spTree>
+  </p:cSld>
+  <p:clrMapOvr>
+    <a:masterClrMapping/>
+  </p:clrMapOvr>
+</p:notes>
+</file>
+
+<file path=ppt/notesSlides/notesSlide7.xml><?xml version="1.0" encoding="utf-8"?>
+<p:notes xmlns:a="http://schemas.openxmlformats.org/drawingml/2006/main" xmlns:r="http://schemas.openxmlformats.org/officeDocument/2006/relationships" xmlns:mc="http://schemas.openxmlformats.org/markup-compatibility/2006" xmlns:mv="urn:schemas-microsoft-com:mac:vml" xmlns:p="http://schemas.openxmlformats.org/presentationml/2006/main" xmlns:c="http://schemas.openxmlformats.org/drawingml/2006/chart" xmlns:dgm="http://schemas.openxmlformats.org/drawingml/2006/diagram" xmlns:o="urn:schemas-microsoft-com:office:office" xmlns:v="urn:schemas-microsoft-com:vml" xmlns:pvml="urn:schemas-microsoft-com:office:powerpoint" xmlns:com="http://schemas.openxmlformats.org/drawingml/2006/compatibility" xmlns:p14="http://schemas.microsoft.com/office/powerpoint/2010/main" xmlns:p15="http://schemas.microsoft.com/office/powerpoint/2012/main" xmlns:ahyp="http://schemas.microsoft.com/office/drawing/2018/hyperlinkcolor" showMasterPhAnim="0" showMasterSp="0">
+  <p:cSld>
+    <p:spTree>
+      <p:nvGrpSpPr>
+        <p:cNvPr id="119" name="Shape 119"/>
+        <p:cNvGrpSpPr/>
+        <p:nvPr/>
+      </p:nvGrpSpPr>
+      <p:grpSpPr>
+        <a:xfrm>
+          <a:off x="0" y="0"/>
+          <a:ext cx="0" cy="0"/>
+          <a:chOff x="0" y="0"/>
+          <a:chExt cx="0" cy="0"/>
+        </a:xfrm>
+      </p:grpSpPr>
+      <p:sp>
+        <p:nvSpPr>
+          <p:cNvPr id="120" name="Google Shape;120;p5:notes"/>
           <p:cNvSpPr/>
           <p:nvPr>
             <p:ph idx="2" type="sldImg"/>
@@ -1932,7 +2149,7 @@
       </p:sp>
       <p:sp>
         <p:nvSpPr>
-          <p:cNvPr id="114" name="Google Shape;114;p5:notes"/>
+          <p:cNvPr id="121" name="Google Shape;121;p5:notes"/>
           <p:cNvSpPr txBox="1"/>
           <p:nvPr>
             <p:ph idx="1" type="body"/>
@@ -1985,12 +2202,12 @@
 </p:notes>
 </file>
 
-<file path=ppt/notesSlides/notesSlide7.xml><?xml version="1.0" encoding="utf-8"?>
+<file path=ppt/notesSlides/notesSlide8.xml><?xml version="1.0" encoding="utf-8"?>
 <p:notes xmlns:a="http://schemas.openxmlformats.org/drawingml/2006/main" xmlns:r="http://schemas.openxmlformats.org/officeDocument/2006/relationships" xmlns:mc="http://schemas.openxmlformats.org/markup-compatibility/2006" xmlns:mv="urn:schemas-microsoft-com:mac:vml" xmlns:p="http://schemas.openxmlformats.org/presentationml/2006/main" xmlns:c="http://schemas.openxmlformats.org/drawingml/2006/chart" xmlns:dgm="http://schemas.openxmlformats.org/drawingml/2006/diagram" xmlns:o="urn:schemas-microsoft-com:office:office" xmlns:v="urn:schemas-microsoft-com:vml" xmlns:pvml="urn:schemas-microsoft-com:office:powerpoint" xmlns:com="http://schemas.openxmlformats.org/drawingml/2006/compatibility" xmlns:p14="http://schemas.microsoft.com/office/powerpoint/2010/main" xmlns:p15="http://schemas.microsoft.com/office/powerpoint/2012/main" xmlns:ahyp="http://schemas.microsoft.com/office/drawing/2018/hyperlinkcolor" showMasterPhAnim="0" showMasterSp="0">
   <p:cSld>
     <p:spTree>
       <p:nvGrpSpPr>
-        <p:cNvPr id="119" name="Shape 119"/>
+        <p:cNvPr id="126" name="Shape 126"/>
         <p:cNvGrpSpPr/>
         <p:nvPr/>
       </p:nvGrpSpPr>
@@ -2004,7 +2221,7 @@
       </p:grpSpPr>
       <p:sp>
         <p:nvSpPr>
-          <p:cNvPr id="120" name="Google Shape;120;p6:notes"/>
+          <p:cNvPr id="127" name="Google Shape;127;p6:notes"/>
           <p:cNvSpPr/>
           <p:nvPr>
             <p:ph idx="2" type="sldImg"/>
@@ -2049,7 +2266,7 @@
       </p:sp>
       <p:sp>
         <p:nvSpPr>
-          <p:cNvPr id="121" name="Google Shape;121;p6:notes"/>
+          <p:cNvPr id="128" name="Google Shape;128;p6:notes"/>
           <p:cNvSpPr txBox="1"/>
           <p:nvPr>
             <p:ph idx="1" type="body"/>
@@ -2102,12 +2319,12 @@
 </p:notes>
 </file>
 
-<file path=ppt/notesSlides/notesSlide8.xml><?xml version="1.0" encoding="utf-8"?>
+<file path=ppt/notesSlides/notesSlide9.xml><?xml version="1.0" encoding="utf-8"?>
 <p:notes xmlns:a="http://schemas.openxmlformats.org/drawingml/2006/main" xmlns:r="http://schemas.openxmlformats.org/officeDocument/2006/relationships" xmlns:mc="http://schemas.openxmlformats.org/markup-compatibility/2006" xmlns:mv="urn:schemas-microsoft-com:mac:vml" xmlns:p="http://schemas.openxmlformats.org/presentationml/2006/main" xmlns:c="http://schemas.openxmlformats.org/drawingml/2006/chart" xmlns:dgm="http://schemas.openxmlformats.org/drawingml/2006/diagram" xmlns:o="urn:schemas-microsoft-com:office:office" xmlns:v="urn:schemas-microsoft-com:vml" xmlns:pvml="urn:schemas-microsoft-com:office:powerpoint" xmlns:com="http://schemas.openxmlformats.org/drawingml/2006/compatibility" xmlns:p14="http://schemas.microsoft.com/office/powerpoint/2010/main" xmlns:p15="http://schemas.microsoft.com/office/powerpoint/2012/main" xmlns:ahyp="http://schemas.microsoft.com/office/drawing/2018/hyperlinkcolor" showMasterPhAnim="0" showMasterSp="0">
   <p:cSld>
     <p:spTree>
       <p:nvGrpSpPr>
-        <p:cNvPr id="127" name="Shape 127"/>
+        <p:cNvPr id="134" name="Shape 134"/>
         <p:cNvGrpSpPr/>
         <p:nvPr/>
       </p:nvGrpSpPr>
@@ -2121,7 +2338,7 @@
       </p:grpSpPr>
       <p:sp>
         <p:nvSpPr>
-          <p:cNvPr id="128" name="Google Shape;128;p7:notes"/>
+          <p:cNvPr id="135" name="Google Shape;135;p7:notes"/>
           <p:cNvSpPr/>
           <p:nvPr>
             <p:ph idx="2" type="sldImg"/>
@@ -2166,124 +2383,7 @@
       </p:sp>
       <p:sp>
         <p:nvSpPr>
-          <p:cNvPr id="129" name="Google Shape;129;p7:notes"/>
-          <p:cNvSpPr txBox="1"/>
-          <p:nvPr>
-            <p:ph idx="1" type="body"/>
-          </p:nvPr>
-        </p:nvSpPr>
-        <p:spPr>
-          <a:xfrm>
-            <a:off x="685800" y="4343400"/>
-            <a:ext cx="5486400" cy="4114800"/>
-          </a:xfrm>
-          <a:prstGeom prst="rect">
-            <a:avLst/>
-          </a:prstGeom>
-          <a:noFill/>
-          <a:ln>
-            <a:noFill/>
-          </a:ln>
-        </p:spPr>
-        <p:txBody>
-          <a:bodyPr anchorCtr="0" anchor="t" bIns="91425" lIns="91425" spcFirstLastPara="1" rIns="91425" wrap="square" tIns="91425">
-            <a:noAutofit/>
-          </a:bodyPr>
-          <a:lstStyle/>
-          <a:p>
-            <a:pPr indent="0" lvl="0" marL="0" rtl="0" algn="l">
-              <a:lnSpc>
-                <a:spcPct val="100000"/>
-              </a:lnSpc>
-              <a:spcBef>
-                <a:spcPts val="0"/>
-              </a:spcBef>
-              <a:spcAft>
-                <a:spcPts val="0"/>
-              </a:spcAft>
-              <a:buSzPts val="1100"/>
-              <a:buNone/>
-            </a:pPr>
-            <a:r>
-              <a:t/>
-            </a:r>
-            <a:endParaRPr/>
-          </a:p>
-        </p:txBody>
-      </p:sp>
-    </p:spTree>
-  </p:cSld>
-  <p:clrMapOvr>
-    <a:masterClrMapping/>
-  </p:clrMapOvr>
-</p:notes>
-</file>
-
-<file path=ppt/notesSlides/notesSlide9.xml><?xml version="1.0" encoding="utf-8"?>
-<p:notes xmlns:a="http://schemas.openxmlformats.org/drawingml/2006/main" xmlns:r="http://schemas.openxmlformats.org/officeDocument/2006/relationships" xmlns:mc="http://schemas.openxmlformats.org/markup-compatibility/2006" xmlns:mv="urn:schemas-microsoft-com:mac:vml" xmlns:p="http://schemas.openxmlformats.org/presentationml/2006/main" xmlns:c="http://schemas.openxmlformats.org/drawingml/2006/chart" xmlns:dgm="http://schemas.openxmlformats.org/drawingml/2006/diagram" xmlns:o="urn:schemas-microsoft-com:office:office" xmlns:v="urn:schemas-microsoft-com:vml" xmlns:pvml="urn:schemas-microsoft-com:office:powerpoint" xmlns:com="http://schemas.openxmlformats.org/drawingml/2006/compatibility" xmlns:p14="http://schemas.microsoft.com/office/powerpoint/2010/main" xmlns:p15="http://schemas.microsoft.com/office/powerpoint/2012/main" xmlns:ahyp="http://schemas.microsoft.com/office/drawing/2018/hyperlinkcolor" showMasterPhAnim="0" showMasterSp="0">
-  <p:cSld>
-    <p:spTree>
-      <p:nvGrpSpPr>
-        <p:cNvPr id="135" name="Shape 135"/>
-        <p:cNvGrpSpPr/>
-        <p:nvPr/>
-      </p:nvGrpSpPr>
-      <p:grpSpPr>
-        <a:xfrm>
-          <a:off x="0" y="0"/>
-          <a:ext cx="0" cy="0"/>
-          <a:chOff x="0" y="0"/>
-          <a:chExt cx="0" cy="0"/>
-        </a:xfrm>
-      </p:grpSpPr>
-      <p:sp>
-        <p:nvSpPr>
-          <p:cNvPr id="136" name="Google Shape;136;p8:notes"/>
-          <p:cNvSpPr/>
-          <p:nvPr>
-            <p:ph idx="2" type="sldImg"/>
-          </p:nvPr>
-        </p:nvSpPr>
-        <p:spPr>
-          <a:xfrm>
-            <a:off x="381300" y="685800"/>
-            <a:ext cx="6096000" cy="3429000"/>
-          </a:xfrm>
-          <a:custGeom>
-            <a:rect b="b" l="l" r="r" t="t"/>
-            <a:pathLst>
-              <a:path extrusionOk="0" h="120000" w="120000">
-                <a:moveTo>
-                  <a:pt x="0" y="0"/>
-                </a:moveTo>
-                <a:lnTo>
-                  <a:pt x="120000" y="0"/>
-                </a:lnTo>
-                <a:lnTo>
-                  <a:pt x="120000" y="120000"/>
-                </a:lnTo>
-                <a:lnTo>
-                  <a:pt x="0" y="120000"/>
-                </a:lnTo>
-                <a:close/>
-              </a:path>
-            </a:pathLst>
-          </a:custGeom>
-          <a:noFill/>
-          <a:ln cap="flat" cmpd="sng" w="9525">
-            <a:solidFill>
-              <a:srgbClr val="000000"/>
-            </a:solidFill>
-            <a:prstDash val="solid"/>
-            <a:round/>
-            <a:headEnd len="sm" w="sm" type="none"/>
-            <a:tailEnd len="sm" w="sm" type="none"/>
-          </a:ln>
-        </p:spPr>
-      </p:sp>
-      <p:sp>
-        <p:nvSpPr>
-          <p:cNvPr id="137" name="Google Shape;137;p8:notes"/>
+          <p:cNvPr id="136" name="Google Shape;136;p7:notes"/>
           <p:cNvSpPr txBox="1"/>
           <p:nvPr>
             <p:ph idx="1" type="body"/>
@@ -10252,7 +10352,7 @@
   <p:cSld>
     <p:spTree>
       <p:nvGrpSpPr>
-        <p:cNvPr id="146" name="Shape 146"/>
+        <p:cNvPr id="145" name="Shape 145"/>
         <p:cNvGrpSpPr/>
         <p:nvPr/>
       </p:nvGrpSpPr>
@@ -10266,7 +10366,7 @@
       </p:grpSpPr>
       <p:sp>
         <p:nvSpPr>
-          <p:cNvPr id="147" name="Google Shape;147;p25"/>
+          <p:cNvPr id="146" name="Google Shape;146;p25"/>
           <p:cNvSpPr txBox="1"/>
           <p:nvPr>
             <p:ph type="title"/>
@@ -10306,7 +10406,7 @@
             </a:pPr>
             <a:r>
               <a:rPr lang="de"/>
-              <a:t>1.4. Konstruktoren</a:t>
+              <a:t>1.3.1. Getter und Setter</a:t>
             </a:r>
             <a:endParaRPr/>
           </a:p>
@@ -10314,7 +10414,7 @@
       </p:sp>
       <p:sp>
         <p:nvSpPr>
-          <p:cNvPr id="148" name="Google Shape;148;p25"/>
+          <p:cNvPr id="147" name="Google Shape;147;p25"/>
           <p:cNvSpPr/>
           <p:nvPr>
             <p:ph idx="2" type="chart"/>
@@ -10366,7 +10466,7 @@
                 <a:cs typeface="Arial"/>
                 <a:sym typeface="Arial"/>
               </a:rPr>
-              <a:t>Um eine Java-Klasse zu instanziieren, muss man den Konstruktor dieser Klasse aufrufen. Das ist im Wesentlichen eine Funktion mit besonderer Signatur, die initiale Operationen vornehmen kann.</a:t>
+              <a:t>Attribute sollten, um Namenskonflikte zu vermeiden, in der Regel als “private” deklariert werden. Um den Zugriff auf diese Attribute zu gewähren, werden oft sog. Getter und Setter benutzt. Das sind “public”-Methoden, die auf die “private”-Attribute zugreifen können.</a:t>
             </a:r>
             <a:endParaRPr b="0" i="0" sz="1600" u="none" cap="none" strike="noStrike">
               <a:solidFill>
@@ -10397,161 +10497,6 @@
               <a:buNone/>
             </a:pPr>
             <a:r>
-              <a:t/>
-            </a:r>
-            <a:endParaRPr b="0" i="0" sz="1600" u="none" cap="none" strike="noStrike">
-              <a:solidFill>
-                <a:schemeClr val="dk1"/>
-              </a:solidFill>
-              <a:latin typeface="Arial"/>
-              <a:ea typeface="Arial"/>
-              <a:cs typeface="Arial"/>
-              <a:sym typeface="Arial"/>
-            </a:endParaRPr>
-          </a:p>
-          <a:p>
-            <a:pPr indent="0" lvl="0" marL="0" marR="0" rtl="0" algn="l">
-              <a:lnSpc>
-                <a:spcPct val="100000"/>
-              </a:lnSpc>
-              <a:spcBef>
-                <a:spcPts val="320"/>
-              </a:spcBef>
-              <a:spcAft>
-                <a:spcPts val="0"/>
-              </a:spcAft>
-              <a:buClr>
-                <a:srgbClr val="000000"/>
-              </a:buClr>
-              <a:buSzPts val="1400"/>
-              <a:buFont typeface="Arial"/>
-              <a:buNone/>
-            </a:pPr>
-            <a:r>
-              <a:t/>
-            </a:r>
-            <a:endParaRPr b="0" i="0" sz="1600" u="none" cap="none" strike="noStrike">
-              <a:solidFill>
-                <a:schemeClr val="dk1"/>
-              </a:solidFill>
-              <a:latin typeface="Arial"/>
-              <a:ea typeface="Arial"/>
-              <a:cs typeface="Arial"/>
-              <a:sym typeface="Arial"/>
-            </a:endParaRPr>
-          </a:p>
-          <a:p>
-            <a:pPr indent="0" lvl="0" marL="0" marR="0" rtl="0" algn="l">
-              <a:lnSpc>
-                <a:spcPct val="100000"/>
-              </a:lnSpc>
-              <a:spcBef>
-                <a:spcPts val="320"/>
-              </a:spcBef>
-              <a:spcAft>
-                <a:spcPts val="0"/>
-              </a:spcAft>
-              <a:buClr>
-                <a:srgbClr val="000000"/>
-              </a:buClr>
-              <a:buSzPts val="1400"/>
-              <a:buFont typeface="Arial"/>
-              <a:buNone/>
-            </a:pPr>
-            <a:r>
-              <a:t/>
-            </a:r>
-            <a:endParaRPr b="0" i="0" sz="1600" u="none" cap="none" strike="noStrike">
-              <a:solidFill>
-                <a:schemeClr val="dk1"/>
-              </a:solidFill>
-              <a:latin typeface="Arial"/>
-              <a:ea typeface="Arial"/>
-              <a:cs typeface="Arial"/>
-              <a:sym typeface="Arial"/>
-            </a:endParaRPr>
-          </a:p>
-          <a:p>
-            <a:pPr indent="0" lvl="0" marL="0" marR="0" rtl="0" algn="l">
-              <a:lnSpc>
-                <a:spcPct val="100000"/>
-              </a:lnSpc>
-              <a:spcBef>
-                <a:spcPts val="320"/>
-              </a:spcBef>
-              <a:spcAft>
-                <a:spcPts val="0"/>
-              </a:spcAft>
-              <a:buClr>
-                <a:srgbClr val="000000"/>
-              </a:buClr>
-              <a:buSzPts val="1400"/>
-              <a:buFont typeface="Arial"/>
-              <a:buNone/>
-            </a:pPr>
-            <a:r>
-              <a:t/>
-            </a:r>
-            <a:endParaRPr b="0" i="0" sz="1600" u="none" cap="none" strike="noStrike">
-              <a:solidFill>
-                <a:schemeClr val="dk1"/>
-              </a:solidFill>
-              <a:latin typeface="Arial"/>
-              <a:ea typeface="Arial"/>
-              <a:cs typeface="Arial"/>
-              <a:sym typeface="Arial"/>
-            </a:endParaRPr>
-          </a:p>
-          <a:p>
-            <a:pPr indent="0" lvl="0" marL="0" marR="0" rtl="0" algn="l">
-              <a:lnSpc>
-                <a:spcPct val="100000"/>
-              </a:lnSpc>
-              <a:spcBef>
-                <a:spcPts val="320"/>
-              </a:spcBef>
-              <a:spcAft>
-                <a:spcPts val="0"/>
-              </a:spcAft>
-              <a:buClr>
-                <a:schemeClr val="dk1"/>
-              </a:buClr>
-              <a:buSzPts val="1100"/>
-              <a:buFont typeface="Arial"/>
-              <a:buNone/>
-            </a:pPr>
-            <a:r>
-              <a:t/>
-            </a:r>
-            <a:endParaRPr b="0" i="0" sz="1600" u="none" cap="none" strike="noStrike">
-              <a:solidFill>
-                <a:schemeClr val="dk1"/>
-              </a:solidFill>
-              <a:latin typeface="Arial"/>
-              <a:ea typeface="Arial"/>
-              <a:cs typeface="Arial"/>
-              <a:sym typeface="Arial"/>
-            </a:endParaRPr>
-          </a:p>
-          <a:p>
-            <a:pPr indent="0" lvl="0" marL="0" marR="0" rtl="0" algn="l">
-              <a:lnSpc>
-                <a:spcPct val="100000"/>
-              </a:lnSpc>
-              <a:spcBef>
-                <a:spcPts val="320"/>
-              </a:spcBef>
-              <a:spcAft>
-                <a:spcPts val="0"/>
-              </a:spcAft>
-              <a:buClr>
-                <a:schemeClr val="dk1"/>
-              </a:buClr>
-              <a:buSzPts val="1100"/>
-              <a:buFont typeface="Arial"/>
-              <a:buNone/>
-            </a:pPr>
-            <a:r>
               <a:rPr b="0" i="0" lang="de" sz="1600" u="none" cap="none" strike="noStrike">
                 <a:solidFill>
                   <a:schemeClr val="dk1"/>
@@ -10561,7 +10506,7 @@
                 <a:cs typeface="Arial"/>
                 <a:sym typeface="Arial"/>
               </a:rPr>
-              <a:t>Jede Java-Klasse hat einen default-Konstruktor, der keine Parameter erhält und keine Operationen vornimmt. Diesen Konstruktor kann man jedoch auch überschreiben, und eigene Operationen definieren.</a:t>
+              <a:t>Ja nachdem, ob das Attribut gelesen oder geschrieben werden darf, können nur Getter, nur Setter, beides oder keins von beidem definiert werden.</a:t>
             </a:r>
             <a:endParaRPr b="0" i="0" sz="1600" u="none" cap="none" strike="noStrike">
               <a:solidFill>
@@ -10577,7 +10522,397 @@
       </p:sp>
       <p:pic>
         <p:nvPicPr>
+          <p:cNvPr id="148" name="Google Shape;148;p25"/>
+          <p:cNvPicPr preferRelativeResize="0"/>
+          <p:nvPr/>
+        </p:nvPicPr>
+        <p:blipFill rotWithShape="1">
+          <a:blip r:embed="rId3">
+            <a:alphaModFix/>
+          </a:blip>
+          <a:srcRect b="0" l="0" r="0" t="0"/>
+          <a:stretch/>
+        </p:blipFill>
+        <p:spPr>
+          <a:xfrm>
+            <a:off x="4690448" y="2571750"/>
+            <a:ext cx="3582124" cy="1465000"/>
+          </a:xfrm>
+          <a:prstGeom prst="rect">
+            <a:avLst/>
+          </a:prstGeom>
+          <a:noFill/>
+          <a:ln>
+            <a:noFill/>
+          </a:ln>
+        </p:spPr>
+      </p:pic>
+      <p:pic>
+        <p:nvPicPr>
           <p:cNvPr id="149" name="Google Shape;149;p25"/>
+          <p:cNvPicPr preferRelativeResize="0"/>
+          <p:nvPr/>
+        </p:nvPicPr>
+        <p:blipFill rotWithShape="1">
+          <a:blip r:embed="rId4">
+            <a:alphaModFix/>
+          </a:blip>
+          <a:srcRect b="0" l="0" r="0" t="0"/>
+          <a:stretch/>
+        </p:blipFill>
+        <p:spPr>
+          <a:xfrm>
+            <a:off x="1098400" y="2571741"/>
+            <a:ext cx="2590215" cy="477459"/>
+          </a:xfrm>
+          <a:prstGeom prst="rect">
+            <a:avLst/>
+          </a:prstGeom>
+          <a:noFill/>
+          <a:ln>
+            <a:noFill/>
+          </a:ln>
+        </p:spPr>
+      </p:pic>
+    </p:spTree>
+  </p:cSld>
+  <p:clrMapOvr>
+    <a:masterClrMapping/>
+  </p:clrMapOvr>
+</p:sld>
+</file>
+
+<file path=ppt/slides/slide11.xml><?xml version="1.0" encoding="utf-8"?>
+<p:sld xmlns:a="http://schemas.openxmlformats.org/drawingml/2006/main" xmlns:r="http://schemas.openxmlformats.org/officeDocument/2006/relationships" xmlns:mc="http://schemas.openxmlformats.org/markup-compatibility/2006" xmlns:mv="urn:schemas-microsoft-com:mac:vml" xmlns:p="http://schemas.openxmlformats.org/presentationml/2006/main" xmlns:c="http://schemas.openxmlformats.org/drawingml/2006/chart" xmlns:dgm="http://schemas.openxmlformats.org/drawingml/2006/diagram" xmlns:o="urn:schemas-microsoft-com:office:office" xmlns:v="urn:schemas-microsoft-com:vml" xmlns:pvml="urn:schemas-microsoft-com:office:powerpoint" xmlns:com="http://schemas.openxmlformats.org/drawingml/2006/compatibility" xmlns:p14="http://schemas.microsoft.com/office/powerpoint/2010/main" xmlns:p15="http://schemas.microsoft.com/office/powerpoint/2012/main" xmlns:ahyp="http://schemas.microsoft.com/office/drawing/2018/hyperlinkcolor">
+  <p:cSld>
+    <p:spTree>
+      <p:nvGrpSpPr>
+        <p:cNvPr id="153" name="Shape 153"/>
+        <p:cNvGrpSpPr/>
+        <p:nvPr/>
+      </p:nvGrpSpPr>
+      <p:grpSpPr>
+        <a:xfrm>
+          <a:off x="0" y="0"/>
+          <a:ext cx="0" cy="0"/>
+          <a:chOff x="0" y="0"/>
+          <a:chExt cx="0" cy="0"/>
+        </a:xfrm>
+      </p:grpSpPr>
+      <p:sp>
+        <p:nvSpPr>
+          <p:cNvPr id="154" name="Google Shape;154;p26"/>
+          <p:cNvSpPr txBox="1"/>
+          <p:nvPr>
+            <p:ph type="title"/>
+          </p:nvPr>
+        </p:nvSpPr>
+        <p:spPr>
+          <a:xfrm>
+            <a:off x="431800" y="83344"/>
+            <a:ext cx="8375700" cy="531000"/>
+          </a:xfrm>
+          <a:prstGeom prst="rect">
+            <a:avLst/>
+          </a:prstGeom>
+          <a:noFill/>
+          <a:ln>
+            <a:noFill/>
+          </a:ln>
+        </p:spPr>
+        <p:txBody>
+          <a:bodyPr anchorCtr="0" anchor="b" bIns="0" lIns="0" spcFirstLastPara="1" rIns="0" wrap="square" tIns="0">
+            <a:noAutofit/>
+          </a:bodyPr>
+          <a:lstStyle/>
+          <a:p>
+            <a:pPr indent="0" lvl="0" marL="0" rtl="0" algn="l">
+              <a:lnSpc>
+                <a:spcPct val="100000"/>
+              </a:lnSpc>
+              <a:spcBef>
+                <a:spcPts val="0"/>
+              </a:spcBef>
+              <a:spcAft>
+                <a:spcPts val="0"/>
+              </a:spcAft>
+              <a:buSzPts val="1400"/>
+              <a:buNone/>
+            </a:pPr>
+            <a:r>
+              <a:rPr lang="de"/>
+              <a:t>1.4. Konstruktoren</a:t>
+            </a:r>
+            <a:endParaRPr/>
+          </a:p>
+        </p:txBody>
+      </p:sp>
+      <p:sp>
+        <p:nvSpPr>
+          <p:cNvPr id="155" name="Google Shape;155;p26"/>
+          <p:cNvSpPr/>
+          <p:nvPr>
+            <p:ph idx="2" type="chart"/>
+          </p:nvPr>
+        </p:nvSpPr>
+        <p:spPr>
+          <a:xfrm>
+            <a:off x="431800" y="782241"/>
+            <a:ext cx="8375700" cy="3579000"/>
+          </a:xfrm>
+          <a:prstGeom prst="rect">
+            <a:avLst/>
+          </a:prstGeom>
+          <a:noFill/>
+          <a:ln>
+            <a:noFill/>
+          </a:ln>
+        </p:spPr>
+        <p:txBody>
+          <a:bodyPr anchorCtr="0" anchor="t" bIns="0" lIns="0" spcFirstLastPara="1" rIns="0" wrap="square" tIns="0">
+            <a:noAutofit/>
+          </a:bodyPr>
+          <a:lstStyle/>
+          <a:p>
+            <a:pPr indent="0" lvl="0" marL="0" marR="0" rtl="0" algn="l">
+              <a:lnSpc>
+                <a:spcPct val="100000"/>
+              </a:lnSpc>
+              <a:spcBef>
+                <a:spcPts val="320"/>
+              </a:spcBef>
+              <a:spcAft>
+                <a:spcPts val="0"/>
+              </a:spcAft>
+              <a:buClr>
+                <a:srgbClr val="000000"/>
+              </a:buClr>
+              <a:buSzPts val="1400"/>
+              <a:buFont typeface="Arial"/>
+              <a:buNone/>
+            </a:pPr>
+            <a:r>
+              <a:rPr b="0" i="0" lang="de" sz="1600" u="none" cap="none" strike="noStrike">
+                <a:solidFill>
+                  <a:schemeClr val="dk1"/>
+                </a:solidFill>
+                <a:latin typeface="Arial"/>
+                <a:ea typeface="Arial"/>
+                <a:cs typeface="Arial"/>
+                <a:sym typeface="Arial"/>
+              </a:rPr>
+              <a:t>Um eine Java-Klasse zu instanziieren, muss man den Konstruktor dieser Klasse aufrufen. Das ist im Wesentlichen eine Funktion mit besonderer Signatur, die initiale Operationen vornehmen kann.</a:t>
+            </a:r>
+            <a:endParaRPr b="0" i="0" sz="1600" u="none" cap="none" strike="noStrike">
+              <a:solidFill>
+                <a:schemeClr val="dk1"/>
+              </a:solidFill>
+              <a:latin typeface="Arial"/>
+              <a:ea typeface="Arial"/>
+              <a:cs typeface="Arial"/>
+              <a:sym typeface="Arial"/>
+            </a:endParaRPr>
+          </a:p>
+          <a:p>
+            <a:pPr indent="0" lvl="0" marL="0" marR="0" rtl="0" algn="l">
+              <a:lnSpc>
+                <a:spcPct val="100000"/>
+              </a:lnSpc>
+              <a:spcBef>
+                <a:spcPts val="320"/>
+              </a:spcBef>
+              <a:spcAft>
+                <a:spcPts val="0"/>
+              </a:spcAft>
+              <a:buClr>
+                <a:srgbClr val="000000"/>
+              </a:buClr>
+              <a:buSzPts val="1400"/>
+              <a:buFont typeface="Arial"/>
+              <a:buNone/>
+            </a:pPr>
+            <a:r>
+              <a:t/>
+            </a:r>
+            <a:endParaRPr b="0" i="0" sz="1600" u="none" cap="none" strike="noStrike">
+              <a:solidFill>
+                <a:schemeClr val="dk1"/>
+              </a:solidFill>
+              <a:latin typeface="Arial"/>
+              <a:ea typeface="Arial"/>
+              <a:cs typeface="Arial"/>
+              <a:sym typeface="Arial"/>
+            </a:endParaRPr>
+          </a:p>
+          <a:p>
+            <a:pPr indent="0" lvl="0" marL="0" marR="0" rtl="0" algn="l">
+              <a:lnSpc>
+                <a:spcPct val="100000"/>
+              </a:lnSpc>
+              <a:spcBef>
+                <a:spcPts val="320"/>
+              </a:spcBef>
+              <a:spcAft>
+                <a:spcPts val="0"/>
+              </a:spcAft>
+              <a:buClr>
+                <a:srgbClr val="000000"/>
+              </a:buClr>
+              <a:buSzPts val="1400"/>
+              <a:buFont typeface="Arial"/>
+              <a:buNone/>
+            </a:pPr>
+            <a:r>
+              <a:t/>
+            </a:r>
+            <a:endParaRPr b="0" i="0" sz="1600" u="none" cap="none" strike="noStrike">
+              <a:solidFill>
+                <a:schemeClr val="dk1"/>
+              </a:solidFill>
+              <a:latin typeface="Arial"/>
+              <a:ea typeface="Arial"/>
+              <a:cs typeface="Arial"/>
+              <a:sym typeface="Arial"/>
+            </a:endParaRPr>
+          </a:p>
+          <a:p>
+            <a:pPr indent="0" lvl="0" marL="0" marR="0" rtl="0" algn="l">
+              <a:lnSpc>
+                <a:spcPct val="100000"/>
+              </a:lnSpc>
+              <a:spcBef>
+                <a:spcPts val="320"/>
+              </a:spcBef>
+              <a:spcAft>
+                <a:spcPts val="0"/>
+              </a:spcAft>
+              <a:buClr>
+                <a:srgbClr val="000000"/>
+              </a:buClr>
+              <a:buSzPts val="1400"/>
+              <a:buFont typeface="Arial"/>
+              <a:buNone/>
+            </a:pPr>
+            <a:r>
+              <a:t/>
+            </a:r>
+            <a:endParaRPr b="0" i="0" sz="1600" u="none" cap="none" strike="noStrike">
+              <a:solidFill>
+                <a:schemeClr val="dk1"/>
+              </a:solidFill>
+              <a:latin typeface="Arial"/>
+              <a:ea typeface="Arial"/>
+              <a:cs typeface="Arial"/>
+              <a:sym typeface="Arial"/>
+            </a:endParaRPr>
+          </a:p>
+          <a:p>
+            <a:pPr indent="0" lvl="0" marL="0" marR="0" rtl="0" algn="l">
+              <a:lnSpc>
+                <a:spcPct val="100000"/>
+              </a:lnSpc>
+              <a:spcBef>
+                <a:spcPts val="320"/>
+              </a:spcBef>
+              <a:spcAft>
+                <a:spcPts val="0"/>
+              </a:spcAft>
+              <a:buClr>
+                <a:srgbClr val="000000"/>
+              </a:buClr>
+              <a:buSzPts val="1400"/>
+              <a:buFont typeface="Arial"/>
+              <a:buNone/>
+            </a:pPr>
+            <a:r>
+              <a:t/>
+            </a:r>
+            <a:endParaRPr b="0" i="0" sz="1600" u="none" cap="none" strike="noStrike">
+              <a:solidFill>
+                <a:schemeClr val="dk1"/>
+              </a:solidFill>
+              <a:latin typeface="Arial"/>
+              <a:ea typeface="Arial"/>
+              <a:cs typeface="Arial"/>
+              <a:sym typeface="Arial"/>
+            </a:endParaRPr>
+          </a:p>
+          <a:p>
+            <a:pPr indent="0" lvl="0" marL="0" marR="0" rtl="0" algn="l">
+              <a:lnSpc>
+                <a:spcPct val="100000"/>
+              </a:lnSpc>
+              <a:spcBef>
+                <a:spcPts val="320"/>
+              </a:spcBef>
+              <a:spcAft>
+                <a:spcPts val="0"/>
+              </a:spcAft>
+              <a:buClr>
+                <a:schemeClr val="dk1"/>
+              </a:buClr>
+              <a:buSzPts val="1100"/>
+              <a:buFont typeface="Arial"/>
+              <a:buNone/>
+            </a:pPr>
+            <a:r>
+              <a:t/>
+            </a:r>
+            <a:endParaRPr b="0" i="0" sz="1600" u="none" cap="none" strike="noStrike">
+              <a:solidFill>
+                <a:schemeClr val="dk1"/>
+              </a:solidFill>
+              <a:latin typeface="Arial"/>
+              <a:ea typeface="Arial"/>
+              <a:cs typeface="Arial"/>
+              <a:sym typeface="Arial"/>
+            </a:endParaRPr>
+          </a:p>
+          <a:p>
+            <a:pPr indent="0" lvl="0" marL="0" marR="0" rtl="0" algn="l">
+              <a:lnSpc>
+                <a:spcPct val="100000"/>
+              </a:lnSpc>
+              <a:spcBef>
+                <a:spcPts val="320"/>
+              </a:spcBef>
+              <a:spcAft>
+                <a:spcPts val="0"/>
+              </a:spcAft>
+              <a:buClr>
+                <a:schemeClr val="dk1"/>
+              </a:buClr>
+              <a:buSzPts val="1100"/>
+              <a:buFont typeface="Arial"/>
+              <a:buNone/>
+            </a:pPr>
+            <a:r>
+              <a:rPr b="0" i="0" lang="de" sz="1600" u="none" cap="none" strike="noStrike">
+                <a:solidFill>
+                  <a:schemeClr val="dk1"/>
+                </a:solidFill>
+                <a:latin typeface="Arial"/>
+                <a:ea typeface="Arial"/>
+                <a:cs typeface="Arial"/>
+                <a:sym typeface="Arial"/>
+              </a:rPr>
+              <a:t>Jede Java-Klasse hat einen default-Konstruktor, der keine Parameter erhält und keine Operationen vornimmt. Diesen Konstruktor kann man jedoch auch überschreiben, und eigene Operationen definieren.</a:t>
+            </a:r>
+            <a:endParaRPr b="0" i="0" sz="1600" u="none" cap="none" strike="noStrike">
+              <a:solidFill>
+                <a:schemeClr val="dk1"/>
+              </a:solidFill>
+              <a:latin typeface="Arial"/>
+              <a:ea typeface="Arial"/>
+              <a:cs typeface="Arial"/>
+              <a:sym typeface="Arial"/>
+            </a:endParaRPr>
+          </a:p>
+        </p:txBody>
+      </p:sp>
+      <p:pic>
+        <p:nvPicPr>
+          <p:cNvPr id="156" name="Google Shape;156;p26"/>
           <p:cNvPicPr preferRelativeResize="0"/>
           <p:nvPr/>
         </p:nvPicPr>
@@ -10604,7 +10939,7 @@
       </p:pic>
       <p:pic>
         <p:nvPicPr>
-          <p:cNvPr id="150" name="Google Shape;150;p25"/>
+          <p:cNvPr id="157" name="Google Shape;157;p26"/>
           <p:cNvPicPr preferRelativeResize="0"/>
           <p:nvPr/>
         </p:nvPicPr>
@@ -10619,342 +10954,6 @@
           <a:xfrm>
             <a:off x="3625063" y="3710950"/>
             <a:ext cx="1893875" cy="650300"/>
-          </a:xfrm>
-          <a:prstGeom prst="rect">
-            <a:avLst/>
-          </a:prstGeom>
-          <a:noFill/>
-          <a:ln>
-            <a:noFill/>
-          </a:ln>
-        </p:spPr>
-      </p:pic>
-    </p:spTree>
-  </p:cSld>
-  <p:clrMapOvr>
-    <a:masterClrMapping/>
-  </p:clrMapOvr>
-</p:sld>
-</file>
-
-<file path=ppt/slides/slide11.xml><?xml version="1.0" encoding="utf-8"?>
-<p:sld xmlns:a="http://schemas.openxmlformats.org/drawingml/2006/main" xmlns:r="http://schemas.openxmlformats.org/officeDocument/2006/relationships" xmlns:mc="http://schemas.openxmlformats.org/markup-compatibility/2006" xmlns:mv="urn:schemas-microsoft-com:mac:vml" xmlns:p="http://schemas.openxmlformats.org/presentationml/2006/main" xmlns:c="http://schemas.openxmlformats.org/drawingml/2006/chart" xmlns:dgm="http://schemas.openxmlformats.org/drawingml/2006/diagram" xmlns:o="urn:schemas-microsoft-com:office:office" xmlns:v="urn:schemas-microsoft-com:vml" xmlns:pvml="urn:schemas-microsoft-com:office:powerpoint" xmlns:com="http://schemas.openxmlformats.org/drawingml/2006/compatibility" xmlns:p14="http://schemas.microsoft.com/office/powerpoint/2010/main" xmlns:p15="http://schemas.microsoft.com/office/powerpoint/2012/main" xmlns:ahyp="http://schemas.microsoft.com/office/drawing/2018/hyperlinkcolor">
-  <p:cSld>
-    <p:spTree>
-      <p:nvGrpSpPr>
-        <p:cNvPr id="154" name="Shape 154"/>
-        <p:cNvGrpSpPr/>
-        <p:nvPr/>
-      </p:nvGrpSpPr>
-      <p:grpSpPr>
-        <a:xfrm>
-          <a:off x="0" y="0"/>
-          <a:ext cx="0" cy="0"/>
-          <a:chOff x="0" y="0"/>
-          <a:chExt cx="0" cy="0"/>
-        </a:xfrm>
-      </p:grpSpPr>
-      <p:sp>
-        <p:nvSpPr>
-          <p:cNvPr id="155" name="Google Shape;155;p26"/>
-          <p:cNvSpPr txBox="1"/>
-          <p:nvPr>
-            <p:ph type="title"/>
-          </p:nvPr>
-        </p:nvSpPr>
-        <p:spPr>
-          <a:xfrm>
-            <a:off x="431800" y="83344"/>
-            <a:ext cx="8375700" cy="531000"/>
-          </a:xfrm>
-          <a:prstGeom prst="rect">
-            <a:avLst/>
-          </a:prstGeom>
-          <a:noFill/>
-          <a:ln>
-            <a:noFill/>
-          </a:ln>
-        </p:spPr>
-        <p:txBody>
-          <a:bodyPr anchorCtr="0" anchor="b" bIns="0" lIns="0" spcFirstLastPara="1" rIns="0" wrap="square" tIns="0">
-            <a:noAutofit/>
-          </a:bodyPr>
-          <a:lstStyle/>
-          <a:p>
-            <a:pPr indent="0" lvl="0" marL="0" rtl="0" algn="l">
-              <a:lnSpc>
-                <a:spcPct val="100000"/>
-              </a:lnSpc>
-              <a:spcBef>
-                <a:spcPts val="0"/>
-              </a:spcBef>
-              <a:spcAft>
-                <a:spcPts val="0"/>
-              </a:spcAft>
-              <a:buSzPts val="1400"/>
-              <a:buNone/>
-            </a:pPr>
-            <a:r>
-              <a:rPr lang="de"/>
-              <a:t>1.5. Instanziierung und Nutzung</a:t>
-            </a:r>
-            <a:endParaRPr/>
-          </a:p>
-        </p:txBody>
-      </p:sp>
-      <p:sp>
-        <p:nvSpPr>
-          <p:cNvPr id="156" name="Google Shape;156;p26"/>
-          <p:cNvSpPr/>
-          <p:nvPr>
-            <p:ph idx="2" type="chart"/>
-          </p:nvPr>
-        </p:nvSpPr>
-        <p:spPr>
-          <a:xfrm>
-            <a:off x="431800" y="782241"/>
-            <a:ext cx="8375700" cy="3579000"/>
-          </a:xfrm>
-          <a:prstGeom prst="rect">
-            <a:avLst/>
-          </a:prstGeom>
-          <a:noFill/>
-          <a:ln>
-            <a:noFill/>
-          </a:ln>
-        </p:spPr>
-        <p:txBody>
-          <a:bodyPr anchorCtr="0" anchor="t" bIns="0" lIns="0" spcFirstLastPara="1" rIns="0" wrap="square" tIns="0">
-            <a:noAutofit/>
-          </a:bodyPr>
-          <a:lstStyle/>
-          <a:p>
-            <a:pPr indent="-317500" lvl="0" marL="457200" marR="0" rtl="0" algn="l">
-              <a:lnSpc>
-                <a:spcPct val="100000"/>
-              </a:lnSpc>
-              <a:spcBef>
-                <a:spcPts val="320"/>
-              </a:spcBef>
-              <a:spcAft>
-                <a:spcPts val="0"/>
-              </a:spcAft>
-              <a:buClr>
-                <a:srgbClr val="000000"/>
-              </a:buClr>
-              <a:buSzPts val="1400"/>
-              <a:buFont typeface="Arial"/>
-              <a:buChar char="●"/>
-            </a:pPr>
-            <a:r>
-              <a:rPr b="0" i="0" lang="de" sz="1600" u="none" cap="none" strike="noStrike">
-                <a:solidFill>
-                  <a:schemeClr val="dk1"/>
-                </a:solidFill>
-                <a:latin typeface="Arial"/>
-                <a:ea typeface="Arial"/>
-                <a:cs typeface="Arial"/>
-                <a:sym typeface="Arial"/>
-              </a:rPr>
-              <a:t>Um eine Klasse zu instanziieren wird das Schlüsselwort “new” verwendet</a:t>
-            </a:r>
-            <a:endParaRPr b="0" i="0" sz="1600" u="none" cap="none" strike="noStrike">
-              <a:solidFill>
-                <a:schemeClr val="dk1"/>
-              </a:solidFill>
-              <a:latin typeface="Arial"/>
-              <a:ea typeface="Arial"/>
-              <a:cs typeface="Arial"/>
-              <a:sym typeface="Arial"/>
-            </a:endParaRPr>
-          </a:p>
-          <a:p>
-            <a:pPr indent="-317500" lvl="0" marL="457200" marR="0" rtl="0" algn="l">
-              <a:lnSpc>
-                <a:spcPct val="100000"/>
-              </a:lnSpc>
-              <a:spcBef>
-                <a:spcPts val="0"/>
-              </a:spcBef>
-              <a:spcAft>
-                <a:spcPts val="0"/>
-              </a:spcAft>
-              <a:buClr>
-                <a:srgbClr val="000000"/>
-              </a:buClr>
-              <a:buSzPts val="1400"/>
-              <a:buFont typeface="Arial"/>
-              <a:buChar char="●"/>
-            </a:pPr>
-            <a:r>
-              <a:rPr b="0" i="0" lang="de" sz="1600" u="none" cap="none" strike="noStrike">
-                <a:solidFill>
-                  <a:schemeClr val="dk1"/>
-                </a:solidFill>
-                <a:latin typeface="Arial"/>
-                <a:ea typeface="Arial"/>
-                <a:cs typeface="Arial"/>
-                <a:sym typeface="Arial"/>
-              </a:rPr>
-              <a:t>Der Rückgabe</a:t>
-            </a:r>
-            <a:r>
-              <a:rPr lang="de"/>
-              <a:t>wert</a:t>
-            </a:r>
-            <a:r>
-              <a:rPr b="0" i="0" lang="de" sz="1600" u="none" cap="none" strike="noStrike">
-                <a:solidFill>
-                  <a:schemeClr val="dk1"/>
-                </a:solidFill>
-                <a:latin typeface="Arial"/>
-                <a:ea typeface="Arial"/>
-                <a:cs typeface="Arial"/>
-                <a:sym typeface="Arial"/>
-              </a:rPr>
-              <a:t> eines Konstruktors ist immer e</a:t>
-            </a:r>
-            <a:r>
-              <a:rPr lang="de"/>
-              <a:t>in Objekt vom Typ der</a:t>
-            </a:r>
-            <a:r>
-              <a:rPr b="0" i="0" lang="de" sz="1600" u="none" cap="none" strike="noStrike">
-                <a:solidFill>
-                  <a:schemeClr val="dk1"/>
-                </a:solidFill>
-                <a:latin typeface="Arial"/>
-                <a:ea typeface="Arial"/>
-                <a:cs typeface="Arial"/>
-                <a:sym typeface="Arial"/>
-              </a:rPr>
-              <a:t> Klasse selber, man kann </a:t>
-            </a:r>
-            <a:r>
-              <a:rPr lang="de"/>
-              <a:t>das Objekt</a:t>
-            </a:r>
-            <a:r>
-              <a:rPr b="0" i="0" lang="de" sz="1600" u="none" cap="none" strike="noStrike">
-                <a:solidFill>
-                  <a:schemeClr val="dk1"/>
-                </a:solidFill>
-                <a:latin typeface="Arial"/>
-                <a:ea typeface="Arial"/>
-                <a:cs typeface="Arial"/>
-                <a:sym typeface="Arial"/>
-              </a:rPr>
-              <a:t> also in einer Variable vom Typ der Klasse speichern</a:t>
-            </a:r>
-            <a:endParaRPr b="0" i="0" sz="1600" u="none" cap="none" strike="noStrike">
-              <a:solidFill>
-                <a:schemeClr val="dk1"/>
-              </a:solidFill>
-              <a:latin typeface="Arial"/>
-              <a:ea typeface="Arial"/>
-              <a:cs typeface="Arial"/>
-              <a:sym typeface="Arial"/>
-            </a:endParaRPr>
-          </a:p>
-          <a:p>
-            <a:pPr indent="-317500" lvl="0" marL="457200" marR="0" rtl="0" algn="l">
-              <a:lnSpc>
-                <a:spcPct val="100000"/>
-              </a:lnSpc>
-              <a:spcBef>
-                <a:spcPts val="0"/>
-              </a:spcBef>
-              <a:spcAft>
-                <a:spcPts val="0"/>
-              </a:spcAft>
-              <a:buClr>
-                <a:srgbClr val="000000"/>
-              </a:buClr>
-              <a:buSzPts val="1400"/>
-              <a:buFont typeface="Arial"/>
-              <a:buChar char="●"/>
-            </a:pPr>
-            <a:r>
-              <a:rPr b="0" i="0" lang="de" sz="1600" u="none" cap="none" strike="noStrike">
-                <a:solidFill>
-                  <a:schemeClr val="dk1"/>
-                </a:solidFill>
-                <a:latin typeface="Arial"/>
-                <a:ea typeface="Arial"/>
-                <a:cs typeface="Arial"/>
-                <a:sym typeface="Arial"/>
-              </a:rPr>
-              <a:t>Auf Methoden kann man über die Instanz der Klasse zugreifen</a:t>
-            </a:r>
-            <a:endParaRPr b="0" i="0" sz="1600" u="none" cap="none" strike="noStrike">
-              <a:solidFill>
-                <a:schemeClr val="dk1"/>
-              </a:solidFill>
-              <a:latin typeface="Arial"/>
-              <a:ea typeface="Arial"/>
-              <a:cs typeface="Arial"/>
-              <a:sym typeface="Arial"/>
-            </a:endParaRPr>
-          </a:p>
-          <a:p>
-            <a:pPr indent="-317500" lvl="0" marL="457200" marR="0" rtl="0" algn="l">
-              <a:lnSpc>
-                <a:spcPct val="100000"/>
-              </a:lnSpc>
-              <a:spcBef>
-                <a:spcPts val="0"/>
-              </a:spcBef>
-              <a:spcAft>
-                <a:spcPts val="0"/>
-              </a:spcAft>
-              <a:buClr>
-                <a:srgbClr val="000000"/>
-              </a:buClr>
-              <a:buSzPts val="1400"/>
-              <a:buFont typeface="Arial"/>
-              <a:buChar char="●"/>
-            </a:pPr>
-            <a:r>
-              <a:rPr b="0" i="0" lang="de" sz="1600" u="none" cap="none" strike="noStrike">
-                <a:solidFill>
-                  <a:schemeClr val="dk1"/>
-                </a:solidFill>
-                <a:latin typeface="Arial"/>
-                <a:ea typeface="Arial"/>
-                <a:cs typeface="Arial"/>
-                <a:sym typeface="Arial"/>
-              </a:rPr>
-              <a:t>Auf Funktionen kann man über die Klasse selber zugreifen</a:t>
-            </a:r>
-            <a:endParaRPr b="0" i="0" sz="1600" u="none" cap="none" strike="noStrike">
-              <a:solidFill>
-                <a:schemeClr val="dk1"/>
-              </a:solidFill>
-              <a:latin typeface="Arial"/>
-              <a:ea typeface="Arial"/>
-              <a:cs typeface="Arial"/>
-              <a:sym typeface="Arial"/>
-            </a:endParaRPr>
-          </a:p>
-        </p:txBody>
-      </p:sp>
-      <p:pic>
-        <p:nvPicPr>
-          <p:cNvPr id="157" name="Google Shape;157;p26"/>
-          <p:cNvPicPr preferRelativeResize="0"/>
-          <p:nvPr/>
-        </p:nvPicPr>
-        <p:blipFill rotWithShape="1">
-          <a:blip r:embed="rId3">
-            <a:alphaModFix/>
-          </a:blip>
-          <a:srcRect b="0" l="0" r="0" t="0"/>
-          <a:stretch/>
-        </p:blipFill>
-        <p:spPr>
-          <a:xfrm>
-            <a:off x="1661388" y="2132550"/>
-            <a:ext cx="5821225" cy="1973725"/>
           </a:xfrm>
           <a:prstGeom prst="rect">
             <a:avLst/>
@@ -11032,7 +11031,7 @@
             </a:pPr>
             <a:r>
               <a:rPr lang="de"/>
-              <a:t>2. Fragen</a:t>
+              <a:t>1.5. Instanziierung und Nutzung</a:t>
             </a:r>
             <a:endParaRPr/>
           </a:p>
@@ -11065,7 +11064,7 @@
           </a:bodyPr>
           <a:lstStyle/>
           <a:p>
-            <a:pPr indent="0" lvl="0" marL="0" marR="0" rtl="0" algn="ctr">
+            <a:pPr indent="-317500" lvl="0" marL="457200" marR="0" rtl="0" algn="l">
               <a:lnSpc>
                 <a:spcPct val="100000"/>
               </a:lnSpc>
@@ -11076,14 +11075,23 @@
                 <a:spcPts val="0"/>
               </a:spcAft>
               <a:buClr>
-                <a:schemeClr val="dk1"/>
-              </a:buClr>
-              <a:buSzPts val="1100"/>
+                <a:srgbClr val="000000"/>
+              </a:buClr>
+              <a:buSzPts val="1400"/>
               <a:buFont typeface="Arial"/>
-              <a:buNone/>
+              <a:buChar char="●"/>
             </a:pPr>
             <a:r>
-              <a:t/>
+              <a:rPr b="0" i="0" lang="de" sz="1600" u="none" cap="none" strike="noStrike">
+                <a:solidFill>
+                  <a:schemeClr val="dk1"/>
+                </a:solidFill>
+                <a:latin typeface="Arial"/>
+                <a:ea typeface="Arial"/>
+                <a:cs typeface="Arial"/>
+                <a:sym typeface="Arial"/>
+              </a:rPr>
+              <a:t>Um eine Klasse zu instanziieren wird das Schlüsselwort “new” verwendet</a:t>
             </a:r>
             <a:endParaRPr b="0" i="0" sz="1600" u="none" cap="none" strike="noStrike">
               <a:solidFill>
@@ -11096,25 +11104,82 @@
             </a:endParaRPr>
           </a:p>
           <a:p>
-            <a:pPr indent="0" lvl="0" marL="0" marR="0" rtl="0" algn="ctr">
-              <a:lnSpc>
-                <a:spcPct val="100000"/>
-              </a:lnSpc>
-              <a:spcBef>
-                <a:spcPts val="320"/>
-              </a:spcBef>
-              <a:spcAft>
-                <a:spcPts val="0"/>
-              </a:spcAft>
-              <a:buClr>
-                <a:schemeClr val="dk1"/>
-              </a:buClr>
-              <a:buSzPts val="1100"/>
+            <a:pPr indent="-317500" lvl="0" marL="457200" marR="0" rtl="0" algn="l">
+              <a:lnSpc>
+                <a:spcPct val="100000"/>
+              </a:lnSpc>
+              <a:spcBef>
+                <a:spcPts val="0"/>
+              </a:spcBef>
+              <a:spcAft>
+                <a:spcPts val="0"/>
+              </a:spcAft>
+              <a:buClr>
+                <a:srgbClr val="000000"/>
+              </a:buClr>
+              <a:buSzPts val="1400"/>
               <a:buFont typeface="Arial"/>
-              <a:buNone/>
+              <a:buChar char="●"/>
             </a:pPr>
             <a:r>
-              <a:t/>
+              <a:rPr b="0" i="0" lang="de" sz="1600" u="none" cap="none" strike="noStrike">
+                <a:solidFill>
+                  <a:schemeClr val="dk1"/>
+                </a:solidFill>
+                <a:latin typeface="Arial"/>
+                <a:ea typeface="Arial"/>
+                <a:cs typeface="Arial"/>
+                <a:sym typeface="Arial"/>
+              </a:rPr>
+              <a:t>Der Rückgabe</a:t>
+            </a:r>
+            <a:r>
+              <a:rPr lang="de"/>
+              <a:t>wert</a:t>
+            </a:r>
+            <a:r>
+              <a:rPr b="0" i="0" lang="de" sz="1600" u="none" cap="none" strike="noStrike">
+                <a:solidFill>
+                  <a:schemeClr val="dk1"/>
+                </a:solidFill>
+                <a:latin typeface="Arial"/>
+                <a:ea typeface="Arial"/>
+                <a:cs typeface="Arial"/>
+                <a:sym typeface="Arial"/>
+              </a:rPr>
+              <a:t> eines Konstruktors ist immer e</a:t>
+            </a:r>
+            <a:r>
+              <a:rPr lang="de"/>
+              <a:t>in Objekt vom Typ der</a:t>
+            </a:r>
+            <a:r>
+              <a:rPr b="0" i="0" lang="de" sz="1600" u="none" cap="none" strike="noStrike">
+                <a:solidFill>
+                  <a:schemeClr val="dk1"/>
+                </a:solidFill>
+                <a:latin typeface="Arial"/>
+                <a:ea typeface="Arial"/>
+                <a:cs typeface="Arial"/>
+                <a:sym typeface="Arial"/>
+              </a:rPr>
+              <a:t> Klasse selber, man kann </a:t>
+            </a:r>
+            <a:r>
+              <a:rPr lang="de"/>
+              <a:t>das Objekt</a:t>
+            </a:r>
+            <a:r>
+              <a:rPr b="0" i="0" lang="de" sz="1600" u="none" cap="none" strike="noStrike">
+                <a:solidFill>
+                  <a:schemeClr val="dk1"/>
+                </a:solidFill>
+                <a:latin typeface="Arial"/>
+                <a:ea typeface="Arial"/>
+                <a:cs typeface="Arial"/>
+                <a:sym typeface="Arial"/>
+              </a:rPr>
+              <a:t> also in einer Variable vom Typ der Klasse speichern</a:t>
             </a:r>
             <a:endParaRPr b="0" i="0" sz="1600" u="none" cap="none" strike="noStrike">
               <a:solidFill>
@@ -11127,25 +11192,34 @@
             </a:endParaRPr>
           </a:p>
           <a:p>
-            <a:pPr indent="0" lvl="0" marL="0" marR="0" rtl="0" algn="ctr">
-              <a:lnSpc>
-                <a:spcPct val="100000"/>
-              </a:lnSpc>
-              <a:spcBef>
-                <a:spcPts val="320"/>
-              </a:spcBef>
-              <a:spcAft>
-                <a:spcPts val="0"/>
-              </a:spcAft>
-              <a:buClr>
-                <a:schemeClr val="dk1"/>
-              </a:buClr>
-              <a:buSzPts val="1100"/>
+            <a:pPr indent="-317500" lvl="0" marL="457200" marR="0" rtl="0" algn="l">
+              <a:lnSpc>
+                <a:spcPct val="100000"/>
+              </a:lnSpc>
+              <a:spcBef>
+                <a:spcPts val="0"/>
+              </a:spcBef>
+              <a:spcAft>
+                <a:spcPts val="0"/>
+              </a:spcAft>
+              <a:buClr>
+                <a:srgbClr val="000000"/>
+              </a:buClr>
+              <a:buSzPts val="1400"/>
               <a:buFont typeface="Arial"/>
-              <a:buNone/>
+              <a:buChar char="●"/>
             </a:pPr>
             <a:r>
-              <a:t/>
+              <a:rPr b="0" i="0" lang="de" sz="1600" u="none" cap="none" strike="noStrike">
+                <a:solidFill>
+                  <a:schemeClr val="dk1"/>
+                </a:solidFill>
+                <a:latin typeface="Arial"/>
+                <a:ea typeface="Arial"/>
+                <a:cs typeface="Arial"/>
+                <a:sym typeface="Arial"/>
+              </a:rPr>
+              <a:t>Auf Methoden kann man über die Instanz der Klasse zugreifen</a:t>
             </a:r>
             <a:endParaRPr b="0" i="0" sz="1600" u="none" cap="none" strike="noStrike">
               <a:solidFill>
@@ -11158,118 +11232,25 @@
             </a:endParaRPr>
           </a:p>
           <a:p>
-            <a:pPr indent="0" lvl="0" marL="0" marR="0" rtl="0" algn="ctr">
-              <a:lnSpc>
-                <a:spcPct val="100000"/>
-              </a:lnSpc>
-              <a:spcBef>
-                <a:spcPts val="320"/>
-              </a:spcBef>
-              <a:spcAft>
-                <a:spcPts val="0"/>
-              </a:spcAft>
-              <a:buClr>
-                <a:schemeClr val="dk1"/>
-              </a:buClr>
-              <a:buSzPts val="1100"/>
+            <a:pPr indent="-317500" lvl="0" marL="457200" marR="0" rtl="0" algn="l">
+              <a:lnSpc>
+                <a:spcPct val="100000"/>
+              </a:lnSpc>
+              <a:spcBef>
+                <a:spcPts val="0"/>
+              </a:spcBef>
+              <a:spcAft>
+                <a:spcPts val="0"/>
+              </a:spcAft>
+              <a:buClr>
+                <a:srgbClr val="000000"/>
+              </a:buClr>
+              <a:buSzPts val="1400"/>
               <a:buFont typeface="Arial"/>
-              <a:buNone/>
+              <a:buChar char="●"/>
             </a:pPr>
             <a:r>
-              <a:t/>
-            </a:r>
-            <a:endParaRPr b="0" i="0" sz="1600" u="none" cap="none" strike="noStrike">
-              <a:solidFill>
-                <a:schemeClr val="dk1"/>
-              </a:solidFill>
-              <a:latin typeface="Arial"/>
-              <a:ea typeface="Arial"/>
-              <a:cs typeface="Arial"/>
-              <a:sym typeface="Arial"/>
-            </a:endParaRPr>
-          </a:p>
-          <a:p>
-            <a:pPr indent="0" lvl="0" marL="0" marR="0" rtl="0" algn="ctr">
-              <a:lnSpc>
-                <a:spcPct val="100000"/>
-              </a:lnSpc>
-              <a:spcBef>
-                <a:spcPts val="320"/>
-              </a:spcBef>
-              <a:spcAft>
-                <a:spcPts val="0"/>
-              </a:spcAft>
-              <a:buClr>
-                <a:schemeClr val="dk1"/>
-              </a:buClr>
-              <a:buSzPts val="1100"/>
-              <a:buFont typeface="Arial"/>
-              <a:buNone/>
-            </a:pPr>
-            <a:r>
-              <a:t/>
-            </a:r>
-            <a:endParaRPr b="0" i="0" sz="1600" u="none" cap="none" strike="noStrike">
-              <a:solidFill>
-                <a:schemeClr val="dk1"/>
-              </a:solidFill>
-              <a:latin typeface="Arial"/>
-              <a:ea typeface="Arial"/>
-              <a:cs typeface="Arial"/>
-              <a:sym typeface="Arial"/>
-            </a:endParaRPr>
-          </a:p>
-          <a:p>
-            <a:pPr indent="0" lvl="0" marL="0" marR="0" rtl="0" algn="ctr">
-              <a:lnSpc>
-                <a:spcPct val="100000"/>
-              </a:lnSpc>
-              <a:spcBef>
-                <a:spcPts val="320"/>
-              </a:spcBef>
-              <a:spcAft>
-                <a:spcPts val="0"/>
-              </a:spcAft>
-              <a:buClr>
-                <a:schemeClr val="dk1"/>
-              </a:buClr>
-              <a:buSzPts val="1100"/>
-              <a:buFont typeface="Arial"/>
-              <a:buNone/>
-            </a:pPr>
-            <a:r>
-              <a:t/>
-            </a:r>
-            <a:endParaRPr b="0" i="0" sz="1600" u="none" cap="none" strike="noStrike">
-              <a:solidFill>
-                <a:schemeClr val="dk1"/>
-              </a:solidFill>
-              <a:latin typeface="Arial"/>
-              <a:ea typeface="Arial"/>
-              <a:cs typeface="Arial"/>
-              <a:sym typeface="Arial"/>
-            </a:endParaRPr>
-          </a:p>
-          <a:p>
-            <a:pPr indent="0" lvl="0" marL="0" marR="0" rtl="0" algn="ctr">
-              <a:lnSpc>
-                <a:spcPct val="100000"/>
-              </a:lnSpc>
-              <a:spcBef>
-                <a:spcPts val="320"/>
-              </a:spcBef>
-              <a:spcAft>
-                <a:spcPts val="0"/>
-              </a:spcAft>
-              <a:buClr>
-                <a:schemeClr val="dk1"/>
-              </a:buClr>
-              <a:buSzPts val="1100"/>
-              <a:buFont typeface="Arial"/>
-              <a:buNone/>
-            </a:pPr>
-            <a:r>
-              <a:rPr b="0" i="0" lang="de" sz="3600" u="none" cap="none" strike="noStrike">
+              <a:rPr b="0" i="0" lang="de" sz="1600" u="none" cap="none" strike="noStrike">
                 <a:solidFill>
                   <a:schemeClr val="dk1"/>
                 </a:solidFill>
@@ -11278,7 +11259,7 @@
                 <a:cs typeface="Arial"/>
                 <a:sym typeface="Arial"/>
               </a:rPr>
-              <a:t>Fragen</a:t>
+              <a:t>Auf Funktionen kann man über die Klasse selber zugreifen</a:t>
             </a:r>
             <a:endParaRPr b="0" i="0" sz="1600" u="none" cap="none" strike="noStrike">
               <a:solidFill>
@@ -11292,6 +11273,33 @@
           </a:p>
         </p:txBody>
       </p:sp>
+      <p:pic>
+        <p:nvPicPr>
+          <p:cNvPr id="164" name="Google Shape;164;p27"/>
+          <p:cNvPicPr preferRelativeResize="0"/>
+          <p:nvPr/>
+        </p:nvPicPr>
+        <p:blipFill rotWithShape="1">
+          <a:blip r:embed="rId3">
+            <a:alphaModFix/>
+          </a:blip>
+          <a:srcRect b="0" l="0" r="0" t="0"/>
+          <a:stretch/>
+        </p:blipFill>
+        <p:spPr>
+          <a:xfrm>
+            <a:off x="1661388" y="2132550"/>
+            <a:ext cx="5821225" cy="1973725"/>
+          </a:xfrm>
+          <a:prstGeom prst="rect">
+            <a:avLst/>
+          </a:prstGeom>
+          <a:noFill/>
+          <a:ln>
+            <a:noFill/>
+          </a:ln>
+        </p:spPr>
+      </p:pic>
     </p:spTree>
   </p:cSld>
   <p:clrMapOvr>
@@ -11305,7 +11313,7 @@
   <p:cSld>
     <p:spTree>
       <p:nvGrpSpPr>
-        <p:cNvPr id="167" name="Shape 167"/>
+        <p:cNvPr id="168" name="Shape 168"/>
         <p:cNvGrpSpPr/>
         <p:nvPr/>
       </p:nvGrpSpPr>
@@ -11319,7 +11327,7 @@
       </p:grpSpPr>
       <p:sp>
         <p:nvSpPr>
-          <p:cNvPr id="168" name="Google Shape;168;p28"/>
+          <p:cNvPr id="169" name="Google Shape;169;p28"/>
           <p:cNvSpPr txBox="1"/>
           <p:nvPr>
             <p:ph type="title"/>
@@ -11359,7 +11367,7 @@
             </a:pPr>
             <a:r>
               <a:rPr lang="de"/>
-              <a:t>3. Übungsaufgabe</a:t>
+              <a:t>2. Fragen</a:t>
             </a:r>
             <a:endParaRPr/>
           </a:p>
@@ -11367,7 +11375,334 @@
       </p:sp>
       <p:sp>
         <p:nvSpPr>
-          <p:cNvPr id="169" name="Google Shape;169;p28"/>
+          <p:cNvPr id="170" name="Google Shape;170;p28"/>
+          <p:cNvSpPr/>
+          <p:nvPr>
+            <p:ph idx="2" type="chart"/>
+          </p:nvPr>
+        </p:nvSpPr>
+        <p:spPr>
+          <a:xfrm>
+            <a:off x="431800" y="782241"/>
+            <a:ext cx="8375700" cy="3579000"/>
+          </a:xfrm>
+          <a:prstGeom prst="rect">
+            <a:avLst/>
+          </a:prstGeom>
+          <a:noFill/>
+          <a:ln>
+            <a:noFill/>
+          </a:ln>
+        </p:spPr>
+        <p:txBody>
+          <a:bodyPr anchorCtr="0" anchor="t" bIns="0" lIns="0" spcFirstLastPara="1" rIns="0" wrap="square" tIns="0">
+            <a:noAutofit/>
+          </a:bodyPr>
+          <a:lstStyle/>
+          <a:p>
+            <a:pPr indent="0" lvl="0" marL="0" marR="0" rtl="0" algn="ctr">
+              <a:lnSpc>
+                <a:spcPct val="100000"/>
+              </a:lnSpc>
+              <a:spcBef>
+                <a:spcPts val="320"/>
+              </a:spcBef>
+              <a:spcAft>
+                <a:spcPts val="0"/>
+              </a:spcAft>
+              <a:buClr>
+                <a:schemeClr val="dk1"/>
+              </a:buClr>
+              <a:buSzPts val="1100"/>
+              <a:buFont typeface="Arial"/>
+              <a:buNone/>
+            </a:pPr>
+            <a:r>
+              <a:t/>
+            </a:r>
+            <a:endParaRPr b="0" i="0" sz="1600" u="none" cap="none" strike="noStrike">
+              <a:solidFill>
+                <a:schemeClr val="dk1"/>
+              </a:solidFill>
+              <a:latin typeface="Arial"/>
+              <a:ea typeface="Arial"/>
+              <a:cs typeface="Arial"/>
+              <a:sym typeface="Arial"/>
+            </a:endParaRPr>
+          </a:p>
+          <a:p>
+            <a:pPr indent="0" lvl="0" marL="0" marR="0" rtl="0" algn="ctr">
+              <a:lnSpc>
+                <a:spcPct val="100000"/>
+              </a:lnSpc>
+              <a:spcBef>
+                <a:spcPts val="320"/>
+              </a:spcBef>
+              <a:spcAft>
+                <a:spcPts val="0"/>
+              </a:spcAft>
+              <a:buClr>
+                <a:schemeClr val="dk1"/>
+              </a:buClr>
+              <a:buSzPts val="1100"/>
+              <a:buFont typeface="Arial"/>
+              <a:buNone/>
+            </a:pPr>
+            <a:r>
+              <a:t/>
+            </a:r>
+            <a:endParaRPr b="0" i="0" sz="1600" u="none" cap="none" strike="noStrike">
+              <a:solidFill>
+                <a:schemeClr val="dk1"/>
+              </a:solidFill>
+              <a:latin typeface="Arial"/>
+              <a:ea typeface="Arial"/>
+              <a:cs typeface="Arial"/>
+              <a:sym typeface="Arial"/>
+            </a:endParaRPr>
+          </a:p>
+          <a:p>
+            <a:pPr indent="0" lvl="0" marL="0" marR="0" rtl="0" algn="ctr">
+              <a:lnSpc>
+                <a:spcPct val="100000"/>
+              </a:lnSpc>
+              <a:spcBef>
+                <a:spcPts val="320"/>
+              </a:spcBef>
+              <a:spcAft>
+                <a:spcPts val="0"/>
+              </a:spcAft>
+              <a:buClr>
+                <a:schemeClr val="dk1"/>
+              </a:buClr>
+              <a:buSzPts val="1100"/>
+              <a:buFont typeface="Arial"/>
+              <a:buNone/>
+            </a:pPr>
+            <a:r>
+              <a:t/>
+            </a:r>
+            <a:endParaRPr b="0" i="0" sz="1600" u="none" cap="none" strike="noStrike">
+              <a:solidFill>
+                <a:schemeClr val="dk1"/>
+              </a:solidFill>
+              <a:latin typeface="Arial"/>
+              <a:ea typeface="Arial"/>
+              <a:cs typeface="Arial"/>
+              <a:sym typeface="Arial"/>
+            </a:endParaRPr>
+          </a:p>
+          <a:p>
+            <a:pPr indent="0" lvl="0" marL="0" marR="0" rtl="0" algn="ctr">
+              <a:lnSpc>
+                <a:spcPct val="100000"/>
+              </a:lnSpc>
+              <a:spcBef>
+                <a:spcPts val="320"/>
+              </a:spcBef>
+              <a:spcAft>
+                <a:spcPts val="0"/>
+              </a:spcAft>
+              <a:buClr>
+                <a:schemeClr val="dk1"/>
+              </a:buClr>
+              <a:buSzPts val="1100"/>
+              <a:buFont typeface="Arial"/>
+              <a:buNone/>
+            </a:pPr>
+            <a:r>
+              <a:t/>
+            </a:r>
+            <a:endParaRPr b="0" i="0" sz="1600" u="none" cap="none" strike="noStrike">
+              <a:solidFill>
+                <a:schemeClr val="dk1"/>
+              </a:solidFill>
+              <a:latin typeface="Arial"/>
+              <a:ea typeface="Arial"/>
+              <a:cs typeface="Arial"/>
+              <a:sym typeface="Arial"/>
+            </a:endParaRPr>
+          </a:p>
+          <a:p>
+            <a:pPr indent="0" lvl="0" marL="0" marR="0" rtl="0" algn="ctr">
+              <a:lnSpc>
+                <a:spcPct val="100000"/>
+              </a:lnSpc>
+              <a:spcBef>
+                <a:spcPts val="320"/>
+              </a:spcBef>
+              <a:spcAft>
+                <a:spcPts val="0"/>
+              </a:spcAft>
+              <a:buClr>
+                <a:schemeClr val="dk1"/>
+              </a:buClr>
+              <a:buSzPts val="1100"/>
+              <a:buFont typeface="Arial"/>
+              <a:buNone/>
+            </a:pPr>
+            <a:r>
+              <a:t/>
+            </a:r>
+            <a:endParaRPr b="0" i="0" sz="1600" u="none" cap="none" strike="noStrike">
+              <a:solidFill>
+                <a:schemeClr val="dk1"/>
+              </a:solidFill>
+              <a:latin typeface="Arial"/>
+              <a:ea typeface="Arial"/>
+              <a:cs typeface="Arial"/>
+              <a:sym typeface="Arial"/>
+            </a:endParaRPr>
+          </a:p>
+          <a:p>
+            <a:pPr indent="0" lvl="0" marL="0" marR="0" rtl="0" algn="ctr">
+              <a:lnSpc>
+                <a:spcPct val="100000"/>
+              </a:lnSpc>
+              <a:spcBef>
+                <a:spcPts val="320"/>
+              </a:spcBef>
+              <a:spcAft>
+                <a:spcPts val="0"/>
+              </a:spcAft>
+              <a:buClr>
+                <a:schemeClr val="dk1"/>
+              </a:buClr>
+              <a:buSzPts val="1100"/>
+              <a:buFont typeface="Arial"/>
+              <a:buNone/>
+            </a:pPr>
+            <a:r>
+              <a:t/>
+            </a:r>
+            <a:endParaRPr b="0" i="0" sz="1600" u="none" cap="none" strike="noStrike">
+              <a:solidFill>
+                <a:schemeClr val="dk1"/>
+              </a:solidFill>
+              <a:latin typeface="Arial"/>
+              <a:ea typeface="Arial"/>
+              <a:cs typeface="Arial"/>
+              <a:sym typeface="Arial"/>
+            </a:endParaRPr>
+          </a:p>
+          <a:p>
+            <a:pPr indent="0" lvl="0" marL="0" marR="0" rtl="0" algn="ctr">
+              <a:lnSpc>
+                <a:spcPct val="100000"/>
+              </a:lnSpc>
+              <a:spcBef>
+                <a:spcPts val="320"/>
+              </a:spcBef>
+              <a:spcAft>
+                <a:spcPts val="0"/>
+              </a:spcAft>
+              <a:buClr>
+                <a:schemeClr val="dk1"/>
+              </a:buClr>
+              <a:buSzPts val="1100"/>
+              <a:buFont typeface="Arial"/>
+              <a:buNone/>
+            </a:pPr>
+            <a:r>
+              <a:rPr b="0" i="0" lang="de" sz="3600" u="none" cap="none" strike="noStrike">
+                <a:solidFill>
+                  <a:schemeClr val="dk1"/>
+                </a:solidFill>
+                <a:latin typeface="Arial"/>
+                <a:ea typeface="Arial"/>
+                <a:cs typeface="Arial"/>
+                <a:sym typeface="Arial"/>
+              </a:rPr>
+              <a:t>Fragen</a:t>
+            </a:r>
+            <a:endParaRPr b="0" i="0" sz="1600" u="none" cap="none" strike="noStrike">
+              <a:solidFill>
+                <a:schemeClr val="dk1"/>
+              </a:solidFill>
+              <a:latin typeface="Arial"/>
+              <a:ea typeface="Arial"/>
+              <a:cs typeface="Arial"/>
+              <a:sym typeface="Arial"/>
+            </a:endParaRPr>
+          </a:p>
+        </p:txBody>
+      </p:sp>
+    </p:spTree>
+  </p:cSld>
+  <p:clrMapOvr>
+    <a:masterClrMapping/>
+  </p:clrMapOvr>
+</p:sld>
+</file>
+
+<file path=ppt/slides/slide14.xml><?xml version="1.0" encoding="utf-8"?>
+<p:sld xmlns:a="http://schemas.openxmlformats.org/drawingml/2006/main" xmlns:r="http://schemas.openxmlformats.org/officeDocument/2006/relationships" xmlns:mc="http://schemas.openxmlformats.org/markup-compatibility/2006" xmlns:mv="urn:schemas-microsoft-com:mac:vml" xmlns:p="http://schemas.openxmlformats.org/presentationml/2006/main" xmlns:c="http://schemas.openxmlformats.org/drawingml/2006/chart" xmlns:dgm="http://schemas.openxmlformats.org/drawingml/2006/diagram" xmlns:o="urn:schemas-microsoft-com:office:office" xmlns:v="urn:schemas-microsoft-com:vml" xmlns:pvml="urn:schemas-microsoft-com:office:powerpoint" xmlns:com="http://schemas.openxmlformats.org/drawingml/2006/compatibility" xmlns:p14="http://schemas.microsoft.com/office/powerpoint/2010/main" xmlns:p15="http://schemas.microsoft.com/office/powerpoint/2012/main" xmlns:ahyp="http://schemas.microsoft.com/office/drawing/2018/hyperlinkcolor">
+  <p:cSld>
+    <p:spTree>
+      <p:nvGrpSpPr>
+        <p:cNvPr id="174" name="Shape 174"/>
+        <p:cNvGrpSpPr/>
+        <p:nvPr/>
+      </p:nvGrpSpPr>
+      <p:grpSpPr>
+        <a:xfrm>
+          <a:off x="0" y="0"/>
+          <a:ext cx="0" cy="0"/>
+          <a:chOff x="0" y="0"/>
+          <a:chExt cx="0" cy="0"/>
+        </a:xfrm>
+      </p:grpSpPr>
+      <p:sp>
+        <p:nvSpPr>
+          <p:cNvPr id="175" name="Google Shape;175;p29"/>
+          <p:cNvSpPr txBox="1"/>
+          <p:nvPr>
+            <p:ph type="title"/>
+          </p:nvPr>
+        </p:nvSpPr>
+        <p:spPr>
+          <a:xfrm>
+            <a:off x="431800" y="83344"/>
+            <a:ext cx="8375700" cy="531000"/>
+          </a:xfrm>
+          <a:prstGeom prst="rect">
+            <a:avLst/>
+          </a:prstGeom>
+          <a:noFill/>
+          <a:ln>
+            <a:noFill/>
+          </a:ln>
+        </p:spPr>
+        <p:txBody>
+          <a:bodyPr anchorCtr="0" anchor="b" bIns="0" lIns="0" spcFirstLastPara="1" rIns="0" wrap="square" tIns="0">
+            <a:noAutofit/>
+          </a:bodyPr>
+          <a:lstStyle/>
+          <a:p>
+            <a:pPr indent="0" lvl="0" marL="0" rtl="0" algn="l">
+              <a:lnSpc>
+                <a:spcPct val="100000"/>
+              </a:lnSpc>
+              <a:spcBef>
+                <a:spcPts val="0"/>
+              </a:spcBef>
+              <a:spcAft>
+                <a:spcPts val="0"/>
+              </a:spcAft>
+              <a:buSzPts val="1400"/>
+              <a:buNone/>
+            </a:pPr>
+            <a:r>
+              <a:rPr lang="de"/>
+              <a:t>3. Übungsaufgabe</a:t>
+            </a:r>
+            <a:endParaRPr/>
+          </a:p>
+        </p:txBody>
+      </p:sp>
+      <p:sp>
+        <p:nvSpPr>
+          <p:cNvPr id="176" name="Google Shape;176;p29"/>
           <p:cNvSpPr/>
           <p:nvPr>
             <p:ph idx="2" type="chart"/>
@@ -12279,6 +12614,26 @@
               <a:cs typeface="Arial"/>
               <a:sym typeface="Arial"/>
             </a:endParaRPr>
+          </a:p>
+          <a:p>
+            <a:pPr indent="-330200" lvl="2" marL="1371600" marR="0" rtl="0" algn="l">
+              <a:lnSpc>
+                <a:spcPct val="100000"/>
+              </a:lnSpc>
+              <a:spcBef>
+                <a:spcPts val="0"/>
+              </a:spcBef>
+              <a:spcAft>
+                <a:spcPts val="0"/>
+              </a:spcAft>
+              <a:buSzPts val="1600"/>
+              <a:buAutoNum type="arabicPeriod"/>
+            </a:pPr>
+            <a:r>
+              <a:rPr lang="de"/>
+              <a:t>null</a:t>
+            </a:r>
+            <a:endParaRPr/>
           </a:p>
           <a:p>
             <a:pPr indent="-330200" lvl="2" marL="1371600" marR="0" rtl="0" algn="l">
@@ -13450,10 +13805,6 @@
           <a:prstGeom prst="rect">
             <a:avLst/>
           </a:prstGeom>
-          <a:noFill/>
-          <a:ln>
-            <a:noFill/>
-          </a:ln>
         </p:spPr>
         <p:txBody>
           <a:bodyPr anchorCtr="0" anchor="b" bIns="0" lIns="0" spcFirstLastPara="1" rIns="0" wrap="square" tIns="0">
@@ -13462,21 +13813,17 @@
           <a:lstStyle/>
           <a:p>
             <a:pPr indent="0" lvl="0" marL="0" rtl="0" algn="l">
-              <a:lnSpc>
-                <a:spcPct val="100000"/>
-              </a:lnSpc>
-              <a:spcBef>
-                <a:spcPts val="0"/>
-              </a:spcBef>
-              <a:spcAft>
-                <a:spcPts val="0"/>
-              </a:spcAft>
-              <a:buSzPts val="1400"/>
+              <a:spcBef>
+                <a:spcPts val="0"/>
+              </a:spcBef>
+              <a:spcAft>
+                <a:spcPts val="0"/>
+              </a:spcAft>
               <a:buNone/>
             </a:pPr>
             <a:r>
               <a:rPr lang="de"/>
-              <a:t>1.1.4. final</a:t>
+              <a:t>1.1.3. null</a:t>
             </a:r>
             <a:endParaRPr/>
           </a:p>
@@ -13498,10 +13845,6 @@
           <a:prstGeom prst="rect">
             <a:avLst/>
           </a:prstGeom>
-          <a:noFill/>
-          <a:ln>
-            <a:noFill/>
-          </a:ln>
         </p:spPr>
         <p:txBody>
           <a:bodyPr anchorCtr="0" anchor="t" bIns="0" lIns="0" spcFirstLastPara="1" rIns="0" wrap="square" tIns="0">
@@ -13509,208 +13852,64 @@
           </a:bodyPr>
           <a:lstStyle/>
           <a:p>
-            <a:pPr indent="0" lvl="0" marL="0" marR="0" rtl="0" algn="l">
-              <a:lnSpc>
-                <a:spcPct val="100000"/>
-              </a:lnSpc>
+            <a:pPr indent="0" lvl="0" marL="0" rtl="0" algn="l">
               <a:spcBef>
                 <a:spcPts val="320"/>
               </a:spcBef>
               <a:spcAft>
                 <a:spcPts val="0"/>
               </a:spcAft>
-              <a:buClr>
-                <a:srgbClr val="000000"/>
-              </a:buClr>
-              <a:buSzPts val="1400"/>
-              <a:buFont typeface="Arial"/>
               <a:buNone/>
             </a:pPr>
             <a:r>
-              <a:rPr b="0" i="0" lang="de" sz="1600" u="none" cap="none" strike="noStrike">
-                <a:solidFill>
-                  <a:schemeClr val="dk1"/>
-                </a:solidFill>
-                <a:latin typeface="Arial"/>
-                <a:ea typeface="Arial"/>
-                <a:cs typeface="Arial"/>
-                <a:sym typeface="Arial"/>
-              </a:rPr>
-              <a:t>Als final deklarierte Variablen sind unveränderlich. Ihnen muss bei der Deklaration direkt auch einen Wert zugewiesen werden. Sie werden auch als Konstanten bezeichnet.</a:t>
-            </a:r>
-            <a:endParaRPr b="0" i="0" sz="1600" u="none" cap="none" strike="noStrike">
-              <a:solidFill>
-                <a:schemeClr val="dk1"/>
-              </a:solidFill>
-              <a:latin typeface="Arial"/>
-              <a:ea typeface="Arial"/>
-              <a:cs typeface="Arial"/>
-              <a:sym typeface="Arial"/>
-            </a:endParaRPr>
+              <a:rPr i="1" lang="de"/>
+              <a:t>null</a:t>
+            </a:r>
+            <a:r>
+              <a:rPr lang="de"/>
+              <a:t> bezeichnet einfach einfach eine leere Referenz.</a:t>
+            </a:r>
+            <a:endParaRPr/>
           </a:p>
           <a:p>
-            <a:pPr indent="0" lvl="0" marL="0" marR="0" rtl="0" algn="l">
-              <a:lnSpc>
-                <a:spcPct val="100000"/>
-              </a:lnSpc>
+            <a:pPr indent="0" lvl="0" marL="0" rtl="0" algn="l">
               <a:spcBef>
                 <a:spcPts val="320"/>
               </a:spcBef>
               <a:spcAft>
                 <a:spcPts val="0"/>
               </a:spcAft>
-              <a:buClr>
-                <a:srgbClr val="000000"/>
-              </a:buClr>
-              <a:buSzPts val="1400"/>
-              <a:buFont typeface="Arial"/>
               <a:buNone/>
             </a:pPr>
             <a:r>
-              <a:t/>
-            </a:r>
-            <a:endParaRPr b="0" i="0" sz="1600" u="none" cap="none" strike="noStrike">
-              <a:solidFill>
-                <a:schemeClr val="dk1"/>
-              </a:solidFill>
-              <a:latin typeface="Arial"/>
-              <a:ea typeface="Arial"/>
-              <a:cs typeface="Arial"/>
-              <a:sym typeface="Arial"/>
-            </a:endParaRPr>
+              <a:rPr lang="de"/>
+              <a:t>Auf deutsch wäre </a:t>
+            </a:r>
+            <a:r>
+              <a:rPr i="1" lang="de"/>
+              <a:t>null</a:t>
+            </a:r>
+            <a:r>
+              <a:rPr lang="de"/>
+              <a:t> sowas wie “Kein Objekt”. </a:t>
+            </a:r>
+            <a:endParaRPr/>
           </a:p>
           <a:p>
-            <a:pPr indent="0" lvl="0" marL="0" marR="0" rtl="0" algn="l">
-              <a:lnSpc>
-                <a:spcPct val="100000"/>
-              </a:lnSpc>
+            <a:pPr indent="0" lvl="0" marL="0" rtl="0" algn="l">
               <a:spcBef>
                 <a:spcPts val="320"/>
               </a:spcBef>
               <a:spcAft>
                 <a:spcPts val="0"/>
               </a:spcAft>
-              <a:buClr>
-                <a:srgbClr val="000000"/>
-              </a:buClr>
-              <a:buSzPts val="1400"/>
-              <a:buFont typeface="Arial"/>
               <a:buNone/>
             </a:pPr>
             <a:r>
-              <a:t/>
-            </a:r>
-            <a:endParaRPr b="0" i="0" sz="1600" u="none" cap="none" strike="noStrike">
-              <a:solidFill>
-                <a:schemeClr val="dk1"/>
-              </a:solidFill>
-              <a:latin typeface="Arial"/>
-              <a:ea typeface="Arial"/>
-              <a:cs typeface="Arial"/>
-              <a:sym typeface="Arial"/>
-            </a:endParaRPr>
-          </a:p>
-          <a:p>
-            <a:pPr indent="0" lvl="0" marL="0" marR="0" rtl="0" algn="l">
-              <a:lnSpc>
-                <a:spcPct val="100000"/>
-              </a:lnSpc>
-              <a:spcBef>
-                <a:spcPts val="320"/>
-              </a:spcBef>
-              <a:spcAft>
-                <a:spcPts val="0"/>
-              </a:spcAft>
-              <a:buClr>
-                <a:srgbClr val="000000"/>
-              </a:buClr>
-              <a:buSzPts val="1400"/>
-              <a:buFont typeface="Arial"/>
-              <a:buNone/>
-            </a:pPr>
-            <a:r>
-              <a:t/>
-            </a:r>
-            <a:endParaRPr b="0" i="0" sz="1600" u="none" cap="none" strike="noStrike">
-              <a:solidFill>
-                <a:schemeClr val="dk1"/>
-              </a:solidFill>
-              <a:latin typeface="Arial"/>
-              <a:ea typeface="Arial"/>
-              <a:cs typeface="Arial"/>
-              <a:sym typeface="Arial"/>
-            </a:endParaRPr>
-          </a:p>
-          <a:p>
-            <a:pPr indent="0" lvl="0" marL="0" marR="0" rtl="0" algn="l">
-              <a:lnSpc>
-                <a:spcPct val="100000"/>
-              </a:lnSpc>
-              <a:spcBef>
-                <a:spcPts val="320"/>
-              </a:spcBef>
-              <a:spcAft>
-                <a:spcPts val="0"/>
-              </a:spcAft>
-              <a:buClr>
-                <a:srgbClr val="000000"/>
-              </a:buClr>
-              <a:buSzPts val="1400"/>
-              <a:buFont typeface="Arial"/>
-              <a:buNone/>
-            </a:pPr>
-            <a:r>
-              <a:t/>
-            </a:r>
-            <a:endParaRPr b="0" i="0" sz="1600" u="none" cap="none" strike="noStrike">
-              <a:solidFill>
-                <a:schemeClr val="dk1"/>
-              </a:solidFill>
-              <a:latin typeface="Arial"/>
-              <a:ea typeface="Arial"/>
-              <a:cs typeface="Arial"/>
-              <a:sym typeface="Arial"/>
-            </a:endParaRPr>
-          </a:p>
-          <a:p>
-            <a:pPr indent="0" lvl="0" marL="0" marR="0" rtl="0" algn="l">
-              <a:lnSpc>
-                <a:spcPct val="100000"/>
-              </a:lnSpc>
-              <a:spcBef>
-                <a:spcPts val="320"/>
-              </a:spcBef>
-              <a:spcAft>
-                <a:spcPts val="0"/>
-              </a:spcAft>
-              <a:buClr>
-                <a:srgbClr val="000000"/>
-              </a:buClr>
-              <a:buSzPts val="1400"/>
-              <a:buFont typeface="Arial"/>
-              <a:buNone/>
-            </a:pPr>
-            <a:r>
-              <a:rPr b="0" i="0" lang="de" sz="1600" u="none" cap="none" strike="noStrike">
-                <a:solidFill>
-                  <a:schemeClr val="dk1"/>
-                </a:solidFill>
-                <a:latin typeface="Arial"/>
-                <a:ea typeface="Arial"/>
-                <a:cs typeface="Arial"/>
-                <a:sym typeface="Arial"/>
-              </a:rPr>
-              <a:t>Konstanten werden in der Regel dadurch gekennzeichnet, dass ihr Name ausschließlich aus Großbuchstaben besteht.</a:t>
-            </a:r>
-            <a:endParaRPr b="0" i="0" sz="1600" u="none" cap="none" strike="noStrike">
-              <a:solidFill>
-                <a:schemeClr val="dk1"/>
-              </a:solidFill>
-              <a:latin typeface="Arial"/>
-              <a:ea typeface="Arial"/>
-              <a:cs typeface="Arial"/>
-              <a:sym typeface="Arial"/>
-            </a:endParaRPr>
+              <a:rPr lang="de"/>
+              <a:t>Methoden- und Attributs-Aufrufe auf null-Objekten werfen NullPointerExceptions.</a:t>
+            </a:r>
+            <a:endParaRPr/>
           </a:p>
         </p:txBody>
       </p:sp>
@@ -13720,17 +13919,18 @@
           <p:cNvPicPr preferRelativeResize="0"/>
           <p:nvPr/>
         </p:nvPicPr>
-        <p:blipFill rotWithShape="1">
+        <p:blipFill>
           <a:blip r:embed="rId3">
             <a:alphaModFix/>
           </a:blip>
-          <a:srcRect b="0" l="0" r="0" t="0"/>
-          <a:stretch/>
+          <a:stretch>
+            <a:fillRect/>
+          </a:stretch>
         </p:blipFill>
         <p:spPr>
           <a:xfrm>
-            <a:off x="2346063" y="1657947"/>
-            <a:ext cx="4451875" cy="270975"/>
+            <a:off x="1600795" y="2228274"/>
+            <a:ext cx="5030005" cy="531000"/>
           </a:xfrm>
           <a:prstGeom prst="rect">
             <a:avLst/>
@@ -13808,7 +14008,7 @@
             </a:pPr>
             <a:r>
               <a:rPr lang="de"/>
-              <a:t>1.2. Attribute und Klassenvariablen</a:t>
+              <a:t>1.1.4. final</a:t>
             </a:r>
             <a:endParaRPr/>
           </a:p>
@@ -13841,6 +14041,338 @@
           </a:bodyPr>
           <a:lstStyle/>
           <a:p>
+            <a:pPr indent="0" lvl="0" marL="0" marR="0" rtl="0" algn="l">
+              <a:lnSpc>
+                <a:spcPct val="100000"/>
+              </a:lnSpc>
+              <a:spcBef>
+                <a:spcPts val="320"/>
+              </a:spcBef>
+              <a:spcAft>
+                <a:spcPts val="0"/>
+              </a:spcAft>
+              <a:buClr>
+                <a:srgbClr val="000000"/>
+              </a:buClr>
+              <a:buSzPts val="1400"/>
+              <a:buFont typeface="Arial"/>
+              <a:buNone/>
+            </a:pPr>
+            <a:r>
+              <a:rPr b="0" i="0" lang="de" sz="1600" u="none" cap="none" strike="noStrike">
+                <a:solidFill>
+                  <a:schemeClr val="dk1"/>
+                </a:solidFill>
+                <a:latin typeface="Arial"/>
+                <a:ea typeface="Arial"/>
+                <a:cs typeface="Arial"/>
+                <a:sym typeface="Arial"/>
+              </a:rPr>
+              <a:t>Als final deklarierte Variablen sind unveränderlich. Ihnen muss bei der Deklaration direkt auch einen Wert zugewiesen werden. Sie werden auch als Konstanten bezeichnet.</a:t>
+            </a:r>
+            <a:endParaRPr b="0" i="0" sz="1600" u="none" cap="none" strike="noStrike">
+              <a:solidFill>
+                <a:schemeClr val="dk1"/>
+              </a:solidFill>
+              <a:latin typeface="Arial"/>
+              <a:ea typeface="Arial"/>
+              <a:cs typeface="Arial"/>
+              <a:sym typeface="Arial"/>
+            </a:endParaRPr>
+          </a:p>
+          <a:p>
+            <a:pPr indent="0" lvl="0" marL="0" marR="0" rtl="0" algn="l">
+              <a:lnSpc>
+                <a:spcPct val="100000"/>
+              </a:lnSpc>
+              <a:spcBef>
+                <a:spcPts val="320"/>
+              </a:spcBef>
+              <a:spcAft>
+                <a:spcPts val="0"/>
+              </a:spcAft>
+              <a:buClr>
+                <a:srgbClr val="000000"/>
+              </a:buClr>
+              <a:buSzPts val="1400"/>
+              <a:buFont typeface="Arial"/>
+              <a:buNone/>
+            </a:pPr>
+            <a:r>
+              <a:t/>
+            </a:r>
+            <a:endParaRPr b="0" i="0" sz="1600" u="none" cap="none" strike="noStrike">
+              <a:solidFill>
+                <a:schemeClr val="dk1"/>
+              </a:solidFill>
+              <a:latin typeface="Arial"/>
+              <a:ea typeface="Arial"/>
+              <a:cs typeface="Arial"/>
+              <a:sym typeface="Arial"/>
+            </a:endParaRPr>
+          </a:p>
+          <a:p>
+            <a:pPr indent="0" lvl="0" marL="0" marR="0" rtl="0" algn="l">
+              <a:lnSpc>
+                <a:spcPct val="100000"/>
+              </a:lnSpc>
+              <a:spcBef>
+                <a:spcPts val="320"/>
+              </a:spcBef>
+              <a:spcAft>
+                <a:spcPts val="0"/>
+              </a:spcAft>
+              <a:buClr>
+                <a:srgbClr val="000000"/>
+              </a:buClr>
+              <a:buSzPts val="1400"/>
+              <a:buFont typeface="Arial"/>
+              <a:buNone/>
+            </a:pPr>
+            <a:r>
+              <a:t/>
+            </a:r>
+            <a:endParaRPr b="0" i="0" sz="1600" u="none" cap="none" strike="noStrike">
+              <a:solidFill>
+                <a:schemeClr val="dk1"/>
+              </a:solidFill>
+              <a:latin typeface="Arial"/>
+              <a:ea typeface="Arial"/>
+              <a:cs typeface="Arial"/>
+              <a:sym typeface="Arial"/>
+            </a:endParaRPr>
+          </a:p>
+          <a:p>
+            <a:pPr indent="0" lvl="0" marL="0" marR="0" rtl="0" algn="l">
+              <a:lnSpc>
+                <a:spcPct val="100000"/>
+              </a:lnSpc>
+              <a:spcBef>
+                <a:spcPts val="320"/>
+              </a:spcBef>
+              <a:spcAft>
+                <a:spcPts val="0"/>
+              </a:spcAft>
+              <a:buClr>
+                <a:srgbClr val="000000"/>
+              </a:buClr>
+              <a:buSzPts val="1400"/>
+              <a:buFont typeface="Arial"/>
+              <a:buNone/>
+            </a:pPr>
+            <a:r>
+              <a:t/>
+            </a:r>
+            <a:endParaRPr b="0" i="0" sz="1600" u="none" cap="none" strike="noStrike">
+              <a:solidFill>
+                <a:schemeClr val="dk1"/>
+              </a:solidFill>
+              <a:latin typeface="Arial"/>
+              <a:ea typeface="Arial"/>
+              <a:cs typeface="Arial"/>
+              <a:sym typeface="Arial"/>
+            </a:endParaRPr>
+          </a:p>
+          <a:p>
+            <a:pPr indent="0" lvl="0" marL="0" marR="0" rtl="0" algn="l">
+              <a:lnSpc>
+                <a:spcPct val="100000"/>
+              </a:lnSpc>
+              <a:spcBef>
+                <a:spcPts val="320"/>
+              </a:spcBef>
+              <a:spcAft>
+                <a:spcPts val="0"/>
+              </a:spcAft>
+              <a:buClr>
+                <a:srgbClr val="000000"/>
+              </a:buClr>
+              <a:buSzPts val="1400"/>
+              <a:buFont typeface="Arial"/>
+              <a:buNone/>
+            </a:pPr>
+            <a:r>
+              <a:t/>
+            </a:r>
+            <a:endParaRPr b="0" i="0" sz="1600" u="none" cap="none" strike="noStrike">
+              <a:solidFill>
+                <a:schemeClr val="dk1"/>
+              </a:solidFill>
+              <a:latin typeface="Arial"/>
+              <a:ea typeface="Arial"/>
+              <a:cs typeface="Arial"/>
+              <a:sym typeface="Arial"/>
+            </a:endParaRPr>
+          </a:p>
+          <a:p>
+            <a:pPr indent="0" lvl="0" marL="0" marR="0" rtl="0" algn="l">
+              <a:lnSpc>
+                <a:spcPct val="100000"/>
+              </a:lnSpc>
+              <a:spcBef>
+                <a:spcPts val="320"/>
+              </a:spcBef>
+              <a:spcAft>
+                <a:spcPts val="0"/>
+              </a:spcAft>
+              <a:buClr>
+                <a:srgbClr val="000000"/>
+              </a:buClr>
+              <a:buSzPts val="1400"/>
+              <a:buFont typeface="Arial"/>
+              <a:buNone/>
+            </a:pPr>
+            <a:r>
+              <a:rPr b="0" i="0" lang="de" sz="1600" u="none" cap="none" strike="noStrike">
+                <a:solidFill>
+                  <a:schemeClr val="dk1"/>
+                </a:solidFill>
+                <a:latin typeface="Arial"/>
+                <a:ea typeface="Arial"/>
+                <a:cs typeface="Arial"/>
+                <a:sym typeface="Arial"/>
+              </a:rPr>
+              <a:t>Konstanten werden in der Regel dadurch gekennzeichnet, dass ihr Name ausschließlich aus Großbuchstaben besteht.</a:t>
+            </a:r>
+            <a:endParaRPr b="0" i="0" sz="1600" u="none" cap="none" strike="noStrike">
+              <a:solidFill>
+                <a:schemeClr val="dk1"/>
+              </a:solidFill>
+              <a:latin typeface="Arial"/>
+              <a:ea typeface="Arial"/>
+              <a:cs typeface="Arial"/>
+              <a:sym typeface="Arial"/>
+            </a:endParaRPr>
+          </a:p>
+        </p:txBody>
+      </p:sp>
+      <p:pic>
+        <p:nvPicPr>
+          <p:cNvPr id="125" name="Google Shape;125;p22"/>
+          <p:cNvPicPr preferRelativeResize="0"/>
+          <p:nvPr/>
+        </p:nvPicPr>
+        <p:blipFill rotWithShape="1">
+          <a:blip r:embed="rId3">
+            <a:alphaModFix/>
+          </a:blip>
+          <a:srcRect b="0" l="0" r="0" t="0"/>
+          <a:stretch/>
+        </p:blipFill>
+        <p:spPr>
+          <a:xfrm>
+            <a:off x="2346063" y="1657947"/>
+            <a:ext cx="4451875" cy="270975"/>
+          </a:xfrm>
+          <a:prstGeom prst="rect">
+            <a:avLst/>
+          </a:prstGeom>
+          <a:noFill/>
+          <a:ln>
+            <a:noFill/>
+          </a:ln>
+        </p:spPr>
+      </p:pic>
+    </p:spTree>
+  </p:cSld>
+  <p:clrMapOvr>
+    <a:masterClrMapping/>
+  </p:clrMapOvr>
+</p:sld>
+</file>
+
+<file path=ppt/slides/slide8.xml><?xml version="1.0" encoding="utf-8"?>
+<p:sld xmlns:a="http://schemas.openxmlformats.org/drawingml/2006/main" xmlns:r="http://schemas.openxmlformats.org/officeDocument/2006/relationships" xmlns:mc="http://schemas.openxmlformats.org/markup-compatibility/2006" xmlns:mv="urn:schemas-microsoft-com:mac:vml" xmlns:p="http://schemas.openxmlformats.org/presentationml/2006/main" xmlns:c="http://schemas.openxmlformats.org/drawingml/2006/chart" xmlns:dgm="http://schemas.openxmlformats.org/drawingml/2006/diagram" xmlns:o="urn:schemas-microsoft-com:office:office" xmlns:v="urn:schemas-microsoft-com:vml" xmlns:pvml="urn:schemas-microsoft-com:office:powerpoint" xmlns:com="http://schemas.openxmlformats.org/drawingml/2006/compatibility" xmlns:p14="http://schemas.microsoft.com/office/powerpoint/2010/main" xmlns:p15="http://schemas.microsoft.com/office/powerpoint/2012/main" xmlns:ahyp="http://schemas.microsoft.com/office/drawing/2018/hyperlinkcolor">
+  <p:cSld>
+    <p:spTree>
+      <p:nvGrpSpPr>
+        <p:cNvPr id="129" name="Shape 129"/>
+        <p:cNvGrpSpPr/>
+        <p:nvPr/>
+      </p:nvGrpSpPr>
+      <p:grpSpPr>
+        <a:xfrm>
+          <a:off x="0" y="0"/>
+          <a:ext cx="0" cy="0"/>
+          <a:chOff x="0" y="0"/>
+          <a:chExt cx="0" cy="0"/>
+        </a:xfrm>
+      </p:grpSpPr>
+      <p:sp>
+        <p:nvSpPr>
+          <p:cNvPr id="130" name="Google Shape;130;p23"/>
+          <p:cNvSpPr txBox="1"/>
+          <p:nvPr>
+            <p:ph type="title"/>
+          </p:nvPr>
+        </p:nvSpPr>
+        <p:spPr>
+          <a:xfrm>
+            <a:off x="431800" y="83344"/>
+            <a:ext cx="8375700" cy="531000"/>
+          </a:xfrm>
+          <a:prstGeom prst="rect">
+            <a:avLst/>
+          </a:prstGeom>
+          <a:noFill/>
+          <a:ln>
+            <a:noFill/>
+          </a:ln>
+        </p:spPr>
+        <p:txBody>
+          <a:bodyPr anchorCtr="0" anchor="b" bIns="0" lIns="0" spcFirstLastPara="1" rIns="0" wrap="square" tIns="0">
+            <a:noAutofit/>
+          </a:bodyPr>
+          <a:lstStyle/>
+          <a:p>
+            <a:pPr indent="0" lvl="0" marL="0" rtl="0" algn="l">
+              <a:lnSpc>
+                <a:spcPct val="100000"/>
+              </a:lnSpc>
+              <a:spcBef>
+                <a:spcPts val="0"/>
+              </a:spcBef>
+              <a:spcAft>
+                <a:spcPts val="0"/>
+              </a:spcAft>
+              <a:buSzPts val="1400"/>
+              <a:buNone/>
+            </a:pPr>
+            <a:r>
+              <a:rPr lang="de"/>
+              <a:t>1.2. Attribute und Klassenvariablen</a:t>
+            </a:r>
+            <a:endParaRPr/>
+          </a:p>
+        </p:txBody>
+      </p:sp>
+      <p:sp>
+        <p:nvSpPr>
+          <p:cNvPr id="131" name="Google Shape;131;p23"/>
+          <p:cNvSpPr/>
+          <p:nvPr>
+            <p:ph idx="2" type="chart"/>
+          </p:nvPr>
+        </p:nvSpPr>
+        <p:spPr>
+          <a:xfrm>
+            <a:off x="431800" y="782241"/>
+            <a:ext cx="8375700" cy="3579000"/>
+          </a:xfrm>
+          <a:prstGeom prst="rect">
+            <a:avLst/>
+          </a:prstGeom>
+          <a:noFill/>
+          <a:ln>
+            <a:noFill/>
+          </a:ln>
+        </p:spPr>
+        <p:txBody>
+          <a:bodyPr anchorCtr="0" anchor="t" bIns="0" lIns="0" spcFirstLastPara="1" rIns="0" wrap="square" tIns="0">
+            <a:noAutofit/>
+          </a:bodyPr>
+          <a:lstStyle/>
+          <a:p>
             <a:pPr indent="-317500" lvl="0" marL="457200" marR="0" rtl="0" algn="l">
               <a:lnSpc>
                 <a:spcPct val="100000"/>
@@ -14116,7 +14648,7 @@
       </p:sp>
       <p:pic>
         <p:nvPicPr>
-          <p:cNvPr id="125" name="Google Shape;125;p22"/>
+          <p:cNvPr id="132" name="Google Shape;132;p23"/>
           <p:cNvPicPr preferRelativeResize="0"/>
           <p:nvPr/>
         </p:nvPicPr>
@@ -14143,7 +14675,7 @@
       </p:pic>
       <p:pic>
         <p:nvPicPr>
-          <p:cNvPr id="126" name="Google Shape;126;p22"/>
+          <p:cNvPr id="133" name="Google Shape;133;p23"/>
           <p:cNvPicPr preferRelativeResize="0"/>
           <p:nvPr/>
         </p:nvPicPr>
@@ -14176,12 +14708,12 @@
 </p:sld>
 </file>
 
-<file path=ppt/slides/slide8.xml><?xml version="1.0" encoding="utf-8"?>
+<file path=ppt/slides/slide9.xml><?xml version="1.0" encoding="utf-8"?>
 <p:sld xmlns:a="http://schemas.openxmlformats.org/drawingml/2006/main" xmlns:r="http://schemas.openxmlformats.org/officeDocument/2006/relationships" xmlns:mc="http://schemas.openxmlformats.org/markup-compatibility/2006" xmlns:mv="urn:schemas-microsoft-com:mac:vml" xmlns:p="http://schemas.openxmlformats.org/presentationml/2006/main" xmlns:c="http://schemas.openxmlformats.org/drawingml/2006/chart" xmlns:dgm="http://schemas.openxmlformats.org/drawingml/2006/diagram" xmlns:o="urn:schemas-microsoft-com:office:office" xmlns:v="urn:schemas-microsoft-com:vml" xmlns:pvml="urn:schemas-microsoft-com:office:powerpoint" xmlns:com="http://schemas.openxmlformats.org/drawingml/2006/compatibility" xmlns:p14="http://schemas.microsoft.com/office/powerpoint/2010/main" xmlns:p15="http://schemas.microsoft.com/office/powerpoint/2012/main" xmlns:ahyp="http://schemas.microsoft.com/office/drawing/2018/hyperlinkcolor">
   <p:cSld>
     <p:spTree>
       <p:nvGrpSpPr>
-        <p:cNvPr id="130" name="Shape 130"/>
+        <p:cNvPr id="137" name="Shape 137"/>
         <p:cNvGrpSpPr/>
         <p:nvPr/>
       </p:nvGrpSpPr>
@@ -14195,7 +14727,7 @@
       </p:grpSpPr>
       <p:sp>
         <p:nvSpPr>
-          <p:cNvPr id="131" name="Google Shape;131;p23"/>
+          <p:cNvPr id="138" name="Google Shape;138;p24"/>
           <p:cNvSpPr txBox="1"/>
           <p:nvPr>
             <p:ph type="title"/>
@@ -14243,7 +14775,7 @@
       </p:sp>
       <p:sp>
         <p:nvSpPr>
-          <p:cNvPr id="132" name="Google Shape;132;p23"/>
+          <p:cNvPr id="139" name="Google Shape;139;p24"/>
           <p:cNvSpPr/>
           <p:nvPr>
             <p:ph idx="2" type="chart"/>
@@ -14485,7 +15017,7 @@
       </p:sp>
       <p:pic>
         <p:nvPicPr>
-          <p:cNvPr id="133" name="Google Shape;133;p23"/>
+          <p:cNvPr id="140" name="Google Shape;140;p24"/>
           <p:cNvPicPr preferRelativeResize="0"/>
           <p:nvPr/>
         </p:nvPicPr>
@@ -14512,7 +15044,7 @@
       </p:pic>
       <p:pic>
         <p:nvPicPr>
-          <p:cNvPr id="134" name="Google Shape;134;p23"/>
+          <p:cNvPr id="141" name="Google Shape;141;p24"/>
           <p:cNvPicPr preferRelativeResize="0"/>
           <p:nvPr/>
         </p:nvPicPr>
@@ -14527,241 +15059,6 @@
           <a:xfrm>
             <a:off x="3235138" y="3612300"/>
             <a:ext cx="3262826" cy="828175"/>
-          </a:xfrm>
-          <a:prstGeom prst="rect">
-            <a:avLst/>
-          </a:prstGeom>
-          <a:noFill/>
-          <a:ln>
-            <a:noFill/>
-          </a:ln>
-        </p:spPr>
-      </p:pic>
-    </p:spTree>
-  </p:cSld>
-  <p:clrMapOvr>
-    <a:masterClrMapping/>
-  </p:clrMapOvr>
-</p:sld>
-</file>
-
-<file path=ppt/slides/slide9.xml><?xml version="1.0" encoding="utf-8"?>
-<p:sld xmlns:a="http://schemas.openxmlformats.org/drawingml/2006/main" xmlns:r="http://schemas.openxmlformats.org/officeDocument/2006/relationships" xmlns:mc="http://schemas.openxmlformats.org/markup-compatibility/2006" xmlns:mv="urn:schemas-microsoft-com:mac:vml" xmlns:p="http://schemas.openxmlformats.org/presentationml/2006/main" xmlns:c="http://schemas.openxmlformats.org/drawingml/2006/chart" xmlns:dgm="http://schemas.openxmlformats.org/drawingml/2006/diagram" xmlns:o="urn:schemas-microsoft-com:office:office" xmlns:v="urn:schemas-microsoft-com:vml" xmlns:pvml="urn:schemas-microsoft-com:office:powerpoint" xmlns:com="http://schemas.openxmlformats.org/drawingml/2006/compatibility" xmlns:p14="http://schemas.microsoft.com/office/powerpoint/2010/main" xmlns:p15="http://schemas.microsoft.com/office/powerpoint/2012/main" xmlns:ahyp="http://schemas.microsoft.com/office/drawing/2018/hyperlinkcolor">
-  <p:cSld>
-    <p:spTree>
-      <p:nvGrpSpPr>
-        <p:cNvPr id="138" name="Shape 138"/>
-        <p:cNvGrpSpPr/>
-        <p:nvPr/>
-      </p:nvGrpSpPr>
-      <p:grpSpPr>
-        <a:xfrm>
-          <a:off x="0" y="0"/>
-          <a:ext cx="0" cy="0"/>
-          <a:chOff x="0" y="0"/>
-          <a:chExt cx="0" cy="0"/>
-        </a:xfrm>
-      </p:grpSpPr>
-      <p:sp>
-        <p:nvSpPr>
-          <p:cNvPr id="139" name="Google Shape;139;p24"/>
-          <p:cNvSpPr txBox="1"/>
-          <p:nvPr>
-            <p:ph type="title"/>
-          </p:nvPr>
-        </p:nvSpPr>
-        <p:spPr>
-          <a:xfrm>
-            <a:off x="431800" y="83344"/>
-            <a:ext cx="8375700" cy="531000"/>
-          </a:xfrm>
-          <a:prstGeom prst="rect">
-            <a:avLst/>
-          </a:prstGeom>
-          <a:noFill/>
-          <a:ln>
-            <a:noFill/>
-          </a:ln>
-        </p:spPr>
-        <p:txBody>
-          <a:bodyPr anchorCtr="0" anchor="b" bIns="0" lIns="0" spcFirstLastPara="1" rIns="0" wrap="square" tIns="0">
-            <a:noAutofit/>
-          </a:bodyPr>
-          <a:lstStyle/>
-          <a:p>
-            <a:pPr indent="0" lvl="0" marL="0" rtl="0" algn="l">
-              <a:lnSpc>
-                <a:spcPct val="100000"/>
-              </a:lnSpc>
-              <a:spcBef>
-                <a:spcPts val="0"/>
-              </a:spcBef>
-              <a:spcAft>
-                <a:spcPts val="0"/>
-              </a:spcAft>
-              <a:buSzPts val="1400"/>
-              <a:buNone/>
-            </a:pPr>
-            <a:r>
-              <a:rPr lang="de"/>
-              <a:t>1.3.1. Getter und Setter</a:t>
-            </a:r>
-            <a:endParaRPr/>
-          </a:p>
-        </p:txBody>
-      </p:sp>
-      <p:sp>
-        <p:nvSpPr>
-          <p:cNvPr id="140" name="Google Shape;140;p24"/>
-          <p:cNvSpPr/>
-          <p:nvPr>
-            <p:ph idx="2" type="chart"/>
-          </p:nvPr>
-        </p:nvSpPr>
-        <p:spPr>
-          <a:xfrm>
-            <a:off x="431800" y="782241"/>
-            <a:ext cx="8375700" cy="3579000"/>
-          </a:xfrm>
-          <a:prstGeom prst="rect">
-            <a:avLst/>
-          </a:prstGeom>
-          <a:noFill/>
-          <a:ln>
-            <a:noFill/>
-          </a:ln>
-        </p:spPr>
-        <p:txBody>
-          <a:bodyPr anchorCtr="0" anchor="t" bIns="0" lIns="0" spcFirstLastPara="1" rIns="0" wrap="square" tIns="0">
-            <a:noAutofit/>
-          </a:bodyPr>
-          <a:lstStyle/>
-          <a:p>
-            <a:pPr indent="0" lvl="0" marL="0" marR="0" rtl="0" algn="l">
-              <a:lnSpc>
-                <a:spcPct val="100000"/>
-              </a:lnSpc>
-              <a:spcBef>
-                <a:spcPts val="320"/>
-              </a:spcBef>
-              <a:spcAft>
-                <a:spcPts val="0"/>
-              </a:spcAft>
-              <a:buClr>
-                <a:srgbClr val="000000"/>
-              </a:buClr>
-              <a:buSzPts val="1400"/>
-              <a:buFont typeface="Arial"/>
-              <a:buNone/>
-            </a:pPr>
-            <a:r>
-              <a:rPr b="0" i="0" lang="de" sz="1600" u="none" cap="none" strike="noStrike">
-                <a:solidFill>
-                  <a:schemeClr val="dk1"/>
-                </a:solidFill>
-                <a:latin typeface="Arial"/>
-                <a:ea typeface="Arial"/>
-                <a:cs typeface="Arial"/>
-                <a:sym typeface="Arial"/>
-              </a:rPr>
-              <a:t>Attribute sollten, um Namenskonflikte zu vermeiden, in der Regel als “private” deklariert werden. Um den Zugriff auf diese Attribute zu gewähren, werden oft sog. Getter und Setter benutzt. Das sind “public”-Methoden, die auf die “private”-Attribute zugreifen können.</a:t>
-            </a:r>
-            <a:endParaRPr b="0" i="0" sz="1600" u="none" cap="none" strike="noStrike">
-              <a:solidFill>
-                <a:schemeClr val="dk1"/>
-              </a:solidFill>
-              <a:latin typeface="Arial"/>
-              <a:ea typeface="Arial"/>
-              <a:cs typeface="Arial"/>
-              <a:sym typeface="Arial"/>
-            </a:endParaRPr>
-          </a:p>
-          <a:p>
-            <a:pPr indent="0" lvl="0" marL="0" marR="0" rtl="0" algn="l">
-              <a:lnSpc>
-                <a:spcPct val="100000"/>
-              </a:lnSpc>
-              <a:spcBef>
-                <a:spcPts val="320"/>
-              </a:spcBef>
-              <a:spcAft>
-                <a:spcPts val="0"/>
-              </a:spcAft>
-              <a:buClr>
-                <a:srgbClr val="000000"/>
-              </a:buClr>
-              <a:buSzPts val="1400"/>
-              <a:buFont typeface="Arial"/>
-              <a:buNone/>
-            </a:pPr>
-            <a:r>
-              <a:rPr b="0" i="0" lang="de" sz="1600" u="none" cap="none" strike="noStrike">
-                <a:solidFill>
-                  <a:schemeClr val="dk1"/>
-                </a:solidFill>
-                <a:latin typeface="Arial"/>
-                <a:ea typeface="Arial"/>
-                <a:cs typeface="Arial"/>
-                <a:sym typeface="Arial"/>
-              </a:rPr>
-              <a:t>Ja nachdem, ob das Attribut gelesen oder geschrieben werden darf, können nur Getter, nur Setter, beides oder keins von beidem definiert werden.</a:t>
-            </a:r>
-            <a:endParaRPr b="0" i="0" sz="1600" u="none" cap="none" strike="noStrike">
-              <a:solidFill>
-                <a:schemeClr val="dk1"/>
-              </a:solidFill>
-              <a:latin typeface="Arial"/>
-              <a:ea typeface="Arial"/>
-              <a:cs typeface="Arial"/>
-              <a:sym typeface="Arial"/>
-            </a:endParaRPr>
-          </a:p>
-        </p:txBody>
-      </p:sp>
-      <p:pic>
-        <p:nvPicPr>
-          <p:cNvPr id="141" name="Google Shape;141;p24"/>
-          <p:cNvPicPr preferRelativeResize="0"/>
-          <p:nvPr/>
-        </p:nvPicPr>
-        <p:blipFill rotWithShape="1">
-          <a:blip r:embed="rId3">
-            <a:alphaModFix/>
-          </a:blip>
-          <a:srcRect b="0" l="0" r="0" t="0"/>
-          <a:stretch/>
-        </p:blipFill>
-        <p:spPr>
-          <a:xfrm>
-            <a:off x="4690448" y="2571750"/>
-            <a:ext cx="3582124" cy="1465000"/>
-          </a:xfrm>
-          <a:prstGeom prst="rect">
-            <a:avLst/>
-          </a:prstGeom>
-          <a:noFill/>
-          <a:ln>
-            <a:noFill/>
-          </a:ln>
-        </p:spPr>
-      </p:pic>
-      <p:pic>
-        <p:nvPicPr>
-          <p:cNvPr id="142" name="Google Shape;142;p24"/>
-          <p:cNvPicPr preferRelativeResize="0"/>
-          <p:nvPr/>
-        </p:nvPicPr>
-        <p:blipFill rotWithShape="1">
-          <a:blip r:embed="rId4">
-            <a:alphaModFix/>
-          </a:blip>
-          <a:srcRect b="0" l="0" r="0" t="0"/>
-          <a:stretch/>
-        </p:blipFill>
-        <p:spPr>
-          <a:xfrm>
-            <a:off x="1098400" y="2571741"/>
-            <a:ext cx="2590215" cy="477459"/>
           </a:xfrm>
           <a:prstGeom prst="rect">
             <a:avLst/>

--- a/slides/05_object_orientation.pptx
+++ b/slides/05_object_orientation.pptx
@@ -15078,6 +15078,285 @@
 </file>
 
 <file path=ppt/theme/theme1.xml><?xml version="1.0" encoding="utf-8"?>
+<a:theme xmlns:a="http://schemas.openxmlformats.org/drawingml/2006/main" xmlns:r="http://schemas.openxmlformats.org/officeDocument/2006/relationships">
+  <a:themeElements>
+    <a:clrScheme name="Default">
+      <a:dk1>
+        <a:srgbClr val="000000"/>
+      </a:dk1>
+      <a:lt1>
+        <a:srgbClr val="FFFFFF"/>
+      </a:lt1>
+      <a:dk2>
+        <a:srgbClr val="158158"/>
+      </a:dk2>
+      <a:lt2>
+        <a:srgbClr val="F3F3F3"/>
+      </a:lt2>
+      <a:accent1>
+        <a:srgbClr val="058DC7"/>
+      </a:accent1>
+      <a:accent2>
+        <a:srgbClr val="50B432"/>
+      </a:accent2>
+      <a:accent3>
+        <a:srgbClr val="ED561B"/>
+      </a:accent3>
+      <a:accent4>
+        <a:srgbClr val="EDEF00"/>
+      </a:accent4>
+      <a:accent5>
+        <a:srgbClr val="24CBE5"/>
+      </a:accent5>
+      <a:accent6>
+        <a:srgbClr val="64E572"/>
+      </a:accent6>
+      <a:hlink>
+        <a:srgbClr val="2200CC"/>
+      </a:hlink>
+      <a:folHlink>
+        <a:srgbClr val="551A8B"/>
+      </a:folHlink>
+    </a:clrScheme>
+    <a:fontScheme name="Office">
+      <a:majorFont>
+        <a:latin typeface="Arial"/>
+        <a:ea typeface=""/>
+        <a:cs typeface=""/>
+        <a:font script="Jpan" typeface="ＭＳ Ｐゴシック"/>
+        <a:font script="Hang" typeface="맑은 고딕"/>
+        <a:font script="Hans" typeface="宋体"/>
+        <a:font script="Hant" typeface="新細明體"/>
+        <a:font script="Arab" typeface="Times New Roman"/>
+        <a:font script="Hebr" typeface="Times New Roman"/>
+        <a:font script="Thai" typeface="Angsana New"/>
+        <a:font script="Ethi" typeface="Nyala"/>
+        <a:font script="Beng" typeface="Vrinda"/>
+        <a:font script="Gujr" typeface="Shruti"/>
+        <a:font script="Khmr" typeface="MoolBoran"/>
+        <a:font script="Knda" typeface="Tunga"/>
+        <a:font script="Guru" typeface="Raavi"/>
+        <a:font script="Cans" typeface="Euphemia"/>
+        <a:font script="Cher" typeface="Plantagenet Cherokee"/>
+        <a:font script="Yiii" typeface="Microsoft Yi Baiti"/>
+        <a:font script="Tibt" typeface="Microsoft Himalaya"/>
+        <a:font script="Thaa" typeface="MV Boli"/>
+        <a:font script="Deva" typeface="Mangal"/>
+        <a:font script="Telu" typeface="Gautami"/>
+        <a:font script="Taml" typeface="Latha"/>
+        <a:font script="Syrc" typeface="Estrangelo Edessa"/>
+        <a:font script="Orya" typeface="Kalinga"/>
+        <a:font script="Mlym" typeface="Kartika"/>
+        <a:font script="Laoo" typeface="DokChampa"/>
+        <a:font script="Sinh" typeface="Iskoola Pota"/>
+        <a:font script="Mong" typeface="Mongolian Baiti"/>
+        <a:font script="Viet" typeface="Times New Roman"/>
+        <a:font script="Uigh" typeface="Microsoft Uighur"/>
+        <a:font script="Geor" typeface="Sylfaen"/>
+      </a:majorFont>
+      <a:minorFont>
+        <a:latin typeface="Arial"/>
+        <a:ea typeface=""/>
+        <a:cs typeface=""/>
+        <a:font script="Jpan" typeface="ＭＳ Ｐゴシック"/>
+        <a:font script="Hang" typeface="맑은 고딕"/>
+        <a:font script="Hans" typeface="宋体"/>
+        <a:font script="Hant" typeface="新細明體"/>
+        <a:font script="Arab" typeface="Arial"/>
+        <a:font script="Hebr" typeface="Arial"/>
+        <a:font script="Thai" typeface="Cordia New"/>
+        <a:font script="Ethi" typeface="Nyala"/>
+        <a:font script="Beng" typeface="Vrinda"/>
+        <a:font script="Gujr" typeface="Shruti"/>
+        <a:font script="Khmr" typeface="DaunPenh"/>
+        <a:font script="Knda" typeface="Tunga"/>
+        <a:font script="Guru" typeface="Raavi"/>
+        <a:font script="Cans" typeface="Euphemia"/>
+        <a:font script="Cher" typeface="Plantagenet Cherokee"/>
+        <a:font script="Yiii" typeface="Microsoft Yi Baiti"/>
+        <a:font script="Tibt" typeface="Microsoft Himalaya"/>
+        <a:font script="Thaa" typeface="MV Boli"/>
+        <a:font script="Deva" typeface="Mangal"/>
+        <a:font script="Telu" typeface="Gautami"/>
+        <a:font script="Taml" typeface="Latha"/>
+        <a:font script="Syrc" typeface="Estrangelo Edessa"/>
+        <a:font script="Orya" typeface="Kalinga"/>
+        <a:font script="Mlym" typeface="Kartika"/>
+        <a:font script="Laoo" typeface="DokChampa"/>
+        <a:font script="Sinh" typeface="Iskoola Pota"/>
+        <a:font script="Mong" typeface="Mongolian Baiti"/>
+        <a:font script="Viet" typeface="Arial"/>
+        <a:font script="Uigh" typeface="Microsoft Uighur"/>
+        <a:font script="Geor" typeface="Sylfaen"/>
+      </a:minorFont>
+    </a:fontScheme>
+    <a:fmtScheme name="Office">
+      <a:fillStyleLst>
+        <a:solidFill>
+          <a:schemeClr val="phClr"/>
+        </a:solidFill>
+        <a:gradFill rotWithShape="1">
+          <a:gsLst>
+            <a:gs pos="0">
+              <a:schemeClr val="phClr">
+                <a:tint val="50000"/>
+                <a:satMod val="300000"/>
+              </a:schemeClr>
+            </a:gs>
+            <a:gs pos="35000">
+              <a:schemeClr val="phClr">
+                <a:tint val="37000"/>
+                <a:satMod val="300000"/>
+              </a:schemeClr>
+            </a:gs>
+            <a:gs pos="100000">
+              <a:schemeClr val="phClr">
+                <a:tint val="15000"/>
+                <a:satMod val="350000"/>
+              </a:schemeClr>
+            </a:gs>
+          </a:gsLst>
+          <a:lin ang="16200000" scaled="1"/>
+        </a:gradFill>
+        <a:gradFill rotWithShape="1">
+          <a:gsLst>
+            <a:gs pos="0">
+              <a:schemeClr val="phClr">
+                <a:tint val="100000"/>
+                <a:shade val="100000"/>
+                <a:satMod val="130000"/>
+              </a:schemeClr>
+            </a:gs>
+            <a:gs pos="100000">
+              <a:schemeClr val="phClr">
+                <a:tint val="50000"/>
+                <a:shade val="100000"/>
+                <a:satMod val="350000"/>
+              </a:schemeClr>
+            </a:gs>
+          </a:gsLst>
+          <a:lin ang="16200000" scaled="0"/>
+        </a:gradFill>
+      </a:fillStyleLst>
+      <a:lnStyleLst>
+        <a:ln w="9525" cap="flat" cmpd="sng" algn="ctr">
+          <a:solidFill>
+            <a:schemeClr val="phClr">
+              <a:shade val="95000"/>
+              <a:satMod val="105000"/>
+            </a:schemeClr>
+          </a:solidFill>
+          <a:prstDash val="solid"/>
+        </a:ln>
+        <a:ln w="25400" cap="flat" cmpd="sng" algn="ctr">
+          <a:solidFill>
+            <a:schemeClr val="phClr"/>
+          </a:solidFill>
+          <a:prstDash val="solid"/>
+        </a:ln>
+        <a:ln w="38100" cap="flat" cmpd="sng" algn="ctr">
+          <a:solidFill>
+            <a:schemeClr val="phClr"/>
+          </a:solidFill>
+          <a:prstDash val="solid"/>
+        </a:ln>
+      </a:lnStyleLst>
+      <a:effectStyleLst>
+        <a:effectStyle>
+          <a:effectLst>
+            <a:outerShdw blurRad="40000" dist="20000" dir="5400000" rotWithShape="0">
+              <a:srgbClr val="000000">
+                <a:alpha val="38000"/>
+              </a:srgbClr>
+            </a:outerShdw>
+          </a:effectLst>
+        </a:effectStyle>
+        <a:effectStyle>
+          <a:effectLst>
+            <a:outerShdw blurRad="40000" dist="23000" dir="5400000" rotWithShape="0">
+              <a:srgbClr val="000000">
+                <a:alpha val="35000"/>
+              </a:srgbClr>
+            </a:outerShdw>
+          </a:effectLst>
+        </a:effectStyle>
+        <a:effectStyle>
+          <a:effectLst>
+            <a:outerShdw blurRad="40000" dist="23000" dir="5400000" rotWithShape="0">
+              <a:srgbClr val="000000">
+                <a:alpha val="35000"/>
+              </a:srgbClr>
+            </a:outerShdw>
+          </a:effectLst>
+          <a:scene3d>
+            <a:camera prst="orthographicFront">
+              <a:rot lat="0" lon="0" rev="0"/>
+            </a:camera>
+            <a:lightRig rig="threePt" dir="t">
+              <a:rot lat="0" lon="0" rev="1200000"/>
+            </a:lightRig>
+          </a:scene3d>
+          <a:sp3d>
+            <a:bevelT w="63500" h="25400"/>
+          </a:sp3d>
+        </a:effectStyle>
+      </a:effectStyleLst>
+      <a:bgFillStyleLst>
+        <a:solidFill>
+          <a:schemeClr val="phClr"/>
+        </a:solidFill>
+        <a:gradFill rotWithShape="1">
+          <a:gsLst>
+            <a:gs pos="0">
+              <a:schemeClr val="phClr">
+                <a:tint val="40000"/>
+                <a:satMod val="350000"/>
+              </a:schemeClr>
+            </a:gs>
+            <a:gs pos="40000">
+              <a:schemeClr val="phClr">
+                <a:tint val="45000"/>
+                <a:shade val="99000"/>
+                <a:satMod val="350000"/>
+              </a:schemeClr>
+            </a:gs>
+            <a:gs pos="100000">
+              <a:schemeClr val="phClr">
+                <a:shade val="20000"/>
+                <a:satMod val="255000"/>
+              </a:schemeClr>
+            </a:gs>
+          </a:gsLst>
+          <a:path path="circle">
+            <a:fillToRect l="50000" t="-80000" r="50000" b="180000"/>
+          </a:path>
+        </a:gradFill>
+        <a:gradFill rotWithShape="1">
+          <a:gsLst>
+            <a:gs pos="0">
+              <a:schemeClr val="phClr">
+                <a:tint val="80000"/>
+                <a:satMod val="300000"/>
+              </a:schemeClr>
+            </a:gs>
+            <a:gs pos="100000">
+              <a:schemeClr val="phClr">
+                <a:shade val="30000"/>
+                <a:satMod val="200000"/>
+              </a:schemeClr>
+            </a:gs>
+          </a:gsLst>
+          <a:path path="circle">
+            <a:fillToRect l="50000" t="50000" r="50000" b="50000"/>
+          </a:path>
+        </a:gradFill>
+      </a:bgFillStyleLst>
+    </a:fmtScheme>
+  </a:themeElements>
+</a:theme>
+</file>
+
+<file path=ppt/theme/theme2.xml><?xml version="1.0" encoding="utf-8"?>
 <a:theme xmlns:a="http://schemas.openxmlformats.org/drawingml/2006/main" xmlns:r="http://schemas.openxmlformats.org/officeDocument/2006/relationships" name="TUBraunschweig_PPT2007_Folienpool_pptx">
   <a:themeElements>
     <a:clrScheme name="TU Braunschweig">
@@ -15354,283 +15633,4 @@
     </a:fmtScheme>
   </a:themeElements>
 </a:theme>
-</file>
-
-<file path=ppt/theme/theme2.xml><?xml version="1.0" encoding="utf-8"?>
-<a:theme xmlns:a="http://schemas.openxmlformats.org/drawingml/2006/main" xmlns:r="http://schemas.openxmlformats.org/officeDocument/2006/relationships">
-  <a:themeElements>
-    <a:clrScheme name="Default">
-      <a:dk1>
-        <a:srgbClr val="000000"/>
-      </a:dk1>
-      <a:lt1>
-        <a:srgbClr val="FFFFFF"/>
-      </a:lt1>
-      <a:dk2>
-        <a:srgbClr val="158158"/>
-      </a:dk2>
-      <a:lt2>
-        <a:srgbClr val="F3F3F3"/>
-      </a:lt2>
-      <a:accent1>
-        <a:srgbClr val="058DC7"/>
-      </a:accent1>
-      <a:accent2>
-        <a:srgbClr val="50B432"/>
-      </a:accent2>
-      <a:accent3>
-        <a:srgbClr val="ED561B"/>
-      </a:accent3>
-      <a:accent4>
-        <a:srgbClr val="EDEF00"/>
-      </a:accent4>
-      <a:accent5>
-        <a:srgbClr val="24CBE5"/>
-      </a:accent5>
-      <a:accent6>
-        <a:srgbClr val="64E572"/>
-      </a:accent6>
-      <a:hlink>
-        <a:srgbClr val="2200CC"/>
-      </a:hlink>
-      <a:folHlink>
-        <a:srgbClr val="551A8B"/>
-      </a:folHlink>
-    </a:clrScheme>
-    <a:fontScheme name="Office">
-      <a:majorFont>
-        <a:latin typeface="Arial"/>
-        <a:ea typeface=""/>
-        <a:cs typeface=""/>
-        <a:font script="Jpan" typeface="ＭＳ Ｐゴシック"/>
-        <a:font script="Hang" typeface="맑은 고딕"/>
-        <a:font script="Hans" typeface="宋体"/>
-        <a:font script="Hant" typeface="新細明體"/>
-        <a:font script="Arab" typeface="Times New Roman"/>
-        <a:font script="Hebr" typeface="Times New Roman"/>
-        <a:font script="Thai" typeface="Angsana New"/>
-        <a:font script="Ethi" typeface="Nyala"/>
-        <a:font script="Beng" typeface="Vrinda"/>
-        <a:font script="Gujr" typeface="Shruti"/>
-        <a:font script="Khmr" typeface="MoolBoran"/>
-        <a:font script="Knda" typeface="Tunga"/>
-        <a:font script="Guru" typeface="Raavi"/>
-        <a:font script="Cans" typeface="Euphemia"/>
-        <a:font script="Cher" typeface="Plantagenet Cherokee"/>
-        <a:font script="Yiii" typeface="Microsoft Yi Baiti"/>
-        <a:font script="Tibt" typeface="Microsoft Himalaya"/>
-        <a:font script="Thaa" typeface="MV Boli"/>
-        <a:font script="Deva" typeface="Mangal"/>
-        <a:font script="Telu" typeface="Gautami"/>
-        <a:font script="Taml" typeface="Latha"/>
-        <a:font script="Syrc" typeface="Estrangelo Edessa"/>
-        <a:font script="Orya" typeface="Kalinga"/>
-        <a:font script="Mlym" typeface="Kartika"/>
-        <a:font script="Laoo" typeface="DokChampa"/>
-        <a:font script="Sinh" typeface="Iskoola Pota"/>
-        <a:font script="Mong" typeface="Mongolian Baiti"/>
-        <a:font script="Viet" typeface="Times New Roman"/>
-        <a:font script="Uigh" typeface="Microsoft Uighur"/>
-        <a:font script="Geor" typeface="Sylfaen"/>
-      </a:majorFont>
-      <a:minorFont>
-        <a:latin typeface="Arial"/>
-        <a:ea typeface=""/>
-        <a:cs typeface=""/>
-        <a:font script="Jpan" typeface="ＭＳ Ｐゴシック"/>
-        <a:font script="Hang" typeface="맑은 고딕"/>
-        <a:font script="Hans" typeface="宋体"/>
-        <a:font script="Hant" typeface="新細明體"/>
-        <a:font script="Arab" typeface="Arial"/>
-        <a:font script="Hebr" typeface="Arial"/>
-        <a:font script="Thai" typeface="Cordia New"/>
-        <a:font script="Ethi" typeface="Nyala"/>
-        <a:font script="Beng" typeface="Vrinda"/>
-        <a:font script="Gujr" typeface="Shruti"/>
-        <a:font script="Khmr" typeface="DaunPenh"/>
-        <a:font script="Knda" typeface="Tunga"/>
-        <a:font script="Guru" typeface="Raavi"/>
-        <a:font script="Cans" typeface="Euphemia"/>
-        <a:font script="Cher" typeface="Plantagenet Cherokee"/>
-        <a:font script="Yiii" typeface="Microsoft Yi Baiti"/>
-        <a:font script="Tibt" typeface="Microsoft Himalaya"/>
-        <a:font script="Thaa" typeface="MV Boli"/>
-        <a:font script="Deva" typeface="Mangal"/>
-        <a:font script="Telu" typeface="Gautami"/>
-        <a:font script="Taml" typeface="Latha"/>
-        <a:font script="Syrc" typeface="Estrangelo Edessa"/>
-        <a:font script="Orya" typeface="Kalinga"/>
-        <a:font script="Mlym" typeface="Kartika"/>
-        <a:font script="Laoo" typeface="DokChampa"/>
-        <a:font script="Sinh" typeface="Iskoola Pota"/>
-        <a:font script="Mong" typeface="Mongolian Baiti"/>
-        <a:font script="Viet" typeface="Arial"/>
-        <a:font script="Uigh" typeface="Microsoft Uighur"/>
-        <a:font script="Geor" typeface="Sylfaen"/>
-      </a:minorFont>
-    </a:fontScheme>
-    <a:fmtScheme name="Office">
-      <a:fillStyleLst>
-        <a:solidFill>
-          <a:schemeClr val="phClr"/>
-        </a:solidFill>
-        <a:gradFill rotWithShape="1">
-          <a:gsLst>
-            <a:gs pos="0">
-              <a:schemeClr val="phClr">
-                <a:tint val="50000"/>
-                <a:satMod val="300000"/>
-              </a:schemeClr>
-            </a:gs>
-            <a:gs pos="35000">
-              <a:schemeClr val="phClr">
-                <a:tint val="37000"/>
-                <a:satMod val="300000"/>
-              </a:schemeClr>
-            </a:gs>
-            <a:gs pos="100000">
-              <a:schemeClr val="phClr">
-                <a:tint val="15000"/>
-                <a:satMod val="350000"/>
-              </a:schemeClr>
-            </a:gs>
-          </a:gsLst>
-          <a:lin ang="16200000" scaled="1"/>
-        </a:gradFill>
-        <a:gradFill rotWithShape="1">
-          <a:gsLst>
-            <a:gs pos="0">
-              <a:schemeClr val="phClr">
-                <a:tint val="100000"/>
-                <a:shade val="100000"/>
-                <a:satMod val="130000"/>
-              </a:schemeClr>
-            </a:gs>
-            <a:gs pos="100000">
-              <a:schemeClr val="phClr">
-                <a:tint val="50000"/>
-                <a:shade val="100000"/>
-                <a:satMod val="350000"/>
-              </a:schemeClr>
-            </a:gs>
-          </a:gsLst>
-          <a:lin ang="16200000" scaled="0"/>
-        </a:gradFill>
-      </a:fillStyleLst>
-      <a:lnStyleLst>
-        <a:ln w="9525" cap="flat" cmpd="sng" algn="ctr">
-          <a:solidFill>
-            <a:schemeClr val="phClr">
-              <a:shade val="95000"/>
-              <a:satMod val="105000"/>
-            </a:schemeClr>
-          </a:solidFill>
-          <a:prstDash val="solid"/>
-        </a:ln>
-        <a:ln w="25400" cap="flat" cmpd="sng" algn="ctr">
-          <a:solidFill>
-            <a:schemeClr val="phClr"/>
-          </a:solidFill>
-          <a:prstDash val="solid"/>
-        </a:ln>
-        <a:ln w="38100" cap="flat" cmpd="sng" algn="ctr">
-          <a:solidFill>
-            <a:schemeClr val="phClr"/>
-          </a:solidFill>
-          <a:prstDash val="solid"/>
-        </a:ln>
-      </a:lnStyleLst>
-      <a:effectStyleLst>
-        <a:effectStyle>
-          <a:effectLst>
-            <a:outerShdw blurRad="40000" dist="20000" dir="5400000" rotWithShape="0">
-              <a:srgbClr val="000000">
-                <a:alpha val="38000"/>
-              </a:srgbClr>
-            </a:outerShdw>
-          </a:effectLst>
-        </a:effectStyle>
-        <a:effectStyle>
-          <a:effectLst>
-            <a:outerShdw blurRad="40000" dist="23000" dir="5400000" rotWithShape="0">
-              <a:srgbClr val="000000">
-                <a:alpha val="35000"/>
-              </a:srgbClr>
-            </a:outerShdw>
-          </a:effectLst>
-        </a:effectStyle>
-        <a:effectStyle>
-          <a:effectLst>
-            <a:outerShdw blurRad="40000" dist="23000" dir="5400000" rotWithShape="0">
-              <a:srgbClr val="000000">
-                <a:alpha val="35000"/>
-              </a:srgbClr>
-            </a:outerShdw>
-          </a:effectLst>
-          <a:scene3d>
-            <a:camera prst="orthographicFront">
-              <a:rot lat="0" lon="0" rev="0"/>
-            </a:camera>
-            <a:lightRig rig="threePt" dir="t">
-              <a:rot lat="0" lon="0" rev="1200000"/>
-            </a:lightRig>
-          </a:scene3d>
-          <a:sp3d>
-            <a:bevelT w="63500" h="25400"/>
-          </a:sp3d>
-        </a:effectStyle>
-      </a:effectStyleLst>
-      <a:bgFillStyleLst>
-        <a:solidFill>
-          <a:schemeClr val="phClr"/>
-        </a:solidFill>
-        <a:gradFill rotWithShape="1">
-          <a:gsLst>
-            <a:gs pos="0">
-              <a:schemeClr val="phClr">
-                <a:tint val="40000"/>
-                <a:satMod val="350000"/>
-              </a:schemeClr>
-            </a:gs>
-            <a:gs pos="40000">
-              <a:schemeClr val="phClr">
-                <a:tint val="45000"/>
-                <a:shade val="99000"/>
-                <a:satMod val="350000"/>
-              </a:schemeClr>
-            </a:gs>
-            <a:gs pos="100000">
-              <a:schemeClr val="phClr">
-                <a:shade val="20000"/>
-                <a:satMod val="255000"/>
-              </a:schemeClr>
-            </a:gs>
-          </a:gsLst>
-          <a:path path="circle">
-            <a:fillToRect l="50000" t="-80000" r="50000" b="180000"/>
-          </a:path>
-        </a:gradFill>
-        <a:gradFill rotWithShape="1">
-          <a:gsLst>
-            <a:gs pos="0">
-              <a:schemeClr val="phClr">
-                <a:tint val="80000"/>
-                <a:satMod val="300000"/>
-              </a:schemeClr>
-            </a:gs>
-            <a:gs pos="100000">
-              <a:schemeClr val="phClr">
-                <a:shade val="30000"/>
-                <a:satMod val="200000"/>
-              </a:schemeClr>
-            </a:gs>
-          </a:gsLst>
-          <a:path path="circle">
-            <a:fillToRect l="50000" t="50000" r="50000" b="50000"/>
-          </a:path>
-        </a:gradFill>
-      </a:bgFillStyleLst>
-    </a:fmtScheme>
-  </a:themeElements>
-</a:theme>
 </file>
--- a/slides/05_object_orientation.pptx
+++ b/slides/05_object_orientation.pptx
@@ -13907,7 +13907,7 @@
             </a:pPr>
             <a:r>
               <a:rPr lang="de"/>
-              <a:t>Methoden- und Attributs-Aufrufe auf null-Objekten werfen NullPointerExceptions.</a:t>
+              <a:t>Methoden- und Attribut-Aufrufe auf null-Objekten werfen NullPointerExceptions.</a:t>
             </a:r>
             <a:endParaRPr/>
           </a:p>
@@ -15078,6 +15078,285 @@
 </file>
 
 <file path=ppt/theme/theme1.xml><?xml version="1.0" encoding="utf-8"?>
+<a:theme xmlns:a="http://schemas.openxmlformats.org/drawingml/2006/main" xmlns:r="http://schemas.openxmlformats.org/officeDocument/2006/relationships" name="TUBraunschweig_PPT2007_Folienpool_pptx">
+  <a:themeElements>
+    <a:clrScheme name="TU Braunschweig">
+      <a:dk1>
+        <a:srgbClr val="000000"/>
+      </a:dk1>
+      <a:lt1>
+        <a:srgbClr val="FFFFFF"/>
+      </a:lt1>
+      <a:dk2>
+        <a:srgbClr val="000000"/>
+      </a:dk2>
+      <a:lt2>
+        <a:srgbClr val="DDDDDD"/>
+      </a:lt2>
+      <a:accent1>
+        <a:srgbClr val="BE1E3C"/>
+      </a:accent1>
+      <a:accent2>
+        <a:srgbClr val="4DA6CB"/>
+      </a:accent2>
+      <a:accent3>
+        <a:srgbClr val="ADBF4D"/>
+      </a:accent3>
+      <a:accent4>
+        <a:srgbClr val="FA6E00"/>
+      </a:accent4>
+      <a:accent5>
+        <a:srgbClr val="407E97"/>
+      </a:accent5>
+      <a:accent6>
+        <a:srgbClr val="984098"/>
+      </a:accent6>
+      <a:hlink>
+        <a:srgbClr val="BE1E3C"/>
+      </a:hlink>
+      <a:folHlink>
+        <a:srgbClr val="760054"/>
+      </a:folHlink>
+    </a:clrScheme>
+    <a:fontScheme name="Office">
+      <a:majorFont>
+        <a:latin typeface="Arial"/>
+        <a:ea typeface=""/>
+        <a:cs typeface=""/>
+        <a:font script="Jpan" typeface="ＭＳ Ｐゴシック"/>
+        <a:font script="Hang" typeface="맑은 고딕"/>
+        <a:font script="Hans" typeface="宋体"/>
+        <a:font script="Hant" typeface="新細明體"/>
+        <a:font script="Arab" typeface="Times New Roman"/>
+        <a:font script="Hebr" typeface="Times New Roman"/>
+        <a:font script="Thai" typeface="Angsana New"/>
+        <a:font script="Ethi" typeface="Nyala"/>
+        <a:font script="Beng" typeface="Vrinda"/>
+        <a:font script="Gujr" typeface="Shruti"/>
+        <a:font script="Khmr" typeface="MoolBoran"/>
+        <a:font script="Knda" typeface="Tunga"/>
+        <a:font script="Guru" typeface="Raavi"/>
+        <a:font script="Cans" typeface="Euphemia"/>
+        <a:font script="Cher" typeface="Plantagenet Cherokee"/>
+        <a:font script="Yiii" typeface="Microsoft Yi Baiti"/>
+        <a:font script="Tibt" typeface="Microsoft Himalaya"/>
+        <a:font script="Thaa" typeface="MV Boli"/>
+        <a:font script="Deva" typeface="Mangal"/>
+        <a:font script="Telu" typeface="Gautami"/>
+        <a:font script="Taml" typeface="Latha"/>
+        <a:font script="Syrc" typeface="Estrangelo Edessa"/>
+        <a:font script="Orya" typeface="Kalinga"/>
+        <a:font script="Mlym" typeface="Kartika"/>
+        <a:font script="Laoo" typeface="DokChampa"/>
+        <a:font script="Sinh" typeface="Iskoola Pota"/>
+        <a:font script="Mong" typeface="Mongolian Baiti"/>
+        <a:font script="Viet" typeface="Times New Roman"/>
+        <a:font script="Uigh" typeface="Microsoft Uighur"/>
+        <a:font script="Geor" typeface="Sylfaen"/>
+      </a:majorFont>
+      <a:minorFont>
+        <a:latin typeface="Arial"/>
+        <a:ea typeface=""/>
+        <a:cs typeface=""/>
+        <a:font script="Jpan" typeface="ＭＳ Ｐゴシック"/>
+        <a:font script="Hang" typeface="맑은 고딕"/>
+        <a:font script="Hans" typeface="宋体"/>
+        <a:font script="Hant" typeface="新細明體"/>
+        <a:font script="Arab" typeface="Arial"/>
+        <a:font script="Hebr" typeface="Arial"/>
+        <a:font script="Thai" typeface="Cordia New"/>
+        <a:font script="Ethi" typeface="Nyala"/>
+        <a:font script="Beng" typeface="Vrinda"/>
+        <a:font script="Gujr" typeface="Shruti"/>
+        <a:font script="Khmr" typeface="DaunPenh"/>
+        <a:font script="Knda" typeface="Tunga"/>
+        <a:font script="Guru" typeface="Raavi"/>
+        <a:font script="Cans" typeface="Euphemia"/>
+        <a:font script="Cher" typeface="Plantagenet Cherokee"/>
+        <a:font script="Yiii" typeface="Microsoft Yi Baiti"/>
+        <a:font script="Tibt" typeface="Microsoft Himalaya"/>
+        <a:font script="Thaa" typeface="MV Boli"/>
+        <a:font script="Deva" typeface="Mangal"/>
+        <a:font script="Telu" typeface="Gautami"/>
+        <a:font script="Taml" typeface="Latha"/>
+        <a:font script="Syrc" typeface="Estrangelo Edessa"/>
+        <a:font script="Orya" typeface="Kalinga"/>
+        <a:font script="Mlym" typeface="Kartika"/>
+        <a:font script="Laoo" typeface="DokChampa"/>
+        <a:font script="Sinh" typeface="Iskoola Pota"/>
+        <a:font script="Mong" typeface="Mongolian Baiti"/>
+        <a:font script="Viet" typeface="Arial"/>
+        <a:font script="Uigh" typeface="Microsoft Uighur"/>
+        <a:font script="Geor" typeface="Sylfaen"/>
+      </a:minorFont>
+    </a:fontScheme>
+    <a:fmtScheme name="Office">
+      <a:fillStyleLst>
+        <a:solidFill>
+          <a:schemeClr val="phClr"/>
+        </a:solidFill>
+        <a:gradFill rotWithShape="1">
+          <a:gsLst>
+            <a:gs pos="0">
+              <a:schemeClr val="phClr">
+                <a:tint val="50000"/>
+                <a:satMod val="300000"/>
+              </a:schemeClr>
+            </a:gs>
+            <a:gs pos="35000">
+              <a:schemeClr val="phClr">
+                <a:tint val="37000"/>
+                <a:satMod val="300000"/>
+              </a:schemeClr>
+            </a:gs>
+            <a:gs pos="100000">
+              <a:schemeClr val="phClr">
+                <a:tint val="15000"/>
+                <a:satMod val="350000"/>
+              </a:schemeClr>
+            </a:gs>
+          </a:gsLst>
+          <a:lin ang="16200000" scaled="1"/>
+        </a:gradFill>
+        <a:gradFill rotWithShape="1">
+          <a:gsLst>
+            <a:gs pos="0">
+              <a:schemeClr val="phClr">
+                <a:tint val="100000"/>
+                <a:shade val="100000"/>
+                <a:satMod val="130000"/>
+              </a:schemeClr>
+            </a:gs>
+            <a:gs pos="100000">
+              <a:schemeClr val="phClr">
+                <a:tint val="50000"/>
+                <a:shade val="100000"/>
+                <a:satMod val="350000"/>
+              </a:schemeClr>
+            </a:gs>
+          </a:gsLst>
+          <a:lin ang="16200000" scaled="0"/>
+        </a:gradFill>
+      </a:fillStyleLst>
+      <a:lnStyleLst>
+        <a:ln w="9525" cap="flat" cmpd="sng" algn="ctr">
+          <a:solidFill>
+            <a:schemeClr val="phClr">
+              <a:shade val="95000"/>
+              <a:satMod val="105000"/>
+            </a:schemeClr>
+          </a:solidFill>
+          <a:prstDash val="solid"/>
+        </a:ln>
+        <a:ln w="25400" cap="flat" cmpd="sng" algn="ctr">
+          <a:solidFill>
+            <a:schemeClr val="phClr"/>
+          </a:solidFill>
+          <a:prstDash val="solid"/>
+        </a:ln>
+        <a:ln w="38100" cap="flat" cmpd="sng" algn="ctr">
+          <a:solidFill>
+            <a:schemeClr val="phClr"/>
+          </a:solidFill>
+          <a:prstDash val="solid"/>
+        </a:ln>
+      </a:lnStyleLst>
+      <a:effectStyleLst>
+        <a:effectStyle>
+          <a:effectLst>
+            <a:outerShdw blurRad="40000" dist="20000" dir="5400000" rotWithShape="0">
+              <a:srgbClr val="000000">
+                <a:alpha val="38000"/>
+              </a:srgbClr>
+            </a:outerShdw>
+          </a:effectLst>
+        </a:effectStyle>
+        <a:effectStyle>
+          <a:effectLst>
+            <a:outerShdw blurRad="40000" dist="23000" dir="5400000" rotWithShape="0">
+              <a:srgbClr val="000000">
+                <a:alpha val="35000"/>
+              </a:srgbClr>
+            </a:outerShdw>
+          </a:effectLst>
+        </a:effectStyle>
+        <a:effectStyle>
+          <a:effectLst>
+            <a:outerShdw blurRad="40000" dist="23000" dir="5400000" rotWithShape="0">
+              <a:srgbClr val="000000">
+                <a:alpha val="35000"/>
+              </a:srgbClr>
+            </a:outerShdw>
+          </a:effectLst>
+          <a:scene3d>
+            <a:camera prst="orthographicFront">
+              <a:rot lat="0" lon="0" rev="0"/>
+            </a:camera>
+            <a:lightRig rig="threePt" dir="t">
+              <a:rot lat="0" lon="0" rev="1200000"/>
+            </a:lightRig>
+          </a:scene3d>
+          <a:sp3d>
+            <a:bevelT w="63500" h="25400"/>
+          </a:sp3d>
+        </a:effectStyle>
+      </a:effectStyleLst>
+      <a:bgFillStyleLst>
+        <a:solidFill>
+          <a:schemeClr val="phClr"/>
+        </a:solidFill>
+        <a:gradFill rotWithShape="1">
+          <a:gsLst>
+            <a:gs pos="0">
+              <a:schemeClr val="phClr">
+                <a:tint val="40000"/>
+                <a:satMod val="350000"/>
+              </a:schemeClr>
+            </a:gs>
+            <a:gs pos="40000">
+              <a:schemeClr val="phClr">
+                <a:tint val="45000"/>
+                <a:shade val="99000"/>
+                <a:satMod val="350000"/>
+              </a:schemeClr>
+            </a:gs>
+            <a:gs pos="100000">
+              <a:schemeClr val="phClr">
+                <a:shade val="20000"/>
+                <a:satMod val="255000"/>
+              </a:schemeClr>
+            </a:gs>
+          </a:gsLst>
+          <a:path path="circle">
+            <a:fillToRect l="50000" t="-80000" r="50000" b="180000"/>
+          </a:path>
+        </a:gradFill>
+        <a:gradFill rotWithShape="1">
+          <a:gsLst>
+            <a:gs pos="0">
+              <a:schemeClr val="phClr">
+                <a:tint val="80000"/>
+                <a:satMod val="300000"/>
+              </a:schemeClr>
+            </a:gs>
+            <a:gs pos="100000">
+              <a:schemeClr val="phClr">
+                <a:shade val="30000"/>
+                <a:satMod val="200000"/>
+              </a:schemeClr>
+            </a:gs>
+          </a:gsLst>
+          <a:path path="circle">
+            <a:fillToRect l="50000" t="50000" r="50000" b="50000"/>
+          </a:path>
+        </a:gradFill>
+      </a:bgFillStyleLst>
+    </a:fmtScheme>
+  </a:themeElements>
+</a:theme>
+</file>
+
+<file path=ppt/theme/theme2.xml><?xml version="1.0" encoding="utf-8"?>
 <a:theme xmlns:a="http://schemas.openxmlformats.org/drawingml/2006/main" xmlns:r="http://schemas.openxmlformats.org/officeDocument/2006/relationships">
   <a:themeElements>
     <a:clrScheme name="Default">
@@ -15354,283 +15633,4 @@
     </a:fmtScheme>
   </a:themeElements>
 </a:theme>
-</file>
-
-<file path=ppt/theme/theme2.xml><?xml version="1.0" encoding="utf-8"?>
-<a:theme xmlns:a="http://schemas.openxmlformats.org/drawingml/2006/main" xmlns:r="http://schemas.openxmlformats.org/officeDocument/2006/relationships" name="TUBraunschweig_PPT2007_Folienpool_pptx">
-  <a:themeElements>
-    <a:clrScheme name="TU Braunschweig">
-      <a:dk1>
-        <a:srgbClr val="000000"/>
-      </a:dk1>
-      <a:lt1>
-        <a:srgbClr val="FFFFFF"/>
-      </a:lt1>
-      <a:dk2>
-        <a:srgbClr val="000000"/>
-      </a:dk2>
-      <a:lt2>
-        <a:srgbClr val="DDDDDD"/>
-      </a:lt2>
-      <a:accent1>
-        <a:srgbClr val="BE1E3C"/>
-      </a:accent1>
-      <a:accent2>
-        <a:srgbClr val="4DA6CB"/>
-      </a:accent2>
-      <a:accent3>
-        <a:srgbClr val="ADBF4D"/>
-      </a:accent3>
-      <a:accent4>
-        <a:srgbClr val="FA6E00"/>
-      </a:accent4>
-      <a:accent5>
-        <a:srgbClr val="407E97"/>
-      </a:accent5>
-      <a:accent6>
-        <a:srgbClr val="984098"/>
-      </a:accent6>
-      <a:hlink>
-        <a:srgbClr val="BE1E3C"/>
-      </a:hlink>
-      <a:folHlink>
-        <a:srgbClr val="760054"/>
-      </a:folHlink>
-    </a:clrScheme>
-    <a:fontScheme name="Office">
-      <a:majorFont>
-        <a:latin typeface="Arial"/>
-        <a:ea typeface=""/>
-        <a:cs typeface=""/>
-        <a:font script="Jpan" typeface="ＭＳ Ｐゴシック"/>
-        <a:font script="Hang" typeface="맑은 고딕"/>
-        <a:font script="Hans" typeface="宋体"/>
-        <a:font script="Hant" typeface="新細明體"/>
-        <a:font script="Arab" typeface="Times New Roman"/>
-        <a:font script="Hebr" typeface="Times New Roman"/>
-        <a:font script="Thai" typeface="Angsana New"/>
-        <a:font script="Ethi" typeface="Nyala"/>
-        <a:font script="Beng" typeface="Vrinda"/>
-        <a:font script="Gujr" typeface="Shruti"/>
-        <a:font script="Khmr" typeface="MoolBoran"/>
-        <a:font script="Knda" typeface="Tunga"/>
-        <a:font script="Guru" typeface="Raavi"/>
-        <a:font script="Cans" typeface="Euphemia"/>
-        <a:font script="Cher" typeface="Plantagenet Cherokee"/>
-        <a:font script="Yiii" typeface="Microsoft Yi Baiti"/>
-        <a:font script="Tibt" typeface="Microsoft Himalaya"/>
-        <a:font script="Thaa" typeface="MV Boli"/>
-        <a:font script="Deva" typeface="Mangal"/>
-        <a:font script="Telu" typeface="Gautami"/>
-        <a:font script="Taml" typeface="Latha"/>
-        <a:font script="Syrc" typeface="Estrangelo Edessa"/>
-        <a:font script="Orya" typeface="Kalinga"/>
-        <a:font script="Mlym" typeface="Kartika"/>
-        <a:font script="Laoo" typeface="DokChampa"/>
-        <a:font script="Sinh" typeface="Iskoola Pota"/>
-        <a:font script="Mong" typeface="Mongolian Baiti"/>
-        <a:font script="Viet" typeface="Times New Roman"/>
-        <a:font script="Uigh" typeface="Microsoft Uighur"/>
-        <a:font script="Geor" typeface="Sylfaen"/>
-      </a:majorFont>
-      <a:minorFont>
-        <a:latin typeface="Arial"/>
-        <a:ea typeface=""/>
-        <a:cs typeface=""/>
-        <a:font script="Jpan" typeface="ＭＳ Ｐゴシック"/>
-        <a:font script="Hang" typeface="맑은 고딕"/>
-        <a:font script="Hans" typeface="宋体"/>
-        <a:font script="Hant" typeface="新細明體"/>
-        <a:font script="Arab" typeface="Arial"/>
-        <a:font script="Hebr" typeface="Arial"/>
-        <a:font script="Thai" typeface="Cordia New"/>
-        <a:font script="Ethi" typeface="Nyala"/>
-        <a:font script="Beng" typeface="Vrinda"/>
-        <a:font script="Gujr" typeface="Shruti"/>
-        <a:font script="Khmr" typeface="DaunPenh"/>
-        <a:font script="Knda" typeface="Tunga"/>
-        <a:font script="Guru" typeface="Raavi"/>
-        <a:font script="Cans" typeface="Euphemia"/>
-        <a:font script="Cher" typeface="Plantagenet Cherokee"/>
-        <a:font script="Yiii" typeface="Microsoft Yi Baiti"/>
-        <a:font script="Tibt" typeface="Microsoft Himalaya"/>
-        <a:font script="Thaa" typeface="MV Boli"/>
-        <a:font script="Deva" typeface="Mangal"/>
-        <a:font script="Telu" typeface="Gautami"/>
-        <a:font script="Taml" typeface="Latha"/>
-        <a:font script="Syrc" typeface="Estrangelo Edessa"/>
-        <a:font script="Orya" typeface="Kalinga"/>
-        <a:font script="Mlym" typeface="Kartika"/>
-        <a:font script="Laoo" typeface="DokChampa"/>
-        <a:font script="Sinh" typeface="Iskoola Pota"/>
-        <a:font script="Mong" typeface="Mongolian Baiti"/>
-        <a:font script="Viet" typeface="Arial"/>
-        <a:font script="Uigh" typeface="Microsoft Uighur"/>
-        <a:font script="Geor" typeface="Sylfaen"/>
-      </a:minorFont>
-    </a:fontScheme>
-    <a:fmtScheme name="Office">
-      <a:fillStyleLst>
-        <a:solidFill>
-          <a:schemeClr val="phClr"/>
-        </a:solidFill>
-        <a:gradFill rotWithShape="1">
-          <a:gsLst>
-            <a:gs pos="0">
-              <a:schemeClr val="phClr">
-                <a:tint val="50000"/>
-                <a:satMod val="300000"/>
-              </a:schemeClr>
-            </a:gs>
-            <a:gs pos="35000">
-              <a:schemeClr val="phClr">
-                <a:tint val="37000"/>
-                <a:satMod val="300000"/>
-              </a:schemeClr>
-            </a:gs>
-            <a:gs pos="100000">
-              <a:schemeClr val="phClr">
-                <a:tint val="15000"/>
-                <a:satMod val="350000"/>
-              </a:schemeClr>
-            </a:gs>
-          </a:gsLst>
-          <a:lin ang="16200000" scaled="1"/>
-        </a:gradFill>
-        <a:gradFill rotWithShape="1">
-          <a:gsLst>
-            <a:gs pos="0">
-              <a:schemeClr val="phClr">
-                <a:tint val="100000"/>
-                <a:shade val="100000"/>
-                <a:satMod val="130000"/>
-              </a:schemeClr>
-            </a:gs>
-            <a:gs pos="100000">
-              <a:schemeClr val="phClr">
-                <a:tint val="50000"/>
-                <a:shade val="100000"/>
-                <a:satMod val="350000"/>
-              </a:schemeClr>
-            </a:gs>
-          </a:gsLst>
-          <a:lin ang="16200000" scaled="0"/>
-        </a:gradFill>
-      </a:fillStyleLst>
-      <a:lnStyleLst>
-        <a:ln w="9525" cap="flat" cmpd="sng" algn="ctr">
-          <a:solidFill>
-            <a:schemeClr val="phClr">
-              <a:shade val="95000"/>
-              <a:satMod val="105000"/>
-            </a:schemeClr>
-          </a:solidFill>
-          <a:prstDash val="solid"/>
-        </a:ln>
-        <a:ln w="25400" cap="flat" cmpd="sng" algn="ctr">
-          <a:solidFill>
-            <a:schemeClr val="phClr"/>
-          </a:solidFill>
-          <a:prstDash val="solid"/>
-        </a:ln>
-        <a:ln w="38100" cap="flat" cmpd="sng" algn="ctr">
-          <a:solidFill>
-            <a:schemeClr val="phClr"/>
-          </a:solidFill>
-          <a:prstDash val="solid"/>
-        </a:ln>
-      </a:lnStyleLst>
-      <a:effectStyleLst>
-        <a:effectStyle>
-          <a:effectLst>
-            <a:outerShdw blurRad="40000" dist="20000" dir="5400000" rotWithShape="0">
-              <a:srgbClr val="000000">
-                <a:alpha val="38000"/>
-              </a:srgbClr>
-            </a:outerShdw>
-          </a:effectLst>
-        </a:effectStyle>
-        <a:effectStyle>
-          <a:effectLst>
-            <a:outerShdw blurRad="40000" dist="23000" dir="5400000" rotWithShape="0">
-              <a:srgbClr val="000000">
-                <a:alpha val="35000"/>
-              </a:srgbClr>
-            </a:outerShdw>
-          </a:effectLst>
-        </a:effectStyle>
-        <a:effectStyle>
-          <a:effectLst>
-            <a:outerShdw blurRad="40000" dist="23000" dir="5400000" rotWithShape="0">
-              <a:srgbClr val="000000">
-                <a:alpha val="35000"/>
-              </a:srgbClr>
-            </a:outerShdw>
-          </a:effectLst>
-          <a:scene3d>
-            <a:camera prst="orthographicFront">
-              <a:rot lat="0" lon="0" rev="0"/>
-            </a:camera>
-            <a:lightRig rig="threePt" dir="t">
-              <a:rot lat="0" lon="0" rev="1200000"/>
-            </a:lightRig>
-          </a:scene3d>
-          <a:sp3d>
-            <a:bevelT w="63500" h="25400"/>
-          </a:sp3d>
-        </a:effectStyle>
-      </a:effectStyleLst>
-      <a:bgFillStyleLst>
-        <a:solidFill>
-          <a:schemeClr val="phClr"/>
-        </a:solidFill>
-        <a:gradFill rotWithShape="1">
-          <a:gsLst>
-            <a:gs pos="0">
-              <a:schemeClr val="phClr">
-                <a:tint val="40000"/>
-                <a:satMod val="350000"/>
-              </a:schemeClr>
-            </a:gs>
-            <a:gs pos="40000">
-              <a:schemeClr val="phClr">
-                <a:tint val="45000"/>
-                <a:shade val="99000"/>
-                <a:satMod val="350000"/>
-              </a:schemeClr>
-            </a:gs>
-            <a:gs pos="100000">
-              <a:schemeClr val="phClr">
-                <a:shade val="20000"/>
-                <a:satMod val="255000"/>
-              </a:schemeClr>
-            </a:gs>
-          </a:gsLst>
-          <a:path path="circle">
-            <a:fillToRect l="50000" t="-80000" r="50000" b="180000"/>
-          </a:path>
-        </a:gradFill>
-        <a:gradFill rotWithShape="1">
-          <a:gsLst>
-            <a:gs pos="0">
-              <a:schemeClr val="phClr">
-                <a:tint val="80000"/>
-                <a:satMod val="300000"/>
-              </a:schemeClr>
-            </a:gs>
-            <a:gs pos="100000">
-              <a:schemeClr val="phClr">
-                <a:shade val="30000"/>
-                <a:satMod val="200000"/>
-              </a:schemeClr>
-            </a:gs>
-          </a:gsLst>
-          <a:path path="circle">
-            <a:fillToRect l="50000" t="50000" r="50000" b="50000"/>
-          </a:path>
-        </a:gradFill>
-      </a:bgFillStyleLst>
-    </a:fmtScheme>
-  </a:themeElements>
-</a:theme>
 </file>
--- a/slides/05_object_orientation.pptx
+++ b/slides/05_object_orientation.pptx
@@ -10466,7 +10466,23 @@
                 <a:cs typeface="Arial"/>
                 <a:sym typeface="Arial"/>
               </a:rPr>
-              <a:t>Attribute sollten, um Namenskonflikte zu vermeiden, in der Regel als “private” deklariert werden. Um den Zugriff auf diese Attribute zu gewähren, werden oft sog. Getter und Setter benutzt. Das sind “public”-Methoden, die auf die “private”-Attribute zugreifen können.</a:t>
+              <a:t>Attribute sollten</a:t>
+            </a:r>
+            <a:r>
+              <a:rPr lang="de"/>
+              <a:t> (aus mehreren Gründen)</a:t>
+            </a:r>
+            <a:r>
+              <a:rPr b="0" i="0" lang="de" sz="1600" u="none" cap="none" strike="noStrike">
+                <a:solidFill>
+                  <a:schemeClr val="dk1"/>
+                </a:solidFill>
+                <a:latin typeface="Arial"/>
+                <a:ea typeface="Arial"/>
+                <a:cs typeface="Arial"/>
+                <a:sym typeface="Arial"/>
+              </a:rPr>
+              <a:t> in der Regel als “private” deklariert werden. Um den Zugriff auf diese Attribute zu gewähren, werden oft sog. Getter und Setter benutzt. Das sind “public”-Methoden, die auf die “private”-Attribute zugreifen können.</a:t>
             </a:r>
             <a:endParaRPr b="0" i="0" sz="1600" u="none" cap="none" strike="noStrike">
               <a:solidFill>
@@ -10506,7 +10522,23 @@
                 <a:cs typeface="Arial"/>
                 <a:sym typeface="Arial"/>
               </a:rPr>
-              <a:t>Ja nachdem, ob das Attribut gelesen oder geschrieben werden darf, können nur Getter, nur Setter, beides oder keins von beidem definiert werden.</a:t>
+              <a:t>J</a:t>
+            </a:r>
+            <a:r>
+              <a:rPr lang="de"/>
+              <a:t>e</a:t>
+            </a:r>
+            <a:r>
+              <a:rPr b="0" i="0" lang="de" sz="1600" u="none" cap="none" strike="noStrike">
+                <a:solidFill>
+                  <a:schemeClr val="dk1"/>
+                </a:solidFill>
+                <a:latin typeface="Arial"/>
+                <a:ea typeface="Arial"/>
+                <a:cs typeface="Arial"/>
+                <a:sym typeface="Arial"/>
+              </a:rPr>
+              <a:t> nachdem, ob das Attribut gelesen oder geschrieben werden darf, können nur Getter, nur Setter, beides oder keins von beidem definiert werden.</a:t>
             </a:r>
             <a:endParaRPr b="0" i="0" sz="1600" u="none" cap="none" strike="noStrike">
               <a:solidFill>
@@ -10896,7 +10928,23 @@
                 <a:cs typeface="Arial"/>
                 <a:sym typeface="Arial"/>
               </a:rPr>
-              <a:t>Jede Java-Klasse hat einen default-Konstruktor, der keine Parameter erhält und keine Operationen vornimmt. Diesen Konstruktor kann man jedoch auch überschreiben, und eigene Operationen definieren.</a:t>
+              <a:t>Jede Java-Klasse hat einen default-Konstruktor, der keine Parameter erhält und keine Operationen vornimmt. Diesen Konstruktor kann man jedoch auch überschreiben und ein eigenes </a:t>
+            </a:r>
+            <a:r>
+              <a:rPr lang="de"/>
+              <a:t>Verhalten</a:t>
+            </a:r>
+            <a:r>
+              <a:rPr b="0" i="0" lang="de" sz="1600" u="none" cap="none" strike="noStrike">
+                <a:solidFill>
+                  <a:schemeClr val="dk1"/>
+                </a:solidFill>
+                <a:latin typeface="Arial"/>
+                <a:ea typeface="Arial"/>
+                <a:cs typeface="Arial"/>
+                <a:sym typeface="Arial"/>
+              </a:rPr>
+              <a:t> definieren.</a:t>
             </a:r>
             <a:endParaRPr b="0" i="0" sz="1600" u="none" cap="none" strike="noStrike">
               <a:solidFill>
@@ -12086,7 +12134,23 @@
                 <a:cs typeface="Arial"/>
                 <a:sym typeface="Arial"/>
               </a:rPr>
-              <a:t>des Kreises, sowie eine Methode, die einen Parameter von Typ Circle nimmt und überprüft, </a:t>
+              <a:t>des Kreises, sowie eine Methode, die einen Parameter vo</a:t>
+            </a:r>
+            <a:r>
+              <a:rPr lang="de"/>
+              <a:t>m</a:t>
+            </a:r>
+            <a:r>
+              <a:rPr b="0" i="0" lang="de" sz="1600" u="none" cap="none" strike="noStrike">
+                <a:solidFill>
+                  <a:schemeClr val="dk1"/>
+                </a:solidFill>
+                <a:latin typeface="Arial"/>
+                <a:ea typeface="Arial"/>
+                <a:cs typeface="Arial"/>
+                <a:sym typeface="Arial"/>
+              </a:rPr>
+              <a:t> Typ Circle nimmt und überprüft, </a:t>
             </a:r>
             <a:r>
               <a:rPr b="1" i="0" lang="de" sz="1600" u="none" cap="none" strike="noStrike">
@@ -13093,7 +13157,7 @@
             </a:pPr>
             <a:r>
               <a:rPr lang="de"/>
-              <a:t>In Java ist es jedoch auch möglich, sich eigene, komplexere Datentypen selber zu definieren oder bereits bestehende Datentypen aus der Java-API zu nutzen.</a:t>
+              <a:t>In Java ist es jedoch auch möglich, sich eigene, komplexere Datentypen selbst zu definieren oder bereits bestehende Datentypen aus der Java-API zu nutzen.</a:t>
             </a:r>
             <a:endParaRPr/>
           </a:p>
@@ -13132,7 +13196,7 @@
             </a:r>
             <a:r>
               <a:rPr lang="de"/>
-              <a:t>, da Variablen dieser Datentypen nicht das Objekts selber, sondern eine Referenz darauf enthalten. Daraus ergeben sich auch einige Unterschiede im Umgang, die wir später klären.</a:t>
+              <a:t>, da Variablen dieser Datentypen nicht das Objekt selbst, sondern eine Referenz darauf enthalten. Daraus ergeben sich auch einige Unterschiede im Umgang, die wir später klären.</a:t>
             </a:r>
             <a:endParaRPr/>
           </a:p>
@@ -13163,7 +13227,7 @@
             </a:pPr>
             <a:r>
               <a:rPr lang="de"/>
-              <a:t>Man definiert sich eigene Datentypen durch das Schreiben von Klassen (siehe letzte Session), wie wir im folgenden sehen.</a:t>
+              <a:t>Man definiert sich eigene Datentypen durch das Schreiben von Klassen (siehe letzte Session), wie wir im Folgenden sehen.</a:t>
             </a:r>
             <a:endParaRPr/>
           </a:p>
@@ -13399,7 +13463,23 @@
                 <a:cs typeface="Arial"/>
                 <a:sym typeface="Arial"/>
               </a:rPr>
-              <a:t>Wir gehen auf den Unterschied im folgenden noch weiter ein</a:t>
+              <a:t>Wir gehen auf den Unterschied im </a:t>
+            </a:r>
+            <a:r>
+              <a:rPr lang="de"/>
+              <a:t>F</a:t>
+            </a:r>
+            <a:r>
+              <a:rPr b="0" i="0" lang="de" sz="1600" u="none" cap="none" strike="noStrike">
+                <a:solidFill>
+                  <a:schemeClr val="dk1"/>
+                </a:solidFill>
+                <a:latin typeface="Arial"/>
+                <a:ea typeface="Arial"/>
+                <a:cs typeface="Arial"/>
+                <a:sym typeface="Arial"/>
+              </a:rPr>
+              <a:t>olgenden noch weiter ein</a:t>
             </a:r>
             <a:r>
               <a:rPr lang="de"/>
@@ -13572,7 +13652,27 @@
                 <a:cs typeface="Arial"/>
                 <a:sym typeface="Arial"/>
               </a:rPr>
-              <a:t>Das Schlüsselwort this ist immer eine Referenz (wie eine nicht-überschreibbare Variable) auf das </a:t>
+              <a:t>Das Schlüsselwort </a:t>
+            </a:r>
+            <a:r>
+              <a:rPr b="1" i="0" lang="de" sz="1600" u="none" cap="none" strike="noStrike">
+                <a:solidFill>
+                  <a:schemeClr val="dk1"/>
+                </a:solidFill>
+              </a:rPr>
+              <a:t>this</a:t>
+            </a:r>
+            <a:r>
+              <a:rPr b="0" i="0" lang="de" sz="1600" u="none" cap="none" strike="noStrike">
+                <a:solidFill>
+                  <a:schemeClr val="dk1"/>
+                </a:solidFill>
+                <a:latin typeface="Arial"/>
+                <a:ea typeface="Arial"/>
+                <a:cs typeface="Arial"/>
+                <a:sym typeface="Arial"/>
+              </a:rPr>
+              <a:t> ist immer eine Referenz (wie eine nicht-überschreibbare Variable) auf das </a:t>
             </a:r>
             <a:r>
               <a:rPr b="0" i="1" lang="de" sz="1600" u="none" cap="none" strike="noStrike">
@@ -13659,7 +13759,19 @@
                   <a:schemeClr val="dk1"/>
                 </a:solidFill>
               </a:rPr>
-              <a:t>nur in nicht-statisches Kontexten</a:t>
+              <a:t>nur in nicht-statische</a:t>
+            </a:r>
+            <a:r>
+              <a:rPr b="1" lang="de"/>
+              <a:t>n</a:t>
+            </a:r>
+            <a:r>
+              <a:rPr b="1" i="0" lang="de" sz="1600" u="none" cap="none" strike="noStrike">
+                <a:solidFill>
+                  <a:schemeClr val="dk1"/>
+                </a:solidFill>
+              </a:rPr>
+              <a:t> Kontexten</a:t>
             </a:r>
             <a:r>
               <a:rPr b="0" i="0" lang="de" sz="1600" u="none" cap="none" strike="noStrike">
@@ -13862,7 +13974,7 @@
               <a:buNone/>
             </a:pPr>
             <a:r>
-              <a:rPr i="1" lang="de"/>
+              <a:rPr b="1" i="1" lang="de"/>
               <a:t>null</a:t>
             </a:r>
             <a:r>
@@ -13886,7 +13998,7 @@
               <a:t>Auf deutsch wäre </a:t>
             </a:r>
             <a:r>
-              <a:rPr i="1" lang="de"/>
+              <a:rPr b="1" i="1" lang="de"/>
               <a:t>null</a:t>
             </a:r>
             <a:r>
@@ -14068,7 +14180,7 @@
                 <a:cs typeface="Arial"/>
                 <a:sym typeface="Arial"/>
               </a:rPr>
-              <a:t>Als final deklarierte Variablen sind unveränderlich. Ihnen muss bei der Deklaration direkt auch einen Wert zugewiesen werden. Sie werden auch als Konstanten bezeichnet.</a:t>
+              <a:t>Als final deklarierte Variablen sind unveränderlich. Ihnen muss bei der Deklaration direkt auch ein Wert zugewiesen werden. Sie werden auch als Konstanten bezeichnet.</a:t>
             </a:r>
             <a:endParaRPr b="0" i="0" sz="1600" u="none" cap="none" strike="noStrike">
               <a:solidFill>
@@ -14886,6 +14998,22 @@
               <a:t>auf die Attribute der Instanz, </a:t>
             </a:r>
             <a:r>
+              <a:rPr lang="de"/>
+              <a:t>aber auch</a:t>
+            </a:r>
+            <a:r>
+              <a:rPr b="0" lang="de" sz="1600" u="none" cap="none" strike="noStrike">
+                <a:solidFill>
+                  <a:schemeClr val="dk1"/>
+                </a:solidFill>
+                <a:latin typeface="Arial"/>
+                <a:ea typeface="Arial"/>
+                <a:cs typeface="Arial"/>
+                <a:sym typeface="Arial"/>
+              </a:rPr>
+              <a:t> auf </a:t>
+            </a:r>
+            <a:r>
               <a:rPr b="0" i="1" lang="de" sz="1600" u="none" cap="none" strike="noStrike">
                 <a:solidFill>
                   <a:schemeClr val="dk1"/>
@@ -14895,7 +15023,7 @@
                 <a:cs typeface="Arial"/>
                 <a:sym typeface="Arial"/>
               </a:rPr>
-              <a:t>auch aber auf statische Klassenvariablen</a:t>
+              <a:t>statische Klassenvariablen</a:t>
             </a:r>
             <a:r>
               <a:rPr b="0" i="0" lang="de" sz="1600" u="none" cap="none" strike="noStrike">
@@ -15078,6 +15206,285 @@
 </file>
 
 <file path=ppt/theme/theme1.xml><?xml version="1.0" encoding="utf-8"?>
+<a:theme xmlns:a="http://schemas.openxmlformats.org/drawingml/2006/main" xmlns:r="http://schemas.openxmlformats.org/officeDocument/2006/relationships">
+  <a:themeElements>
+    <a:clrScheme name="Default">
+      <a:dk1>
+        <a:srgbClr val="000000"/>
+      </a:dk1>
+      <a:lt1>
+        <a:srgbClr val="FFFFFF"/>
+      </a:lt1>
+      <a:dk2>
+        <a:srgbClr val="158158"/>
+      </a:dk2>
+      <a:lt2>
+        <a:srgbClr val="F3F3F3"/>
+      </a:lt2>
+      <a:accent1>
+        <a:srgbClr val="058DC7"/>
+      </a:accent1>
+      <a:accent2>
+        <a:srgbClr val="50B432"/>
+      </a:accent2>
+      <a:accent3>
+        <a:srgbClr val="ED561B"/>
+      </a:accent3>
+      <a:accent4>
+        <a:srgbClr val="EDEF00"/>
+      </a:accent4>
+      <a:accent5>
+        <a:srgbClr val="24CBE5"/>
+      </a:accent5>
+      <a:accent6>
+        <a:srgbClr val="64E572"/>
+      </a:accent6>
+      <a:hlink>
+        <a:srgbClr val="2200CC"/>
+      </a:hlink>
+      <a:folHlink>
+        <a:srgbClr val="551A8B"/>
+      </a:folHlink>
+    </a:clrScheme>
+    <a:fontScheme name="Office">
+      <a:majorFont>
+        <a:latin typeface="Arial"/>
+        <a:ea typeface=""/>
+        <a:cs typeface=""/>
+        <a:font script="Jpan" typeface="ＭＳ Ｐゴシック"/>
+        <a:font script="Hang" typeface="맑은 고딕"/>
+        <a:font script="Hans" typeface="宋体"/>
+        <a:font script="Hant" typeface="新細明體"/>
+        <a:font script="Arab" typeface="Times New Roman"/>
+        <a:font script="Hebr" typeface="Times New Roman"/>
+        <a:font script="Thai" typeface="Angsana New"/>
+        <a:font script="Ethi" typeface="Nyala"/>
+        <a:font script="Beng" typeface="Vrinda"/>
+        <a:font script="Gujr" typeface="Shruti"/>
+        <a:font script="Khmr" typeface="MoolBoran"/>
+        <a:font script="Knda" typeface="Tunga"/>
+        <a:font script="Guru" typeface="Raavi"/>
+        <a:font script="Cans" typeface="Euphemia"/>
+        <a:font script="Cher" typeface="Plantagenet Cherokee"/>
+        <a:font script="Yiii" typeface="Microsoft Yi Baiti"/>
+        <a:font script="Tibt" typeface="Microsoft Himalaya"/>
+        <a:font script="Thaa" typeface="MV Boli"/>
+        <a:font script="Deva" typeface="Mangal"/>
+        <a:font script="Telu" typeface="Gautami"/>
+        <a:font script="Taml" typeface="Latha"/>
+        <a:font script="Syrc" typeface="Estrangelo Edessa"/>
+        <a:font script="Orya" typeface="Kalinga"/>
+        <a:font script="Mlym" typeface="Kartika"/>
+        <a:font script="Laoo" typeface="DokChampa"/>
+        <a:font script="Sinh" typeface="Iskoola Pota"/>
+        <a:font script="Mong" typeface="Mongolian Baiti"/>
+        <a:font script="Viet" typeface="Times New Roman"/>
+        <a:font script="Uigh" typeface="Microsoft Uighur"/>
+        <a:font script="Geor" typeface="Sylfaen"/>
+      </a:majorFont>
+      <a:minorFont>
+        <a:latin typeface="Arial"/>
+        <a:ea typeface=""/>
+        <a:cs typeface=""/>
+        <a:font script="Jpan" typeface="ＭＳ Ｐゴシック"/>
+        <a:font script="Hang" typeface="맑은 고딕"/>
+        <a:font script="Hans" typeface="宋体"/>
+        <a:font script="Hant" typeface="新細明體"/>
+        <a:font script="Arab" typeface="Arial"/>
+        <a:font script="Hebr" typeface="Arial"/>
+        <a:font script="Thai" typeface="Cordia New"/>
+        <a:font script="Ethi" typeface="Nyala"/>
+        <a:font script="Beng" typeface="Vrinda"/>
+        <a:font script="Gujr" typeface="Shruti"/>
+        <a:font script="Khmr" typeface="DaunPenh"/>
+        <a:font script="Knda" typeface="Tunga"/>
+        <a:font script="Guru" typeface="Raavi"/>
+        <a:font script="Cans" typeface="Euphemia"/>
+        <a:font script="Cher" typeface="Plantagenet Cherokee"/>
+        <a:font script="Yiii" typeface="Microsoft Yi Baiti"/>
+        <a:font script="Tibt" typeface="Microsoft Himalaya"/>
+        <a:font script="Thaa" typeface="MV Boli"/>
+        <a:font script="Deva" typeface="Mangal"/>
+        <a:font script="Telu" typeface="Gautami"/>
+        <a:font script="Taml" typeface="Latha"/>
+        <a:font script="Syrc" typeface="Estrangelo Edessa"/>
+        <a:font script="Orya" typeface="Kalinga"/>
+        <a:font script="Mlym" typeface="Kartika"/>
+        <a:font script="Laoo" typeface="DokChampa"/>
+        <a:font script="Sinh" typeface="Iskoola Pota"/>
+        <a:font script="Mong" typeface="Mongolian Baiti"/>
+        <a:font script="Viet" typeface="Arial"/>
+        <a:font script="Uigh" typeface="Microsoft Uighur"/>
+        <a:font script="Geor" typeface="Sylfaen"/>
+      </a:minorFont>
+    </a:fontScheme>
+    <a:fmtScheme name="Office">
+      <a:fillStyleLst>
+        <a:solidFill>
+          <a:schemeClr val="phClr"/>
+        </a:solidFill>
+        <a:gradFill rotWithShape="1">
+          <a:gsLst>
+            <a:gs pos="0">
+              <a:schemeClr val="phClr">
+                <a:tint val="50000"/>
+                <a:satMod val="300000"/>
+              </a:schemeClr>
+            </a:gs>
+            <a:gs pos="35000">
+              <a:schemeClr val="phClr">
+                <a:tint val="37000"/>
+                <a:satMod val="300000"/>
+              </a:schemeClr>
+            </a:gs>
+            <a:gs pos="100000">
+              <a:schemeClr val="phClr">
+                <a:tint val="15000"/>
+                <a:satMod val="350000"/>
+              </a:schemeClr>
+            </a:gs>
+          </a:gsLst>
+          <a:lin ang="16200000" scaled="1"/>
+        </a:gradFill>
+        <a:gradFill rotWithShape="1">
+          <a:gsLst>
+            <a:gs pos="0">
+              <a:schemeClr val="phClr">
+                <a:tint val="100000"/>
+                <a:shade val="100000"/>
+                <a:satMod val="130000"/>
+              </a:schemeClr>
+            </a:gs>
+            <a:gs pos="100000">
+              <a:schemeClr val="phClr">
+                <a:tint val="50000"/>
+                <a:shade val="100000"/>
+                <a:satMod val="350000"/>
+              </a:schemeClr>
+            </a:gs>
+          </a:gsLst>
+          <a:lin ang="16200000" scaled="0"/>
+        </a:gradFill>
+      </a:fillStyleLst>
+      <a:lnStyleLst>
+        <a:ln w="9525" cap="flat" cmpd="sng" algn="ctr">
+          <a:solidFill>
+            <a:schemeClr val="phClr">
+              <a:shade val="95000"/>
+              <a:satMod val="105000"/>
+            </a:schemeClr>
+          </a:solidFill>
+          <a:prstDash val="solid"/>
+        </a:ln>
+        <a:ln w="25400" cap="flat" cmpd="sng" algn="ctr">
+          <a:solidFill>
+            <a:schemeClr val="phClr"/>
+          </a:solidFill>
+          <a:prstDash val="solid"/>
+        </a:ln>
+        <a:ln w="38100" cap="flat" cmpd="sng" algn="ctr">
+          <a:solidFill>
+            <a:schemeClr val="phClr"/>
+          </a:solidFill>
+          <a:prstDash val="solid"/>
+        </a:ln>
+      </a:lnStyleLst>
+      <a:effectStyleLst>
+        <a:effectStyle>
+          <a:effectLst>
+            <a:outerShdw blurRad="40000" dist="20000" dir="5400000" rotWithShape="0">
+              <a:srgbClr val="000000">
+                <a:alpha val="38000"/>
+              </a:srgbClr>
+            </a:outerShdw>
+          </a:effectLst>
+        </a:effectStyle>
+        <a:effectStyle>
+          <a:effectLst>
+            <a:outerShdw blurRad="40000" dist="23000" dir="5400000" rotWithShape="0">
+              <a:srgbClr val="000000">
+                <a:alpha val="35000"/>
+              </a:srgbClr>
+            </a:outerShdw>
+          </a:effectLst>
+        </a:effectStyle>
+        <a:effectStyle>
+          <a:effectLst>
+            <a:outerShdw blurRad="40000" dist="23000" dir="5400000" rotWithShape="0">
+              <a:srgbClr val="000000">
+                <a:alpha val="35000"/>
+              </a:srgbClr>
+            </a:outerShdw>
+          </a:effectLst>
+          <a:scene3d>
+            <a:camera prst="orthographicFront">
+              <a:rot lat="0" lon="0" rev="0"/>
+            </a:camera>
+            <a:lightRig rig="threePt" dir="t">
+              <a:rot lat="0" lon="0" rev="1200000"/>
+            </a:lightRig>
+          </a:scene3d>
+          <a:sp3d>
+            <a:bevelT w="63500" h="25400"/>
+          </a:sp3d>
+        </a:effectStyle>
+      </a:effectStyleLst>
+      <a:bgFillStyleLst>
+        <a:solidFill>
+          <a:schemeClr val="phClr"/>
+        </a:solidFill>
+        <a:gradFill rotWithShape="1">
+          <a:gsLst>
+            <a:gs pos="0">
+              <a:schemeClr val="phClr">
+                <a:tint val="40000"/>
+                <a:satMod val="350000"/>
+              </a:schemeClr>
+            </a:gs>
+            <a:gs pos="40000">
+              <a:schemeClr val="phClr">
+                <a:tint val="45000"/>
+                <a:shade val="99000"/>
+                <a:satMod val="350000"/>
+              </a:schemeClr>
+            </a:gs>
+            <a:gs pos="100000">
+              <a:schemeClr val="phClr">
+                <a:shade val="20000"/>
+                <a:satMod val="255000"/>
+              </a:schemeClr>
+            </a:gs>
+          </a:gsLst>
+          <a:path path="circle">
+            <a:fillToRect l="50000" t="-80000" r="50000" b="180000"/>
+          </a:path>
+        </a:gradFill>
+        <a:gradFill rotWithShape="1">
+          <a:gsLst>
+            <a:gs pos="0">
+              <a:schemeClr val="phClr">
+                <a:tint val="80000"/>
+                <a:satMod val="300000"/>
+              </a:schemeClr>
+            </a:gs>
+            <a:gs pos="100000">
+              <a:schemeClr val="phClr">
+                <a:shade val="30000"/>
+                <a:satMod val="200000"/>
+              </a:schemeClr>
+            </a:gs>
+          </a:gsLst>
+          <a:path path="circle">
+            <a:fillToRect l="50000" t="50000" r="50000" b="50000"/>
+          </a:path>
+        </a:gradFill>
+      </a:bgFillStyleLst>
+    </a:fmtScheme>
+  </a:themeElements>
+</a:theme>
+</file>
+
+<file path=ppt/theme/theme2.xml><?xml version="1.0" encoding="utf-8"?>
 <a:theme xmlns:a="http://schemas.openxmlformats.org/drawingml/2006/main" xmlns:r="http://schemas.openxmlformats.org/officeDocument/2006/relationships" name="TUBraunschweig_PPT2007_Folienpool_pptx">
   <a:themeElements>
     <a:clrScheme name="TU Braunschweig">
@@ -15354,283 +15761,4 @@
     </a:fmtScheme>
   </a:themeElements>
 </a:theme>
-</file>
-
-<file path=ppt/theme/theme2.xml><?xml version="1.0" encoding="utf-8"?>
-<a:theme xmlns:a="http://schemas.openxmlformats.org/drawingml/2006/main" xmlns:r="http://schemas.openxmlformats.org/officeDocument/2006/relationships">
-  <a:themeElements>
-    <a:clrScheme name="Default">
-      <a:dk1>
-        <a:srgbClr val="000000"/>
-      </a:dk1>
-      <a:lt1>
-        <a:srgbClr val="FFFFFF"/>
-      </a:lt1>
-      <a:dk2>
-        <a:srgbClr val="158158"/>
-      </a:dk2>
-      <a:lt2>
-        <a:srgbClr val="F3F3F3"/>
-      </a:lt2>
-      <a:accent1>
-        <a:srgbClr val="058DC7"/>
-      </a:accent1>
-      <a:accent2>
-        <a:srgbClr val="50B432"/>
-      </a:accent2>
-      <a:accent3>
-        <a:srgbClr val="ED561B"/>
-      </a:accent3>
-      <a:accent4>
-        <a:srgbClr val="EDEF00"/>
-      </a:accent4>
-      <a:accent5>
-        <a:srgbClr val="24CBE5"/>
-      </a:accent5>
-      <a:accent6>
-        <a:srgbClr val="64E572"/>
-      </a:accent6>
-      <a:hlink>
-        <a:srgbClr val="2200CC"/>
-      </a:hlink>
-      <a:folHlink>
-        <a:srgbClr val="551A8B"/>
-      </a:folHlink>
-    </a:clrScheme>
-    <a:fontScheme name="Office">
-      <a:majorFont>
-        <a:latin typeface="Arial"/>
-        <a:ea typeface=""/>
-        <a:cs typeface=""/>
-        <a:font script="Jpan" typeface="ＭＳ Ｐゴシック"/>
-        <a:font script="Hang" typeface="맑은 고딕"/>
-        <a:font script="Hans" typeface="宋体"/>
-        <a:font script="Hant" typeface="新細明體"/>
-        <a:font script="Arab" typeface="Times New Roman"/>
-        <a:font script="Hebr" typeface="Times New Roman"/>
-        <a:font script="Thai" typeface="Angsana New"/>
-        <a:font script="Ethi" typeface="Nyala"/>
-        <a:font script="Beng" typeface="Vrinda"/>
-        <a:font script="Gujr" typeface="Shruti"/>
-        <a:font script="Khmr" typeface="MoolBoran"/>
-        <a:font script="Knda" typeface="Tunga"/>
-        <a:font script="Guru" typeface="Raavi"/>
-        <a:font script="Cans" typeface="Euphemia"/>
-        <a:font script="Cher" typeface="Plantagenet Cherokee"/>
-        <a:font script="Yiii" typeface="Microsoft Yi Baiti"/>
-        <a:font script="Tibt" typeface="Microsoft Himalaya"/>
-        <a:font script="Thaa" typeface="MV Boli"/>
-        <a:font script="Deva" typeface="Mangal"/>
-        <a:font script="Telu" typeface="Gautami"/>
-        <a:font script="Taml" typeface="Latha"/>
-        <a:font script="Syrc" typeface="Estrangelo Edessa"/>
-        <a:font script="Orya" typeface="Kalinga"/>
-        <a:font script="Mlym" typeface="Kartika"/>
-        <a:font script="Laoo" typeface="DokChampa"/>
-        <a:font script="Sinh" typeface="Iskoola Pota"/>
-        <a:font script="Mong" typeface="Mongolian Baiti"/>
-        <a:font script="Viet" typeface="Times New Roman"/>
-        <a:font script="Uigh" typeface="Microsoft Uighur"/>
-        <a:font script="Geor" typeface="Sylfaen"/>
-      </a:majorFont>
-      <a:minorFont>
-        <a:latin typeface="Arial"/>
-        <a:ea typeface=""/>
-        <a:cs typeface=""/>
-        <a:font script="Jpan" typeface="ＭＳ Ｐゴシック"/>
-        <a:font script="Hang" typeface="맑은 고딕"/>
-        <a:font script="Hans" typeface="宋体"/>
-        <a:font script="Hant" typeface="新細明體"/>
-        <a:font script="Arab" typeface="Arial"/>
-        <a:font script="Hebr" typeface="Arial"/>
-        <a:font script="Thai" typeface="Cordia New"/>
-        <a:font script="Ethi" typeface="Nyala"/>
-        <a:font script="Beng" typeface="Vrinda"/>
-        <a:font script="Gujr" typeface="Shruti"/>
-        <a:font script="Khmr" typeface="DaunPenh"/>
-        <a:font script="Knda" typeface="Tunga"/>
-        <a:font script="Guru" typeface="Raavi"/>
-        <a:font script="Cans" typeface="Euphemia"/>
-        <a:font script="Cher" typeface="Plantagenet Cherokee"/>
-        <a:font script="Yiii" typeface="Microsoft Yi Baiti"/>
-        <a:font script="Tibt" typeface="Microsoft Himalaya"/>
-        <a:font script="Thaa" typeface="MV Boli"/>
-        <a:font script="Deva" typeface="Mangal"/>
-        <a:font script="Telu" typeface="Gautami"/>
-        <a:font script="Taml" typeface="Latha"/>
-        <a:font script="Syrc" typeface="Estrangelo Edessa"/>
-        <a:font script="Orya" typeface="Kalinga"/>
-        <a:font script="Mlym" typeface="Kartika"/>
-        <a:font script="Laoo" typeface="DokChampa"/>
-        <a:font script="Sinh" typeface="Iskoola Pota"/>
-        <a:font script="Mong" typeface="Mongolian Baiti"/>
-        <a:font script="Viet" typeface="Arial"/>
-        <a:font script="Uigh" typeface="Microsoft Uighur"/>
-        <a:font script="Geor" typeface="Sylfaen"/>
-      </a:minorFont>
-    </a:fontScheme>
-    <a:fmtScheme name="Office">
-      <a:fillStyleLst>
-        <a:solidFill>
-          <a:schemeClr val="phClr"/>
-        </a:solidFill>
-        <a:gradFill rotWithShape="1">
-          <a:gsLst>
-            <a:gs pos="0">
-              <a:schemeClr val="phClr">
-                <a:tint val="50000"/>
-                <a:satMod val="300000"/>
-              </a:schemeClr>
-            </a:gs>
-            <a:gs pos="35000">
-              <a:schemeClr val="phClr">
-                <a:tint val="37000"/>
-                <a:satMod val="300000"/>
-              </a:schemeClr>
-            </a:gs>
-            <a:gs pos="100000">
-              <a:schemeClr val="phClr">
-                <a:tint val="15000"/>
-                <a:satMod val="350000"/>
-              </a:schemeClr>
-            </a:gs>
-          </a:gsLst>
-          <a:lin ang="16200000" scaled="1"/>
-        </a:gradFill>
-        <a:gradFill rotWithShape="1">
-          <a:gsLst>
-            <a:gs pos="0">
-              <a:schemeClr val="phClr">
-                <a:tint val="100000"/>
-                <a:shade val="100000"/>
-                <a:satMod val="130000"/>
-              </a:schemeClr>
-            </a:gs>
-            <a:gs pos="100000">
-              <a:schemeClr val="phClr">
-                <a:tint val="50000"/>
-                <a:shade val="100000"/>
-                <a:satMod val="350000"/>
-              </a:schemeClr>
-            </a:gs>
-          </a:gsLst>
-          <a:lin ang="16200000" scaled="0"/>
-        </a:gradFill>
-      </a:fillStyleLst>
-      <a:lnStyleLst>
-        <a:ln w="9525" cap="flat" cmpd="sng" algn="ctr">
-          <a:solidFill>
-            <a:schemeClr val="phClr">
-              <a:shade val="95000"/>
-              <a:satMod val="105000"/>
-            </a:schemeClr>
-          </a:solidFill>
-          <a:prstDash val="solid"/>
-        </a:ln>
-        <a:ln w="25400" cap="flat" cmpd="sng" algn="ctr">
-          <a:solidFill>
-            <a:schemeClr val="phClr"/>
-          </a:solidFill>
-          <a:prstDash val="solid"/>
-        </a:ln>
-        <a:ln w="38100" cap="flat" cmpd="sng" algn="ctr">
-          <a:solidFill>
-            <a:schemeClr val="phClr"/>
-          </a:solidFill>
-          <a:prstDash val="solid"/>
-        </a:ln>
-      </a:lnStyleLst>
-      <a:effectStyleLst>
-        <a:effectStyle>
-          <a:effectLst>
-            <a:outerShdw blurRad="40000" dist="20000" dir="5400000" rotWithShape="0">
-              <a:srgbClr val="000000">
-                <a:alpha val="38000"/>
-              </a:srgbClr>
-            </a:outerShdw>
-          </a:effectLst>
-        </a:effectStyle>
-        <a:effectStyle>
-          <a:effectLst>
-            <a:outerShdw blurRad="40000" dist="23000" dir="5400000" rotWithShape="0">
-              <a:srgbClr val="000000">
-                <a:alpha val="35000"/>
-              </a:srgbClr>
-            </a:outerShdw>
-          </a:effectLst>
-        </a:effectStyle>
-        <a:effectStyle>
-          <a:effectLst>
-            <a:outerShdw blurRad="40000" dist="23000" dir="5400000" rotWithShape="0">
-              <a:srgbClr val="000000">
-                <a:alpha val="35000"/>
-              </a:srgbClr>
-            </a:outerShdw>
-          </a:effectLst>
-          <a:scene3d>
-            <a:camera prst="orthographicFront">
-              <a:rot lat="0" lon="0" rev="0"/>
-            </a:camera>
-            <a:lightRig rig="threePt" dir="t">
-              <a:rot lat="0" lon="0" rev="1200000"/>
-            </a:lightRig>
-          </a:scene3d>
-          <a:sp3d>
-            <a:bevelT w="63500" h="25400"/>
-          </a:sp3d>
-        </a:effectStyle>
-      </a:effectStyleLst>
-      <a:bgFillStyleLst>
-        <a:solidFill>
-          <a:schemeClr val="phClr"/>
-        </a:solidFill>
-        <a:gradFill rotWithShape="1">
-          <a:gsLst>
-            <a:gs pos="0">
-              <a:schemeClr val="phClr">
-                <a:tint val="40000"/>
-                <a:satMod val="350000"/>
-              </a:schemeClr>
-            </a:gs>
-            <a:gs pos="40000">
-              <a:schemeClr val="phClr">
-                <a:tint val="45000"/>
-                <a:shade val="99000"/>
-                <a:satMod val="350000"/>
-              </a:schemeClr>
-            </a:gs>
-            <a:gs pos="100000">
-              <a:schemeClr val="phClr">
-                <a:shade val="20000"/>
-                <a:satMod val="255000"/>
-              </a:schemeClr>
-            </a:gs>
-          </a:gsLst>
-          <a:path path="circle">
-            <a:fillToRect l="50000" t="-80000" r="50000" b="180000"/>
-          </a:path>
-        </a:gradFill>
-        <a:gradFill rotWithShape="1">
-          <a:gsLst>
-            <a:gs pos="0">
-              <a:schemeClr val="phClr">
-                <a:tint val="80000"/>
-                <a:satMod val="300000"/>
-              </a:schemeClr>
-            </a:gs>
-            <a:gs pos="100000">
-              <a:schemeClr val="phClr">
-                <a:shade val="30000"/>
-                <a:satMod val="200000"/>
-              </a:schemeClr>
-            </a:gs>
-          </a:gsLst>
-          <a:path path="circle">
-            <a:fillToRect l="50000" t="50000" r="50000" b="50000"/>
-          </a:path>
-        </a:gradFill>
-      </a:bgFillStyleLst>
-    </a:fmtScheme>
-  </a:themeElements>
-</a:theme>
 </file>
--- a/slides/05_object_orientation.pptx
+++ b/slides/05_object_orientation.pptx
@@ -9377,7 +9377,7 @@
                 <a:cs typeface="Arial"/>
                 <a:sym typeface="Arial"/>
               </a:rPr>
-              <a:t>David Gemen und Andriyan Lapychak | Seite </a:t>
+              <a:t>David Gemen | Seite </a:t>
             </a:r>
             <a:fld id="{00000000-1234-1234-1234-123412341234}" type="slidenum">
               <a:rPr b="0" i="0" lang="de" sz="800" u="none" cap="none" strike="noStrike">
